--- a/mosaic-cheatsheet-lattice.pptx
+++ b/mosaic-cheatsheet-lattice.pptx
@@ -2879,7 +2879,17 @@
                 <a:latin typeface="Source Sans Pro Light"/>
                 <a:ea typeface="Source Sans Pro Light"/>
               </a:rPr>
-              <a:t> &amp; DT Kaplan •  Updated: 02/18</a:t>
+              <a:t> &amp; DT Kaplan •  Updated</a:t>
+            </a:r>
+            <a:r>
+              <a:rPr lang="en-US" sz="900" b="0" strike="noStrike" spc="-1">
+                <a:solidFill>
+                  <a:srgbClr val="000000"/>
+                </a:solidFill>
+                <a:latin typeface="Source Sans Pro Light"/>
+                <a:ea typeface="Source Sans Pro Light"/>
+              </a:rPr>
+              <a:t>: 07/18</a:t>
             </a:r>
             <a:endParaRPr lang="en-US" sz="900" b="0" strike="noStrike" spc="-1" dirty="0">
               <a:latin typeface="Arial"/>
@@ -3228,8 +3238,8 @@
           </a:p>
         </p:txBody>
       </p:sp>
-      <mc:AlternateContent xmlns:mc="http://schemas.openxmlformats.org/markup-compatibility/2006">
-        <mc:Choice xmlns:a14="http://schemas.microsoft.com/office/drawing/2010/main" Requires="a14">
+      <mc:AlternateContent xmlns:mc="http://schemas.openxmlformats.org/markup-compatibility/2006" xmlns:a14="http://schemas.microsoft.com/office/drawing/2010/main">
+        <mc:Choice Requires="a14">
           <p:sp>
             <p:nvSpPr>
               <p:cNvPr id="57" name="CustomShape 15"/>
@@ -3697,7 +3707,7 @@
             </p:txBody>
           </p:sp>
         </mc:Choice>
-        <mc:Fallback>
+        <mc:Fallback xmlns="">
           <p:sp>
             <p:nvSpPr>
               <p:cNvPr id="57" name="CustomShape 15"/>
@@ -4788,7 +4798,7 @@
         </p:nvSpPr>
         <p:spPr>
           <a:xfrm>
-            <a:off x="6975158" y="666243"/>
+            <a:off x="6892211" y="3690409"/>
             <a:ext cx="3200400" cy="6100675"/>
           </a:xfrm>
           <a:prstGeom prst="rect">
@@ -5067,7 +5077,7 @@
         </p:blipFill>
         <p:spPr>
           <a:xfrm>
-            <a:off x="7429456" y="2224019"/>
+            <a:off x="7346509" y="5248185"/>
             <a:ext cx="2284560" cy="1809000"/>
           </a:xfrm>
           <a:prstGeom prst="rect">
@@ -5565,459 +5575,13 @@
       </p:sp>
       <p:sp>
         <p:nvSpPr>
-          <p:cNvPr id="70" name="CustomShape 27"/>
-          <p:cNvSpPr/>
-          <p:nvPr/>
-        </p:nvSpPr>
-        <p:spPr>
-          <a:xfrm>
-            <a:off x="6975158" y="7056341"/>
-            <a:ext cx="3200400" cy="316440"/>
-          </a:xfrm>
-          <a:prstGeom prst="roundRect">
-            <a:avLst>
-              <a:gd name="adj" fmla="val 20098"/>
-            </a:avLst>
-          </a:prstGeom>
-          <a:solidFill>
-            <a:srgbClr val="A6AAA9"/>
-          </a:solidFill>
-          <a:ln w="12600">
-            <a:noFill/>
-          </a:ln>
-        </p:spPr>
-        <p:style>
-          <a:lnRef idx="0">
-            <a:scrgbClr r="0" g="0" b="0"/>
-          </a:lnRef>
-          <a:fillRef idx="0">
-            <a:scrgbClr r="0" g="0" b="0"/>
-          </a:fillRef>
-          <a:effectRef idx="0">
-            <a:scrgbClr r="0" g="0" b="0"/>
-          </a:effectRef>
-          <a:fontRef idx="minor"/>
-        </p:style>
-        <p:txBody>
-          <a:bodyPr lIns="0" tIns="0" rIns="0" bIns="0" anchor="ctr"/>
-          <a:lstStyle/>
-          <a:p>
-            <a:pPr algn="ctr">
-              <a:lnSpc>
-                <a:spcPct val="100000"/>
-              </a:lnSpc>
-            </a:pPr>
-            <a:r>
-              <a:rPr lang="en-US" sz="2000" b="0" strike="noStrike" spc="-1" dirty="0">
-                <a:solidFill>
-                  <a:srgbClr val="FFFFFF"/>
-                </a:solidFill>
-                <a:latin typeface="Source Sans Pro"/>
-                <a:ea typeface="Source Sans Pro"/>
-              </a:rPr>
-              <a:t>Examining data</a:t>
-            </a:r>
-            <a:endParaRPr lang="en-US" sz="2000" b="0" strike="noStrike" spc="-1" dirty="0">
-              <a:latin typeface="Arial"/>
-            </a:endParaRPr>
-          </a:p>
-        </p:txBody>
-      </p:sp>
-      <p:sp>
-        <p:nvSpPr>
-          <p:cNvPr id="71" name="CustomShape 28"/>
-          <p:cNvSpPr/>
-          <p:nvPr/>
-        </p:nvSpPr>
-        <p:spPr>
-          <a:xfrm>
-            <a:off x="6975158" y="7441452"/>
-            <a:ext cx="3228120" cy="2515768"/>
-          </a:xfrm>
-          <a:prstGeom prst="rect">
-            <a:avLst/>
-          </a:prstGeom>
-          <a:solidFill>
-            <a:srgbClr val="FFFFFF"/>
-          </a:solidFill>
-          <a:ln w="12600">
-            <a:solidFill>
-              <a:srgbClr val="A6AAA9"/>
-            </a:solidFill>
-            <a:miter/>
-          </a:ln>
-        </p:spPr>
-        <p:style>
-          <a:lnRef idx="0">
-            <a:scrgbClr r="0" g="0" b="0"/>
-          </a:lnRef>
-          <a:fillRef idx="0">
-            <a:scrgbClr r="0" g="0" b="0"/>
-          </a:fillRef>
-          <a:effectRef idx="0">
-            <a:scrgbClr r="0" g="0" b="0"/>
-          </a:effectRef>
-          <a:fontRef idx="minor"/>
-        </p:style>
-        <p:txBody>
-          <a:bodyPr lIns="91440" tIns="91440" rIns="0" bIns="0" anchor="ctr" anchorCtr="0"/>
-          <a:lstStyle/>
-          <a:p>
-            <a:pPr>
-              <a:lnSpc>
-                <a:spcPct val="100000"/>
-              </a:lnSpc>
-            </a:pPr>
-            <a:r>
-              <a:rPr lang="en-US" sz="1200" b="0" strike="noStrike" spc="-1" dirty="0">
-                <a:solidFill>
-                  <a:srgbClr val="000000"/>
-                </a:solidFill>
-                <a:latin typeface="Arial"/>
-                <a:ea typeface="DejaVu Sans"/>
-              </a:rPr>
-              <a:t>Print short summary of all variables </a:t>
-            </a:r>
-            <a:r>
-              <a:rPr lang="en-US" sz="1200" b="1" strike="noStrike" spc="-1" dirty="0">
-                <a:solidFill>
-                  <a:srgbClr val="000000"/>
-                </a:solidFill>
-                <a:latin typeface="Courier New"/>
-                <a:ea typeface="DejaVu Sans"/>
-              </a:rPr>
-              <a:t>inspect(</a:t>
-            </a:r>
-            <a:r>
-              <a:rPr lang="en-US" sz="1200" b="1" strike="noStrike" spc="-1" dirty="0" err="1">
-                <a:solidFill>
-                  <a:srgbClr val="000000"/>
-                </a:solidFill>
-                <a:latin typeface="Courier New"/>
-                <a:ea typeface="DejaVu Sans"/>
-              </a:rPr>
-              <a:t>HELPrct</a:t>
-            </a:r>
-            <a:r>
-              <a:rPr lang="en-US" sz="1200" b="1" strike="noStrike" spc="-1" dirty="0">
-                <a:solidFill>
-                  <a:srgbClr val="000000"/>
-                </a:solidFill>
-                <a:latin typeface="Courier New"/>
-                <a:ea typeface="DejaVu Sans"/>
-              </a:rPr>
-              <a:t>)</a:t>
-            </a:r>
-            <a:endParaRPr lang="en-US" sz="1200" b="0" strike="noStrike" spc="-1" dirty="0">
-              <a:latin typeface="Arial"/>
-            </a:endParaRPr>
-          </a:p>
-          <a:p>
-            <a:pPr>
-              <a:lnSpc>
-                <a:spcPct val="150000"/>
-              </a:lnSpc>
-            </a:pPr>
-            <a:r>
-              <a:rPr lang="en-US" sz="1200" b="0" strike="noStrike" spc="-1" dirty="0">
-                <a:solidFill>
-                  <a:srgbClr val="000000"/>
-                </a:solidFill>
-                <a:latin typeface="Arial"/>
-                <a:ea typeface="DejaVu Sans"/>
-              </a:rPr>
-              <a:t>Number of rows and columns</a:t>
-            </a:r>
-            <a:endParaRPr lang="en-US" sz="1200" b="0" strike="noStrike" spc="-1" dirty="0">
-              <a:latin typeface="Arial"/>
-            </a:endParaRPr>
-          </a:p>
-          <a:p>
-            <a:pPr>
-              <a:lnSpc>
-                <a:spcPct val="100000"/>
-              </a:lnSpc>
-            </a:pPr>
-            <a:r>
-              <a:rPr lang="en-US" sz="1200" b="1" strike="noStrike" spc="-1" dirty="0">
-                <a:solidFill>
-                  <a:srgbClr val="000000"/>
-                </a:solidFill>
-                <a:latin typeface="Courier New"/>
-                <a:ea typeface="DejaVu Sans"/>
-              </a:rPr>
-              <a:t>dim(</a:t>
-            </a:r>
-            <a:r>
-              <a:rPr lang="en-US" sz="1200" b="1" strike="noStrike" spc="-1" dirty="0" err="1">
-                <a:solidFill>
-                  <a:srgbClr val="000000"/>
-                </a:solidFill>
-                <a:latin typeface="Courier New"/>
-                <a:ea typeface="DejaVu Sans"/>
-              </a:rPr>
-              <a:t>HELPrct</a:t>
-            </a:r>
-            <a:r>
-              <a:rPr lang="en-US" sz="1200" b="1" strike="noStrike" spc="-1" dirty="0">
-                <a:solidFill>
-                  <a:srgbClr val="000000"/>
-                </a:solidFill>
-                <a:latin typeface="Courier New"/>
-                <a:ea typeface="DejaVu Sans"/>
-              </a:rPr>
-              <a:t>)</a:t>
-            </a:r>
-          </a:p>
-          <a:p>
-            <a:pPr>
-              <a:lnSpc>
-                <a:spcPct val="100000"/>
-              </a:lnSpc>
-            </a:pPr>
-            <a:r>
-              <a:rPr lang="en-US" sz="1200" b="1" spc="-1" dirty="0" err="1">
-                <a:solidFill>
-                  <a:srgbClr val="000000"/>
-                </a:solidFill>
-                <a:latin typeface="Courier New"/>
-                <a:ea typeface="DejaVu Sans"/>
-              </a:rPr>
-              <a:t>nrow</a:t>
-            </a:r>
-            <a:r>
-              <a:rPr lang="en-US" sz="1200" b="1" spc="-1" dirty="0">
-                <a:solidFill>
-                  <a:srgbClr val="000000"/>
-                </a:solidFill>
-                <a:latin typeface="Courier New"/>
-                <a:ea typeface="DejaVu Sans"/>
-              </a:rPr>
-              <a:t>(</a:t>
-            </a:r>
-            <a:r>
-              <a:rPr lang="en-US" sz="1200" b="1" spc="-1" dirty="0" err="1">
-                <a:solidFill>
-                  <a:srgbClr val="000000"/>
-                </a:solidFill>
-                <a:latin typeface="Courier New"/>
-                <a:ea typeface="DejaVu Sans"/>
-              </a:rPr>
-              <a:t>HELPrct</a:t>
-            </a:r>
-            <a:r>
-              <a:rPr lang="en-US" sz="1200" b="1" spc="-1" dirty="0">
-                <a:solidFill>
-                  <a:srgbClr val="000000"/>
-                </a:solidFill>
-                <a:latin typeface="Courier New"/>
-                <a:ea typeface="DejaVu Sans"/>
-              </a:rPr>
-              <a:t>)</a:t>
-            </a:r>
-          </a:p>
-          <a:p>
-            <a:pPr>
-              <a:lnSpc>
-                <a:spcPct val="100000"/>
-              </a:lnSpc>
-            </a:pPr>
-            <a:r>
-              <a:rPr lang="en-US" sz="1200" b="1" spc="-1" dirty="0" err="1">
-                <a:solidFill>
-                  <a:srgbClr val="000000"/>
-                </a:solidFill>
-                <a:latin typeface="Courier New"/>
-                <a:ea typeface="DejaVu Sans"/>
-              </a:rPr>
-              <a:t>ncol</a:t>
-            </a:r>
-            <a:r>
-              <a:rPr lang="en-US" sz="1200" b="1" spc="-1" dirty="0">
-                <a:solidFill>
-                  <a:srgbClr val="000000"/>
-                </a:solidFill>
-                <a:latin typeface="Courier New"/>
-                <a:ea typeface="DejaVu Sans"/>
-              </a:rPr>
-              <a:t>(</a:t>
-            </a:r>
-            <a:r>
-              <a:rPr lang="en-US" sz="1200" b="1" spc="-1" dirty="0" err="1">
-                <a:solidFill>
-                  <a:srgbClr val="000000"/>
-                </a:solidFill>
-                <a:latin typeface="Courier New"/>
-                <a:ea typeface="DejaVu Sans"/>
-              </a:rPr>
-              <a:t>HELPrct</a:t>
-            </a:r>
-            <a:r>
-              <a:rPr lang="en-US" sz="1200" b="1" spc="-1" dirty="0">
-                <a:solidFill>
-                  <a:srgbClr val="000000"/>
-                </a:solidFill>
-                <a:latin typeface="Courier New"/>
-                <a:ea typeface="DejaVu Sans"/>
-              </a:rPr>
-              <a:t>)</a:t>
-            </a:r>
-          </a:p>
-          <a:p>
-            <a:pPr>
-              <a:lnSpc>
-                <a:spcPct val="150000"/>
-              </a:lnSpc>
-            </a:pPr>
-            <a:r>
-              <a:rPr lang="en-US" sz="1200" b="0" strike="noStrike" spc="-1" dirty="0">
-                <a:solidFill>
-                  <a:srgbClr val="000000"/>
-                </a:solidFill>
-                <a:latin typeface="Arial"/>
-                <a:ea typeface="DejaVu Sans"/>
-              </a:rPr>
-              <a:t>Print first rows or last rows</a:t>
-            </a:r>
-            <a:endParaRPr lang="en-US" sz="1200" b="0" strike="noStrike" spc="-1" dirty="0">
-              <a:latin typeface="Arial"/>
-            </a:endParaRPr>
-          </a:p>
-          <a:p>
-            <a:pPr>
-              <a:lnSpc>
-                <a:spcPct val="100000"/>
-              </a:lnSpc>
-            </a:pPr>
-            <a:r>
-              <a:rPr lang="en-US" sz="1200" b="1" strike="noStrike" spc="-1" dirty="0">
-                <a:solidFill>
-                  <a:srgbClr val="000000"/>
-                </a:solidFill>
-                <a:latin typeface="Courier New"/>
-                <a:ea typeface="DejaVu Sans"/>
-              </a:rPr>
-              <a:t>head(</a:t>
-            </a:r>
-            <a:r>
-              <a:rPr lang="en-US" sz="1200" b="1" strike="noStrike" spc="-1" dirty="0" err="1">
-                <a:solidFill>
-                  <a:srgbClr val="000000"/>
-                </a:solidFill>
-                <a:latin typeface="Courier New"/>
-                <a:ea typeface="DejaVu Sans"/>
-              </a:rPr>
-              <a:t>KidsFeet</a:t>
-            </a:r>
-            <a:r>
-              <a:rPr lang="en-US" sz="1200" b="1" strike="noStrike" spc="-1" dirty="0">
-                <a:solidFill>
-                  <a:srgbClr val="000000"/>
-                </a:solidFill>
-                <a:latin typeface="Courier New"/>
-                <a:ea typeface="DejaVu Sans"/>
-              </a:rPr>
-              <a:t>)</a:t>
-            </a:r>
-            <a:endParaRPr lang="en-US" sz="1200" b="0" strike="noStrike" spc="-1" dirty="0">
-              <a:latin typeface="Arial"/>
-            </a:endParaRPr>
-          </a:p>
-          <a:p>
-            <a:pPr>
-              <a:lnSpc>
-                <a:spcPct val="100000"/>
-              </a:lnSpc>
-            </a:pPr>
-            <a:r>
-              <a:rPr lang="en-US" sz="1200" b="1" strike="noStrike" spc="-1" dirty="0">
-                <a:solidFill>
-                  <a:srgbClr val="000000"/>
-                </a:solidFill>
-                <a:latin typeface="Courier New"/>
-                <a:ea typeface="DejaVu Sans"/>
-              </a:rPr>
-              <a:t>tail(</a:t>
-            </a:r>
-            <a:r>
-              <a:rPr lang="en-US" sz="1200" b="1" strike="noStrike" spc="-1" dirty="0" err="1">
-                <a:solidFill>
-                  <a:srgbClr val="000000"/>
-                </a:solidFill>
-                <a:latin typeface="Courier New"/>
-                <a:ea typeface="DejaVu Sans"/>
-              </a:rPr>
-              <a:t>KidsFeet</a:t>
-            </a:r>
-            <a:r>
-              <a:rPr lang="en-US" sz="1200" b="1" strike="noStrike" spc="-1" dirty="0">
-                <a:solidFill>
-                  <a:srgbClr val="000000"/>
-                </a:solidFill>
-                <a:latin typeface="Courier New"/>
-                <a:ea typeface="DejaVu Sans"/>
-              </a:rPr>
-              <a:t>, 10)</a:t>
-            </a:r>
-          </a:p>
-          <a:p>
-            <a:pPr>
-              <a:lnSpc>
-                <a:spcPct val="150000"/>
-              </a:lnSpc>
-            </a:pPr>
-            <a:r>
-              <a:rPr lang="en-US" sz="1200" spc="-1" dirty="0">
-                <a:solidFill>
-                  <a:srgbClr val="000000"/>
-                </a:solidFill>
-              </a:rPr>
-              <a:t>Names of variables</a:t>
-            </a:r>
-          </a:p>
-          <a:p>
-            <a:r>
-              <a:rPr lang="en-US" sz="1200" b="1" spc="-1" dirty="0">
-                <a:solidFill>
-                  <a:srgbClr val="000000"/>
-                </a:solidFill>
-                <a:latin typeface="Courier New"/>
-              </a:rPr>
-              <a:t>names(</a:t>
-            </a:r>
-            <a:r>
-              <a:rPr lang="en-US" sz="1200" b="1" spc="-1" dirty="0" err="1">
-                <a:solidFill>
-                  <a:srgbClr val="000000"/>
-                </a:solidFill>
-                <a:latin typeface="Courier New"/>
-              </a:rPr>
-              <a:t>HELPrct</a:t>
-            </a:r>
-            <a:r>
-              <a:rPr lang="en-US" sz="1200" b="1" spc="-1" dirty="0">
-                <a:solidFill>
-                  <a:srgbClr val="000000"/>
-                </a:solidFill>
-                <a:latin typeface="Courier New"/>
-              </a:rPr>
-              <a:t>)</a:t>
-            </a:r>
-            <a:endParaRPr lang="en-US" sz="1200" b="0" strike="noStrike" spc="-1" dirty="0">
-              <a:latin typeface="Arial"/>
-            </a:endParaRPr>
-          </a:p>
-        </p:txBody>
-      </p:sp>
-      <p:sp>
-        <p:nvSpPr>
           <p:cNvPr id="72" name="CustomShape 29"/>
           <p:cNvSpPr/>
           <p:nvPr/>
         </p:nvSpPr>
         <p:spPr>
           <a:xfrm>
-            <a:off x="6975158" y="272519"/>
+            <a:off x="6892211" y="3296685"/>
             <a:ext cx="3200400" cy="344520"/>
           </a:xfrm>
           <a:prstGeom prst="roundRect">
@@ -6739,24 +6303,14 @@
               </a:lnSpc>
             </a:pPr>
             <a:r>
-              <a:rPr lang="en-US" sz="1200" b="1" strike="noStrike" spc="-1" dirty="0" err="1">
-                <a:solidFill>
-                  <a:srgbClr val="000000"/>
-                </a:solidFill>
-                <a:latin typeface="Courier New"/>
-                <a:ea typeface="DejaVu Sans"/>
-              </a:rPr>
-              <a:t>bwplot</a:t>
-            </a:r>
-            <a:r>
-              <a:rPr lang="en-US" sz="1200" b="1" strike="noStrike" spc="-1" dirty="0">
-                <a:solidFill>
-                  <a:srgbClr val="000000"/>
-                </a:solidFill>
-                <a:latin typeface="Courier New"/>
-                <a:ea typeface="DejaVu Sans"/>
-              </a:rPr>
-              <a:t>(wage ~ sex, data = CPS85)</a:t>
+              <a:rPr lang="en-US" sz="1200" b="1" strike="noStrike" spc="-1" dirty="0">
+                <a:solidFill>
+                  <a:srgbClr val="000000"/>
+                </a:solidFill>
+                <a:latin typeface="Courier New"/>
+                <a:ea typeface="DejaVu Sans"/>
+              </a:rPr>
+              <a:t>bwplot(wage ~ sex, data = CPS85)</a:t>
             </a:r>
           </a:p>
           <a:p>
@@ -6858,44 +6412,14 @@
               </a:lnSpc>
             </a:pPr>
             <a:r>
-              <a:rPr lang="en-US" sz="1200" b="1" strike="noStrike" spc="-1" dirty="0" err="1">
-                <a:solidFill>
-                  <a:srgbClr val="000000"/>
-                </a:solidFill>
-                <a:latin typeface="Courier New"/>
-                <a:ea typeface="DejaVu Sans"/>
-              </a:rPr>
-              <a:t>xyplot</a:t>
-            </a:r>
-            <a:r>
-              <a:rPr lang="en-US" sz="1200" b="1" strike="noStrike" spc="-1" dirty="0">
-                <a:solidFill>
-                  <a:srgbClr val="000000"/>
-                </a:solidFill>
-                <a:latin typeface="Courier New"/>
-                <a:ea typeface="DejaVu Sans"/>
-              </a:rPr>
-              <a:t>(wage ~ </a:t>
-            </a:r>
-            <a:r>
-              <a:rPr lang="en-US" sz="1200" b="1" strike="noStrike" spc="-1" dirty="0" err="1">
-                <a:solidFill>
-                  <a:srgbClr val="000000"/>
-                </a:solidFill>
-                <a:latin typeface="Courier New"/>
-                <a:ea typeface="DejaVu Sans"/>
-              </a:rPr>
-              <a:t>educ</a:t>
-            </a:r>
-            <a:r>
-              <a:rPr lang="en-US" sz="1200" b="1" strike="noStrike" spc="-1" dirty="0">
-                <a:solidFill>
-                  <a:srgbClr val="000000"/>
-                </a:solidFill>
-                <a:latin typeface="Courier New"/>
-                <a:ea typeface="DejaVu Sans"/>
-              </a:rPr>
-              <a:t> | sex,                      </a:t>
+              <a:rPr lang="en-US" sz="1200" b="1" strike="noStrike" spc="-1" dirty="0">
+                <a:solidFill>
+                  <a:srgbClr val="000000"/>
+                </a:solidFill>
+                <a:latin typeface="Courier New"/>
+                <a:ea typeface="DejaVu Sans"/>
+              </a:rPr>
+              <a:t>xyplot(wage ~ educ | sex,                      </a:t>
             </a:r>
             <a:endParaRPr lang="en-US" sz="1200" b="0" strike="noStrike" spc="-1" dirty="0">
               <a:latin typeface="Arial"/>
@@ -7053,40 +6577,13 @@
               </a:lnSpc>
             </a:pPr>
             <a:r>
-              <a:rPr lang="en-US" sz="1200" b="1" spc="-1" dirty="0" err="1">
-                <a:solidFill>
-                  <a:srgbClr val="000000"/>
-                </a:solidFill>
-                <a:latin typeface="Courier New"/>
-              </a:rPr>
-              <a:t>xyplot</a:t>
-            </a:r>
-            <a:r>
               <a:rPr lang="en-US" sz="1200" b="1" spc="-1" dirty="0">
                 <a:solidFill>
                   <a:srgbClr val="000000"/>
                 </a:solidFill>
                 <a:latin typeface="Courier New"/>
               </a:rPr>
-              <a:t>(wage ~ </a:t>
-            </a:r>
-            <a:r>
-              <a:rPr lang="en-US" sz="1200" b="1" spc="-1" dirty="0" err="1">
-                <a:solidFill>
-                  <a:srgbClr val="000000"/>
-                </a:solidFill>
-                <a:latin typeface="Courier New"/>
-              </a:rPr>
-              <a:t>educ</a:t>
-            </a:r>
-            <a:r>
-              <a:rPr lang="en-US" sz="1200" b="1" spc="-1" dirty="0">
-                <a:solidFill>
-                  <a:srgbClr val="000000"/>
-                </a:solidFill>
-                <a:latin typeface="Courier New"/>
-              </a:rPr>
-              <a:t>, </a:t>
+              <a:t>xyplot(wage ~ educ, </a:t>
             </a:r>
           </a:p>
           <a:p>
@@ -7460,6 +6957,16 @@
               </a:lnSpc>
             </a:pPr>
             <a:r>
+              <a:rPr lang="en-US" sz="1200" b="1" strike="noStrike" spc="-1" dirty="0">
+                <a:solidFill>
+                  <a:srgbClr val="000000"/>
+                </a:solidFill>
+                <a:latin typeface="Courier New"/>
+                <a:ea typeface="DejaVu Sans"/>
+              </a:rPr>
+              <a:t>favstats(~ </a:t>
+            </a:r>
+            <a:r>
               <a:rPr lang="en-US" sz="1200" b="1" strike="noStrike" spc="-1" dirty="0" err="1">
                 <a:solidFill>
                   <a:srgbClr val="000000"/>
@@ -7467,17 +6974,17 @@
                 <a:latin typeface="Courier New"/>
                 <a:ea typeface="DejaVu Sans"/>
               </a:rPr>
-              <a:t>favstats</a:t>
-            </a:r>
-            <a:r>
-              <a:rPr lang="en-US" sz="1200" b="1" strike="noStrike" spc="-1" dirty="0">
-                <a:solidFill>
-                  <a:srgbClr val="000000"/>
-                </a:solidFill>
-                <a:latin typeface="Courier New"/>
-                <a:ea typeface="DejaVu Sans"/>
-              </a:rPr>
-              <a:t>(~ </a:t>
+              <a:t>cesd</a:t>
+            </a:r>
+            <a:r>
+              <a:rPr lang="en-US" sz="1200" b="1" strike="noStrike" spc="-1" dirty="0">
+                <a:solidFill>
+                  <a:srgbClr val="000000"/>
+                </a:solidFill>
+                <a:latin typeface="Courier New"/>
+                <a:ea typeface="DejaVu Sans"/>
+              </a:rPr>
+              <a:t>, data = </a:t>
             </a:r>
             <a:r>
               <a:rPr lang="en-US" sz="1200" b="1" strike="noStrike" spc="-1" dirty="0" err="1">
@@ -7487,26 +6994,6 @@
                 <a:latin typeface="Courier New"/>
                 <a:ea typeface="DejaVu Sans"/>
               </a:rPr>
-              <a:t>cesd</a:t>
-            </a:r>
-            <a:r>
-              <a:rPr lang="en-US" sz="1200" b="1" strike="noStrike" spc="-1" dirty="0">
-                <a:solidFill>
-                  <a:srgbClr val="000000"/>
-                </a:solidFill>
-                <a:latin typeface="Courier New"/>
-                <a:ea typeface="DejaVu Sans"/>
-              </a:rPr>
-              <a:t>, data = </a:t>
-            </a:r>
-            <a:r>
-              <a:rPr lang="en-US" sz="1200" b="1" strike="noStrike" spc="-1" dirty="0" err="1">
-                <a:solidFill>
-                  <a:srgbClr val="000000"/>
-                </a:solidFill>
-                <a:latin typeface="Courier New"/>
-                <a:ea typeface="DejaVu Sans"/>
-              </a:rPr>
               <a:t>HELPrct</a:t>
             </a:r>
             <a:r>
@@ -7550,24 +7037,14 @@
               </a:lnSpc>
             </a:pPr>
             <a:r>
-              <a:rPr lang="en-US" sz="1200" b="1" strike="noStrike" spc="-1" dirty="0" err="1">
-                <a:solidFill>
-                  <a:srgbClr val="000000"/>
-                </a:solidFill>
-                <a:latin typeface="Courier New"/>
-                <a:ea typeface="DejaVu Sans"/>
-              </a:rPr>
-              <a:t>favstats</a:t>
-            </a:r>
-            <a:r>
-              <a:rPr lang="en-US" sz="1200" b="1" strike="noStrike" spc="-1" dirty="0">
-                <a:solidFill>
-                  <a:srgbClr val="000000"/>
-                </a:solidFill>
-                <a:latin typeface="Courier New"/>
-                <a:ea typeface="DejaVu Sans"/>
-              </a:rPr>
-              <a:t>(</a:t>
+              <a:rPr lang="en-US" sz="1200" b="1" strike="noStrike" spc="-1" dirty="0">
+                <a:solidFill>
+                  <a:srgbClr val="000000"/>
+                </a:solidFill>
+                <a:latin typeface="Courier New"/>
+                <a:ea typeface="DejaVu Sans"/>
+              </a:rPr>
+              <a:t>favstats(</a:t>
             </a:r>
             <a:r>
               <a:rPr lang="en-US" sz="1200" b="1" strike="noStrike" spc="-1" dirty="0" err="1">
@@ -8025,13 +7502,22 @@
               </a:lnSpc>
             </a:pPr>
             <a:r>
+              <a:rPr lang="en-US" sz="1100" b="1" spc="-1" dirty="0">
+                <a:solidFill>
+                  <a:srgbClr val="000000"/>
+                </a:solidFill>
+                <a:latin typeface="Courier New"/>
+              </a:rPr>
+              <a:t>qqmath(~ </a:t>
+            </a:r>
+            <a:r>
               <a:rPr lang="en-US" sz="1100" b="1" spc="-1" dirty="0" err="1">
                 <a:solidFill>
                   <a:srgbClr val="000000"/>
                 </a:solidFill>
                 <a:latin typeface="Courier New"/>
               </a:rPr>
-              <a:t>qqmath</a:t>
+              <a:t>cesd</a:t>
             </a:r>
             <a:r>
               <a:rPr lang="en-US" sz="1100" b="1" spc="-1" dirty="0">
@@ -8040,7 +7526,7 @@
                 </a:solidFill>
                 <a:latin typeface="Courier New"/>
               </a:rPr>
-              <a:t>(~ </a:t>
+              <a:t>, </a:t>
             </a:r>
             <a:r>
               <a:rPr lang="en-US" sz="1100" b="1" spc="-1" dirty="0" err="1">
@@ -8049,7 +7535,7 @@
                 </a:solidFill>
                 <a:latin typeface="Courier New"/>
               </a:rPr>
-              <a:t>cesd</a:t>
+              <a:t>dist</a:t>
             </a:r>
             <a:r>
               <a:rPr lang="en-US" sz="1100" b="1" spc="-1" dirty="0">
@@ -8058,7 +7544,7 @@
                 </a:solidFill>
                 <a:latin typeface="Courier New"/>
               </a:rPr>
-              <a:t>, </a:t>
+              <a:t> = "</a:t>
             </a:r>
             <a:r>
               <a:rPr lang="en-US" sz="1100" b="1" spc="-1" dirty="0" err="1">
@@ -8067,7 +7553,7 @@
                 </a:solidFill>
                 <a:latin typeface="Courier New"/>
               </a:rPr>
-              <a:t>dist</a:t>
+              <a:t>qnorm</a:t>
             </a:r>
             <a:r>
               <a:rPr lang="en-US" sz="1100" b="1" spc="-1" dirty="0">
@@ -8076,7 +7562,23 @@
                 </a:solidFill>
                 <a:latin typeface="Courier New"/>
               </a:rPr>
-              <a:t> = "</a:t>
+              <a:t>", </a:t>
+            </a:r>
+          </a:p>
+          <a:p>
+            <a:pPr>
+              <a:lnSpc>
+                <a:spcPct val="100000"/>
+              </a:lnSpc>
+            </a:pPr>
+            <a:r>
+              <a:rPr lang="en-US" sz="1100" b="1" spc="-1" dirty="0">
+                <a:solidFill>
+                  <a:srgbClr val="000000"/>
+                </a:solidFill>
+                <a:latin typeface="Courier New"/>
+              </a:rPr>
+              <a:t>  data = </a:t>
             </a:r>
             <a:r>
               <a:rPr lang="en-US" sz="1100" b="1" spc="-1" dirty="0" err="1">
@@ -8085,7 +7587,7 @@
                 </a:solidFill>
                 <a:latin typeface="Courier New"/>
               </a:rPr>
-              <a:t>qnorm</a:t>
+              <a:t>HELPrct</a:t>
             </a:r>
             <a:r>
               <a:rPr lang="en-US" sz="1100" b="1" spc="-1" dirty="0">
@@ -8094,40 +7596,6 @@
                 </a:solidFill>
                 <a:latin typeface="Courier New"/>
               </a:rPr>
-              <a:t>", </a:t>
-            </a:r>
-          </a:p>
-          <a:p>
-            <a:pPr>
-              <a:lnSpc>
-                <a:spcPct val="100000"/>
-              </a:lnSpc>
-            </a:pPr>
-            <a:r>
-              <a:rPr lang="en-US" sz="1100" b="1" spc="-1" dirty="0">
-                <a:solidFill>
-                  <a:srgbClr val="000000"/>
-                </a:solidFill>
-                <a:latin typeface="Courier New"/>
-              </a:rPr>
-              <a:t>  data = </a:t>
-            </a:r>
-            <a:r>
-              <a:rPr lang="en-US" sz="1100" b="1" spc="-1" dirty="0" err="1">
-                <a:solidFill>
-                  <a:srgbClr val="000000"/>
-                </a:solidFill>
-                <a:latin typeface="Courier New"/>
-              </a:rPr>
-              <a:t>HELPrct</a:t>
-            </a:r>
-            <a:r>
-              <a:rPr lang="en-US" sz="1100" b="1" spc="-1" dirty="0">
-                <a:solidFill>
-                  <a:srgbClr val="000000"/>
-                </a:solidFill>
-                <a:latin typeface="Courier New"/>
-              </a:rPr>
               <a:t>)</a:t>
             </a:r>
             <a:endParaRPr lang="en-US" sz="1100" spc="-1" dirty="0"/>
@@ -8159,24 +7627,14 @@
               </a:lnSpc>
             </a:pPr>
             <a:r>
-              <a:rPr lang="en-US" sz="1200" b="1" strike="noStrike" spc="-1" dirty="0" err="1">
-                <a:solidFill>
-                  <a:srgbClr val="000000"/>
-                </a:solidFill>
-                <a:latin typeface="Courier New"/>
-                <a:ea typeface="DejaVu Sans"/>
-              </a:rPr>
-              <a:t>densityplot</a:t>
-            </a:r>
-            <a:r>
-              <a:rPr lang="en-US" sz="1200" b="1" strike="noStrike" spc="-1" dirty="0">
-                <a:solidFill>
-                  <a:srgbClr val="000000"/>
-                </a:solidFill>
-                <a:latin typeface="Courier New"/>
-                <a:ea typeface="DejaVu Sans"/>
-              </a:rPr>
-              <a:t>(~ </a:t>
+              <a:rPr lang="en-US" sz="1200" b="1" strike="noStrike" spc="-1" dirty="0">
+                <a:solidFill>
+                  <a:srgbClr val="000000"/>
+                </a:solidFill>
+                <a:latin typeface="Courier New"/>
+                <a:ea typeface="DejaVu Sans"/>
+              </a:rPr>
+              <a:t>densityplot(~ </a:t>
             </a:r>
             <a:r>
               <a:rPr lang="en-US" sz="1200" b="1" strike="noStrike" spc="-1" dirty="0" err="1">
@@ -8727,7 +8185,7 @@
         </p:nvSpPr>
         <p:spPr>
           <a:xfrm>
-            <a:off x="7094339" y="4176889"/>
+            <a:off x="7011392" y="7201055"/>
             <a:ext cx="3108960" cy="2590032"/>
           </a:xfrm>
           <a:prstGeom prst="rect">
@@ -9265,6 +8723,464 @@
           </a:extLst>
         </p:spPr>
       </p:pic>
+      <p:sp>
+        <p:nvSpPr>
+          <p:cNvPr id="36" name="CustomShape 27">
+            <a:extLst>
+              <a:ext uri="{FF2B5EF4-FFF2-40B4-BE49-F238E27FC236}">
+                <a16:creationId xmlns:a16="http://schemas.microsoft.com/office/drawing/2014/main" id="{45A3C8FF-D918-492C-A736-CBE7DFCE1A1D}"/>
+              </a:ext>
+            </a:extLst>
+          </p:cNvPr>
+          <p:cNvSpPr/>
+          <p:nvPr/>
+        </p:nvSpPr>
+        <p:spPr>
+          <a:xfrm>
+            <a:off x="6925850" y="238291"/>
+            <a:ext cx="3200400" cy="316440"/>
+          </a:xfrm>
+          <a:prstGeom prst="roundRect">
+            <a:avLst>
+              <a:gd name="adj" fmla="val 20098"/>
+            </a:avLst>
+          </a:prstGeom>
+          <a:solidFill>
+            <a:srgbClr val="A6AAA9"/>
+          </a:solidFill>
+          <a:ln w="12600">
+            <a:noFill/>
+          </a:ln>
+        </p:spPr>
+        <p:style>
+          <a:lnRef idx="0">
+            <a:scrgbClr r="0" g="0" b="0"/>
+          </a:lnRef>
+          <a:fillRef idx="0">
+            <a:scrgbClr r="0" g="0" b="0"/>
+          </a:fillRef>
+          <a:effectRef idx="0">
+            <a:scrgbClr r="0" g="0" b="0"/>
+          </a:effectRef>
+          <a:fontRef idx="minor"/>
+        </p:style>
+        <p:txBody>
+          <a:bodyPr lIns="0" tIns="0" rIns="0" bIns="0" anchor="ctr"/>
+          <a:lstStyle/>
+          <a:p>
+            <a:pPr algn="ctr">
+              <a:lnSpc>
+                <a:spcPct val="100000"/>
+              </a:lnSpc>
+            </a:pPr>
+            <a:r>
+              <a:rPr lang="en-US" sz="2000" b="0" strike="noStrike" spc="-1" dirty="0">
+                <a:solidFill>
+                  <a:srgbClr val="FFFFFF"/>
+                </a:solidFill>
+                <a:latin typeface="Source Sans Pro"/>
+                <a:ea typeface="Source Sans Pro"/>
+              </a:rPr>
+              <a:t>Examining data</a:t>
+            </a:r>
+            <a:endParaRPr lang="en-US" sz="2000" b="0" strike="noStrike" spc="-1" dirty="0">
+              <a:latin typeface="Arial"/>
+            </a:endParaRPr>
+          </a:p>
+        </p:txBody>
+      </p:sp>
+      <p:sp>
+        <p:nvSpPr>
+          <p:cNvPr id="37" name="CustomShape 28">
+            <a:extLst>
+              <a:ext uri="{FF2B5EF4-FFF2-40B4-BE49-F238E27FC236}">
+                <a16:creationId xmlns:a16="http://schemas.microsoft.com/office/drawing/2014/main" id="{FE1CB5B8-5F36-4E1B-A410-65B16B981E7E}"/>
+              </a:ext>
+            </a:extLst>
+          </p:cNvPr>
+          <p:cNvSpPr/>
+          <p:nvPr/>
+        </p:nvSpPr>
+        <p:spPr>
+          <a:xfrm>
+            <a:off x="6925850" y="623402"/>
+            <a:ext cx="3228120" cy="2515768"/>
+          </a:xfrm>
+          <a:prstGeom prst="rect">
+            <a:avLst/>
+          </a:prstGeom>
+          <a:solidFill>
+            <a:srgbClr val="FFFFFF"/>
+          </a:solidFill>
+          <a:ln w="12600">
+            <a:solidFill>
+              <a:srgbClr val="A6AAA9"/>
+            </a:solidFill>
+            <a:miter/>
+          </a:ln>
+        </p:spPr>
+        <p:style>
+          <a:lnRef idx="0">
+            <a:scrgbClr r="0" g="0" b="0"/>
+          </a:lnRef>
+          <a:fillRef idx="0">
+            <a:scrgbClr r="0" g="0" b="0"/>
+          </a:fillRef>
+          <a:effectRef idx="0">
+            <a:scrgbClr r="0" g="0" b="0"/>
+          </a:effectRef>
+          <a:fontRef idx="minor"/>
+        </p:style>
+        <p:txBody>
+          <a:bodyPr lIns="91440" tIns="91440" rIns="0" bIns="0" anchor="ctr" anchorCtr="0"/>
+          <a:lstStyle/>
+          <a:p>
+            <a:pPr>
+              <a:lnSpc>
+                <a:spcPct val="100000"/>
+              </a:lnSpc>
+            </a:pPr>
+            <a:r>
+              <a:rPr lang="en-US" sz="1200" b="0" strike="noStrike" spc="-1" dirty="0">
+                <a:solidFill>
+                  <a:srgbClr val="000000"/>
+                </a:solidFill>
+                <a:latin typeface="Arial"/>
+                <a:ea typeface="DejaVu Sans"/>
+              </a:rPr>
+              <a:t>Print short summary of all variables </a:t>
+            </a:r>
+            <a:r>
+              <a:rPr lang="en-US" sz="1200" b="1" strike="noStrike" spc="-1" dirty="0">
+                <a:solidFill>
+                  <a:srgbClr val="000000"/>
+                </a:solidFill>
+                <a:latin typeface="Courier New"/>
+                <a:ea typeface="DejaVu Sans"/>
+              </a:rPr>
+              <a:t>inspect(</a:t>
+            </a:r>
+            <a:r>
+              <a:rPr lang="en-US" sz="1200" b="1" strike="noStrike" spc="-1" dirty="0" err="1">
+                <a:solidFill>
+                  <a:srgbClr val="000000"/>
+                </a:solidFill>
+                <a:latin typeface="Courier New"/>
+                <a:ea typeface="DejaVu Sans"/>
+              </a:rPr>
+              <a:t>HELPrct</a:t>
+            </a:r>
+            <a:r>
+              <a:rPr lang="en-US" sz="1200" b="1" strike="noStrike" spc="-1" dirty="0">
+                <a:solidFill>
+                  <a:srgbClr val="000000"/>
+                </a:solidFill>
+                <a:latin typeface="Courier New"/>
+                <a:ea typeface="DejaVu Sans"/>
+              </a:rPr>
+              <a:t>)</a:t>
+            </a:r>
+            <a:endParaRPr lang="en-US" sz="1200" b="0" strike="noStrike" spc="-1" dirty="0">
+              <a:latin typeface="Arial"/>
+            </a:endParaRPr>
+          </a:p>
+          <a:p>
+            <a:pPr>
+              <a:lnSpc>
+                <a:spcPct val="150000"/>
+              </a:lnSpc>
+            </a:pPr>
+            <a:r>
+              <a:rPr lang="en-US" sz="1200" b="0" strike="noStrike" spc="-1" dirty="0">
+                <a:solidFill>
+                  <a:srgbClr val="000000"/>
+                </a:solidFill>
+                <a:latin typeface="Arial"/>
+                <a:ea typeface="DejaVu Sans"/>
+              </a:rPr>
+              <a:t>Number of rows and columns</a:t>
+            </a:r>
+            <a:endParaRPr lang="en-US" sz="1200" b="0" strike="noStrike" spc="-1" dirty="0">
+              <a:latin typeface="Arial"/>
+            </a:endParaRPr>
+          </a:p>
+          <a:p>
+            <a:pPr>
+              <a:lnSpc>
+                <a:spcPct val="100000"/>
+              </a:lnSpc>
+            </a:pPr>
+            <a:r>
+              <a:rPr lang="en-US" sz="1200" b="1" strike="noStrike" spc="-1" dirty="0">
+                <a:solidFill>
+                  <a:srgbClr val="000000"/>
+                </a:solidFill>
+                <a:latin typeface="Courier New"/>
+                <a:ea typeface="DejaVu Sans"/>
+              </a:rPr>
+              <a:t>dim(</a:t>
+            </a:r>
+            <a:r>
+              <a:rPr lang="en-US" sz="1200" b="1" strike="noStrike" spc="-1" dirty="0" err="1">
+                <a:solidFill>
+                  <a:srgbClr val="000000"/>
+                </a:solidFill>
+                <a:latin typeface="Courier New"/>
+                <a:ea typeface="DejaVu Sans"/>
+              </a:rPr>
+              <a:t>HELPrct</a:t>
+            </a:r>
+            <a:r>
+              <a:rPr lang="en-US" sz="1200" b="1" strike="noStrike" spc="-1" dirty="0">
+                <a:solidFill>
+                  <a:srgbClr val="000000"/>
+                </a:solidFill>
+                <a:latin typeface="Courier New"/>
+                <a:ea typeface="DejaVu Sans"/>
+              </a:rPr>
+              <a:t>)</a:t>
+            </a:r>
+          </a:p>
+          <a:p>
+            <a:pPr>
+              <a:lnSpc>
+                <a:spcPct val="100000"/>
+              </a:lnSpc>
+            </a:pPr>
+            <a:r>
+              <a:rPr lang="en-US" sz="1200" b="1" spc="-1" dirty="0" err="1">
+                <a:solidFill>
+                  <a:srgbClr val="000000"/>
+                </a:solidFill>
+                <a:latin typeface="Courier New"/>
+                <a:ea typeface="DejaVu Sans"/>
+              </a:rPr>
+              <a:t>nrow</a:t>
+            </a:r>
+            <a:r>
+              <a:rPr lang="en-US" sz="1200" b="1" spc="-1" dirty="0">
+                <a:solidFill>
+                  <a:srgbClr val="000000"/>
+                </a:solidFill>
+                <a:latin typeface="Courier New"/>
+                <a:ea typeface="DejaVu Sans"/>
+              </a:rPr>
+              <a:t>(</a:t>
+            </a:r>
+            <a:r>
+              <a:rPr lang="en-US" sz="1200" b="1" spc="-1" dirty="0" err="1">
+                <a:solidFill>
+                  <a:srgbClr val="000000"/>
+                </a:solidFill>
+                <a:latin typeface="Courier New"/>
+                <a:ea typeface="DejaVu Sans"/>
+              </a:rPr>
+              <a:t>HELPrct</a:t>
+            </a:r>
+            <a:r>
+              <a:rPr lang="en-US" sz="1200" b="1" spc="-1" dirty="0">
+                <a:solidFill>
+                  <a:srgbClr val="000000"/>
+                </a:solidFill>
+                <a:latin typeface="Courier New"/>
+                <a:ea typeface="DejaVu Sans"/>
+              </a:rPr>
+              <a:t>)</a:t>
+            </a:r>
+          </a:p>
+          <a:p>
+            <a:pPr>
+              <a:lnSpc>
+                <a:spcPct val="100000"/>
+              </a:lnSpc>
+            </a:pPr>
+            <a:r>
+              <a:rPr lang="en-US" sz="1200" b="1" spc="-1" dirty="0" err="1">
+                <a:solidFill>
+                  <a:srgbClr val="000000"/>
+                </a:solidFill>
+                <a:latin typeface="Courier New"/>
+                <a:ea typeface="DejaVu Sans"/>
+              </a:rPr>
+              <a:t>ncol</a:t>
+            </a:r>
+            <a:r>
+              <a:rPr lang="en-US" sz="1200" b="1" spc="-1" dirty="0">
+                <a:solidFill>
+                  <a:srgbClr val="000000"/>
+                </a:solidFill>
+                <a:latin typeface="Courier New"/>
+                <a:ea typeface="DejaVu Sans"/>
+              </a:rPr>
+              <a:t>(</a:t>
+            </a:r>
+            <a:r>
+              <a:rPr lang="en-US" sz="1200" b="1" spc="-1" dirty="0" err="1">
+                <a:solidFill>
+                  <a:srgbClr val="000000"/>
+                </a:solidFill>
+                <a:latin typeface="Courier New"/>
+                <a:ea typeface="DejaVu Sans"/>
+              </a:rPr>
+              <a:t>HELPrct</a:t>
+            </a:r>
+            <a:r>
+              <a:rPr lang="en-US" sz="1200" b="1" spc="-1" dirty="0">
+                <a:solidFill>
+                  <a:srgbClr val="000000"/>
+                </a:solidFill>
+                <a:latin typeface="Courier New"/>
+                <a:ea typeface="DejaVu Sans"/>
+              </a:rPr>
+              <a:t>)</a:t>
+            </a:r>
+          </a:p>
+          <a:p>
+            <a:pPr>
+              <a:lnSpc>
+                <a:spcPct val="150000"/>
+              </a:lnSpc>
+            </a:pPr>
+            <a:r>
+              <a:rPr lang="en-US" sz="1200" b="0" strike="noStrike" spc="-1" dirty="0">
+                <a:solidFill>
+                  <a:srgbClr val="000000"/>
+                </a:solidFill>
+                <a:latin typeface="Arial"/>
+                <a:ea typeface="DejaVu Sans"/>
+              </a:rPr>
+              <a:t>Print first rows or last rows</a:t>
+            </a:r>
+            <a:endParaRPr lang="en-US" sz="1200" b="0" strike="noStrike" spc="-1" dirty="0">
+              <a:latin typeface="Arial"/>
+            </a:endParaRPr>
+          </a:p>
+          <a:p>
+            <a:pPr>
+              <a:lnSpc>
+                <a:spcPct val="100000"/>
+              </a:lnSpc>
+            </a:pPr>
+            <a:r>
+              <a:rPr lang="en-US" sz="1200" b="1" strike="noStrike" spc="-1" dirty="0">
+                <a:solidFill>
+                  <a:srgbClr val="000000"/>
+                </a:solidFill>
+                <a:latin typeface="Courier New"/>
+                <a:ea typeface="DejaVu Sans"/>
+              </a:rPr>
+              <a:t>head(</a:t>
+            </a:r>
+            <a:r>
+              <a:rPr lang="en-US" sz="1200" b="1" strike="noStrike" spc="-1" dirty="0" err="1">
+                <a:solidFill>
+                  <a:srgbClr val="000000"/>
+                </a:solidFill>
+                <a:latin typeface="Courier New"/>
+                <a:ea typeface="DejaVu Sans"/>
+              </a:rPr>
+              <a:t>KidsFeet</a:t>
+            </a:r>
+            <a:r>
+              <a:rPr lang="en-US" sz="1200" b="1" strike="noStrike" spc="-1" dirty="0">
+                <a:solidFill>
+                  <a:srgbClr val="000000"/>
+                </a:solidFill>
+                <a:latin typeface="Courier New"/>
+                <a:ea typeface="DejaVu Sans"/>
+              </a:rPr>
+              <a:t>)</a:t>
+            </a:r>
+            <a:endParaRPr lang="en-US" sz="1200" b="0" strike="noStrike" spc="-1" dirty="0">
+              <a:latin typeface="Arial"/>
+            </a:endParaRPr>
+          </a:p>
+          <a:p>
+            <a:pPr>
+              <a:lnSpc>
+                <a:spcPct val="100000"/>
+              </a:lnSpc>
+            </a:pPr>
+            <a:r>
+              <a:rPr lang="en-US" sz="1200" b="1" strike="noStrike" spc="-1" dirty="0">
+                <a:solidFill>
+                  <a:srgbClr val="000000"/>
+                </a:solidFill>
+                <a:latin typeface="Courier New"/>
+                <a:ea typeface="DejaVu Sans"/>
+              </a:rPr>
+              <a:t>tail(</a:t>
+            </a:r>
+            <a:r>
+              <a:rPr lang="en-US" sz="1200" b="1" strike="noStrike" spc="-1" dirty="0" err="1">
+                <a:solidFill>
+                  <a:srgbClr val="000000"/>
+                </a:solidFill>
+                <a:latin typeface="Courier New"/>
+                <a:ea typeface="DejaVu Sans"/>
+              </a:rPr>
+              <a:t>KidsFeet</a:t>
+            </a:r>
+            <a:r>
+              <a:rPr lang="en-US" sz="1200" b="1" strike="noStrike" spc="-1" dirty="0">
+                <a:solidFill>
+                  <a:srgbClr val="000000"/>
+                </a:solidFill>
+                <a:latin typeface="Courier New"/>
+                <a:ea typeface="DejaVu Sans"/>
+              </a:rPr>
+              <a:t>, 10)</a:t>
+            </a:r>
+          </a:p>
+          <a:p>
+            <a:pPr>
+              <a:lnSpc>
+                <a:spcPct val="150000"/>
+              </a:lnSpc>
+            </a:pPr>
+            <a:r>
+              <a:rPr lang="en-US" sz="1200" spc="-1" dirty="0">
+                <a:solidFill>
+                  <a:srgbClr val="000000"/>
+                </a:solidFill>
+              </a:rPr>
+              <a:t>Names of variables</a:t>
+            </a:r>
+          </a:p>
+          <a:p>
+            <a:r>
+              <a:rPr lang="en-US" sz="1200" b="1" spc="-1" dirty="0">
+                <a:solidFill>
+                  <a:srgbClr val="000000"/>
+                </a:solidFill>
+                <a:latin typeface="Courier New"/>
+              </a:rPr>
+              <a:t>names(</a:t>
+            </a:r>
+            <a:r>
+              <a:rPr lang="en-US" sz="1200" b="1" spc="-1" dirty="0" err="1">
+                <a:solidFill>
+                  <a:srgbClr val="000000"/>
+                </a:solidFill>
+                <a:latin typeface="Courier New"/>
+              </a:rPr>
+              <a:t>HELPrct</a:t>
+            </a:r>
+            <a:r>
+              <a:rPr lang="en-US" sz="1200" b="1" spc="-1" dirty="0">
+                <a:solidFill>
+                  <a:srgbClr val="000000"/>
+                </a:solidFill>
+                <a:latin typeface="Courier New"/>
+              </a:rPr>
+              <a:t>)</a:t>
+            </a:r>
+            <a:endParaRPr lang="en-US" sz="1200" b="0" strike="noStrike" spc="-1" dirty="0">
+              <a:latin typeface="Arial"/>
+            </a:endParaRPr>
+          </a:p>
+        </p:txBody>
+      </p:sp>
     </p:spTree>
   </p:cSld>
   <p:clrMapOvr>
@@ -9866,24 +9782,14 @@
               </a:lnSpc>
             </a:pPr>
             <a:r>
-              <a:rPr lang="en-US" sz="1200" b="1" strike="noStrike" spc="-1" dirty="0" err="1">
+              <a:rPr lang="en-US" sz="1200" b="1" strike="noStrike" spc="-1" dirty="0">
                 <a:solidFill>
                   <a:srgbClr val="1A1A1A"/>
                 </a:solidFill>
                 <a:latin typeface="Courier New"/>
                 <a:ea typeface="DejaVu Sans"/>
               </a:rPr>
-              <a:t>mosaicplot</a:t>
-            </a:r>
-            <a:r>
-              <a:rPr lang="en-US" sz="1200" b="1" strike="noStrike" spc="-1" dirty="0">
-                <a:solidFill>
-                  <a:srgbClr val="1A1A1A"/>
-                </a:solidFill>
-                <a:latin typeface="Courier New"/>
-                <a:ea typeface="DejaVu Sans"/>
-              </a:rPr>
-              <a:t>(~ substance + sex,</a:t>
+              <a:t>mosaicplot(~ substance + sex,</a:t>
             </a:r>
             <a:endParaRPr lang="en-US" sz="1200" b="0" strike="noStrike" spc="-1" dirty="0">
               <a:latin typeface="Arial"/>
@@ -11183,24 +11089,14 @@
               </a:lnSpc>
             </a:pPr>
             <a:r>
-              <a:rPr lang="en-US" sz="1200" b="1" strike="noStrike" spc="-1" dirty="0" err="1">
-                <a:solidFill>
-                  <a:srgbClr val="000000"/>
-                </a:solidFill>
-                <a:latin typeface="Courier New"/>
-                <a:ea typeface="DejaVu Sans"/>
-              </a:rPr>
-              <a:t>qqmath</a:t>
-            </a:r>
-            <a:r>
-              <a:rPr lang="en-US" sz="1200" b="1" strike="noStrike" spc="-1" dirty="0">
-                <a:solidFill>
-                  <a:srgbClr val="000000"/>
-                </a:solidFill>
-                <a:latin typeface="Courier New"/>
-                <a:ea typeface="DejaVu Sans"/>
-              </a:rPr>
-              <a:t>(~</a:t>
+              <a:rPr lang="en-US" sz="1200" b="1" strike="noStrike" spc="-1" dirty="0">
+                <a:solidFill>
+                  <a:srgbClr val="000000"/>
+                </a:solidFill>
+                <a:latin typeface="Courier New"/>
+                <a:ea typeface="DejaVu Sans"/>
+              </a:rPr>
+              <a:t>qqmath(~</a:t>
             </a:r>
             <a:r>
               <a:rPr lang="en-US" sz="1200" b="1" strike="noStrike" spc="-1" dirty="0" err="1">
@@ -11514,10 +11410,65 @@
               </a:rPr>
               <a:t> package</a:t>
             </a:r>
-            <a:endParaRPr lang="en-US" sz="1200" b="0" strike="noStrike" spc="-1" dirty="0">
+            <a:endParaRPr lang="en-US" dirty="0">
+              <a:solidFill>
+                <a:prstClr val="black"/>
+              </a:solidFill>
+              <a:latin typeface="Lucida Sans" panose="020B0602030504020204" pitchFamily="34" charset="0"/>
+            </a:endParaRPr>
+          </a:p>
+          <a:p>
+            <a:r>
+              <a:rPr lang="en-US" sz="1200" dirty="0">
+                <a:solidFill>
+                  <a:srgbClr val="000000"/>
+                </a:solidFill>
+                <a:latin typeface="Arial" panose="020B0604020202020204" pitchFamily="34" charset="0"/>
+              </a:rPr>
+              <a:t>For details, see </a:t>
+            </a:r>
+            <a:r>
+              <a:rPr lang="en-US" sz="1200" dirty="0" err="1">
+                <a:solidFill>
+                  <a:srgbClr val="000000"/>
+                </a:solidFill>
+                <a:latin typeface="Arial" panose="020B0604020202020204" pitchFamily="34" charset="0"/>
+                <a:hlinkClick r:id="rId2"/>
+              </a:rPr>
+              <a:t>Tidyverse</a:t>
+            </a:r>
+            <a:r>
+              <a:rPr lang="en-US" sz="1200" dirty="0">
+                <a:solidFill>
+                  <a:srgbClr val="000000"/>
+                </a:solidFill>
+                <a:latin typeface="Arial" panose="020B0604020202020204" pitchFamily="34" charset="0"/>
+                <a:hlinkClick r:id="rId2"/>
+              </a:rPr>
+              <a:t> </a:t>
+            </a:r>
+            <a:r>
+              <a:rPr lang="en-US" sz="1200" dirty="0" err="1">
+                <a:solidFill>
+                  <a:srgbClr val="000000"/>
+                </a:solidFill>
+                <a:latin typeface="Arial" panose="020B0604020202020204" pitchFamily="34" charset="0"/>
+                <a:hlinkClick r:id="rId2"/>
+              </a:rPr>
+              <a:t>cheatsheet</a:t>
+            </a:r>
+            <a:endParaRPr lang="en-US" sz="1200" dirty="0">
               <a:solidFill>
                 <a:srgbClr val="000000"/>
               </a:solidFill>
+              <a:latin typeface="Arial" panose="020B0604020202020204" pitchFamily="34" charset="0"/>
+            </a:endParaRPr>
+          </a:p>
+          <a:p>
+            <a:endParaRPr lang="en-US" sz="1200" b="0" strike="noStrike" spc="-1" dirty="0">
+              <a:solidFill>
+                <a:srgbClr val="000000"/>
+              </a:solidFill>
               <a:latin typeface="Arial"/>
               <a:ea typeface="DejaVu Sans"/>
             </a:endParaRPr>
@@ -11531,7 +11482,7 @@
                 <a:latin typeface="Arial"/>
                 <a:ea typeface="DejaVu Sans"/>
               </a:rPr>
-              <a:t>Drop or reorder variables</a:t>
+              <a:t>Drop, rename, or reorder variables</a:t>
             </a:r>
             <a:endParaRPr lang="en-US" sz="1200" b="0" strike="noStrike" spc="-1" dirty="0">
               <a:latin typeface="Arial"/>
@@ -11713,78 +11664,6 @@
                 <a:ea typeface="DejaVu Sans"/>
               </a:rPr>
               <a:t>summarize() </a:t>
-            </a:r>
-            <a:endParaRPr lang="en-US" sz="1200" b="1" strike="noStrike" spc="-1" dirty="0">
-              <a:latin typeface="Arial"/>
-            </a:endParaRPr>
-          </a:p>
-          <a:p>
-            <a:pPr>
-              <a:lnSpc>
-                <a:spcPct val="150000"/>
-              </a:lnSpc>
-            </a:pPr>
-            <a:r>
-              <a:rPr lang="en-US" sz="1200" spc="-1" dirty="0">
-                <a:latin typeface="Arial"/>
-                <a:ea typeface="DejaVu Sans"/>
-              </a:rPr>
-              <a:t>Merge</a:t>
-            </a:r>
-            <a:r>
-              <a:rPr lang="en-US" sz="1200" b="0" strike="noStrike" spc="-1" dirty="0">
-                <a:latin typeface="Arial"/>
-                <a:ea typeface="DejaVu Sans"/>
-              </a:rPr>
-              <a:t> data tables</a:t>
-            </a:r>
-            <a:endParaRPr lang="en-US" sz="1200" b="0" strike="noStrike" spc="-1" dirty="0">
-              <a:latin typeface="Arial"/>
-            </a:endParaRPr>
-          </a:p>
-          <a:p>
-            <a:pPr>
-              <a:lnSpc>
-                <a:spcPts val="1000"/>
-              </a:lnSpc>
-            </a:pPr>
-            <a:r>
-              <a:rPr lang="en-US" sz="1200" b="1" strike="noStrike" spc="-1" dirty="0" err="1">
-                <a:latin typeface="Courier New"/>
-                <a:ea typeface="DejaVu Sans"/>
-              </a:rPr>
-              <a:t>left_join</a:t>
-            </a:r>
-            <a:r>
-              <a:rPr lang="en-US" sz="1200" b="1" strike="noStrike" spc="-1" dirty="0">
-                <a:latin typeface="Courier New"/>
-                <a:ea typeface="DejaVu Sans"/>
-              </a:rPr>
-              <a:t>() </a:t>
-            </a:r>
-            <a:endParaRPr lang="en-US" sz="1200" b="1" strike="noStrike" spc="-1" dirty="0">
-              <a:latin typeface="Arial"/>
-            </a:endParaRPr>
-          </a:p>
-          <a:p>
-            <a:pPr>
-              <a:lnSpc>
-                <a:spcPct val="100000"/>
-              </a:lnSpc>
-            </a:pPr>
-            <a:r>
-              <a:rPr lang="en-US" sz="1200" b="1" strike="noStrike" spc="-1" dirty="0" err="1">
-                <a:latin typeface="Courier New"/>
-                <a:ea typeface="DejaVu Sans"/>
-              </a:rPr>
-              <a:t>inner_join</a:t>
-            </a:r>
-            <a:r>
-              <a:rPr lang="en-US" sz="1200" b="1" strike="noStrike" spc="-1" dirty="0">
-                <a:latin typeface="Courier New"/>
-                <a:ea typeface="DejaVu Sans"/>
-              </a:rPr>
-              <a:t>() </a:t>
             </a:r>
             <a:endParaRPr lang="en-US" sz="1200" b="1" strike="noStrike" spc="-1" dirty="0">
               <a:latin typeface="Arial"/>
@@ -11837,14 +11716,14 @@
               </a:lnSpc>
             </a:pPr>
             <a:r>
-              <a:rPr lang="en-US" sz="2000" b="0" strike="noStrike" spc="-1" dirty="0">
+              <a:rPr lang="en-US" sz="2000" b="0" strike="noStrike" spc="-1">
                 <a:solidFill>
                   <a:srgbClr val="FFFFFF"/>
                 </a:solidFill>
                 <a:latin typeface="Source Sans Pro"/>
                 <a:ea typeface="Source Sans Pro"/>
               </a:rPr>
-              <a:t>Data management</a:t>
+              <a:t>Data manipulation</a:t>
             </a:r>
             <a:endParaRPr lang="en-US" sz="2000" b="0" strike="noStrike" spc="-1" dirty="0">
               <a:latin typeface="Arial"/>
@@ -12118,6 +11997,16 @@
               </a:lnSpc>
             </a:pPr>
             <a:r>
+              <a:rPr lang="en-US" sz="1100" b="1" strike="noStrike" spc="-1" dirty="0">
+                <a:solidFill>
+                  <a:srgbClr val="000000"/>
+                </a:solidFill>
+                <a:latin typeface="Courier New"/>
+                <a:ea typeface="DejaVu Sans"/>
+              </a:rPr>
+              <a:t>favstats(~</a:t>
+            </a:r>
+            <a:r>
               <a:rPr lang="en-US" sz="1100" b="1" strike="noStrike" spc="-1" dirty="0" err="1">
                 <a:solidFill>
                   <a:srgbClr val="000000"/>
@@ -12125,7 +12014,7 @@
                 <a:latin typeface="Courier New"/>
                 <a:ea typeface="DejaVu Sans"/>
               </a:rPr>
-              <a:t>favstats</a:t>
+              <a:t>cesd</a:t>
             </a:r>
             <a:r>
               <a:rPr lang="en-US" sz="1100" b="1" strike="noStrike" spc="-1" dirty="0">
@@ -12135,7 +12024,34 @@
                 <a:latin typeface="Courier New"/>
                 <a:ea typeface="DejaVu Sans"/>
               </a:rPr>
-              <a:t>(~</a:t>
+              <a:t> | sex, </a:t>
+            </a:r>
+          </a:p>
+          <a:p>
+            <a:pPr>
+              <a:lnSpc>
+                <a:spcPct val="120000"/>
+              </a:lnSpc>
+            </a:pPr>
+            <a:r>
+              <a:rPr lang="en-US" sz="1100" b="1" spc="-1" dirty="0">
+                <a:solidFill>
+                  <a:srgbClr val="000000"/>
+                </a:solidFill>
+                <a:latin typeface="Courier New"/>
+                <a:ea typeface="DejaVu Sans"/>
+              </a:rPr>
+              <a:t>  </a:t>
+            </a:r>
+            <a:r>
+              <a:rPr lang="en-US" sz="1100" b="1" strike="noStrike" spc="-1" dirty="0">
+                <a:solidFill>
+                  <a:srgbClr val="000000"/>
+                </a:solidFill>
+                <a:latin typeface="Courier New"/>
+                <a:ea typeface="DejaVu Sans"/>
+              </a:rPr>
+              <a:t>data = </a:t>
             </a:r>
             <a:r>
               <a:rPr lang="en-US" sz="1100" b="1" strike="noStrike" spc="-1" dirty="0" err="1">
@@ -12145,6 +12061,66 @@
                 <a:latin typeface="Courier New"/>
                 <a:ea typeface="DejaVu Sans"/>
               </a:rPr>
+              <a:t>HELPrct</a:t>
+            </a:r>
+            <a:r>
+              <a:rPr lang="en-US" sz="1100" b="1" strike="noStrike" spc="-1" dirty="0">
+                <a:solidFill>
+                  <a:srgbClr val="000000"/>
+                </a:solidFill>
+                <a:latin typeface="Courier New"/>
+                <a:ea typeface="DejaVu Sans"/>
+              </a:rPr>
+              <a:t>)</a:t>
+            </a:r>
+            <a:endParaRPr lang="en-US" sz="1100" b="0" strike="noStrike" spc="-1" dirty="0">
+              <a:latin typeface="Arial"/>
+            </a:endParaRPr>
+          </a:p>
+          <a:p>
+            <a:pPr>
+              <a:lnSpc>
+                <a:spcPct val="120000"/>
+              </a:lnSpc>
+            </a:pPr>
+            <a:r>
+              <a:rPr lang="en-US" sz="1200" b="0" strike="noStrike" spc="-1" dirty="0">
+                <a:solidFill>
+                  <a:srgbClr val="000000"/>
+                </a:solidFill>
+                <a:latin typeface="Arial"/>
+                <a:ea typeface="DejaVu Sans"/>
+              </a:rPr>
+              <a:t>Comparative normal probability plot</a:t>
+            </a:r>
+            <a:endParaRPr lang="en-US" sz="1200" b="0" strike="noStrike" spc="-1" dirty="0">
+              <a:latin typeface="Arial"/>
+            </a:endParaRPr>
+          </a:p>
+          <a:p>
+            <a:pPr>
+              <a:lnSpc>
+                <a:spcPct val="100000"/>
+              </a:lnSpc>
+            </a:pPr>
+            <a:r>
+              <a:rPr lang="en-US" sz="1100" b="1" strike="noStrike" spc="-1" dirty="0">
+                <a:solidFill>
+                  <a:srgbClr val="000000"/>
+                </a:solidFill>
+                <a:latin typeface="Courier New"/>
+                <a:ea typeface="Menlo"/>
+              </a:rPr>
+              <a:t>qqmath(~</a:t>
+            </a:r>
+            <a:r>
+              <a:rPr lang="en-US" sz="1100" b="1" strike="noStrike" spc="-1" dirty="0" err="1">
+                <a:solidFill>
+                  <a:srgbClr val="000000"/>
+                </a:solidFill>
+                <a:latin typeface="Courier New"/>
+                <a:ea typeface="Menlo"/>
+              </a:rPr>
               <a:t>cesd</a:t>
             </a:r>
             <a:r>
@@ -12153,158 +12129,41 @@
                   <a:srgbClr val="000000"/>
                 </a:solidFill>
                 <a:latin typeface="Courier New"/>
-                <a:ea typeface="DejaVu Sans"/>
-              </a:rPr>
-              <a:t> | sex, </a:t>
-            </a:r>
-          </a:p>
-          <a:p>
-            <a:pPr>
-              <a:lnSpc>
-                <a:spcPct val="120000"/>
-              </a:lnSpc>
-            </a:pPr>
+                <a:ea typeface="Menlo"/>
+              </a:rPr>
+              <a:t> | sex, data = </a:t>
+            </a:r>
+            <a:r>
+              <a:rPr lang="en-US" sz="1100" b="1" strike="noStrike" spc="-1" dirty="0" err="1">
+                <a:solidFill>
+                  <a:srgbClr val="000000"/>
+                </a:solidFill>
+                <a:latin typeface="Courier New"/>
+                <a:ea typeface="Menlo"/>
+              </a:rPr>
+              <a:t>HELPrct</a:t>
+            </a:r>
+            <a:r>
+              <a:rPr lang="en-US" sz="1100" b="1" strike="noStrike" spc="-1" dirty="0">
+                <a:solidFill>
+                  <a:srgbClr val="000000"/>
+                </a:solidFill>
+                <a:latin typeface="Courier New"/>
+                <a:ea typeface="Menlo"/>
+              </a:rPr>
+              <a:t>,</a:t>
+            </a:r>
+          </a:p>
+          <a:p>
             <a:r>
               <a:rPr lang="en-US" sz="1100" b="1" spc="-1" dirty="0">
                 <a:solidFill>
                   <a:srgbClr val="000000"/>
                 </a:solidFill>
                 <a:latin typeface="Courier New"/>
-                <a:ea typeface="DejaVu Sans"/>
-              </a:rPr>
-              <a:t>  </a:t>
-            </a:r>
-            <a:r>
-              <a:rPr lang="en-US" sz="1100" b="1" strike="noStrike" spc="-1" dirty="0">
-                <a:solidFill>
-                  <a:srgbClr val="000000"/>
-                </a:solidFill>
-                <a:latin typeface="Courier New"/>
-                <a:ea typeface="DejaVu Sans"/>
-              </a:rPr>
-              <a:t>data = </a:t>
-            </a:r>
-            <a:r>
-              <a:rPr lang="en-US" sz="1100" b="1" strike="noStrike" spc="-1" dirty="0" err="1">
-                <a:solidFill>
-                  <a:srgbClr val="000000"/>
-                </a:solidFill>
-                <a:latin typeface="Courier New"/>
-                <a:ea typeface="DejaVu Sans"/>
-              </a:rPr>
-              <a:t>HELPrct</a:t>
-            </a:r>
-            <a:r>
-              <a:rPr lang="en-US" sz="1100" b="1" strike="noStrike" spc="-1" dirty="0">
-                <a:solidFill>
-                  <a:srgbClr val="000000"/>
-                </a:solidFill>
-                <a:latin typeface="Courier New"/>
-                <a:ea typeface="DejaVu Sans"/>
-              </a:rPr>
-              <a:t>)</a:t>
-            </a:r>
-            <a:endParaRPr lang="en-US" sz="1100" b="0" strike="noStrike" spc="-1" dirty="0">
-              <a:latin typeface="Arial"/>
-            </a:endParaRPr>
-          </a:p>
-          <a:p>
-            <a:pPr>
-              <a:lnSpc>
-                <a:spcPct val="120000"/>
-              </a:lnSpc>
-            </a:pPr>
-            <a:r>
-              <a:rPr lang="en-US" sz="1200" b="0" strike="noStrike" spc="-1" dirty="0">
-                <a:solidFill>
-                  <a:srgbClr val="000000"/>
-                </a:solidFill>
-                <a:latin typeface="Arial"/>
-                <a:ea typeface="DejaVu Sans"/>
-              </a:rPr>
-              <a:t>Comparative normal probability plot</a:t>
-            </a:r>
-            <a:endParaRPr lang="en-US" sz="1200" b="0" strike="noStrike" spc="-1" dirty="0">
-              <a:latin typeface="Arial"/>
-            </a:endParaRPr>
-          </a:p>
-          <a:p>
-            <a:pPr>
-              <a:lnSpc>
-                <a:spcPct val="100000"/>
-              </a:lnSpc>
-            </a:pPr>
-            <a:r>
-              <a:rPr lang="en-US" sz="1100" b="1" strike="noStrike" spc="-1" dirty="0">
-                <a:solidFill>
-                  <a:srgbClr val="000000"/>
-                </a:solidFill>
-                <a:latin typeface="Courier New"/>
-                <a:ea typeface="Menlo"/>
-              </a:rPr>
-              <a:t>qqmath(~</a:t>
-            </a:r>
-            <a:r>
-              <a:rPr lang="en-US" sz="1100" b="1" strike="noStrike" spc="-1" dirty="0" err="1">
-                <a:solidFill>
-                  <a:srgbClr val="000000"/>
-                </a:solidFill>
-                <a:latin typeface="Courier New"/>
-                <a:ea typeface="Menlo"/>
-              </a:rPr>
-              <a:t>cesd</a:t>
-            </a:r>
-            <a:r>
-              <a:rPr lang="en-US" sz="1100" b="1" strike="noStrike" spc="-1" dirty="0">
-                <a:solidFill>
-                  <a:srgbClr val="000000"/>
-                </a:solidFill>
-                <a:latin typeface="Courier New"/>
-                <a:ea typeface="Menlo"/>
-              </a:rPr>
-              <a:t> | sex, data = </a:t>
-            </a:r>
-            <a:r>
-              <a:rPr lang="en-US" sz="1100" b="1" strike="noStrike" spc="-1" dirty="0" err="1">
-                <a:solidFill>
-                  <a:srgbClr val="000000"/>
-                </a:solidFill>
-                <a:latin typeface="Courier New"/>
-                <a:ea typeface="Menlo"/>
-              </a:rPr>
-              <a:t>HELPrct</a:t>
-            </a:r>
-            <a:r>
-              <a:rPr lang="en-US" sz="1100" b="1" strike="noStrike" spc="-1" dirty="0">
-                <a:solidFill>
-                  <a:srgbClr val="000000"/>
-                </a:solidFill>
-                <a:latin typeface="Courier New"/>
-                <a:ea typeface="Menlo"/>
-              </a:rPr>
-              <a:t>,</a:t>
-            </a:r>
-          </a:p>
-          <a:p>
-            <a:r>
-              <a:rPr lang="en-US" sz="1100" b="1" spc="-1" dirty="0">
-                <a:solidFill>
-                  <a:srgbClr val="000000"/>
-                </a:solidFill>
-                <a:latin typeface="Courier New"/>
-                <a:ea typeface="Menlo"/>
-              </a:rPr>
-              <a:t>  layout = c(1, 2)) # also </a:t>
-            </a:r>
-            <a:r>
-              <a:rPr lang="en-US" sz="1100" b="1" spc="-1" dirty="0" err="1">
-                <a:solidFill>
-                  <a:srgbClr val="000000"/>
-                </a:solidFill>
-                <a:latin typeface="Courier New"/>
-                <a:ea typeface="Menlo"/>
-              </a:rPr>
-              <a:t>bwplot</a:t>
+                <a:ea typeface="Menlo"/>
+              </a:rPr>
+              <a:t>  layout = c(1, 2)) # also bwplot</a:t>
             </a:r>
             <a:endParaRPr lang="en-US" sz="1100" b="1" strike="noStrike" spc="-1" dirty="0">
               <a:solidFill>
@@ -12511,6 +12370,36 @@
               </a:lnSpc>
             </a:pPr>
             <a:r>
+              <a:rPr lang="en-US" sz="1100" b="1" strike="noStrike" spc="-1" dirty="0">
+                <a:solidFill>
+                  <a:srgbClr val="000000"/>
+                </a:solidFill>
+                <a:latin typeface="Courier New"/>
+                <a:ea typeface="Menlo"/>
+              </a:rPr>
+              <a:t>xyplot(sex ~ length, alpha = 0.6, </a:t>
+            </a:r>
+            <a:endParaRPr lang="en-US" sz="1100" b="0" strike="noStrike" spc="-1" dirty="0">
+              <a:latin typeface="Arial"/>
+            </a:endParaRPr>
+          </a:p>
+          <a:p>
+            <a:pPr>
+              <a:lnSpc>
+                <a:spcPct val="100000"/>
+              </a:lnSpc>
+            </a:pPr>
+            <a:r>
+              <a:rPr lang="en-US" sz="1100" b="1" strike="noStrike" spc="-1" dirty="0">
+                <a:solidFill>
+                  <a:srgbClr val="000000"/>
+                </a:solidFill>
+                <a:latin typeface="Courier New"/>
+                <a:ea typeface="Menlo"/>
+              </a:rPr>
+              <a:t>  </a:t>
+            </a:r>
+            <a:r>
               <a:rPr lang="en-US" sz="1100" b="1" strike="noStrike" spc="-1" dirty="0" err="1">
                 <a:solidFill>
                   <a:srgbClr val="000000"/>
@@ -12518,7 +12407,7 @@
                 <a:latin typeface="Courier New"/>
                 <a:ea typeface="Menlo"/>
               </a:rPr>
-              <a:t>xyplot</a:t>
+              <a:t>cex</a:t>
             </a:r>
             <a:r>
               <a:rPr lang="en-US" sz="1100" b="1" strike="noStrike" spc="-1" dirty="0">
@@ -12528,7 +12417,27 @@
                 <a:latin typeface="Courier New"/>
                 <a:ea typeface="Menlo"/>
               </a:rPr>
-              <a:t>(sex ~ length, alpha = 0.6, </a:t>
+              <a:t> = 1.4, data = </a:t>
+            </a:r>
+            <a:r>
+              <a:rPr lang="en-US" sz="1100" b="1" strike="noStrike" spc="-1" dirty="0" err="1">
+                <a:solidFill>
+                  <a:srgbClr val="000000"/>
+                </a:solidFill>
+                <a:latin typeface="Courier New"/>
+                <a:ea typeface="Menlo"/>
+              </a:rPr>
+              <a:t>KidsFeet</a:t>
+            </a:r>
+            <a:r>
+              <a:rPr lang="en-US" sz="1100" b="1" strike="noStrike" spc="-1" dirty="0">
+                <a:solidFill>
+                  <a:srgbClr val="000000"/>
+                </a:solidFill>
+                <a:latin typeface="Courier New"/>
+                <a:ea typeface="Menlo"/>
+              </a:rPr>
+              <a:t>)</a:t>
             </a:r>
             <a:endParaRPr lang="en-US" sz="1100" b="0" strike="noStrike" spc="-1" dirty="0">
               <a:latin typeface="Arial"/>
@@ -12537,6 +12446,57 @@
           <a:p>
             <a:pPr>
               <a:lnSpc>
+                <a:spcPct val="150000"/>
+              </a:lnSpc>
+            </a:pPr>
+            <a:r>
+              <a:rPr lang="en-US" sz="1200" b="0" strike="noStrike" spc="-1" dirty="0">
+                <a:solidFill>
+                  <a:srgbClr val="000000"/>
+                </a:solidFill>
+                <a:latin typeface="Arial"/>
+                <a:ea typeface="Menlo"/>
+              </a:rPr>
+              <a:t>Two-sample </a:t>
+            </a:r>
+            <a:r>
+              <a:rPr lang="en-US" sz="1200" i="1" spc="-1" dirty="0">
+                <a:solidFill>
+                  <a:srgbClr val="000000"/>
+                </a:solidFill>
+                <a:latin typeface="Times New Roman" panose="02020603050405020304" pitchFamily="18" charset="0"/>
+                <a:ea typeface="Menlo"/>
+                <a:cs typeface="Times New Roman" panose="02020603050405020304" pitchFamily="18" charset="0"/>
+              </a:rPr>
+              <a:t>t</a:t>
+            </a:r>
+            <a:r>
+              <a:rPr lang="en-US" sz="1200" spc="-1" dirty="0">
+                <a:solidFill>
+                  <a:srgbClr val="000000"/>
+                </a:solidFill>
+                <a:latin typeface="Arial"/>
+                <a:ea typeface="Menlo"/>
+              </a:rPr>
+              <a:t>-te</a:t>
+            </a:r>
+            <a:r>
+              <a:rPr lang="en-US" sz="1200" b="0" strike="noStrike" spc="-1" dirty="0">
+                <a:solidFill>
+                  <a:srgbClr val="000000"/>
+                </a:solidFill>
+                <a:latin typeface="Arial"/>
+                <a:ea typeface="Menlo"/>
+              </a:rPr>
+              <a:t>st and confidence interval</a:t>
+            </a:r>
+            <a:endParaRPr lang="en-US" sz="1200" b="0" strike="noStrike" spc="-1" dirty="0">
+              <a:latin typeface="Arial"/>
+            </a:endParaRPr>
+          </a:p>
+          <a:p>
+            <a:pPr>
+              <a:lnSpc>
                 <a:spcPct val="100000"/>
               </a:lnSpc>
             </a:pPr>
@@ -12548,6 +12508,66 @@
                 <a:latin typeface="Courier New"/>
                 <a:ea typeface="Menlo"/>
               </a:rPr>
+              <a:t>result &lt;- </a:t>
+            </a:r>
+            <a:r>
+              <a:rPr lang="en-US" sz="1100" b="1" strike="noStrike" spc="-1" dirty="0" err="1">
+                <a:solidFill>
+                  <a:srgbClr val="000000"/>
+                </a:solidFill>
+                <a:latin typeface="Courier New"/>
+                <a:ea typeface="Menlo"/>
+              </a:rPr>
+              <a:t>t.test</a:t>
+            </a:r>
+            <a:r>
+              <a:rPr lang="en-US" sz="1100" b="1" strike="noStrike" spc="-1" dirty="0">
+                <a:solidFill>
+                  <a:srgbClr val="000000"/>
+                </a:solidFill>
+                <a:latin typeface="Courier New"/>
+                <a:ea typeface="Menlo"/>
+              </a:rPr>
+              <a:t>(</a:t>
+            </a:r>
+            <a:r>
+              <a:rPr lang="en-US" sz="1100" b="1" strike="noStrike" spc="-1" dirty="0" err="1">
+                <a:solidFill>
+                  <a:srgbClr val="000000"/>
+                </a:solidFill>
+                <a:latin typeface="Courier New"/>
+                <a:ea typeface="Menlo"/>
+              </a:rPr>
+              <a:t>cesd</a:t>
+            </a:r>
+            <a:r>
+              <a:rPr lang="en-US" sz="1100" b="1" strike="noStrike" spc="-1" dirty="0">
+                <a:solidFill>
+                  <a:srgbClr val="000000"/>
+                </a:solidFill>
+                <a:latin typeface="Courier New"/>
+                <a:ea typeface="Menlo"/>
+              </a:rPr>
+              <a:t> ~ sex, </a:t>
+            </a:r>
+            <a:endParaRPr lang="en-US" sz="1100" b="0" strike="noStrike" spc="-1" dirty="0">
+              <a:latin typeface="Arial"/>
+            </a:endParaRPr>
+          </a:p>
+          <a:p>
+            <a:pPr>
+              <a:lnSpc>
+                <a:spcPct val="100000"/>
+              </a:lnSpc>
+            </a:pPr>
+            <a:r>
+              <a:rPr lang="en-US" sz="1100" b="1" strike="noStrike" spc="-1" dirty="0">
+                <a:solidFill>
+                  <a:srgbClr val="000000"/>
+                </a:solidFill>
+                <a:latin typeface="Courier New"/>
+                <a:ea typeface="Menlo"/>
+              </a:rPr>
               <a:t>  </a:t>
             </a:r>
             <a:r>
@@ -12558,7 +12578,7 @@
                 <a:latin typeface="Courier New"/>
                 <a:ea typeface="Menlo"/>
               </a:rPr>
-              <a:t>cex</a:t>
+              <a:t>var.equal</a:t>
             </a:r>
             <a:r>
               <a:rPr lang="en-US" sz="1100" b="1" strike="noStrike" spc="-1" dirty="0">
@@ -12568,7 +12588,7 @@
                 <a:latin typeface="Courier New"/>
                 <a:ea typeface="Menlo"/>
               </a:rPr>
-              <a:t> = 1.4, data = </a:t>
+              <a:t> = FALSE, data = </a:t>
             </a:r>
             <a:r>
               <a:rPr lang="en-US" sz="1100" b="1" strike="noStrike" spc="-1" dirty="0" err="1">
@@ -12578,7 +12598,7 @@
                 <a:latin typeface="Courier New"/>
                 <a:ea typeface="Menlo"/>
               </a:rPr>
-              <a:t>KidsFeet</a:t>
+              <a:t>HELPrct</a:t>
             </a:r>
             <a:r>
               <a:rPr lang="en-US" sz="1100" b="1" strike="noStrike" spc="-1" dirty="0">
@@ -12588,6 +12608,146 @@
                 <a:latin typeface="Courier New"/>
                 <a:ea typeface="Menlo"/>
               </a:rPr>
+              <a:t>) </a:t>
+            </a:r>
+            <a:r>
+              <a:rPr lang="en-US" sz="1100" b="1" strike="noStrike" spc="-1" dirty="0" err="1">
+                <a:solidFill>
+                  <a:srgbClr val="000000"/>
+                </a:solidFill>
+                <a:latin typeface="Courier New"/>
+                <a:ea typeface="Menlo"/>
+              </a:rPr>
+              <a:t>confint</a:t>
+            </a:r>
+            <a:r>
+              <a:rPr lang="en-US" sz="1100" b="1" strike="noStrike" spc="-1" dirty="0">
+                <a:solidFill>
+                  <a:srgbClr val="000000"/>
+                </a:solidFill>
+                <a:latin typeface="Courier New"/>
+                <a:ea typeface="Menlo"/>
+              </a:rPr>
+              <a:t>(result)</a:t>
+            </a:r>
+            <a:endParaRPr lang="en-US" sz="1100" b="0" strike="noStrike" spc="-1" dirty="0">
+              <a:latin typeface="Arial"/>
+            </a:endParaRPr>
+          </a:p>
+          <a:p>
+            <a:pPr>
+              <a:lnSpc>
+                <a:spcPct val="150000"/>
+              </a:lnSpc>
+            </a:pPr>
+            <a:r>
+              <a:rPr lang="en-US" sz="1200" b="0" strike="noStrike" spc="-1" dirty="0">
+                <a:solidFill>
+                  <a:srgbClr val="000000"/>
+                </a:solidFill>
+                <a:latin typeface="Arial"/>
+                <a:ea typeface="DejaVu Sans"/>
+              </a:rPr>
+              <a:t>More than two levels: Analysis of variance</a:t>
+            </a:r>
+            <a:endParaRPr lang="en-US" sz="1200" b="0" strike="noStrike" spc="-1" dirty="0">
+              <a:latin typeface="Arial"/>
+            </a:endParaRPr>
+          </a:p>
+          <a:p>
+            <a:pPr>
+              <a:lnSpc>
+                <a:spcPct val="100000"/>
+              </a:lnSpc>
+            </a:pPr>
+            <a:r>
+              <a:rPr lang="en-US" sz="1200" b="0" strike="noStrike" spc="-1" dirty="0">
+                <a:solidFill>
+                  <a:srgbClr val="000000"/>
+                </a:solidFill>
+                <a:latin typeface="Arial"/>
+                <a:ea typeface="DejaVu Sans"/>
+              </a:rPr>
+              <a:t>Numeric summaries</a:t>
+            </a:r>
+            <a:endParaRPr lang="en-US" sz="1200" b="0" strike="noStrike" spc="-1" dirty="0">
+              <a:latin typeface="Arial"/>
+            </a:endParaRPr>
+          </a:p>
+          <a:p>
+            <a:pPr>
+              <a:lnSpc>
+                <a:spcPct val="100000"/>
+              </a:lnSpc>
+            </a:pPr>
+            <a:r>
+              <a:rPr lang="en-US" sz="1100" b="1" strike="noStrike" spc="-1" dirty="0">
+                <a:solidFill>
+                  <a:srgbClr val="000000"/>
+                </a:solidFill>
+                <a:latin typeface="Courier New"/>
+                <a:ea typeface="Menlo"/>
+              </a:rPr>
+              <a:t>favstats(</a:t>
+            </a:r>
+            <a:r>
+              <a:rPr lang="en-US" sz="1100" b="1" strike="noStrike" spc="-1" dirty="0" err="1">
+                <a:solidFill>
+                  <a:srgbClr val="000000"/>
+                </a:solidFill>
+                <a:latin typeface="Courier New"/>
+                <a:ea typeface="Menlo"/>
+              </a:rPr>
+              <a:t>cesd</a:t>
+            </a:r>
+            <a:r>
+              <a:rPr lang="en-US" sz="1100" b="1" strike="noStrike" spc="-1" dirty="0">
+                <a:solidFill>
+                  <a:srgbClr val="000000"/>
+                </a:solidFill>
+                <a:latin typeface="Courier New"/>
+                <a:ea typeface="Menlo"/>
+              </a:rPr>
+              <a:t> ~ substance, </a:t>
+            </a:r>
+            <a:endParaRPr lang="en-US" sz="1100" b="0" strike="noStrike" spc="-1" dirty="0">
+              <a:latin typeface="Arial"/>
+            </a:endParaRPr>
+          </a:p>
+          <a:p>
+            <a:pPr>
+              <a:lnSpc>
+                <a:spcPct val="100000"/>
+              </a:lnSpc>
+            </a:pPr>
+            <a:r>
+              <a:rPr lang="en-US" sz="1100" b="1" strike="noStrike" spc="-1" dirty="0">
+                <a:solidFill>
+                  <a:srgbClr val="000000"/>
+                </a:solidFill>
+                <a:latin typeface="Courier New"/>
+                <a:ea typeface="Menlo"/>
+              </a:rPr>
+              <a:t>  data = </a:t>
+            </a:r>
+            <a:r>
+              <a:rPr lang="en-US" sz="1100" b="1" strike="noStrike" spc="-1" dirty="0" err="1">
+                <a:solidFill>
+                  <a:srgbClr val="000000"/>
+                </a:solidFill>
+                <a:latin typeface="Courier New"/>
+                <a:ea typeface="Menlo"/>
+              </a:rPr>
+              <a:t>HELPrct</a:t>
+            </a:r>
+            <a:r>
+              <a:rPr lang="en-US" sz="1100" b="1" strike="noStrike" spc="-1" dirty="0">
+                <a:solidFill>
+                  <a:srgbClr val="000000"/>
+                </a:solidFill>
+                <a:latin typeface="Courier New"/>
+                <a:ea typeface="Menlo"/>
+              </a:rPr>
               <a:t>)</a:t>
             </a:r>
             <a:endParaRPr lang="en-US" sz="1100" b="0" strike="noStrike" spc="-1" dirty="0">
@@ -12606,470 +12766,129 @@
                   <a:srgbClr val="000000"/>
                 </a:solidFill>
                 <a:latin typeface="Arial"/>
-                <a:ea typeface="Menlo"/>
-              </a:rPr>
-              <a:t>Two-sample </a:t>
-            </a:r>
-            <a:r>
-              <a:rPr lang="en-US" sz="1200" i="1" spc="-1" dirty="0">
-                <a:solidFill>
-                  <a:srgbClr val="000000"/>
-                </a:solidFill>
-                <a:latin typeface="Times New Roman" panose="02020603050405020304" pitchFamily="18" charset="0"/>
-                <a:ea typeface="Menlo"/>
-                <a:cs typeface="Times New Roman" panose="02020603050405020304" pitchFamily="18" charset="0"/>
-              </a:rPr>
-              <a:t>t</a:t>
-            </a:r>
-            <a:r>
-              <a:rPr lang="en-US" sz="1200" spc="-1" dirty="0">
+                <a:ea typeface="DejaVu Sans"/>
+              </a:rPr>
+              <a:t>Graphic summaries</a:t>
+            </a:r>
+            <a:endParaRPr lang="en-US" sz="1200" b="0" strike="noStrike" spc="-1" dirty="0">
+              <a:latin typeface="Arial"/>
+            </a:endParaRPr>
+          </a:p>
+          <a:p>
+            <a:pPr>
+              <a:lnSpc>
+                <a:spcPct val="100000"/>
+              </a:lnSpc>
+            </a:pPr>
+            <a:r>
+              <a:rPr lang="en-US" sz="1100" b="1" strike="noStrike" spc="-1" dirty="0">
+                <a:solidFill>
+                  <a:srgbClr val="000000"/>
+                </a:solidFill>
+                <a:latin typeface="Courier New"/>
+                <a:ea typeface="Menlo"/>
+              </a:rPr>
+              <a:t>bwplot(</a:t>
+            </a:r>
+            <a:r>
+              <a:rPr lang="en-US" sz="1100" b="1" strike="noStrike" spc="-1" dirty="0" err="1">
+                <a:solidFill>
+                  <a:srgbClr val="000000"/>
+                </a:solidFill>
+                <a:latin typeface="Courier New"/>
+                <a:ea typeface="Menlo"/>
+              </a:rPr>
+              <a:t>cesd</a:t>
+            </a:r>
+            <a:r>
+              <a:rPr lang="en-US" sz="1100" b="1" strike="noStrike" spc="-1" dirty="0">
+                <a:solidFill>
+                  <a:srgbClr val="000000"/>
+                </a:solidFill>
+                <a:latin typeface="Courier New"/>
+                <a:ea typeface="Menlo"/>
+              </a:rPr>
+              <a:t> ~ substance, </a:t>
+            </a:r>
+            <a:r>
+              <a:rPr lang="en-US" sz="1100" b="1" strike="noStrike" spc="-1" dirty="0" err="1">
+                <a:solidFill>
+                  <a:srgbClr val="000000"/>
+                </a:solidFill>
+                <a:latin typeface="Courier New"/>
+                <a:ea typeface="Menlo"/>
+              </a:rPr>
+              <a:t>pch</a:t>
+            </a:r>
+            <a:r>
+              <a:rPr lang="en-US" sz="1100" b="1" strike="noStrike" spc="-1" dirty="0">
+                <a:solidFill>
+                  <a:srgbClr val="000000"/>
+                </a:solidFill>
+                <a:latin typeface="Courier New"/>
+                <a:ea typeface="Menlo"/>
+              </a:rPr>
+              <a:t> = "|",</a:t>
+            </a:r>
+            <a:endParaRPr lang="en-US" sz="1100" b="0" strike="noStrike" spc="-1" dirty="0">
+              <a:latin typeface="Arial"/>
+            </a:endParaRPr>
+          </a:p>
+          <a:p>
+            <a:pPr>
+              <a:lnSpc>
+                <a:spcPct val="100000"/>
+              </a:lnSpc>
+            </a:pPr>
+            <a:r>
+              <a:rPr lang="en-US" sz="1100" b="1" strike="noStrike" spc="-1" dirty="0">
+                <a:solidFill>
+                  <a:srgbClr val="000000"/>
+                </a:solidFill>
+                <a:latin typeface="Courier New"/>
+                <a:ea typeface="Menlo"/>
+              </a:rPr>
+              <a:t>  data = </a:t>
+            </a:r>
+            <a:r>
+              <a:rPr lang="en-US" sz="1100" b="1" strike="noStrike" spc="-1" dirty="0" err="1">
+                <a:solidFill>
+                  <a:srgbClr val="000000"/>
+                </a:solidFill>
+                <a:latin typeface="Courier New"/>
+                <a:ea typeface="Menlo"/>
+              </a:rPr>
+              <a:t>HELPrct</a:t>
+            </a:r>
+            <a:r>
+              <a:rPr lang="en-US" sz="1100" b="1" strike="noStrike" spc="-1" dirty="0">
+                <a:solidFill>
+                  <a:srgbClr val="000000"/>
+                </a:solidFill>
+                <a:latin typeface="Courier New"/>
+                <a:ea typeface="Menlo"/>
+              </a:rPr>
+              <a:t>)</a:t>
+            </a:r>
+            <a:endParaRPr lang="en-US" sz="1100" b="0" strike="noStrike" spc="-1" dirty="0">
+              <a:latin typeface="Arial"/>
+            </a:endParaRPr>
+          </a:p>
+          <a:p>
+            <a:pPr>
+              <a:lnSpc>
+                <a:spcPct val="150000"/>
+              </a:lnSpc>
+            </a:pPr>
+            <a:r>
+              <a:rPr lang="en-US" sz="1200" b="0" strike="noStrike" spc="-1" dirty="0">
                 <a:solidFill>
                   <a:srgbClr val="000000"/>
                 </a:solidFill>
                 <a:latin typeface="Arial"/>
-                <a:ea typeface="Menlo"/>
-              </a:rPr>
-              <a:t>-te</a:t>
-            </a:r>
-            <a:r>
-              <a:rPr lang="en-US" sz="1200" b="0" strike="noStrike" spc="-1" dirty="0">
-                <a:solidFill>
-                  <a:srgbClr val="000000"/>
-                </a:solidFill>
-                <a:latin typeface="Arial"/>
-                <a:ea typeface="Menlo"/>
-              </a:rPr>
-              <a:t>st and confidence interval</a:t>
-            </a:r>
-            <a:endParaRPr lang="en-US" sz="1200" b="0" strike="noStrike" spc="-1" dirty="0">
-              <a:latin typeface="Arial"/>
-            </a:endParaRPr>
-          </a:p>
-          <a:p>
-            <a:pPr>
-              <a:lnSpc>
-                <a:spcPct val="100000"/>
-              </a:lnSpc>
-            </a:pPr>
-            <a:r>
-              <a:rPr lang="en-US" sz="1100" b="1" strike="noStrike" spc="-1" dirty="0">
-                <a:solidFill>
-                  <a:srgbClr val="000000"/>
-                </a:solidFill>
-                <a:latin typeface="Courier New"/>
-                <a:ea typeface="Menlo"/>
-              </a:rPr>
-              <a:t>result &lt;- </a:t>
-            </a:r>
-            <a:r>
-              <a:rPr lang="en-US" sz="1100" b="1" strike="noStrike" spc="-1" dirty="0" err="1">
-                <a:solidFill>
-                  <a:srgbClr val="000000"/>
-                </a:solidFill>
-                <a:latin typeface="Courier New"/>
-                <a:ea typeface="Menlo"/>
-              </a:rPr>
-              <a:t>t.test</a:t>
-            </a:r>
-            <a:r>
-              <a:rPr lang="en-US" sz="1100" b="1" strike="noStrike" spc="-1" dirty="0">
-                <a:solidFill>
-                  <a:srgbClr val="000000"/>
-                </a:solidFill>
-                <a:latin typeface="Courier New"/>
-                <a:ea typeface="Menlo"/>
-              </a:rPr>
-              <a:t>(</a:t>
-            </a:r>
-            <a:r>
-              <a:rPr lang="en-US" sz="1100" b="1" strike="noStrike" spc="-1" dirty="0" err="1">
-                <a:solidFill>
-                  <a:srgbClr val="000000"/>
-                </a:solidFill>
-                <a:latin typeface="Courier New"/>
-                <a:ea typeface="Menlo"/>
-              </a:rPr>
-              <a:t>cesd</a:t>
-            </a:r>
-            <a:r>
-              <a:rPr lang="en-US" sz="1100" b="1" strike="noStrike" spc="-1" dirty="0">
-                <a:solidFill>
-                  <a:srgbClr val="000000"/>
-                </a:solidFill>
-                <a:latin typeface="Courier New"/>
-                <a:ea typeface="Menlo"/>
-              </a:rPr>
-              <a:t> ~ sex, </a:t>
-            </a:r>
-            <a:endParaRPr lang="en-US" sz="1100" b="0" strike="noStrike" spc="-1" dirty="0">
-              <a:latin typeface="Arial"/>
-            </a:endParaRPr>
-          </a:p>
-          <a:p>
-            <a:pPr>
-              <a:lnSpc>
-                <a:spcPct val="100000"/>
-              </a:lnSpc>
-            </a:pPr>
-            <a:r>
-              <a:rPr lang="en-US" sz="1100" b="1" strike="noStrike" spc="-1" dirty="0">
-                <a:solidFill>
-                  <a:srgbClr val="000000"/>
-                </a:solidFill>
-                <a:latin typeface="Courier New"/>
-                <a:ea typeface="Menlo"/>
-              </a:rPr>
-              <a:t>  </a:t>
-            </a:r>
-            <a:r>
-              <a:rPr lang="en-US" sz="1100" b="1" strike="noStrike" spc="-1" dirty="0" err="1">
-                <a:solidFill>
-                  <a:srgbClr val="000000"/>
-                </a:solidFill>
-                <a:latin typeface="Courier New"/>
-                <a:ea typeface="Menlo"/>
-              </a:rPr>
-              <a:t>var.equal</a:t>
-            </a:r>
-            <a:r>
-              <a:rPr lang="en-US" sz="1100" b="1" strike="noStrike" spc="-1" dirty="0">
-                <a:solidFill>
-                  <a:srgbClr val="000000"/>
-                </a:solidFill>
-                <a:latin typeface="Courier New"/>
-                <a:ea typeface="Menlo"/>
-              </a:rPr>
-              <a:t> = FALSE, data = </a:t>
-            </a:r>
-            <a:r>
-              <a:rPr lang="en-US" sz="1100" b="1" strike="noStrike" spc="-1" dirty="0" err="1">
-                <a:solidFill>
-                  <a:srgbClr val="000000"/>
-                </a:solidFill>
-                <a:latin typeface="Courier New"/>
-                <a:ea typeface="Menlo"/>
-              </a:rPr>
-              <a:t>HELPrct</a:t>
-            </a:r>
-            <a:r>
-              <a:rPr lang="en-US" sz="1100" b="1" strike="noStrike" spc="-1" dirty="0">
-                <a:solidFill>
-                  <a:srgbClr val="000000"/>
-                </a:solidFill>
-                <a:latin typeface="Courier New"/>
-                <a:ea typeface="Menlo"/>
-              </a:rPr>
-              <a:t>) </a:t>
-            </a:r>
-            <a:r>
-              <a:rPr lang="en-US" sz="1100" b="1" strike="noStrike" spc="-1" dirty="0" err="1">
-                <a:solidFill>
-                  <a:srgbClr val="000000"/>
-                </a:solidFill>
-                <a:latin typeface="Courier New"/>
-                <a:ea typeface="Menlo"/>
-              </a:rPr>
-              <a:t>confint</a:t>
-            </a:r>
-            <a:r>
-              <a:rPr lang="en-US" sz="1100" b="1" strike="noStrike" spc="-1" dirty="0">
-                <a:solidFill>
-                  <a:srgbClr val="000000"/>
-                </a:solidFill>
-                <a:latin typeface="Courier New"/>
-                <a:ea typeface="Menlo"/>
-              </a:rPr>
-              <a:t>(result)</a:t>
-            </a:r>
-            <a:endParaRPr lang="en-US" sz="1100" b="0" strike="noStrike" spc="-1" dirty="0">
-              <a:latin typeface="Arial"/>
-            </a:endParaRPr>
-          </a:p>
-          <a:p>
-            <a:pPr>
-              <a:lnSpc>
-                <a:spcPct val="150000"/>
-              </a:lnSpc>
-            </a:pPr>
-            <a:r>
-              <a:rPr lang="en-US" sz="1200" b="0" strike="noStrike" spc="-1" dirty="0">
-                <a:solidFill>
-                  <a:srgbClr val="000000"/>
-                </a:solidFill>
-                <a:latin typeface="Arial"/>
-                <a:ea typeface="DejaVu Sans"/>
-              </a:rPr>
-              <a:t>More than two levels: Analysis of variance</a:t>
-            </a:r>
-            <a:endParaRPr lang="en-US" sz="1200" b="0" strike="noStrike" spc="-1" dirty="0">
-              <a:latin typeface="Arial"/>
-            </a:endParaRPr>
-          </a:p>
-          <a:p>
-            <a:pPr>
-              <a:lnSpc>
-                <a:spcPct val="100000"/>
-              </a:lnSpc>
-            </a:pPr>
-            <a:r>
-              <a:rPr lang="en-US" sz="1200" b="0" strike="noStrike" spc="-1" dirty="0">
-                <a:solidFill>
-                  <a:srgbClr val="000000"/>
-                </a:solidFill>
-                <a:latin typeface="Arial"/>
-                <a:ea typeface="DejaVu Sans"/>
-              </a:rPr>
-              <a:t>Numeric summaries</a:t>
-            </a:r>
-            <a:endParaRPr lang="en-US" sz="1200" b="0" strike="noStrike" spc="-1" dirty="0">
-              <a:latin typeface="Arial"/>
-            </a:endParaRPr>
-          </a:p>
-          <a:p>
-            <a:pPr>
-              <a:lnSpc>
-                <a:spcPct val="100000"/>
-              </a:lnSpc>
-            </a:pPr>
-            <a:r>
-              <a:rPr lang="en-US" sz="1100" b="1" strike="noStrike" spc="-1" dirty="0" err="1">
-                <a:solidFill>
-                  <a:srgbClr val="000000"/>
-                </a:solidFill>
-                <a:latin typeface="Courier New"/>
-                <a:ea typeface="Menlo"/>
-              </a:rPr>
-              <a:t>favstats</a:t>
-            </a:r>
-            <a:r>
-              <a:rPr lang="en-US" sz="1100" b="1" strike="noStrike" spc="-1" dirty="0">
-                <a:solidFill>
-                  <a:srgbClr val="000000"/>
-                </a:solidFill>
-                <a:latin typeface="Courier New"/>
-                <a:ea typeface="Menlo"/>
-              </a:rPr>
-              <a:t>(</a:t>
-            </a:r>
-            <a:r>
-              <a:rPr lang="en-US" sz="1100" b="1" strike="noStrike" spc="-1" dirty="0" err="1">
-                <a:solidFill>
-                  <a:srgbClr val="000000"/>
-                </a:solidFill>
-                <a:latin typeface="Courier New"/>
-                <a:ea typeface="Menlo"/>
-              </a:rPr>
-              <a:t>cesd</a:t>
-            </a:r>
-            <a:r>
-              <a:rPr lang="en-US" sz="1100" b="1" strike="noStrike" spc="-1" dirty="0">
-                <a:solidFill>
-                  <a:srgbClr val="000000"/>
-                </a:solidFill>
-                <a:latin typeface="Courier New"/>
-                <a:ea typeface="Menlo"/>
-              </a:rPr>
-              <a:t> ~ substance, </a:t>
-            </a:r>
-            <a:endParaRPr lang="en-US" sz="1100" b="0" strike="noStrike" spc="-1" dirty="0">
-              <a:latin typeface="Arial"/>
-            </a:endParaRPr>
-          </a:p>
-          <a:p>
-            <a:pPr>
-              <a:lnSpc>
-                <a:spcPct val="100000"/>
-              </a:lnSpc>
-            </a:pPr>
-            <a:r>
-              <a:rPr lang="en-US" sz="1100" b="1" strike="noStrike" spc="-1" dirty="0">
-                <a:solidFill>
-                  <a:srgbClr val="000000"/>
-                </a:solidFill>
-                <a:latin typeface="Courier New"/>
-                <a:ea typeface="Menlo"/>
-              </a:rPr>
-              <a:t>  data = </a:t>
-            </a:r>
-            <a:r>
-              <a:rPr lang="en-US" sz="1100" b="1" strike="noStrike" spc="-1" dirty="0" err="1">
-                <a:solidFill>
-                  <a:srgbClr val="000000"/>
-                </a:solidFill>
-                <a:latin typeface="Courier New"/>
-                <a:ea typeface="Menlo"/>
-              </a:rPr>
-              <a:t>HELPrct</a:t>
-            </a:r>
-            <a:r>
-              <a:rPr lang="en-US" sz="1100" b="1" strike="noStrike" spc="-1" dirty="0">
-                <a:solidFill>
-                  <a:srgbClr val="000000"/>
-                </a:solidFill>
-                <a:latin typeface="Courier New"/>
-                <a:ea typeface="Menlo"/>
-              </a:rPr>
-              <a:t>)</a:t>
-            </a:r>
-            <a:endParaRPr lang="en-US" sz="1100" b="0" strike="noStrike" spc="-1" dirty="0">
-              <a:latin typeface="Arial"/>
-            </a:endParaRPr>
-          </a:p>
-          <a:p>
-            <a:pPr>
-              <a:lnSpc>
-                <a:spcPct val="150000"/>
-              </a:lnSpc>
-            </a:pPr>
-            <a:r>
-              <a:rPr lang="en-US" sz="1200" b="0" strike="noStrike" spc="-1" dirty="0">
-                <a:solidFill>
-                  <a:srgbClr val="000000"/>
-                </a:solidFill>
-                <a:latin typeface="Arial"/>
-                <a:ea typeface="DejaVu Sans"/>
-              </a:rPr>
-              <a:t>Graphic summaries</a:t>
-            </a:r>
-            <a:endParaRPr lang="en-US" sz="1200" b="0" strike="noStrike" spc="-1" dirty="0">
-              <a:latin typeface="Arial"/>
-            </a:endParaRPr>
-          </a:p>
-          <a:p>
-            <a:pPr>
-              <a:lnSpc>
-                <a:spcPct val="100000"/>
-              </a:lnSpc>
-            </a:pPr>
-            <a:r>
-              <a:rPr lang="en-US" sz="1100" b="1" strike="noStrike" spc="-1" dirty="0" err="1">
-                <a:solidFill>
-                  <a:srgbClr val="000000"/>
-                </a:solidFill>
-                <a:latin typeface="Courier New"/>
-                <a:ea typeface="Menlo"/>
-              </a:rPr>
-              <a:t>bwplot</a:t>
-            </a:r>
-            <a:r>
-              <a:rPr lang="en-US" sz="1100" b="1" strike="noStrike" spc="-1" dirty="0">
-                <a:solidFill>
-                  <a:srgbClr val="000000"/>
-                </a:solidFill>
-                <a:latin typeface="Courier New"/>
-                <a:ea typeface="Menlo"/>
-              </a:rPr>
-              <a:t>(</a:t>
-            </a:r>
-            <a:r>
-              <a:rPr lang="en-US" sz="1100" b="1" strike="noStrike" spc="-1" dirty="0" err="1">
-                <a:solidFill>
-                  <a:srgbClr val="000000"/>
-                </a:solidFill>
-                <a:latin typeface="Courier New"/>
-                <a:ea typeface="Menlo"/>
-              </a:rPr>
-              <a:t>cesd</a:t>
-            </a:r>
-            <a:r>
-              <a:rPr lang="en-US" sz="1100" b="1" strike="noStrike" spc="-1" dirty="0">
-                <a:solidFill>
-                  <a:srgbClr val="000000"/>
-                </a:solidFill>
-                <a:latin typeface="Courier New"/>
-                <a:ea typeface="Menlo"/>
-              </a:rPr>
-              <a:t> ~ substance, </a:t>
-            </a:r>
-            <a:r>
-              <a:rPr lang="en-US" sz="1100" b="1" strike="noStrike" spc="-1" dirty="0" err="1">
-                <a:solidFill>
-                  <a:srgbClr val="000000"/>
-                </a:solidFill>
-                <a:latin typeface="Courier New"/>
-                <a:ea typeface="Menlo"/>
-              </a:rPr>
-              <a:t>pch</a:t>
-            </a:r>
-            <a:r>
-              <a:rPr lang="en-US" sz="1100" b="1" strike="noStrike" spc="-1" dirty="0">
-                <a:solidFill>
-                  <a:srgbClr val="000000"/>
-                </a:solidFill>
-                <a:latin typeface="Courier New"/>
-                <a:ea typeface="Menlo"/>
-              </a:rPr>
-              <a:t> = "|",</a:t>
-            </a:r>
-            <a:endParaRPr lang="en-US" sz="1100" b="0" strike="noStrike" spc="-1" dirty="0">
-              <a:latin typeface="Arial"/>
-            </a:endParaRPr>
-          </a:p>
-          <a:p>
-            <a:pPr>
-              <a:lnSpc>
-                <a:spcPct val="100000"/>
-              </a:lnSpc>
-            </a:pPr>
-            <a:r>
-              <a:rPr lang="en-US" sz="1100" b="1" strike="noStrike" spc="-1" dirty="0">
-                <a:solidFill>
-                  <a:srgbClr val="000000"/>
-                </a:solidFill>
-                <a:latin typeface="Courier New"/>
-                <a:ea typeface="Menlo"/>
-              </a:rPr>
-              <a:t>  data = </a:t>
-            </a:r>
-            <a:r>
-              <a:rPr lang="en-US" sz="1100" b="1" strike="noStrike" spc="-1" dirty="0" err="1">
-                <a:solidFill>
-                  <a:srgbClr val="000000"/>
-                </a:solidFill>
-                <a:latin typeface="Courier New"/>
-                <a:ea typeface="Menlo"/>
-              </a:rPr>
-              <a:t>HELPrct</a:t>
-            </a:r>
-            <a:r>
-              <a:rPr lang="en-US" sz="1100" b="1" strike="noStrike" spc="-1" dirty="0">
-                <a:solidFill>
-                  <a:srgbClr val="000000"/>
-                </a:solidFill>
-                <a:latin typeface="Courier New"/>
-                <a:ea typeface="Menlo"/>
-              </a:rPr>
-              <a:t>)</a:t>
-            </a:r>
-            <a:endParaRPr lang="en-US" sz="1100" b="0" strike="noStrike" spc="-1" dirty="0">
-              <a:latin typeface="Arial"/>
-            </a:endParaRPr>
-          </a:p>
-          <a:p>
-            <a:pPr>
-              <a:lnSpc>
-                <a:spcPct val="150000"/>
-              </a:lnSpc>
-            </a:pPr>
-            <a:r>
-              <a:rPr lang="en-US" sz="1200" b="0" strike="noStrike" spc="-1" dirty="0" err="1">
-                <a:solidFill>
-                  <a:srgbClr val="000000"/>
-                </a:solidFill>
-                <a:latin typeface="Arial"/>
-                <a:ea typeface="DejaVu Sans"/>
-              </a:rPr>
-              <a:t>Fitt</a:t>
-            </a:r>
-            <a:r>
-              <a:rPr lang="en-US" sz="1200" b="0" strike="noStrike" spc="-1" dirty="0">
-                <a:solidFill>
-                  <a:srgbClr val="000000"/>
-                </a:solidFill>
-                <a:latin typeface="Arial"/>
-                <a:ea typeface="DejaVu Sans"/>
-              </a:rPr>
-              <a:t> and summarize model</a:t>
+                <a:ea typeface="DejaVu Sans"/>
+              </a:rPr>
+              <a:t>Fit and summarize model</a:t>
             </a:r>
             <a:endParaRPr lang="en-US" sz="1200" b="0" strike="noStrike" spc="-1" dirty="0">
               <a:latin typeface="Arial"/>
@@ -14758,7 +14577,7 @@
           <p:nvPr/>
         </p:nvPicPr>
         <p:blipFill>
-          <a:blip r:embed="rId2"/>
+          <a:blip r:embed="rId3"/>
           <a:stretch/>
         </p:blipFill>
         <p:spPr>
@@ -15398,7 +15217,7 @@
           <p:nvPr/>
         </p:nvPicPr>
         <p:blipFill>
-          <a:blip r:embed="rId3"/>
+          <a:blip r:embed="rId4"/>
           <a:stretch>
             <a:fillRect/>
           </a:stretch>
@@ -15428,7 +15247,7 @@
           <p:nvPr/>
         </p:nvPicPr>
         <p:blipFill>
-          <a:blip r:embed="rId4"/>
+          <a:blip r:embed="rId5"/>
           <a:stretch>
             <a:fillRect/>
           </a:stretch>
@@ -15458,7 +15277,7 @@
           <p:nvPr/>
         </p:nvPicPr>
         <p:blipFill>
-          <a:blip r:embed="rId5"/>
+          <a:blip r:embed="rId6"/>
           <a:stretch>
             <a:fillRect/>
           </a:stretch>
@@ -15571,7 +15390,7 @@
                 </a:uFill>
                 <a:latin typeface="Source Sans Pro Light"/>
                 <a:ea typeface="Source Sans Pro Light"/>
-                <a:hlinkClick r:id="rId6"/>
+                <a:hlinkClick r:id="rId7"/>
               </a:rPr>
               <a:t>CC BY </a:t>
             </a:r>
@@ -15700,7 +15519,7 @@
                 <a:latin typeface="Source Sans Pro Light"/>
                 <a:ea typeface="Source Sans Pro Light"/>
               </a:rPr>
-              <a:t> &amp; DT Kaplan •  Updated: 02/18</a:t>
+              <a:t> &amp; DT Kaplan •  Updated: 07/18</a:t>
             </a:r>
             <a:endParaRPr lang="en-US" sz="900" b="0" strike="noStrike" spc="-1" dirty="0">
               <a:latin typeface="Arial"/>
@@ -15833,7 +15652,27 @@
                 <a:latin typeface="Arial"/>
                 <a:ea typeface="DejaVu Sans"/>
               </a:rPr>
-              <a:t>Import file from computer or URL</a:t>
+              <a:t>Import </a:t>
+            </a:r>
+            <a:r>
+              <a:rPr lang="en-US" sz="1200" spc="-1" dirty="0">
+                <a:solidFill>
+                  <a:srgbClr val="000000"/>
+                </a:solidFill>
+                <a:latin typeface="Arial"/>
+                <a:ea typeface="DejaVu Sans"/>
+              </a:rPr>
+              <a:t>data</a:t>
+            </a:r>
+            <a:r>
+              <a:rPr lang="en-US" sz="1200" b="0" strike="noStrike" spc="-1" dirty="0">
+                <a:solidFill>
+                  <a:srgbClr val="000000"/>
+                </a:solidFill>
+                <a:latin typeface="Arial"/>
+                <a:ea typeface="DejaVu Sans"/>
+              </a:rPr>
+              <a:t> from file or URL</a:t>
             </a:r>
             <a:endParaRPr lang="en-US" sz="1200" b="0" strike="noStrike" spc="-1" dirty="0">
               <a:latin typeface="Arial"/>

--- a/mosaic-cheatsheet-lattice.pptx
+++ b/mosaic-cheatsheet-lattice.pptx
@@ -110,7 +110,7 @@
   </p:defaultTextStyle>
   <p:extLst>
     <p:ext uri="{EFAFB233-063F-42B5-8137-9DF3F51BA10A}">
-      <p15:sldGuideLst xmlns:p15="http://schemas.microsoft.com/office/powerpoint/2012/main">
+      <p15:sldGuideLst xmlns:p15="http://schemas.microsoft.com/office/powerpoint/2012/main" xmlns="">
         <p15:guide id="1" orient="horz" pos="3400">
           <p15:clr>
             <a:srgbClr val="A4A3A4"/>
@@ -3203,14 +3203,24 @@
               </a:lnSpc>
             </a:pPr>
             <a:r>
-              <a:rPr lang="en-US" sz="1600" b="1" spc="-1" dirty="0">
+              <a:rPr lang="en-US" sz="1600" b="1" spc="-1">
                 <a:solidFill>
                   <a:srgbClr val="53585F"/>
                 </a:solidFill>
                 <a:latin typeface="Source Sans Pro"/>
                 <a:ea typeface="Source Sans Pro"/>
               </a:rPr>
-              <a:t>(lattice version)</a:t>
+              <a:t>l</a:t>
+            </a:r>
+            <a:r>
+              <a:rPr lang="en-US" sz="1600" b="1" spc="-1" smtClean="0">
+                <a:solidFill>
+                  <a:srgbClr val="53585F"/>
+                </a:solidFill>
+                <a:latin typeface="Source Sans Pro"/>
+                <a:ea typeface="Source Sans Pro"/>
+              </a:rPr>
+              <a:t>attice version</a:t>
             </a:r>
             <a:endParaRPr lang="en-US" sz="1600" b="0" strike="noStrike" spc="-1" dirty="0">
               <a:latin typeface="Arial"/>
@@ -3646,7 +3656,7 @@
                             <a:solidFill>
                               <a:srgbClr val="000000"/>
                             </a:solidFill>
-                            <a:latin typeface="Cambria Math" panose="02040503050406030204" pitchFamily="18" charset="0"/>
+                            <a:latin typeface="Cambria Math"/>
                             <a:ea typeface="Menlo"/>
                           </a:rPr>
                         </m:ctrlPr>
@@ -8584,7 +8594,7 @@
           <p:cNvPr id="2" name="Picture 1">
             <a:extLst>
               <a:ext uri="{FF2B5EF4-FFF2-40B4-BE49-F238E27FC236}">
-                <a16:creationId xmlns:a16="http://schemas.microsoft.com/office/drawing/2014/main" id="{3413C69E-B40F-4763-B061-53D1773D16F0}"/>
+                <a16:creationId xmlns:a16="http://schemas.microsoft.com/office/drawing/2014/main" xmlns="" id="{3413C69E-B40F-4763-B061-53D1773D16F0}"/>
               </a:ext>
             </a:extLst>
           </p:cNvPr>
@@ -8614,7 +8624,7 @@
           <p:cNvPr id="8" name="Picture 7">
             <a:extLst>
               <a:ext uri="{FF2B5EF4-FFF2-40B4-BE49-F238E27FC236}">
-                <a16:creationId xmlns:a16="http://schemas.microsoft.com/office/drawing/2014/main" id="{963B9C69-89E5-48D8-9B96-1B4B892EBE5E}"/>
+                <a16:creationId xmlns:a16="http://schemas.microsoft.com/office/drawing/2014/main" xmlns="" id="{963B9C69-89E5-48D8-9B96-1B4B892EBE5E}"/>
               </a:ext>
             </a:extLst>
           </p:cNvPr>
@@ -8644,7 +8654,7 @@
           <p:cNvPr id="9" name="Picture 8">
             <a:extLst>
               <a:ext uri="{FF2B5EF4-FFF2-40B4-BE49-F238E27FC236}">
-                <a16:creationId xmlns:a16="http://schemas.microsoft.com/office/drawing/2014/main" id="{BBF7067E-8FBE-4D5D-AB5E-5C90DBB20DC2}"/>
+                <a16:creationId xmlns:a16="http://schemas.microsoft.com/office/drawing/2014/main" xmlns="" id="{BBF7067E-8FBE-4D5D-AB5E-5C90DBB20DC2}"/>
               </a:ext>
             </a:extLst>
           </p:cNvPr>
@@ -8728,7 +8738,7 @@
           <p:cNvPr id="36" name="CustomShape 27">
             <a:extLst>
               <a:ext uri="{FF2B5EF4-FFF2-40B4-BE49-F238E27FC236}">
-                <a16:creationId xmlns:a16="http://schemas.microsoft.com/office/drawing/2014/main" id="{45A3C8FF-D918-492C-A736-CBE7DFCE1A1D}"/>
+                <a16:creationId xmlns:a16="http://schemas.microsoft.com/office/drawing/2014/main" xmlns="" id="{45A3C8FF-D918-492C-A736-CBE7DFCE1A1D}"/>
               </a:ext>
             </a:extLst>
           </p:cNvPr>
@@ -8794,7 +8804,7 @@
           <p:cNvPr id="37" name="CustomShape 28">
             <a:extLst>
               <a:ext uri="{FF2B5EF4-FFF2-40B4-BE49-F238E27FC236}">
-                <a16:creationId xmlns:a16="http://schemas.microsoft.com/office/drawing/2014/main" id="{FE1CB5B8-5F36-4E1B-A410-65B16B981E7E}"/>
+                <a16:creationId xmlns:a16="http://schemas.microsoft.com/office/drawing/2014/main" xmlns="" id="{FE1CB5B8-5F36-4E1B-A410-65B16B981E7E}"/>
               </a:ext>
             </a:extLst>
           </p:cNvPr>
@@ -14569,7 +14579,7 @@
           <p:cNvPr id="22" name="Picture 7">
             <a:extLst>
               <a:ext uri="{FF2B5EF4-FFF2-40B4-BE49-F238E27FC236}">
-                <a16:creationId xmlns:a16="http://schemas.microsoft.com/office/drawing/2014/main" id="{ABEA9727-35A0-42F8-B33C-2A392664FA00}"/>
+                <a16:creationId xmlns:a16="http://schemas.microsoft.com/office/drawing/2014/main" xmlns="" id="{ABEA9727-35A0-42F8-B33C-2A392664FA00}"/>
               </a:ext>
             </a:extLst>
           </p:cNvPr>
@@ -14598,7 +14608,7 @@
           <p:cNvPr id="23" name="CustomShape 13">
             <a:extLst>
               <a:ext uri="{FF2B5EF4-FFF2-40B4-BE49-F238E27FC236}">
-                <a16:creationId xmlns:a16="http://schemas.microsoft.com/office/drawing/2014/main" id="{828FB9A8-7DA7-4CEE-982B-D23549BEA427}"/>
+                <a16:creationId xmlns:a16="http://schemas.microsoft.com/office/drawing/2014/main" xmlns="" id="{828FB9A8-7DA7-4CEE-982B-D23549BEA427}"/>
               </a:ext>
             </a:extLst>
           </p:cNvPr>
@@ -15121,7 +15131,7 @@
           <p:cNvPr id="24" name="CustomShape 14">
             <a:extLst>
               <a:ext uri="{FF2B5EF4-FFF2-40B4-BE49-F238E27FC236}">
-                <a16:creationId xmlns:a16="http://schemas.microsoft.com/office/drawing/2014/main" id="{A63AE510-5460-4C62-8E97-9EEED1FB7CDD}"/>
+                <a16:creationId xmlns:a16="http://schemas.microsoft.com/office/drawing/2014/main" xmlns="" id="{A63AE510-5460-4C62-8E97-9EEED1FB7CDD}"/>
               </a:ext>
             </a:extLst>
           </p:cNvPr>
@@ -15207,7 +15217,7 @@
           <p:cNvPr id="3" name="Picture 2">
             <a:extLst>
               <a:ext uri="{FF2B5EF4-FFF2-40B4-BE49-F238E27FC236}">
-                <a16:creationId xmlns:a16="http://schemas.microsoft.com/office/drawing/2014/main" id="{12A146D7-94BF-400A-A6F0-B63E1B3D053E}"/>
+                <a16:creationId xmlns:a16="http://schemas.microsoft.com/office/drawing/2014/main" xmlns="" id="{12A146D7-94BF-400A-A6F0-B63E1B3D053E}"/>
               </a:ext>
             </a:extLst>
           </p:cNvPr>
@@ -15237,7 +15247,7 @@
           <p:cNvPr id="4" name="Picture 3">
             <a:extLst>
               <a:ext uri="{FF2B5EF4-FFF2-40B4-BE49-F238E27FC236}">
-                <a16:creationId xmlns:a16="http://schemas.microsoft.com/office/drawing/2014/main" id="{F2F6CF5C-A728-4A9C-A63A-90BAE00AC094}"/>
+                <a16:creationId xmlns:a16="http://schemas.microsoft.com/office/drawing/2014/main" xmlns="" id="{F2F6CF5C-A728-4A9C-A63A-90BAE00AC094}"/>
               </a:ext>
             </a:extLst>
           </p:cNvPr>
@@ -15267,7 +15277,7 @@
           <p:cNvPr id="5" name="Picture 4">
             <a:extLst>
               <a:ext uri="{FF2B5EF4-FFF2-40B4-BE49-F238E27FC236}">
-                <a16:creationId xmlns:a16="http://schemas.microsoft.com/office/drawing/2014/main" id="{D2D461C5-EE8C-400C-B03E-648CF0942D52}"/>
+                <a16:creationId xmlns:a16="http://schemas.microsoft.com/office/drawing/2014/main" xmlns="" id="{D2D461C5-EE8C-400C-B03E-648CF0942D52}"/>
               </a:ext>
             </a:extLst>
           </p:cNvPr>
@@ -15297,7 +15307,7 @@
           <p:cNvPr id="29" name="CustomShape 4">
             <a:extLst>
               <a:ext uri="{FF2B5EF4-FFF2-40B4-BE49-F238E27FC236}">
-                <a16:creationId xmlns:a16="http://schemas.microsoft.com/office/drawing/2014/main" id="{FA44E67C-3FF1-4558-AB14-26AE8A22A162}"/>
+                <a16:creationId xmlns:a16="http://schemas.microsoft.com/office/drawing/2014/main" xmlns="" id="{FA44E67C-3FF1-4558-AB14-26AE8A22A162}"/>
               </a:ext>
             </a:extLst>
           </p:cNvPr>
@@ -15430,7 +15440,7 @@
           <p:cNvPr id="30" name="CustomShape 5">
             <a:extLst>
               <a:ext uri="{FF2B5EF4-FFF2-40B4-BE49-F238E27FC236}">
-                <a16:creationId xmlns:a16="http://schemas.microsoft.com/office/drawing/2014/main" id="{C98A7EA2-6B6B-4EBA-BFFD-9DB57EF48BEA}"/>
+                <a16:creationId xmlns:a16="http://schemas.microsoft.com/office/drawing/2014/main" xmlns="" id="{C98A7EA2-6B6B-4EBA-BFFD-9DB57EF48BEA}"/>
               </a:ext>
             </a:extLst>
           </p:cNvPr>
@@ -15532,7 +15542,7 @@
           <p:cNvPr id="28" name="CustomShape 18">
             <a:extLst>
               <a:ext uri="{FF2B5EF4-FFF2-40B4-BE49-F238E27FC236}">
-                <a16:creationId xmlns:a16="http://schemas.microsoft.com/office/drawing/2014/main" id="{701AD63A-9BF8-47E6-BB75-C9953B3A77B1}"/>
+                <a16:creationId xmlns:a16="http://schemas.microsoft.com/office/drawing/2014/main" xmlns="" id="{701AD63A-9BF8-47E6-BB75-C9953B3A77B1}"/>
               </a:ext>
             </a:extLst>
           </p:cNvPr>
@@ -15598,7 +15608,7 @@
           <p:cNvPr id="31" name="CustomShape 11">
             <a:extLst>
               <a:ext uri="{FF2B5EF4-FFF2-40B4-BE49-F238E27FC236}">
-                <a16:creationId xmlns:a16="http://schemas.microsoft.com/office/drawing/2014/main" id="{99194DF0-5E93-4622-B563-F6AE81E8F2FF}"/>
+                <a16:creationId xmlns:a16="http://schemas.microsoft.com/office/drawing/2014/main" xmlns="" id="{99194DF0-5E93-4622-B563-F6AE81E8F2FF}"/>
               </a:ext>
             </a:extLst>
           </p:cNvPr>

--- a/mosaic-cheatsheet-lattice.pptx
+++ b/mosaic-cheatsheet-lattice.pptx
@@ -110,7 +110,7 @@
   </p:defaultTextStyle>
   <p:extLst>
     <p:ext uri="{EFAFB233-063F-42B5-8137-9DF3F51BA10A}">
-      <p15:sldGuideLst xmlns:p15="http://schemas.microsoft.com/office/powerpoint/2012/main" xmlns="">
+      <p15:sldGuideLst xmlns:p15="http://schemas.microsoft.com/office/powerpoint/2012/main">
         <p15:guide id="1" orient="horz" pos="3400">
           <p15:clr>
             <a:srgbClr val="A4A3A4"/>
@@ -3203,24 +3203,14 @@
               </a:lnSpc>
             </a:pPr>
             <a:r>
-              <a:rPr lang="en-US" sz="1600" b="1" spc="-1">
+              <a:rPr lang="en-US" sz="1600" b="1" spc="-1" dirty="0">
                 <a:solidFill>
                   <a:srgbClr val="53585F"/>
                 </a:solidFill>
                 <a:latin typeface="Source Sans Pro"/>
                 <a:ea typeface="Source Sans Pro"/>
               </a:rPr>
-              <a:t>l</a:t>
-            </a:r>
-            <a:r>
-              <a:rPr lang="en-US" sz="1600" b="1" spc="-1" smtClean="0">
-                <a:solidFill>
-                  <a:srgbClr val="53585F"/>
-                </a:solidFill>
-                <a:latin typeface="Source Sans Pro"/>
-                <a:ea typeface="Source Sans Pro"/>
-              </a:rPr>
-              <a:t>attice version</a:t>
+              <a:t>lattice version</a:t>
             </a:r>
             <a:endParaRPr lang="en-US" sz="1600" b="0" strike="noStrike" spc="-1" dirty="0">
               <a:latin typeface="Arial"/>
@@ -3656,7 +3646,7 @@
                             <a:solidFill>
                               <a:srgbClr val="000000"/>
                             </a:solidFill>
-                            <a:latin typeface="Cambria Math"/>
+                            <a:latin typeface="Cambria Math" panose="02040503050406030204" pitchFamily="18" charset="0"/>
                             <a:ea typeface="Menlo"/>
                           </a:rPr>
                         </m:ctrlPr>
@@ -8594,7 +8584,7 @@
           <p:cNvPr id="2" name="Picture 1">
             <a:extLst>
               <a:ext uri="{FF2B5EF4-FFF2-40B4-BE49-F238E27FC236}">
-                <a16:creationId xmlns:a16="http://schemas.microsoft.com/office/drawing/2014/main" xmlns="" id="{3413C69E-B40F-4763-B061-53D1773D16F0}"/>
+                <a16:creationId xmlns:a16="http://schemas.microsoft.com/office/drawing/2014/main" id="{3413C69E-B40F-4763-B061-53D1773D16F0}"/>
               </a:ext>
             </a:extLst>
           </p:cNvPr>
@@ -8624,7 +8614,7 @@
           <p:cNvPr id="8" name="Picture 7">
             <a:extLst>
               <a:ext uri="{FF2B5EF4-FFF2-40B4-BE49-F238E27FC236}">
-                <a16:creationId xmlns:a16="http://schemas.microsoft.com/office/drawing/2014/main" xmlns="" id="{963B9C69-89E5-48D8-9B96-1B4B892EBE5E}"/>
+                <a16:creationId xmlns:a16="http://schemas.microsoft.com/office/drawing/2014/main" id="{963B9C69-89E5-48D8-9B96-1B4B892EBE5E}"/>
               </a:ext>
             </a:extLst>
           </p:cNvPr>
@@ -8654,7 +8644,7 @@
           <p:cNvPr id="9" name="Picture 8">
             <a:extLst>
               <a:ext uri="{FF2B5EF4-FFF2-40B4-BE49-F238E27FC236}">
-                <a16:creationId xmlns:a16="http://schemas.microsoft.com/office/drawing/2014/main" xmlns="" id="{BBF7067E-8FBE-4D5D-AB5E-5C90DBB20DC2}"/>
+                <a16:creationId xmlns:a16="http://schemas.microsoft.com/office/drawing/2014/main" id="{BBF7067E-8FBE-4D5D-AB5E-5C90DBB20DC2}"/>
               </a:ext>
             </a:extLst>
           </p:cNvPr>
@@ -8738,7 +8728,7 @@
           <p:cNvPr id="36" name="CustomShape 27">
             <a:extLst>
               <a:ext uri="{FF2B5EF4-FFF2-40B4-BE49-F238E27FC236}">
-                <a16:creationId xmlns:a16="http://schemas.microsoft.com/office/drawing/2014/main" xmlns="" id="{45A3C8FF-D918-492C-A736-CBE7DFCE1A1D}"/>
+                <a16:creationId xmlns:a16="http://schemas.microsoft.com/office/drawing/2014/main" id="{45A3C8FF-D918-492C-A736-CBE7DFCE1A1D}"/>
               </a:ext>
             </a:extLst>
           </p:cNvPr>
@@ -8804,7 +8794,7 @@
           <p:cNvPr id="37" name="CustomShape 28">
             <a:extLst>
               <a:ext uri="{FF2B5EF4-FFF2-40B4-BE49-F238E27FC236}">
-                <a16:creationId xmlns:a16="http://schemas.microsoft.com/office/drawing/2014/main" xmlns="" id="{FE1CB5B8-5F36-4E1B-A410-65B16B981E7E}"/>
+                <a16:creationId xmlns:a16="http://schemas.microsoft.com/office/drawing/2014/main" id="{FE1CB5B8-5F36-4E1B-A410-65B16B981E7E}"/>
               </a:ext>
             </a:extLst>
           </p:cNvPr>
@@ -9317,7 +9307,7 @@
         </p:nvSpPr>
         <p:spPr>
           <a:xfrm>
-            <a:off x="3657600" y="327888"/>
+            <a:off x="6918917" y="207400"/>
             <a:ext cx="3200400" cy="344520"/>
           </a:xfrm>
           <a:prstGeom prst="roundRect">
@@ -9510,7 +9500,7 @@
         </p:nvSpPr>
         <p:spPr>
           <a:xfrm>
-            <a:off x="332633" y="765059"/>
+            <a:off x="3595570" y="644571"/>
             <a:ext cx="3200400" cy="4519860"/>
           </a:xfrm>
           <a:prstGeom prst="rect">
@@ -9702,7 +9692,7 @@
                 <a:latin typeface="Courier New"/>
                 <a:ea typeface="Menlo"/>
               </a:rPr>
-              <a:t>tally(~ sex |substance, </a:t>
+              <a:t>tally(~ sex | substance, </a:t>
             </a:r>
             <a:endParaRPr lang="en-US" sz="1200" b="0" strike="noStrike" spc="-1" dirty="0">
               <a:latin typeface="Arial"/>
@@ -10137,7 +10127,7 @@
         </p:nvSpPr>
         <p:spPr>
           <a:xfrm>
-            <a:off x="336053" y="312285"/>
+            <a:off x="3595570" y="207400"/>
             <a:ext cx="3193560" cy="344520"/>
           </a:xfrm>
           <a:prstGeom prst="roundRect">
@@ -10197,7 +10187,7 @@
         </p:nvSpPr>
         <p:spPr>
           <a:xfrm>
-            <a:off x="3657600" y="791557"/>
+            <a:off x="6918917" y="644571"/>
             <a:ext cx="3108960" cy="6949440"/>
           </a:xfrm>
           <a:prstGeom prst="rect">
@@ -11346,410 +11336,13 @@
       </p:sp>
       <p:sp>
         <p:nvSpPr>
-          <p:cNvPr id="86" name="CustomShape 11"/>
-          <p:cNvSpPr/>
-          <p:nvPr/>
-        </p:nvSpPr>
-        <p:spPr>
-          <a:xfrm>
-            <a:off x="6949440" y="765059"/>
-            <a:ext cx="3200400" cy="3111241"/>
-          </a:xfrm>
-          <a:prstGeom prst="rect">
-            <a:avLst/>
-          </a:prstGeom>
-          <a:solidFill>
-            <a:srgbClr val="FFFFFF"/>
-          </a:solidFill>
-          <a:ln w="12600">
-            <a:solidFill>
-              <a:srgbClr val="A6AAA9"/>
-            </a:solidFill>
-            <a:miter/>
-          </a:ln>
-        </p:spPr>
-        <p:style>
-          <a:lnRef idx="0">
-            <a:scrgbClr r="0" g="0" b="0"/>
-          </a:lnRef>
-          <a:fillRef idx="0">
-            <a:scrgbClr r="0" g="0" b="0"/>
-          </a:fillRef>
-          <a:effectRef idx="0">
-            <a:scrgbClr r="0" g="0" b="0"/>
-          </a:effectRef>
-          <a:fontRef idx="minor"/>
-        </p:style>
-        <p:txBody>
-          <a:bodyPr lIns="91440" tIns="0" rIns="0" bIns="0" anchor="t" anchorCtr="0"/>
-          <a:lstStyle/>
-          <a:p>
-            <a:pPr>
-              <a:lnSpc>
-                <a:spcPct val="150000"/>
-              </a:lnSpc>
-            </a:pPr>
-            <a:r>
-              <a:rPr lang="en-US" sz="1200" b="0" strike="noStrike" spc="-1" dirty="0">
-                <a:solidFill>
-                  <a:srgbClr val="000000"/>
-                </a:solidFill>
-                <a:latin typeface="Arial"/>
-                <a:ea typeface="DejaVu Sans"/>
-              </a:rPr>
-              <a:t>From </a:t>
-            </a:r>
-            <a:r>
-              <a:rPr lang="en-US" sz="1200" b="0" strike="noStrike" spc="-1" dirty="0" err="1">
-                <a:solidFill>
-                  <a:srgbClr val="000000"/>
-                </a:solidFill>
-                <a:latin typeface="Courier New" panose="02070309020205020404" pitchFamily="49" charset="0"/>
-                <a:ea typeface="DejaVu Sans"/>
-                <a:cs typeface="Courier New" panose="02070309020205020404" pitchFamily="49" charset="0"/>
-              </a:rPr>
-              <a:t>dplyr</a:t>
-            </a:r>
-            <a:r>
-              <a:rPr lang="en-US" sz="1200" spc="-1" dirty="0">
-                <a:solidFill>
-                  <a:srgbClr val="000000"/>
-                </a:solidFill>
-                <a:ea typeface="DejaVu Sans"/>
-                <a:cs typeface="Courier New" panose="02070309020205020404" pitchFamily="49" charset="0"/>
-              </a:rPr>
-              <a:t> package</a:t>
-            </a:r>
-            <a:endParaRPr lang="en-US" dirty="0">
-              <a:solidFill>
-                <a:prstClr val="black"/>
-              </a:solidFill>
-              <a:latin typeface="Lucida Sans" panose="020B0602030504020204" pitchFamily="34" charset="0"/>
-            </a:endParaRPr>
-          </a:p>
-          <a:p>
-            <a:r>
-              <a:rPr lang="en-US" sz="1200" dirty="0">
-                <a:solidFill>
-                  <a:srgbClr val="000000"/>
-                </a:solidFill>
-                <a:latin typeface="Arial" panose="020B0604020202020204" pitchFamily="34" charset="0"/>
-              </a:rPr>
-              <a:t>For details, see </a:t>
-            </a:r>
-            <a:r>
-              <a:rPr lang="en-US" sz="1200" dirty="0" err="1">
-                <a:solidFill>
-                  <a:srgbClr val="000000"/>
-                </a:solidFill>
-                <a:latin typeface="Arial" panose="020B0604020202020204" pitchFamily="34" charset="0"/>
-                <a:hlinkClick r:id="rId2"/>
-              </a:rPr>
-              <a:t>Tidyverse</a:t>
-            </a:r>
-            <a:r>
-              <a:rPr lang="en-US" sz="1200" dirty="0">
-                <a:solidFill>
-                  <a:srgbClr val="000000"/>
-                </a:solidFill>
-                <a:latin typeface="Arial" panose="020B0604020202020204" pitchFamily="34" charset="0"/>
-                <a:hlinkClick r:id="rId2"/>
-              </a:rPr>
-              <a:t> </a:t>
-            </a:r>
-            <a:r>
-              <a:rPr lang="en-US" sz="1200" dirty="0" err="1">
-                <a:solidFill>
-                  <a:srgbClr val="000000"/>
-                </a:solidFill>
-                <a:latin typeface="Arial" panose="020B0604020202020204" pitchFamily="34" charset="0"/>
-                <a:hlinkClick r:id="rId2"/>
-              </a:rPr>
-              <a:t>cheatsheet</a:t>
-            </a:r>
-            <a:endParaRPr lang="en-US" sz="1200" dirty="0">
-              <a:solidFill>
-                <a:srgbClr val="000000"/>
-              </a:solidFill>
-              <a:latin typeface="Arial" panose="020B0604020202020204" pitchFamily="34" charset="0"/>
-            </a:endParaRPr>
-          </a:p>
-          <a:p>
-            <a:endParaRPr lang="en-US" sz="1200" b="0" strike="noStrike" spc="-1" dirty="0">
-              <a:solidFill>
-                <a:srgbClr val="000000"/>
-              </a:solidFill>
-              <a:latin typeface="Arial"/>
-              <a:ea typeface="DejaVu Sans"/>
-            </a:endParaRPr>
-          </a:p>
-          <a:p>
-            <a:r>
-              <a:rPr lang="en-US" sz="1200" b="0" strike="noStrike" spc="-1" dirty="0">
-                <a:solidFill>
-                  <a:srgbClr val="000000"/>
-                </a:solidFill>
-                <a:latin typeface="Arial"/>
-                <a:ea typeface="DejaVu Sans"/>
-              </a:rPr>
-              <a:t>Drop, rename, or reorder variables</a:t>
-            </a:r>
-            <a:endParaRPr lang="en-US" sz="1200" b="0" strike="noStrike" spc="-1" dirty="0">
-              <a:latin typeface="Arial"/>
-            </a:endParaRPr>
-          </a:p>
-          <a:p>
-            <a:r>
-              <a:rPr lang="en-US" sz="1200" b="1" spc="-1" dirty="0">
-                <a:latin typeface="Courier New"/>
-              </a:rPr>
-              <a:t>select()</a:t>
-            </a:r>
-            <a:endParaRPr lang="en-US" sz="1200" strike="noStrike" spc="-1" dirty="0">
-              <a:latin typeface="Arial"/>
-            </a:endParaRPr>
-          </a:p>
-          <a:p>
-            <a:pPr>
-              <a:lnSpc>
-                <a:spcPct val="150000"/>
-              </a:lnSpc>
-            </a:pPr>
-            <a:r>
-              <a:rPr lang="en-US" sz="1200" b="0" strike="noStrike" spc="-1" dirty="0">
-                <a:solidFill>
-                  <a:srgbClr val="000000"/>
-                </a:solidFill>
-                <a:latin typeface="Arial"/>
-                <a:ea typeface="DejaVu Sans"/>
-              </a:rPr>
-              <a:t>Create new variables from existing ones</a:t>
-            </a:r>
-            <a:endParaRPr lang="en-US" sz="1200" b="0" strike="noStrike" spc="-1" dirty="0">
-              <a:latin typeface="Arial"/>
-            </a:endParaRPr>
-          </a:p>
-          <a:p>
-            <a:pPr>
-              <a:lnSpc>
-                <a:spcPts val="1000"/>
-              </a:lnSpc>
-            </a:pPr>
-            <a:r>
-              <a:rPr lang="en-US" sz="1200" b="1" strike="noStrike" spc="-1" dirty="0">
-                <a:latin typeface="Courier New"/>
-                <a:ea typeface="DejaVu Sans"/>
-              </a:rPr>
-              <a:t>mutate()</a:t>
-            </a:r>
-            <a:endParaRPr lang="en-US" sz="1200" b="1" strike="noStrike" spc="-1" dirty="0">
-              <a:latin typeface="Arial"/>
-            </a:endParaRPr>
-          </a:p>
-          <a:p>
-            <a:pPr>
-              <a:lnSpc>
-                <a:spcPct val="150000"/>
-              </a:lnSpc>
-            </a:pPr>
-            <a:r>
-              <a:rPr lang="en-US" sz="1200" spc="-1" dirty="0">
-                <a:latin typeface="Arial"/>
-                <a:ea typeface="DejaVu Sans"/>
-              </a:rPr>
-              <a:t>Retain</a:t>
-            </a:r>
-            <a:r>
-              <a:rPr lang="en-US" sz="1200" b="0" strike="noStrike" spc="-1" dirty="0">
-                <a:latin typeface="Arial"/>
-                <a:ea typeface="DejaVu Sans"/>
-              </a:rPr>
-              <a:t> specific rows from data </a:t>
-            </a:r>
-            <a:endParaRPr lang="en-US" sz="1200" b="0" strike="noStrike" spc="-1" dirty="0">
-              <a:latin typeface="Arial"/>
-            </a:endParaRPr>
-          </a:p>
-          <a:p>
-            <a:pPr>
-              <a:lnSpc>
-                <a:spcPts val="1000"/>
-              </a:lnSpc>
-            </a:pPr>
-            <a:r>
-              <a:rPr lang="en-US" sz="1200" b="1" strike="noStrike" spc="-1" dirty="0">
-                <a:latin typeface="Courier New"/>
-                <a:ea typeface="DejaVu Sans"/>
-              </a:rPr>
-              <a:t>filter() </a:t>
-            </a:r>
-            <a:endParaRPr lang="en-US" sz="1200" b="1" strike="noStrike" spc="-1" dirty="0">
-              <a:latin typeface="Arial"/>
-            </a:endParaRPr>
-          </a:p>
-          <a:p>
-            <a:pPr>
-              <a:lnSpc>
-                <a:spcPct val="150000"/>
-              </a:lnSpc>
-            </a:pPr>
-            <a:r>
-              <a:rPr lang="en-US" sz="1200" b="0" strike="noStrike" spc="-1" dirty="0">
-                <a:latin typeface="Arial"/>
-                <a:ea typeface="DejaVu Sans"/>
-              </a:rPr>
-              <a:t>Sort data rows</a:t>
-            </a:r>
-            <a:endParaRPr lang="en-US" sz="1200" b="0" strike="noStrike" spc="-1" dirty="0">
-              <a:latin typeface="Arial"/>
-            </a:endParaRPr>
-          </a:p>
-          <a:p>
-            <a:pPr>
-              <a:lnSpc>
-                <a:spcPts val="1000"/>
-              </a:lnSpc>
-            </a:pPr>
-            <a:r>
-              <a:rPr lang="en-US" sz="1200" b="1" strike="noStrike" spc="-1" dirty="0">
-                <a:latin typeface="Courier New"/>
-                <a:ea typeface="DejaVu Sans"/>
-              </a:rPr>
-              <a:t>arrange() </a:t>
-            </a:r>
-            <a:endParaRPr lang="en-US" sz="1200" b="1" strike="noStrike" spc="-1" dirty="0">
-              <a:latin typeface="Arial"/>
-            </a:endParaRPr>
-          </a:p>
-          <a:p>
-            <a:pPr>
-              <a:lnSpc>
-                <a:spcPct val="150000"/>
-              </a:lnSpc>
-            </a:pPr>
-            <a:r>
-              <a:rPr lang="en-US" sz="1200" b="0" strike="noStrike" spc="-1" dirty="0">
-                <a:latin typeface="Arial"/>
-                <a:ea typeface="DejaVu Sans"/>
-              </a:rPr>
-              <a:t>Compute summary statistics by group</a:t>
-            </a:r>
-            <a:endParaRPr lang="en-US" sz="1200" b="0" strike="noStrike" spc="-1" dirty="0">
-              <a:latin typeface="Arial"/>
-            </a:endParaRPr>
-          </a:p>
-          <a:p>
-            <a:pPr>
-              <a:lnSpc>
-                <a:spcPts val="1000"/>
-              </a:lnSpc>
-            </a:pPr>
-            <a:r>
-              <a:rPr lang="en-US" sz="1200" b="1" strike="noStrike" spc="-1" dirty="0" err="1">
-                <a:latin typeface="Courier New"/>
-                <a:ea typeface="DejaVu Sans"/>
-              </a:rPr>
-              <a:t>group_by</a:t>
-            </a:r>
-            <a:r>
-              <a:rPr lang="en-US" sz="1200" b="1" strike="noStrike" spc="-1" dirty="0">
-                <a:latin typeface="Courier New"/>
-                <a:ea typeface="DejaVu Sans"/>
-              </a:rPr>
-              <a:t>() </a:t>
-            </a:r>
-            <a:endParaRPr lang="en-US" sz="1200" b="1" strike="noStrike" spc="-1" dirty="0">
-              <a:latin typeface="Arial"/>
-            </a:endParaRPr>
-          </a:p>
-          <a:p>
-            <a:pPr>
-              <a:lnSpc>
-                <a:spcPct val="100000"/>
-              </a:lnSpc>
-            </a:pPr>
-            <a:r>
-              <a:rPr lang="en-US" sz="1200" b="1" strike="noStrike" spc="-1" dirty="0">
-                <a:latin typeface="Courier New"/>
-                <a:ea typeface="DejaVu Sans"/>
-              </a:rPr>
-              <a:t>summarize() </a:t>
-            </a:r>
-            <a:endParaRPr lang="en-US" sz="1200" b="1" strike="noStrike" spc="-1" dirty="0">
-              <a:latin typeface="Arial"/>
-            </a:endParaRPr>
-          </a:p>
-        </p:txBody>
-      </p:sp>
-      <p:sp>
-        <p:nvSpPr>
-          <p:cNvPr id="87" name="CustomShape 12"/>
-          <p:cNvSpPr/>
-          <p:nvPr/>
-        </p:nvSpPr>
-        <p:spPr>
-          <a:xfrm>
-            <a:off x="6949440" y="327888"/>
-            <a:ext cx="3200400" cy="347472"/>
-          </a:xfrm>
-          <a:prstGeom prst="roundRect">
-            <a:avLst>
-              <a:gd name="adj" fmla="val 25876"/>
-            </a:avLst>
-          </a:prstGeom>
-          <a:solidFill>
-            <a:srgbClr val="A6AAA9"/>
-          </a:solidFill>
-          <a:ln w="12600">
-            <a:noFill/>
-          </a:ln>
-        </p:spPr>
-        <p:style>
-          <a:lnRef idx="0">
-            <a:scrgbClr r="0" g="0" b="0"/>
-          </a:lnRef>
-          <a:fillRef idx="0">
-            <a:scrgbClr r="0" g="0" b="0"/>
-          </a:fillRef>
-          <a:effectRef idx="0">
-            <a:scrgbClr r="0" g="0" b="0"/>
-          </a:effectRef>
-          <a:fontRef idx="minor"/>
-        </p:style>
-        <p:txBody>
-          <a:bodyPr lIns="0" tIns="0" rIns="0" bIns="0"/>
-          <a:lstStyle/>
-          <a:p>
-            <a:pPr algn="ctr">
-              <a:lnSpc>
-                <a:spcPct val="100000"/>
-              </a:lnSpc>
-            </a:pPr>
-            <a:r>
-              <a:rPr lang="en-US" sz="2000" b="0" strike="noStrike" spc="-1">
-                <a:solidFill>
-                  <a:srgbClr val="FFFFFF"/>
-                </a:solidFill>
-                <a:latin typeface="Source Sans Pro"/>
-                <a:ea typeface="Source Sans Pro"/>
-              </a:rPr>
-              <a:t>Data manipulation</a:t>
-            </a:r>
-            <a:endParaRPr lang="en-US" sz="2000" b="0" strike="noStrike" spc="-1" dirty="0">
-              <a:latin typeface="Arial"/>
-            </a:endParaRPr>
-          </a:p>
-        </p:txBody>
-      </p:sp>
-      <p:sp>
-        <p:nvSpPr>
           <p:cNvPr id="90" name="CustomShape 15"/>
           <p:cNvSpPr/>
           <p:nvPr/>
         </p:nvSpPr>
         <p:spPr>
           <a:xfrm>
-            <a:off x="10264576" y="312285"/>
+            <a:off x="10264576" y="207400"/>
             <a:ext cx="3200400" cy="694944"/>
           </a:xfrm>
           <a:prstGeom prst="roundRect">
@@ -11829,7 +11422,7 @@
         </p:nvSpPr>
         <p:spPr>
           <a:xfrm>
-            <a:off x="3657600" y="7847546"/>
+            <a:off x="6918917" y="7723885"/>
             <a:ext cx="3200400" cy="694440"/>
           </a:xfrm>
           <a:prstGeom prst="roundRect">
@@ -13214,7 +12807,7 @@
         </p:nvSpPr>
         <p:spPr>
           <a:xfrm>
-            <a:off x="336053" y="5379361"/>
+            <a:off x="3595570" y="5352863"/>
             <a:ext cx="3193560" cy="347040"/>
           </a:xfrm>
           <a:prstGeom prst="roundRect">
@@ -13274,7 +12867,7 @@
         </p:nvSpPr>
         <p:spPr>
           <a:xfrm>
-            <a:off x="334253" y="5831880"/>
+            <a:off x="3595570" y="5805382"/>
             <a:ext cx="3197160" cy="4390490"/>
           </a:xfrm>
           <a:prstGeom prst="rect">
@@ -14161,8 +13754,8 @@
         </p:nvSpPr>
         <p:spPr>
           <a:xfrm>
-            <a:off x="3657600" y="8641623"/>
-            <a:ext cx="3206849" cy="1600114"/>
+            <a:off x="6936760" y="8532537"/>
+            <a:ext cx="3206849" cy="1682701"/>
           </a:xfrm>
           <a:prstGeom prst="rect">
             <a:avLst/>
@@ -14579,7 +14172,7 @@
           <p:cNvPr id="22" name="Picture 7">
             <a:extLst>
               <a:ext uri="{FF2B5EF4-FFF2-40B4-BE49-F238E27FC236}">
-                <a16:creationId xmlns:a16="http://schemas.microsoft.com/office/drawing/2014/main" xmlns="" id="{ABEA9727-35A0-42F8-B33C-2A392664FA00}"/>
+                <a16:creationId xmlns:a16="http://schemas.microsoft.com/office/drawing/2014/main" id="{ABEA9727-35A0-42F8-B33C-2A392664FA00}"/>
               </a:ext>
             </a:extLst>
           </p:cNvPr>
@@ -14587,12 +14180,12 @@
           <p:nvPr/>
         </p:nvPicPr>
         <p:blipFill>
-          <a:blip r:embed="rId3"/>
+          <a:blip r:embed="rId2"/>
           <a:stretch/>
         </p:blipFill>
         <p:spPr>
           <a:xfrm>
-            <a:off x="480683" y="3100870"/>
+            <a:off x="3805920" y="2946101"/>
             <a:ext cx="2856960" cy="1371240"/>
           </a:xfrm>
           <a:prstGeom prst="rect">
@@ -14603,621 +14196,12 @@
           </a:ln>
         </p:spPr>
       </p:pic>
-      <p:sp>
-        <p:nvSpPr>
-          <p:cNvPr id="23" name="CustomShape 13">
-            <a:extLst>
-              <a:ext uri="{FF2B5EF4-FFF2-40B4-BE49-F238E27FC236}">
-                <a16:creationId xmlns:a16="http://schemas.microsoft.com/office/drawing/2014/main" xmlns="" id="{828FB9A8-7DA7-4CEE-982B-D23549BEA427}"/>
-              </a:ext>
-            </a:extLst>
-          </p:cNvPr>
-          <p:cNvSpPr/>
-          <p:nvPr/>
-        </p:nvSpPr>
-        <p:spPr>
-          <a:xfrm>
-            <a:off x="6949440" y="6486423"/>
-            <a:ext cx="3200400" cy="3744419"/>
-          </a:xfrm>
-          <a:prstGeom prst="rect">
-            <a:avLst/>
-          </a:prstGeom>
-          <a:solidFill>
-            <a:srgbClr val="FFFFFF"/>
-          </a:solidFill>
-          <a:ln w="12600">
-            <a:solidFill>
-              <a:srgbClr val="A6AAA9"/>
-            </a:solidFill>
-            <a:miter/>
-          </a:ln>
-        </p:spPr>
-        <p:style>
-          <a:lnRef idx="0">
-            <a:scrgbClr r="0" g="0" b="0"/>
-          </a:lnRef>
-          <a:fillRef idx="0">
-            <a:scrgbClr r="0" g="0" b="0"/>
-          </a:fillRef>
-          <a:effectRef idx="0">
-            <a:scrgbClr r="0" g="0" b="0"/>
-          </a:effectRef>
-          <a:fontRef idx="minor"/>
-        </p:style>
-        <p:txBody>
-          <a:bodyPr lIns="91440" tIns="0" rIns="0" bIns="0" anchor="t" anchorCtr="0"/>
-          <a:lstStyle/>
-          <a:p>
-            <a:pPr>
-              <a:lnSpc>
-                <a:spcPct val="150000"/>
-              </a:lnSpc>
-            </a:pPr>
-            <a:r>
-              <a:rPr lang="en-US" sz="1200" b="0" strike="noStrike" spc="-1" dirty="0">
-                <a:solidFill>
-                  <a:srgbClr val="000000"/>
-                </a:solidFill>
-                <a:latin typeface="Arial"/>
-                <a:ea typeface="DejaVu Sans"/>
-              </a:rPr>
-              <a:t>Fix random number sequence</a:t>
-            </a:r>
-          </a:p>
-          <a:p>
-            <a:r>
-              <a:rPr lang="en-US" sz="1200" b="1" spc="-1" dirty="0" err="1">
-                <a:solidFill>
-                  <a:srgbClr val="000000"/>
-                </a:solidFill>
-                <a:latin typeface="Courier New"/>
-                <a:ea typeface="Menlo"/>
-              </a:rPr>
-              <a:t>set.seed</a:t>
-            </a:r>
-            <a:r>
-              <a:rPr lang="en-US" sz="1200" b="1" spc="-1" dirty="0">
-                <a:solidFill>
-                  <a:srgbClr val="000000"/>
-                </a:solidFill>
-                <a:latin typeface="Courier New"/>
-                <a:ea typeface="Menlo"/>
-              </a:rPr>
-              <a:t>(42)</a:t>
-            </a:r>
-            <a:endParaRPr lang="en-US" sz="1200" b="0" strike="noStrike" spc="-1" dirty="0">
-              <a:solidFill>
-                <a:srgbClr val="000000"/>
-              </a:solidFill>
-              <a:latin typeface="Arial"/>
-              <a:ea typeface="DejaVu Sans"/>
-            </a:endParaRPr>
-          </a:p>
-          <a:p>
-            <a:pPr>
-              <a:lnSpc>
-                <a:spcPct val="150000"/>
-              </a:lnSpc>
-            </a:pPr>
-            <a:r>
-              <a:rPr lang="en-US" sz="1200" b="0" strike="noStrike" spc="-1" dirty="0">
-                <a:solidFill>
-                  <a:srgbClr val="000000"/>
-                </a:solidFill>
-                <a:latin typeface="Arial"/>
-                <a:ea typeface="DejaVu Sans"/>
-              </a:rPr>
-              <a:t>Tossing coins</a:t>
-            </a:r>
-            <a:endParaRPr lang="en-US" sz="1200" b="0" strike="noStrike" spc="-1" dirty="0">
-              <a:latin typeface="Arial"/>
-            </a:endParaRPr>
-          </a:p>
-          <a:p>
-            <a:pPr>
-              <a:lnSpc>
-                <a:spcPct val="100000"/>
-              </a:lnSpc>
-            </a:pPr>
-            <a:r>
-              <a:rPr lang="en-US" sz="1100" b="1" strike="noStrike" spc="-1" dirty="0">
-                <a:solidFill>
-                  <a:srgbClr val="000000"/>
-                </a:solidFill>
-                <a:latin typeface="Courier New"/>
-                <a:ea typeface="Menlo"/>
-              </a:rPr>
-              <a:t>rflip(10) # default </a:t>
-            </a:r>
-            <a:r>
-              <a:rPr lang="en-US" sz="1100" b="1" strike="noStrike" spc="-1" dirty="0" err="1">
-                <a:solidFill>
-                  <a:srgbClr val="000000"/>
-                </a:solidFill>
-                <a:latin typeface="Courier New"/>
-                <a:ea typeface="Menlo"/>
-              </a:rPr>
-              <a:t>prob</a:t>
-            </a:r>
-            <a:r>
-              <a:rPr lang="en-US" sz="1100" b="1" strike="noStrike" spc="-1" dirty="0">
-                <a:solidFill>
-                  <a:srgbClr val="000000"/>
-                </a:solidFill>
-                <a:latin typeface="Courier New"/>
-                <a:ea typeface="Menlo"/>
-              </a:rPr>
-              <a:t> is 0.5</a:t>
-            </a:r>
-            <a:endParaRPr lang="en-US" sz="1100" b="0" strike="noStrike" spc="-1" dirty="0">
-              <a:latin typeface="Arial"/>
-            </a:endParaRPr>
-          </a:p>
-          <a:p>
-            <a:pPr>
-              <a:lnSpc>
-                <a:spcPct val="150000"/>
-              </a:lnSpc>
-            </a:pPr>
-            <a:r>
-              <a:rPr lang="en-US" sz="1200" b="0" strike="noStrike" spc="-1" dirty="0">
-                <a:solidFill>
-                  <a:srgbClr val="000000"/>
-                </a:solidFill>
-                <a:latin typeface="Arial"/>
-                <a:ea typeface="Menlo"/>
-              </a:rPr>
-              <a:t>Do something repeatedly</a:t>
-            </a:r>
-            <a:endParaRPr lang="en-US" sz="1200" b="0" strike="noStrike" spc="-1" dirty="0">
-              <a:latin typeface="Arial"/>
-            </a:endParaRPr>
-          </a:p>
-          <a:p>
-            <a:pPr>
-              <a:lnSpc>
-                <a:spcPct val="100000"/>
-              </a:lnSpc>
-            </a:pPr>
-            <a:r>
-              <a:rPr lang="en-US" sz="1100" b="1" strike="noStrike" spc="-1" dirty="0">
-                <a:solidFill>
-                  <a:srgbClr val="000000"/>
-                </a:solidFill>
-                <a:latin typeface="Courier New"/>
-                <a:ea typeface="Menlo"/>
-              </a:rPr>
-              <a:t>do(5) * rflip(10, </a:t>
-            </a:r>
-            <a:r>
-              <a:rPr lang="en-US" sz="1100" b="1" strike="noStrike" spc="-1" dirty="0" err="1">
-                <a:solidFill>
-                  <a:srgbClr val="000000"/>
-                </a:solidFill>
-                <a:latin typeface="Courier New"/>
-                <a:ea typeface="Menlo"/>
-              </a:rPr>
-              <a:t>prob</a:t>
-            </a:r>
-            <a:r>
-              <a:rPr lang="en-US" sz="1100" b="1" strike="noStrike" spc="-1" dirty="0">
-                <a:solidFill>
-                  <a:srgbClr val="000000"/>
-                </a:solidFill>
-                <a:latin typeface="Courier New"/>
-                <a:ea typeface="Menlo"/>
-              </a:rPr>
-              <a:t> = 0.75)</a:t>
-            </a:r>
-            <a:endParaRPr lang="en-US" sz="1100" b="0" strike="noStrike" spc="-1" dirty="0">
-              <a:latin typeface="Arial"/>
-            </a:endParaRPr>
-          </a:p>
-          <a:p>
-            <a:pPr>
-              <a:lnSpc>
-                <a:spcPct val="150000"/>
-              </a:lnSpc>
-            </a:pPr>
-            <a:r>
-              <a:rPr lang="en-US" sz="1200" b="0" strike="noStrike" spc="-1" dirty="0">
-                <a:solidFill>
-                  <a:srgbClr val="000000"/>
-                </a:solidFill>
-                <a:latin typeface="Arial"/>
-                <a:ea typeface="Menlo"/>
-              </a:rPr>
-              <a:t>Draw a simple random sample</a:t>
-            </a:r>
-            <a:endParaRPr lang="en-US" sz="1200" b="0" strike="noStrike" spc="-1" dirty="0">
-              <a:latin typeface="Arial"/>
-            </a:endParaRPr>
-          </a:p>
-          <a:p>
-            <a:pPr>
-              <a:lnSpc>
-                <a:spcPct val="100000"/>
-              </a:lnSpc>
-            </a:pPr>
-            <a:r>
-              <a:rPr lang="en-US" sz="1100" b="1" strike="noStrike" spc="-1" dirty="0">
-                <a:solidFill>
-                  <a:srgbClr val="000000"/>
-                </a:solidFill>
-                <a:latin typeface="Courier New"/>
-                <a:ea typeface="Menlo"/>
-              </a:rPr>
-              <a:t>sample(LETTERS, 10)</a:t>
-            </a:r>
-            <a:endParaRPr lang="en-US" sz="1100" b="0" strike="noStrike" spc="-1" dirty="0">
-              <a:latin typeface="Arial"/>
-            </a:endParaRPr>
-          </a:p>
-          <a:p>
-            <a:pPr>
-              <a:lnSpc>
-                <a:spcPct val="100000"/>
-              </a:lnSpc>
-            </a:pPr>
-            <a:r>
-              <a:rPr lang="en-US" sz="1100" b="1" strike="noStrike" spc="-1" dirty="0">
-                <a:solidFill>
-                  <a:srgbClr val="000000"/>
-                </a:solidFill>
-                <a:latin typeface="Courier New"/>
-                <a:ea typeface="Menlo"/>
-              </a:rPr>
-              <a:t>deal(Cards, 5) # poker hand</a:t>
-            </a:r>
-            <a:endParaRPr lang="en-US" sz="1100" b="0" strike="noStrike" spc="-1" dirty="0">
-              <a:latin typeface="Arial"/>
-            </a:endParaRPr>
-          </a:p>
-          <a:p>
-            <a:pPr>
-              <a:lnSpc>
-                <a:spcPct val="150000"/>
-              </a:lnSpc>
-            </a:pPr>
-            <a:r>
-              <a:rPr lang="en-US" sz="1200" b="0" strike="noStrike" spc="-1" dirty="0">
-                <a:solidFill>
-                  <a:srgbClr val="000000"/>
-                </a:solidFill>
-                <a:latin typeface="Arial"/>
-                <a:ea typeface="Menlo"/>
-              </a:rPr>
-              <a:t>Resample with replacement</a:t>
-            </a:r>
-            <a:endParaRPr lang="en-US" sz="1200" b="0" strike="noStrike" spc="-1" dirty="0">
-              <a:latin typeface="Arial"/>
-            </a:endParaRPr>
-          </a:p>
-          <a:p>
-            <a:pPr>
-              <a:lnSpc>
-                <a:spcPct val="100000"/>
-              </a:lnSpc>
-            </a:pPr>
-            <a:r>
-              <a:rPr lang="en-US" sz="1100" b="1" strike="noStrike" spc="-1" dirty="0">
-                <a:solidFill>
-                  <a:srgbClr val="000000"/>
-                </a:solidFill>
-                <a:latin typeface="Courier New"/>
-                <a:ea typeface="Menlo"/>
-              </a:rPr>
-              <a:t>Small &lt;- sample(</a:t>
-            </a:r>
-            <a:r>
-              <a:rPr lang="en-US" sz="1100" b="1" strike="noStrike" spc="-1" dirty="0" err="1">
-                <a:solidFill>
-                  <a:srgbClr val="000000"/>
-                </a:solidFill>
-                <a:latin typeface="Courier New"/>
-                <a:ea typeface="Menlo"/>
-              </a:rPr>
-              <a:t>KidsFeet</a:t>
-            </a:r>
-            <a:r>
-              <a:rPr lang="en-US" sz="1100" b="1" strike="noStrike" spc="-1" dirty="0">
-                <a:solidFill>
-                  <a:srgbClr val="000000"/>
-                </a:solidFill>
-                <a:latin typeface="Courier New"/>
-                <a:ea typeface="Menlo"/>
-              </a:rPr>
-              <a:t>, 10)</a:t>
-            </a:r>
-            <a:endParaRPr lang="en-US" sz="1100" b="0" strike="noStrike" spc="-1" dirty="0">
-              <a:latin typeface="Arial"/>
-            </a:endParaRPr>
-          </a:p>
-          <a:p>
-            <a:pPr>
-              <a:lnSpc>
-                <a:spcPct val="100000"/>
-              </a:lnSpc>
-            </a:pPr>
-            <a:r>
-              <a:rPr lang="en-US" sz="1100" b="1" strike="noStrike" spc="-1" dirty="0">
-                <a:solidFill>
-                  <a:srgbClr val="000000"/>
-                </a:solidFill>
-                <a:latin typeface="Courier New"/>
-                <a:ea typeface="Menlo"/>
-              </a:rPr>
-              <a:t>resample(Small)</a:t>
-            </a:r>
-            <a:endParaRPr lang="en-US" sz="1100" b="0" strike="noStrike" spc="-1" dirty="0">
-              <a:latin typeface="Arial"/>
-            </a:endParaRPr>
-          </a:p>
-          <a:p>
-            <a:pPr>
-              <a:lnSpc>
-                <a:spcPct val="150000"/>
-              </a:lnSpc>
-            </a:pPr>
-            <a:r>
-              <a:rPr lang="en-US" sz="1200" b="0" strike="noStrike" spc="-1" dirty="0">
-                <a:solidFill>
-                  <a:srgbClr val="000000"/>
-                </a:solidFill>
-                <a:latin typeface="Arial"/>
-                <a:ea typeface="Menlo"/>
-              </a:rPr>
-              <a:t>Random permutation (shuffling)</a:t>
-            </a:r>
-            <a:endParaRPr lang="en-US" sz="1200" b="0" strike="noStrike" spc="-1" dirty="0">
-              <a:latin typeface="Arial"/>
-            </a:endParaRPr>
-          </a:p>
-          <a:p>
-            <a:pPr>
-              <a:lnSpc>
-                <a:spcPct val="100000"/>
-              </a:lnSpc>
-            </a:pPr>
-            <a:r>
-              <a:rPr lang="en-US" sz="1100" b="1" strike="noStrike" spc="-1" dirty="0">
-                <a:solidFill>
-                  <a:srgbClr val="000000"/>
-                </a:solidFill>
-                <a:latin typeface="Courier New"/>
-                <a:ea typeface="Menlo"/>
-              </a:rPr>
-              <a:t>shuffle(Cards) </a:t>
-            </a:r>
-            <a:endParaRPr lang="en-US" sz="1100" b="0" strike="noStrike" spc="-1" dirty="0">
-              <a:latin typeface="Arial"/>
-            </a:endParaRPr>
-          </a:p>
-          <a:p>
-            <a:pPr>
-              <a:lnSpc>
-                <a:spcPct val="150000"/>
-              </a:lnSpc>
-            </a:pPr>
-            <a:r>
-              <a:rPr lang="en-US" sz="1200" b="0" strike="noStrike" spc="-1" dirty="0">
-                <a:solidFill>
-                  <a:srgbClr val="000000"/>
-                </a:solidFill>
-                <a:latin typeface="Arial"/>
-                <a:ea typeface="Menlo"/>
-              </a:rPr>
-              <a:t>Random values from distributions</a:t>
-            </a:r>
-            <a:endParaRPr lang="en-US" sz="1200" b="0" strike="noStrike" spc="-1" dirty="0">
-              <a:latin typeface="Arial"/>
-            </a:endParaRPr>
-          </a:p>
-          <a:p>
-            <a:pPr>
-              <a:lnSpc>
-                <a:spcPct val="100000"/>
-              </a:lnSpc>
-            </a:pPr>
-            <a:r>
-              <a:rPr lang="en-US" sz="1100" b="1" strike="noStrike" spc="-1" dirty="0" err="1">
-                <a:solidFill>
-                  <a:srgbClr val="000000"/>
-                </a:solidFill>
-                <a:latin typeface="Courier New"/>
-                <a:ea typeface="Menlo"/>
-              </a:rPr>
-              <a:t>rbinom</a:t>
-            </a:r>
-            <a:r>
-              <a:rPr lang="en-US" sz="1100" b="1" strike="noStrike" spc="-1" dirty="0">
-                <a:solidFill>
-                  <a:srgbClr val="000000"/>
-                </a:solidFill>
-                <a:latin typeface="Courier New"/>
-                <a:ea typeface="Menlo"/>
-              </a:rPr>
-              <a:t>(5, size = 10, </a:t>
-            </a:r>
-            <a:r>
-              <a:rPr lang="en-US" sz="1100" b="1" strike="noStrike" spc="-1" dirty="0" err="1">
-                <a:solidFill>
-                  <a:srgbClr val="000000"/>
-                </a:solidFill>
-                <a:latin typeface="Courier New"/>
-                <a:ea typeface="Menlo"/>
-              </a:rPr>
-              <a:t>prob</a:t>
-            </a:r>
-            <a:r>
-              <a:rPr lang="en-US" sz="1100" b="1" strike="noStrike" spc="-1" dirty="0">
-                <a:solidFill>
-                  <a:srgbClr val="000000"/>
-                </a:solidFill>
-                <a:latin typeface="Courier New"/>
-                <a:ea typeface="Menlo"/>
-              </a:rPr>
-              <a:t> = 0.7)</a:t>
-            </a:r>
-            <a:endParaRPr lang="en-US" sz="1100" b="0" strike="noStrike" spc="-1" dirty="0">
-              <a:latin typeface="Arial"/>
-            </a:endParaRPr>
-          </a:p>
-          <a:p>
-            <a:pPr>
-              <a:lnSpc>
-                <a:spcPct val="100000"/>
-              </a:lnSpc>
-            </a:pPr>
-            <a:r>
-              <a:rPr lang="en-US" sz="1100" b="1" strike="noStrike" spc="-1" dirty="0" err="1">
-                <a:solidFill>
-                  <a:srgbClr val="000000"/>
-                </a:solidFill>
-                <a:latin typeface="Courier New"/>
-                <a:ea typeface="Menlo"/>
-              </a:rPr>
-              <a:t>rnorm</a:t>
-            </a:r>
-            <a:r>
-              <a:rPr lang="en-US" sz="1100" b="1" strike="noStrike" spc="-1" dirty="0">
-                <a:solidFill>
-                  <a:srgbClr val="000000"/>
-                </a:solidFill>
-                <a:latin typeface="Courier New"/>
-                <a:ea typeface="Menlo"/>
-              </a:rPr>
-              <a:t>(5, mean = 10, </a:t>
-            </a:r>
-            <a:r>
-              <a:rPr lang="en-US" sz="1100" b="1" strike="noStrike" spc="-1" dirty="0" err="1">
-                <a:solidFill>
-                  <a:srgbClr val="000000"/>
-                </a:solidFill>
-                <a:latin typeface="Courier New"/>
-                <a:ea typeface="Menlo"/>
-              </a:rPr>
-              <a:t>sd</a:t>
-            </a:r>
-            <a:r>
-              <a:rPr lang="en-US" sz="1100" b="1" strike="noStrike" spc="-1" dirty="0">
-                <a:solidFill>
-                  <a:srgbClr val="000000"/>
-                </a:solidFill>
-                <a:latin typeface="Courier New"/>
-                <a:ea typeface="Menlo"/>
-              </a:rPr>
-              <a:t> = 2)</a:t>
-            </a:r>
-            <a:endParaRPr lang="en-US" sz="1100" b="0" strike="noStrike" spc="-1" dirty="0">
-              <a:latin typeface="Arial"/>
-            </a:endParaRPr>
-          </a:p>
-          <a:p>
-            <a:pPr>
-              <a:lnSpc>
-                <a:spcPct val="120000"/>
-              </a:lnSpc>
-            </a:pPr>
-            <a:endParaRPr lang="en-US" sz="1100" b="0" strike="noStrike" spc="-1" dirty="0">
-              <a:latin typeface="Arial"/>
-            </a:endParaRPr>
-          </a:p>
-        </p:txBody>
-      </p:sp>
-      <p:sp>
-        <p:nvSpPr>
-          <p:cNvPr id="24" name="CustomShape 14">
-            <a:extLst>
-              <a:ext uri="{FF2B5EF4-FFF2-40B4-BE49-F238E27FC236}">
-                <a16:creationId xmlns:a16="http://schemas.microsoft.com/office/drawing/2014/main" xmlns="" id="{A63AE510-5460-4C62-8E97-9EEED1FB7CDD}"/>
-              </a:ext>
-            </a:extLst>
-          </p:cNvPr>
-          <p:cNvSpPr/>
-          <p:nvPr/>
-        </p:nvSpPr>
-        <p:spPr>
-          <a:xfrm>
-            <a:off x="6949440" y="5760720"/>
-            <a:ext cx="3200400" cy="711302"/>
-          </a:xfrm>
-          <a:prstGeom prst="roundRect">
-            <a:avLst>
-              <a:gd name="adj" fmla="val 25876"/>
-            </a:avLst>
-          </a:prstGeom>
-          <a:solidFill>
-            <a:srgbClr val="A6AAA9"/>
-          </a:solidFill>
-          <a:ln w="12600">
-            <a:noFill/>
-          </a:ln>
-        </p:spPr>
-        <p:style>
-          <a:lnRef idx="0">
-            <a:scrgbClr r="0" g="0" b="0"/>
-          </a:lnRef>
-          <a:fillRef idx="0">
-            <a:scrgbClr r="0" g="0" b="0"/>
-          </a:fillRef>
-          <a:effectRef idx="0">
-            <a:scrgbClr r="0" g="0" b="0"/>
-          </a:effectRef>
-          <a:fontRef idx="minor"/>
-        </p:style>
-        <p:txBody>
-          <a:bodyPr lIns="0" tIns="0" rIns="0" bIns="0"/>
-          <a:lstStyle/>
-          <a:p>
-            <a:pPr algn="ctr">
-              <a:lnSpc>
-                <a:spcPct val="100000"/>
-              </a:lnSpc>
-            </a:pPr>
-            <a:r>
-              <a:rPr lang="en-US" sz="2000" b="0" strike="noStrike" spc="-1" dirty="0">
-                <a:solidFill>
-                  <a:srgbClr val="FFFFFF"/>
-                </a:solidFill>
-                <a:latin typeface="Source Sans Pro"/>
-                <a:ea typeface="Source Sans Pro"/>
-              </a:rPr>
-              <a:t>Randomization and</a:t>
-            </a:r>
-            <a:endParaRPr lang="en-US" sz="2000" b="0" strike="noStrike" spc="-1" dirty="0">
-              <a:latin typeface="Arial"/>
-            </a:endParaRPr>
-          </a:p>
-          <a:p>
-            <a:pPr algn="ctr">
-              <a:lnSpc>
-                <a:spcPct val="100000"/>
-              </a:lnSpc>
-            </a:pPr>
-            <a:r>
-              <a:rPr lang="en-US" sz="2000" b="0" strike="noStrike" spc="-1" dirty="0">
-                <a:solidFill>
-                  <a:srgbClr val="FFFFFF"/>
-                </a:solidFill>
-                <a:latin typeface="Source Sans Pro"/>
-                <a:ea typeface="Source Sans Pro"/>
-              </a:rPr>
-              <a:t>simulation</a:t>
-            </a:r>
-            <a:endParaRPr lang="en-US" sz="2000" b="0" strike="noStrike" spc="-1" dirty="0">
-              <a:latin typeface="Arial"/>
-            </a:endParaRPr>
-          </a:p>
-        </p:txBody>
-      </p:sp>
       <p:pic>
         <p:nvPicPr>
           <p:cNvPr id="3" name="Picture 2">
             <a:extLst>
               <a:ext uri="{FF2B5EF4-FFF2-40B4-BE49-F238E27FC236}">
-                <a16:creationId xmlns:a16="http://schemas.microsoft.com/office/drawing/2014/main" xmlns="" id="{12A146D7-94BF-400A-A6F0-B63E1B3D053E}"/>
+                <a16:creationId xmlns:a16="http://schemas.microsoft.com/office/drawing/2014/main" id="{12A146D7-94BF-400A-A6F0-B63E1B3D053E}"/>
               </a:ext>
             </a:extLst>
           </p:cNvPr>
@@ -15227,14 +14211,14 @@
           <p:nvPr/>
         </p:nvPicPr>
         <p:blipFill>
-          <a:blip r:embed="rId4"/>
+          <a:blip r:embed="rId3"/>
           <a:stretch>
             <a:fillRect/>
           </a:stretch>
         </p:blipFill>
         <p:spPr>
           <a:xfrm>
-            <a:off x="4055065" y="2165400"/>
+            <a:off x="7275633" y="2063071"/>
             <a:ext cx="2299021" cy="1372143"/>
           </a:xfrm>
           <a:prstGeom prst="rect">
@@ -15247,7 +14231,7 @@
           <p:cNvPr id="4" name="Picture 3">
             <a:extLst>
               <a:ext uri="{FF2B5EF4-FFF2-40B4-BE49-F238E27FC236}">
-                <a16:creationId xmlns:a16="http://schemas.microsoft.com/office/drawing/2014/main" xmlns="" id="{F2F6CF5C-A728-4A9C-A63A-90BAE00AC094}"/>
+                <a16:creationId xmlns:a16="http://schemas.microsoft.com/office/drawing/2014/main" id="{F2F6CF5C-A728-4A9C-A63A-90BAE00AC094}"/>
               </a:ext>
             </a:extLst>
           </p:cNvPr>
@@ -15257,7 +14241,7 @@
           <p:nvPr/>
         </p:nvPicPr>
         <p:blipFill>
-          <a:blip r:embed="rId5"/>
+          <a:blip r:embed="rId4"/>
           <a:stretch>
             <a:fillRect/>
           </a:stretch>
@@ -15277,7 +14261,7 @@
           <p:cNvPr id="5" name="Picture 4">
             <a:extLst>
               <a:ext uri="{FF2B5EF4-FFF2-40B4-BE49-F238E27FC236}">
-                <a16:creationId xmlns:a16="http://schemas.microsoft.com/office/drawing/2014/main" xmlns="" id="{D2D461C5-EE8C-400C-B03E-648CF0942D52}"/>
+                <a16:creationId xmlns:a16="http://schemas.microsoft.com/office/drawing/2014/main" id="{D2D461C5-EE8C-400C-B03E-648CF0942D52}"/>
               </a:ext>
             </a:extLst>
           </p:cNvPr>
@@ -15287,7 +14271,7 @@
           <p:nvPr/>
         </p:nvPicPr>
         <p:blipFill>
-          <a:blip r:embed="rId6"/>
+          <a:blip r:embed="rId5"/>
           <a:stretch>
             <a:fillRect/>
           </a:stretch>
@@ -15307,7 +14291,7 @@
           <p:cNvPr id="29" name="CustomShape 4">
             <a:extLst>
               <a:ext uri="{FF2B5EF4-FFF2-40B4-BE49-F238E27FC236}">
-                <a16:creationId xmlns:a16="http://schemas.microsoft.com/office/drawing/2014/main" xmlns="" id="{FA44E67C-3FF1-4558-AB14-26AE8A22A162}"/>
+                <a16:creationId xmlns:a16="http://schemas.microsoft.com/office/drawing/2014/main" id="{FA44E67C-3FF1-4558-AB14-26AE8A22A162}"/>
               </a:ext>
             </a:extLst>
           </p:cNvPr>
@@ -15400,7 +14384,7 @@
                 </a:uFill>
                 <a:latin typeface="Source Sans Pro Light"/>
                 <a:ea typeface="Source Sans Pro Light"/>
-                <a:hlinkClick r:id="rId7"/>
+                <a:hlinkClick r:id="rId6"/>
               </a:rPr>
               <a:t>CC BY </a:t>
             </a:r>
@@ -15440,7 +14424,7 @@
           <p:cNvPr id="30" name="CustomShape 5">
             <a:extLst>
               <a:ext uri="{FF2B5EF4-FFF2-40B4-BE49-F238E27FC236}">
-                <a16:creationId xmlns:a16="http://schemas.microsoft.com/office/drawing/2014/main" xmlns="" id="{C98A7EA2-6B6B-4EBA-BFFD-9DB57EF48BEA}"/>
+                <a16:creationId xmlns:a16="http://schemas.microsoft.com/office/drawing/2014/main" id="{C98A7EA2-6B6B-4EBA-BFFD-9DB57EF48BEA}"/>
               </a:ext>
             </a:extLst>
           </p:cNvPr>
@@ -15539,10 +14523,10 @@
       </p:sp>
       <p:sp>
         <p:nvSpPr>
-          <p:cNvPr id="28" name="CustomShape 18">
+          <p:cNvPr id="32" name="CustomShape 11">
             <a:extLst>
               <a:ext uri="{FF2B5EF4-FFF2-40B4-BE49-F238E27FC236}">
-                <a16:creationId xmlns:a16="http://schemas.microsoft.com/office/drawing/2014/main" xmlns="" id="{701AD63A-9BF8-47E6-BB75-C9953B3A77B1}"/>
+                <a16:creationId xmlns:a16="http://schemas.microsoft.com/office/drawing/2014/main" id="{1489001F-FCBA-4048-942C-4F036D3C7535}"/>
               </a:ext>
             </a:extLst>
           </p:cNvPr>
@@ -15551,7 +14535,1025 @@
         </p:nvSpPr>
         <p:spPr>
           <a:xfrm>
-            <a:off x="6949440" y="3948342"/>
+            <a:off x="182537" y="644571"/>
+            <a:ext cx="3200400" cy="3111241"/>
+          </a:xfrm>
+          <a:prstGeom prst="rect">
+            <a:avLst/>
+          </a:prstGeom>
+          <a:solidFill>
+            <a:srgbClr val="FFFFFF"/>
+          </a:solidFill>
+          <a:ln w="12600">
+            <a:solidFill>
+              <a:srgbClr val="A6AAA9"/>
+            </a:solidFill>
+            <a:miter/>
+          </a:ln>
+        </p:spPr>
+        <p:style>
+          <a:lnRef idx="0">
+            <a:scrgbClr r="0" g="0" b="0"/>
+          </a:lnRef>
+          <a:fillRef idx="0">
+            <a:scrgbClr r="0" g="0" b="0"/>
+          </a:fillRef>
+          <a:effectRef idx="0">
+            <a:scrgbClr r="0" g="0" b="0"/>
+          </a:effectRef>
+          <a:fontRef idx="minor"/>
+        </p:style>
+        <p:txBody>
+          <a:bodyPr lIns="91440" tIns="0" rIns="0" bIns="0" anchor="t" anchorCtr="0"/>
+          <a:lstStyle/>
+          <a:p>
+            <a:pPr>
+              <a:lnSpc>
+                <a:spcPct val="150000"/>
+              </a:lnSpc>
+            </a:pPr>
+            <a:r>
+              <a:rPr lang="en-US" sz="1200" b="0" strike="noStrike" spc="-1" dirty="0">
+                <a:solidFill>
+                  <a:srgbClr val="000000"/>
+                </a:solidFill>
+                <a:latin typeface="Arial"/>
+                <a:ea typeface="DejaVu Sans"/>
+              </a:rPr>
+              <a:t>From </a:t>
+            </a:r>
+            <a:r>
+              <a:rPr lang="en-US" sz="1200" b="0" strike="noStrike" spc="-1" dirty="0" err="1">
+                <a:solidFill>
+                  <a:srgbClr val="000000"/>
+                </a:solidFill>
+                <a:latin typeface="Courier New" panose="02070309020205020404" pitchFamily="49" charset="0"/>
+                <a:ea typeface="DejaVu Sans"/>
+                <a:cs typeface="Courier New" panose="02070309020205020404" pitchFamily="49" charset="0"/>
+              </a:rPr>
+              <a:t>dplyr</a:t>
+            </a:r>
+            <a:r>
+              <a:rPr lang="en-US" sz="1200" spc="-1" dirty="0">
+                <a:solidFill>
+                  <a:srgbClr val="000000"/>
+                </a:solidFill>
+                <a:ea typeface="DejaVu Sans"/>
+                <a:cs typeface="Courier New" panose="02070309020205020404" pitchFamily="49" charset="0"/>
+              </a:rPr>
+              <a:t> package</a:t>
+            </a:r>
+            <a:endParaRPr lang="en-US" dirty="0">
+              <a:solidFill>
+                <a:prstClr val="black"/>
+              </a:solidFill>
+              <a:latin typeface="Lucida Sans" panose="020B0602030504020204" pitchFamily="34" charset="0"/>
+            </a:endParaRPr>
+          </a:p>
+          <a:p>
+            <a:r>
+              <a:rPr lang="en-US" sz="1200" dirty="0">
+                <a:solidFill>
+                  <a:srgbClr val="000000"/>
+                </a:solidFill>
+                <a:latin typeface="Arial" panose="020B0604020202020204" pitchFamily="34" charset="0"/>
+              </a:rPr>
+              <a:t>For details, see </a:t>
+            </a:r>
+            <a:r>
+              <a:rPr lang="en-US" sz="1200" dirty="0" err="1">
+                <a:solidFill>
+                  <a:srgbClr val="000000"/>
+                </a:solidFill>
+                <a:latin typeface="Arial" panose="020B0604020202020204" pitchFamily="34" charset="0"/>
+                <a:hlinkClick r:id="rId7"/>
+              </a:rPr>
+              <a:t>Tidyverse</a:t>
+            </a:r>
+            <a:r>
+              <a:rPr lang="en-US" sz="1200" dirty="0">
+                <a:solidFill>
+                  <a:srgbClr val="000000"/>
+                </a:solidFill>
+                <a:latin typeface="Arial" panose="020B0604020202020204" pitchFamily="34" charset="0"/>
+                <a:hlinkClick r:id="rId7"/>
+              </a:rPr>
+              <a:t> </a:t>
+            </a:r>
+            <a:r>
+              <a:rPr lang="en-US" sz="1200" dirty="0" err="1">
+                <a:solidFill>
+                  <a:srgbClr val="000000"/>
+                </a:solidFill>
+                <a:latin typeface="Arial" panose="020B0604020202020204" pitchFamily="34" charset="0"/>
+                <a:hlinkClick r:id="rId7"/>
+              </a:rPr>
+              <a:t>cheatsheet</a:t>
+            </a:r>
+            <a:endParaRPr lang="en-US" sz="1200" dirty="0">
+              <a:solidFill>
+                <a:srgbClr val="000000"/>
+              </a:solidFill>
+              <a:latin typeface="Arial" panose="020B0604020202020204" pitchFamily="34" charset="0"/>
+            </a:endParaRPr>
+          </a:p>
+          <a:p>
+            <a:endParaRPr lang="en-US" sz="1200" b="0" strike="noStrike" spc="-1" dirty="0">
+              <a:solidFill>
+                <a:srgbClr val="000000"/>
+              </a:solidFill>
+              <a:latin typeface="Arial"/>
+              <a:ea typeface="DejaVu Sans"/>
+            </a:endParaRPr>
+          </a:p>
+          <a:p>
+            <a:r>
+              <a:rPr lang="en-US" sz="1200" b="0" strike="noStrike" spc="-1" dirty="0">
+                <a:solidFill>
+                  <a:srgbClr val="000000"/>
+                </a:solidFill>
+                <a:latin typeface="Arial"/>
+                <a:ea typeface="DejaVu Sans"/>
+              </a:rPr>
+              <a:t>Drop, rename, or reorder variables</a:t>
+            </a:r>
+            <a:endParaRPr lang="en-US" sz="1200" b="0" strike="noStrike" spc="-1" dirty="0">
+              <a:latin typeface="Arial"/>
+            </a:endParaRPr>
+          </a:p>
+          <a:p>
+            <a:r>
+              <a:rPr lang="en-US" sz="1200" b="1" spc="-1" dirty="0">
+                <a:latin typeface="Courier New"/>
+              </a:rPr>
+              <a:t>select()</a:t>
+            </a:r>
+            <a:endParaRPr lang="en-US" sz="1200" strike="noStrike" spc="-1" dirty="0">
+              <a:latin typeface="Arial"/>
+            </a:endParaRPr>
+          </a:p>
+          <a:p>
+            <a:pPr>
+              <a:lnSpc>
+                <a:spcPct val="150000"/>
+              </a:lnSpc>
+            </a:pPr>
+            <a:r>
+              <a:rPr lang="en-US" sz="1200" b="0" strike="noStrike" spc="-1" dirty="0">
+                <a:solidFill>
+                  <a:srgbClr val="000000"/>
+                </a:solidFill>
+                <a:latin typeface="Arial"/>
+                <a:ea typeface="DejaVu Sans"/>
+              </a:rPr>
+              <a:t>Create new variables from existing ones</a:t>
+            </a:r>
+            <a:endParaRPr lang="en-US" sz="1200" b="0" strike="noStrike" spc="-1" dirty="0">
+              <a:latin typeface="Arial"/>
+            </a:endParaRPr>
+          </a:p>
+          <a:p>
+            <a:pPr>
+              <a:lnSpc>
+                <a:spcPts val="1000"/>
+              </a:lnSpc>
+            </a:pPr>
+            <a:r>
+              <a:rPr lang="en-US" sz="1200" b="1" strike="noStrike" spc="-1" dirty="0">
+                <a:latin typeface="Courier New"/>
+                <a:ea typeface="DejaVu Sans"/>
+              </a:rPr>
+              <a:t>mutate()</a:t>
+            </a:r>
+            <a:endParaRPr lang="en-US" sz="1200" b="1" strike="noStrike" spc="-1" dirty="0">
+              <a:latin typeface="Arial"/>
+            </a:endParaRPr>
+          </a:p>
+          <a:p>
+            <a:pPr>
+              <a:lnSpc>
+                <a:spcPct val="150000"/>
+              </a:lnSpc>
+            </a:pPr>
+            <a:r>
+              <a:rPr lang="en-US" sz="1200" spc="-1" dirty="0">
+                <a:latin typeface="Arial"/>
+                <a:ea typeface="DejaVu Sans"/>
+              </a:rPr>
+              <a:t>Retain</a:t>
+            </a:r>
+            <a:r>
+              <a:rPr lang="en-US" sz="1200" b="0" strike="noStrike" spc="-1" dirty="0">
+                <a:latin typeface="Arial"/>
+                <a:ea typeface="DejaVu Sans"/>
+              </a:rPr>
+              <a:t> specific rows from data </a:t>
+            </a:r>
+            <a:endParaRPr lang="en-US" sz="1200" b="0" strike="noStrike" spc="-1" dirty="0">
+              <a:latin typeface="Arial"/>
+            </a:endParaRPr>
+          </a:p>
+          <a:p>
+            <a:pPr>
+              <a:lnSpc>
+                <a:spcPts val="1000"/>
+              </a:lnSpc>
+            </a:pPr>
+            <a:r>
+              <a:rPr lang="en-US" sz="1200" b="1" strike="noStrike" spc="-1" dirty="0">
+                <a:latin typeface="Courier New"/>
+                <a:ea typeface="DejaVu Sans"/>
+              </a:rPr>
+              <a:t>filter() </a:t>
+            </a:r>
+            <a:endParaRPr lang="en-US" sz="1200" b="1" strike="noStrike" spc="-1" dirty="0">
+              <a:latin typeface="Arial"/>
+            </a:endParaRPr>
+          </a:p>
+          <a:p>
+            <a:pPr>
+              <a:lnSpc>
+                <a:spcPct val="150000"/>
+              </a:lnSpc>
+            </a:pPr>
+            <a:r>
+              <a:rPr lang="en-US" sz="1200" b="0" strike="noStrike" spc="-1" dirty="0">
+                <a:latin typeface="Arial"/>
+                <a:ea typeface="DejaVu Sans"/>
+              </a:rPr>
+              <a:t>Sort data rows</a:t>
+            </a:r>
+            <a:endParaRPr lang="en-US" sz="1200" b="0" strike="noStrike" spc="-1" dirty="0">
+              <a:latin typeface="Arial"/>
+            </a:endParaRPr>
+          </a:p>
+          <a:p>
+            <a:pPr>
+              <a:lnSpc>
+                <a:spcPts val="1000"/>
+              </a:lnSpc>
+            </a:pPr>
+            <a:r>
+              <a:rPr lang="en-US" sz="1200" b="1" strike="noStrike" spc="-1" dirty="0">
+                <a:latin typeface="Courier New"/>
+                <a:ea typeface="DejaVu Sans"/>
+              </a:rPr>
+              <a:t>arrange() </a:t>
+            </a:r>
+            <a:endParaRPr lang="en-US" sz="1200" b="1" strike="noStrike" spc="-1" dirty="0">
+              <a:latin typeface="Arial"/>
+            </a:endParaRPr>
+          </a:p>
+          <a:p>
+            <a:pPr>
+              <a:lnSpc>
+                <a:spcPct val="150000"/>
+              </a:lnSpc>
+            </a:pPr>
+            <a:r>
+              <a:rPr lang="en-US" sz="1200" b="0" strike="noStrike" spc="-1" dirty="0">
+                <a:latin typeface="Arial"/>
+                <a:ea typeface="DejaVu Sans"/>
+              </a:rPr>
+              <a:t>Compute summary statistics by group</a:t>
+            </a:r>
+            <a:endParaRPr lang="en-US" sz="1200" b="0" strike="noStrike" spc="-1" dirty="0">
+              <a:latin typeface="Arial"/>
+            </a:endParaRPr>
+          </a:p>
+          <a:p>
+            <a:pPr>
+              <a:lnSpc>
+                <a:spcPts val="1000"/>
+              </a:lnSpc>
+            </a:pPr>
+            <a:r>
+              <a:rPr lang="en-US" sz="1200" b="1" strike="noStrike" spc="-1" dirty="0" err="1">
+                <a:latin typeface="Courier New"/>
+                <a:ea typeface="DejaVu Sans"/>
+              </a:rPr>
+              <a:t>group_by</a:t>
+            </a:r>
+            <a:r>
+              <a:rPr lang="en-US" sz="1200" b="1" strike="noStrike" spc="-1" dirty="0">
+                <a:latin typeface="Courier New"/>
+                <a:ea typeface="DejaVu Sans"/>
+              </a:rPr>
+              <a:t>() </a:t>
+            </a:r>
+            <a:endParaRPr lang="en-US" sz="1200" b="1" strike="noStrike" spc="-1" dirty="0">
+              <a:latin typeface="Arial"/>
+            </a:endParaRPr>
+          </a:p>
+          <a:p>
+            <a:pPr>
+              <a:lnSpc>
+                <a:spcPct val="100000"/>
+              </a:lnSpc>
+            </a:pPr>
+            <a:r>
+              <a:rPr lang="en-US" sz="1200" b="1" strike="noStrike" spc="-1" dirty="0">
+                <a:latin typeface="Courier New"/>
+                <a:ea typeface="DejaVu Sans"/>
+              </a:rPr>
+              <a:t>summarize() </a:t>
+            </a:r>
+            <a:endParaRPr lang="en-US" sz="1200" b="1" strike="noStrike" spc="-1" dirty="0">
+              <a:latin typeface="Arial"/>
+            </a:endParaRPr>
+          </a:p>
+        </p:txBody>
+      </p:sp>
+      <p:sp>
+        <p:nvSpPr>
+          <p:cNvPr id="33" name="CustomShape 12">
+            <a:extLst>
+              <a:ext uri="{FF2B5EF4-FFF2-40B4-BE49-F238E27FC236}">
+                <a16:creationId xmlns:a16="http://schemas.microsoft.com/office/drawing/2014/main" id="{9BF7BC54-7CA9-453F-8F94-E1B7DAC01C1D}"/>
+              </a:ext>
+            </a:extLst>
+          </p:cNvPr>
+          <p:cNvSpPr/>
+          <p:nvPr/>
+        </p:nvSpPr>
+        <p:spPr>
+          <a:xfrm>
+            <a:off x="182537" y="207400"/>
+            <a:ext cx="3200400" cy="347472"/>
+          </a:xfrm>
+          <a:prstGeom prst="roundRect">
+            <a:avLst>
+              <a:gd name="adj" fmla="val 25876"/>
+            </a:avLst>
+          </a:prstGeom>
+          <a:solidFill>
+            <a:srgbClr val="A6AAA9"/>
+          </a:solidFill>
+          <a:ln w="12600">
+            <a:noFill/>
+          </a:ln>
+        </p:spPr>
+        <p:style>
+          <a:lnRef idx="0">
+            <a:scrgbClr r="0" g="0" b="0"/>
+          </a:lnRef>
+          <a:fillRef idx="0">
+            <a:scrgbClr r="0" g="0" b="0"/>
+          </a:fillRef>
+          <a:effectRef idx="0">
+            <a:scrgbClr r="0" g="0" b="0"/>
+          </a:effectRef>
+          <a:fontRef idx="minor"/>
+        </p:style>
+        <p:txBody>
+          <a:bodyPr lIns="0" tIns="0" rIns="0" bIns="0"/>
+          <a:lstStyle/>
+          <a:p>
+            <a:pPr algn="ctr">
+              <a:lnSpc>
+                <a:spcPct val="100000"/>
+              </a:lnSpc>
+            </a:pPr>
+            <a:r>
+              <a:rPr lang="en-US" sz="2000" b="0" strike="noStrike" spc="-1" dirty="0">
+                <a:solidFill>
+                  <a:srgbClr val="FFFFFF"/>
+                </a:solidFill>
+                <a:latin typeface="Source Sans Pro"/>
+                <a:ea typeface="Source Sans Pro"/>
+              </a:rPr>
+              <a:t>Data manipulation</a:t>
+            </a:r>
+            <a:endParaRPr lang="en-US" sz="2000" b="0" strike="noStrike" spc="-1" dirty="0">
+              <a:latin typeface="Arial"/>
+            </a:endParaRPr>
+          </a:p>
+        </p:txBody>
+      </p:sp>
+      <p:sp>
+        <p:nvSpPr>
+          <p:cNvPr id="34" name="CustomShape 13">
+            <a:extLst>
+              <a:ext uri="{FF2B5EF4-FFF2-40B4-BE49-F238E27FC236}">
+                <a16:creationId xmlns:a16="http://schemas.microsoft.com/office/drawing/2014/main" id="{FDC5BC65-617F-49E1-8C35-871FF07F47D3}"/>
+              </a:ext>
+            </a:extLst>
+          </p:cNvPr>
+          <p:cNvSpPr/>
+          <p:nvPr/>
+        </p:nvSpPr>
+        <p:spPr>
+          <a:xfrm>
+            <a:off x="182537" y="6409245"/>
+            <a:ext cx="3200400" cy="3744419"/>
+          </a:xfrm>
+          <a:prstGeom prst="rect">
+            <a:avLst/>
+          </a:prstGeom>
+          <a:solidFill>
+            <a:srgbClr val="FFFFFF"/>
+          </a:solidFill>
+          <a:ln w="12600">
+            <a:solidFill>
+              <a:srgbClr val="A6AAA9"/>
+            </a:solidFill>
+            <a:miter/>
+          </a:ln>
+        </p:spPr>
+        <p:style>
+          <a:lnRef idx="0">
+            <a:scrgbClr r="0" g="0" b="0"/>
+          </a:lnRef>
+          <a:fillRef idx="0">
+            <a:scrgbClr r="0" g="0" b="0"/>
+          </a:fillRef>
+          <a:effectRef idx="0">
+            <a:scrgbClr r="0" g="0" b="0"/>
+          </a:effectRef>
+          <a:fontRef idx="minor"/>
+        </p:style>
+        <p:txBody>
+          <a:bodyPr lIns="91440" tIns="0" rIns="0" bIns="0" anchor="t" anchorCtr="0"/>
+          <a:lstStyle/>
+          <a:p>
+            <a:pPr>
+              <a:lnSpc>
+                <a:spcPct val="150000"/>
+              </a:lnSpc>
+            </a:pPr>
+            <a:r>
+              <a:rPr lang="en-US" sz="1200" b="0" strike="noStrike" spc="-1" dirty="0">
+                <a:solidFill>
+                  <a:srgbClr val="000000"/>
+                </a:solidFill>
+                <a:latin typeface="Arial"/>
+                <a:ea typeface="DejaVu Sans"/>
+              </a:rPr>
+              <a:t>Fix random number sequence</a:t>
+            </a:r>
+          </a:p>
+          <a:p>
+            <a:r>
+              <a:rPr lang="en-US" sz="1200" b="1" spc="-1" dirty="0" err="1">
+                <a:solidFill>
+                  <a:srgbClr val="000000"/>
+                </a:solidFill>
+                <a:latin typeface="Courier New"/>
+                <a:ea typeface="Menlo"/>
+              </a:rPr>
+              <a:t>set.seed</a:t>
+            </a:r>
+            <a:r>
+              <a:rPr lang="en-US" sz="1200" b="1" spc="-1" dirty="0">
+                <a:solidFill>
+                  <a:srgbClr val="000000"/>
+                </a:solidFill>
+                <a:latin typeface="Courier New"/>
+                <a:ea typeface="Menlo"/>
+              </a:rPr>
+              <a:t>(42)</a:t>
+            </a:r>
+            <a:endParaRPr lang="en-US" sz="1200" b="0" strike="noStrike" spc="-1" dirty="0">
+              <a:solidFill>
+                <a:srgbClr val="000000"/>
+              </a:solidFill>
+              <a:latin typeface="Arial"/>
+              <a:ea typeface="DejaVu Sans"/>
+            </a:endParaRPr>
+          </a:p>
+          <a:p>
+            <a:pPr>
+              <a:lnSpc>
+                <a:spcPct val="150000"/>
+              </a:lnSpc>
+            </a:pPr>
+            <a:r>
+              <a:rPr lang="en-US" sz="1200" b="0" strike="noStrike" spc="-1" dirty="0">
+                <a:solidFill>
+                  <a:srgbClr val="000000"/>
+                </a:solidFill>
+                <a:latin typeface="Arial"/>
+                <a:ea typeface="DejaVu Sans"/>
+              </a:rPr>
+              <a:t>Tossing coins</a:t>
+            </a:r>
+            <a:endParaRPr lang="en-US" sz="1200" b="0" strike="noStrike" spc="-1" dirty="0">
+              <a:latin typeface="Arial"/>
+            </a:endParaRPr>
+          </a:p>
+          <a:p>
+            <a:pPr>
+              <a:lnSpc>
+                <a:spcPct val="100000"/>
+              </a:lnSpc>
+            </a:pPr>
+            <a:r>
+              <a:rPr lang="en-US" sz="1100" b="1" strike="noStrike" spc="-1" dirty="0">
+                <a:solidFill>
+                  <a:srgbClr val="000000"/>
+                </a:solidFill>
+                <a:latin typeface="Courier New"/>
+                <a:ea typeface="Menlo"/>
+              </a:rPr>
+              <a:t>rflip(10) # default </a:t>
+            </a:r>
+            <a:r>
+              <a:rPr lang="en-US" sz="1100" b="1" strike="noStrike" spc="-1" dirty="0" err="1">
+                <a:solidFill>
+                  <a:srgbClr val="000000"/>
+                </a:solidFill>
+                <a:latin typeface="Courier New"/>
+                <a:ea typeface="Menlo"/>
+              </a:rPr>
+              <a:t>prob</a:t>
+            </a:r>
+            <a:r>
+              <a:rPr lang="en-US" sz="1100" b="1" strike="noStrike" spc="-1" dirty="0">
+                <a:solidFill>
+                  <a:srgbClr val="000000"/>
+                </a:solidFill>
+                <a:latin typeface="Courier New"/>
+                <a:ea typeface="Menlo"/>
+              </a:rPr>
+              <a:t> is 0.5</a:t>
+            </a:r>
+            <a:endParaRPr lang="en-US" sz="1100" b="0" strike="noStrike" spc="-1" dirty="0">
+              <a:latin typeface="Arial"/>
+            </a:endParaRPr>
+          </a:p>
+          <a:p>
+            <a:pPr>
+              <a:lnSpc>
+                <a:spcPct val="150000"/>
+              </a:lnSpc>
+            </a:pPr>
+            <a:r>
+              <a:rPr lang="en-US" sz="1200" b="0" strike="noStrike" spc="-1" dirty="0">
+                <a:solidFill>
+                  <a:srgbClr val="000000"/>
+                </a:solidFill>
+                <a:latin typeface="Arial"/>
+                <a:ea typeface="Menlo"/>
+              </a:rPr>
+              <a:t>Do something repeatedly</a:t>
+            </a:r>
+            <a:endParaRPr lang="en-US" sz="1200" b="0" strike="noStrike" spc="-1" dirty="0">
+              <a:latin typeface="Arial"/>
+            </a:endParaRPr>
+          </a:p>
+          <a:p>
+            <a:pPr>
+              <a:lnSpc>
+                <a:spcPct val="100000"/>
+              </a:lnSpc>
+            </a:pPr>
+            <a:r>
+              <a:rPr lang="en-US" sz="1100" b="1" strike="noStrike" spc="-1" dirty="0">
+                <a:solidFill>
+                  <a:srgbClr val="000000"/>
+                </a:solidFill>
+                <a:latin typeface="Courier New"/>
+                <a:ea typeface="Menlo"/>
+              </a:rPr>
+              <a:t>do(5) * rflip(10, </a:t>
+            </a:r>
+            <a:r>
+              <a:rPr lang="en-US" sz="1100" b="1" strike="noStrike" spc="-1" dirty="0" err="1">
+                <a:solidFill>
+                  <a:srgbClr val="000000"/>
+                </a:solidFill>
+                <a:latin typeface="Courier New"/>
+                <a:ea typeface="Menlo"/>
+              </a:rPr>
+              <a:t>prob</a:t>
+            </a:r>
+            <a:r>
+              <a:rPr lang="en-US" sz="1100" b="1" strike="noStrike" spc="-1" dirty="0">
+                <a:solidFill>
+                  <a:srgbClr val="000000"/>
+                </a:solidFill>
+                <a:latin typeface="Courier New"/>
+                <a:ea typeface="Menlo"/>
+              </a:rPr>
+              <a:t> = 0.75)</a:t>
+            </a:r>
+            <a:endParaRPr lang="en-US" sz="1100" b="0" strike="noStrike" spc="-1" dirty="0">
+              <a:latin typeface="Arial"/>
+            </a:endParaRPr>
+          </a:p>
+          <a:p>
+            <a:pPr>
+              <a:lnSpc>
+                <a:spcPct val="150000"/>
+              </a:lnSpc>
+            </a:pPr>
+            <a:r>
+              <a:rPr lang="en-US" sz="1200" b="0" strike="noStrike" spc="-1" dirty="0">
+                <a:solidFill>
+                  <a:srgbClr val="000000"/>
+                </a:solidFill>
+                <a:latin typeface="Arial"/>
+                <a:ea typeface="Menlo"/>
+              </a:rPr>
+              <a:t>Draw a simple random sample</a:t>
+            </a:r>
+            <a:endParaRPr lang="en-US" sz="1200" b="0" strike="noStrike" spc="-1" dirty="0">
+              <a:latin typeface="Arial"/>
+            </a:endParaRPr>
+          </a:p>
+          <a:p>
+            <a:pPr>
+              <a:lnSpc>
+                <a:spcPct val="100000"/>
+              </a:lnSpc>
+            </a:pPr>
+            <a:r>
+              <a:rPr lang="en-US" sz="1100" b="1" strike="noStrike" spc="-1" dirty="0">
+                <a:solidFill>
+                  <a:srgbClr val="000000"/>
+                </a:solidFill>
+                <a:latin typeface="Courier New"/>
+                <a:ea typeface="Menlo"/>
+              </a:rPr>
+              <a:t>sample(LETTERS, 10)</a:t>
+            </a:r>
+            <a:endParaRPr lang="en-US" sz="1100" b="0" strike="noStrike" spc="-1" dirty="0">
+              <a:latin typeface="Arial"/>
+            </a:endParaRPr>
+          </a:p>
+          <a:p>
+            <a:pPr>
+              <a:lnSpc>
+                <a:spcPct val="100000"/>
+              </a:lnSpc>
+            </a:pPr>
+            <a:r>
+              <a:rPr lang="en-US" sz="1100" b="1" strike="noStrike" spc="-1" dirty="0">
+                <a:solidFill>
+                  <a:srgbClr val="000000"/>
+                </a:solidFill>
+                <a:latin typeface="Courier New"/>
+                <a:ea typeface="Menlo"/>
+              </a:rPr>
+              <a:t>deal(Cards, 5) # poker hand</a:t>
+            </a:r>
+            <a:endParaRPr lang="en-US" sz="1100" b="0" strike="noStrike" spc="-1" dirty="0">
+              <a:latin typeface="Arial"/>
+            </a:endParaRPr>
+          </a:p>
+          <a:p>
+            <a:pPr>
+              <a:lnSpc>
+                <a:spcPct val="150000"/>
+              </a:lnSpc>
+            </a:pPr>
+            <a:r>
+              <a:rPr lang="en-US" sz="1200" b="0" strike="noStrike" spc="-1" dirty="0">
+                <a:solidFill>
+                  <a:srgbClr val="000000"/>
+                </a:solidFill>
+                <a:latin typeface="Arial"/>
+                <a:ea typeface="Menlo"/>
+              </a:rPr>
+              <a:t>Resample with replacement</a:t>
+            </a:r>
+            <a:endParaRPr lang="en-US" sz="1200" b="0" strike="noStrike" spc="-1" dirty="0">
+              <a:latin typeface="Arial"/>
+            </a:endParaRPr>
+          </a:p>
+          <a:p>
+            <a:pPr>
+              <a:lnSpc>
+                <a:spcPct val="100000"/>
+              </a:lnSpc>
+            </a:pPr>
+            <a:r>
+              <a:rPr lang="en-US" sz="1100" b="1" strike="noStrike" spc="-1" dirty="0">
+                <a:solidFill>
+                  <a:srgbClr val="000000"/>
+                </a:solidFill>
+                <a:latin typeface="Courier New"/>
+                <a:ea typeface="Menlo"/>
+              </a:rPr>
+              <a:t>Small &lt;- sample(</a:t>
+            </a:r>
+            <a:r>
+              <a:rPr lang="en-US" sz="1100" b="1" strike="noStrike" spc="-1" dirty="0" err="1">
+                <a:solidFill>
+                  <a:srgbClr val="000000"/>
+                </a:solidFill>
+                <a:latin typeface="Courier New"/>
+                <a:ea typeface="Menlo"/>
+              </a:rPr>
+              <a:t>KidsFeet</a:t>
+            </a:r>
+            <a:r>
+              <a:rPr lang="en-US" sz="1100" b="1" strike="noStrike" spc="-1" dirty="0">
+                <a:solidFill>
+                  <a:srgbClr val="000000"/>
+                </a:solidFill>
+                <a:latin typeface="Courier New"/>
+                <a:ea typeface="Menlo"/>
+              </a:rPr>
+              <a:t>, 10)</a:t>
+            </a:r>
+            <a:endParaRPr lang="en-US" sz="1100" b="0" strike="noStrike" spc="-1" dirty="0">
+              <a:latin typeface="Arial"/>
+            </a:endParaRPr>
+          </a:p>
+          <a:p>
+            <a:pPr>
+              <a:lnSpc>
+                <a:spcPct val="100000"/>
+              </a:lnSpc>
+            </a:pPr>
+            <a:r>
+              <a:rPr lang="en-US" sz="1100" b="1" strike="noStrike" spc="-1" dirty="0">
+                <a:solidFill>
+                  <a:srgbClr val="000000"/>
+                </a:solidFill>
+                <a:latin typeface="Courier New"/>
+                <a:ea typeface="Menlo"/>
+              </a:rPr>
+              <a:t>resample(Small)</a:t>
+            </a:r>
+            <a:endParaRPr lang="en-US" sz="1100" b="0" strike="noStrike" spc="-1" dirty="0">
+              <a:latin typeface="Arial"/>
+            </a:endParaRPr>
+          </a:p>
+          <a:p>
+            <a:pPr>
+              <a:lnSpc>
+                <a:spcPct val="150000"/>
+              </a:lnSpc>
+            </a:pPr>
+            <a:r>
+              <a:rPr lang="en-US" sz="1200" b="0" strike="noStrike" spc="-1" dirty="0">
+                <a:solidFill>
+                  <a:srgbClr val="000000"/>
+                </a:solidFill>
+                <a:latin typeface="Arial"/>
+                <a:ea typeface="Menlo"/>
+              </a:rPr>
+              <a:t>Random permutation (shuffling)</a:t>
+            </a:r>
+            <a:endParaRPr lang="en-US" sz="1200" b="0" strike="noStrike" spc="-1" dirty="0">
+              <a:latin typeface="Arial"/>
+            </a:endParaRPr>
+          </a:p>
+          <a:p>
+            <a:pPr>
+              <a:lnSpc>
+                <a:spcPct val="100000"/>
+              </a:lnSpc>
+            </a:pPr>
+            <a:r>
+              <a:rPr lang="en-US" sz="1100" b="1" strike="noStrike" spc="-1" dirty="0">
+                <a:solidFill>
+                  <a:srgbClr val="000000"/>
+                </a:solidFill>
+                <a:latin typeface="Courier New"/>
+                <a:ea typeface="Menlo"/>
+              </a:rPr>
+              <a:t>shuffle(Cards) </a:t>
+            </a:r>
+            <a:endParaRPr lang="en-US" sz="1100" b="0" strike="noStrike" spc="-1" dirty="0">
+              <a:latin typeface="Arial"/>
+            </a:endParaRPr>
+          </a:p>
+          <a:p>
+            <a:pPr>
+              <a:lnSpc>
+                <a:spcPct val="150000"/>
+              </a:lnSpc>
+            </a:pPr>
+            <a:r>
+              <a:rPr lang="en-US" sz="1200" b="0" strike="noStrike" spc="-1" dirty="0">
+                <a:solidFill>
+                  <a:srgbClr val="000000"/>
+                </a:solidFill>
+                <a:latin typeface="Arial"/>
+                <a:ea typeface="Menlo"/>
+              </a:rPr>
+              <a:t>Random values from distributions</a:t>
+            </a:r>
+            <a:endParaRPr lang="en-US" sz="1200" b="0" strike="noStrike" spc="-1" dirty="0">
+              <a:latin typeface="Arial"/>
+            </a:endParaRPr>
+          </a:p>
+          <a:p>
+            <a:pPr>
+              <a:lnSpc>
+                <a:spcPct val="100000"/>
+              </a:lnSpc>
+            </a:pPr>
+            <a:r>
+              <a:rPr lang="en-US" sz="1100" b="1" strike="noStrike" spc="-1" dirty="0" err="1">
+                <a:solidFill>
+                  <a:srgbClr val="000000"/>
+                </a:solidFill>
+                <a:latin typeface="Courier New"/>
+                <a:ea typeface="Menlo"/>
+              </a:rPr>
+              <a:t>rbinom</a:t>
+            </a:r>
+            <a:r>
+              <a:rPr lang="en-US" sz="1100" b="1" strike="noStrike" spc="-1" dirty="0">
+                <a:solidFill>
+                  <a:srgbClr val="000000"/>
+                </a:solidFill>
+                <a:latin typeface="Courier New"/>
+                <a:ea typeface="Menlo"/>
+              </a:rPr>
+              <a:t>(5, size = 10, </a:t>
+            </a:r>
+            <a:r>
+              <a:rPr lang="en-US" sz="1100" b="1" strike="noStrike" spc="-1" dirty="0" err="1">
+                <a:solidFill>
+                  <a:srgbClr val="000000"/>
+                </a:solidFill>
+                <a:latin typeface="Courier New"/>
+                <a:ea typeface="Menlo"/>
+              </a:rPr>
+              <a:t>prob</a:t>
+            </a:r>
+            <a:r>
+              <a:rPr lang="en-US" sz="1100" b="1" strike="noStrike" spc="-1" dirty="0">
+                <a:solidFill>
+                  <a:srgbClr val="000000"/>
+                </a:solidFill>
+                <a:latin typeface="Courier New"/>
+                <a:ea typeface="Menlo"/>
+              </a:rPr>
+              <a:t> = 0.7)</a:t>
+            </a:r>
+            <a:endParaRPr lang="en-US" sz="1100" b="0" strike="noStrike" spc="-1" dirty="0">
+              <a:latin typeface="Arial"/>
+            </a:endParaRPr>
+          </a:p>
+          <a:p>
+            <a:pPr>
+              <a:lnSpc>
+                <a:spcPct val="100000"/>
+              </a:lnSpc>
+            </a:pPr>
+            <a:r>
+              <a:rPr lang="en-US" sz="1100" b="1" strike="noStrike" spc="-1" dirty="0" err="1">
+                <a:solidFill>
+                  <a:srgbClr val="000000"/>
+                </a:solidFill>
+                <a:latin typeface="Courier New"/>
+                <a:ea typeface="Menlo"/>
+              </a:rPr>
+              <a:t>rnorm</a:t>
+            </a:r>
+            <a:r>
+              <a:rPr lang="en-US" sz="1100" b="1" strike="noStrike" spc="-1" dirty="0">
+                <a:solidFill>
+                  <a:srgbClr val="000000"/>
+                </a:solidFill>
+                <a:latin typeface="Courier New"/>
+                <a:ea typeface="Menlo"/>
+              </a:rPr>
+              <a:t>(5, mean = 10, </a:t>
+            </a:r>
+            <a:r>
+              <a:rPr lang="en-US" sz="1100" b="1" strike="noStrike" spc="-1" dirty="0" err="1">
+                <a:solidFill>
+                  <a:srgbClr val="000000"/>
+                </a:solidFill>
+                <a:latin typeface="Courier New"/>
+                <a:ea typeface="Menlo"/>
+              </a:rPr>
+              <a:t>sd</a:t>
+            </a:r>
+            <a:r>
+              <a:rPr lang="en-US" sz="1100" b="1" strike="noStrike" spc="-1" dirty="0">
+                <a:solidFill>
+                  <a:srgbClr val="000000"/>
+                </a:solidFill>
+                <a:latin typeface="Courier New"/>
+                <a:ea typeface="Menlo"/>
+              </a:rPr>
+              <a:t> = 2)</a:t>
+            </a:r>
+            <a:endParaRPr lang="en-US" sz="1100" b="0" strike="noStrike" spc="-1" dirty="0">
+              <a:latin typeface="Arial"/>
+            </a:endParaRPr>
+          </a:p>
+          <a:p>
+            <a:pPr>
+              <a:lnSpc>
+                <a:spcPct val="120000"/>
+              </a:lnSpc>
+            </a:pPr>
+            <a:endParaRPr lang="en-US" sz="1100" b="0" strike="noStrike" spc="-1" dirty="0">
+              <a:latin typeface="Arial"/>
+            </a:endParaRPr>
+          </a:p>
+        </p:txBody>
+      </p:sp>
+      <p:sp>
+        <p:nvSpPr>
+          <p:cNvPr id="35" name="CustomShape 14">
+            <a:extLst>
+              <a:ext uri="{FF2B5EF4-FFF2-40B4-BE49-F238E27FC236}">
+                <a16:creationId xmlns:a16="http://schemas.microsoft.com/office/drawing/2014/main" id="{9F30AC8D-69F9-4E24-8DBD-2817B548CE53}"/>
+              </a:ext>
+            </a:extLst>
+          </p:cNvPr>
+          <p:cNvSpPr/>
+          <p:nvPr/>
+        </p:nvSpPr>
+        <p:spPr>
+          <a:xfrm>
+            <a:off x="182537" y="5683542"/>
+            <a:ext cx="3200400" cy="711302"/>
+          </a:xfrm>
+          <a:prstGeom prst="roundRect">
+            <a:avLst>
+              <a:gd name="adj" fmla="val 25876"/>
+            </a:avLst>
+          </a:prstGeom>
+          <a:solidFill>
+            <a:srgbClr val="A6AAA9"/>
+          </a:solidFill>
+          <a:ln w="12600">
+            <a:noFill/>
+          </a:ln>
+        </p:spPr>
+        <p:style>
+          <a:lnRef idx="0">
+            <a:scrgbClr r="0" g="0" b="0"/>
+          </a:lnRef>
+          <a:fillRef idx="0">
+            <a:scrgbClr r="0" g="0" b="0"/>
+          </a:fillRef>
+          <a:effectRef idx="0">
+            <a:scrgbClr r="0" g="0" b="0"/>
+          </a:effectRef>
+          <a:fontRef idx="minor"/>
+        </p:style>
+        <p:txBody>
+          <a:bodyPr lIns="0" tIns="0" rIns="0" bIns="0"/>
+          <a:lstStyle/>
+          <a:p>
+            <a:pPr algn="ctr">
+              <a:lnSpc>
+                <a:spcPct val="100000"/>
+              </a:lnSpc>
+            </a:pPr>
+            <a:r>
+              <a:rPr lang="en-US" sz="2000" b="0" strike="noStrike" spc="-1" dirty="0">
+                <a:solidFill>
+                  <a:srgbClr val="FFFFFF"/>
+                </a:solidFill>
+                <a:latin typeface="Source Sans Pro"/>
+                <a:ea typeface="Source Sans Pro"/>
+              </a:rPr>
+              <a:t>Randomization and</a:t>
+            </a:r>
+            <a:endParaRPr lang="en-US" sz="2000" b="0" strike="noStrike" spc="-1" dirty="0">
+              <a:latin typeface="Arial"/>
+            </a:endParaRPr>
+          </a:p>
+          <a:p>
+            <a:pPr algn="ctr">
+              <a:lnSpc>
+                <a:spcPct val="100000"/>
+              </a:lnSpc>
+            </a:pPr>
+            <a:r>
+              <a:rPr lang="en-US" sz="2000" b="0" strike="noStrike" spc="-1" dirty="0">
+                <a:solidFill>
+                  <a:srgbClr val="FFFFFF"/>
+                </a:solidFill>
+                <a:latin typeface="Source Sans Pro"/>
+                <a:ea typeface="Source Sans Pro"/>
+              </a:rPr>
+              <a:t>simulation</a:t>
+            </a:r>
+            <a:endParaRPr lang="en-US" sz="2000" b="0" strike="noStrike" spc="-1" dirty="0">
+              <a:latin typeface="Arial"/>
+            </a:endParaRPr>
+          </a:p>
+        </p:txBody>
+      </p:sp>
+      <p:sp>
+        <p:nvSpPr>
+          <p:cNvPr id="36" name="CustomShape 18">
+            <a:extLst>
+              <a:ext uri="{FF2B5EF4-FFF2-40B4-BE49-F238E27FC236}">
+                <a16:creationId xmlns:a16="http://schemas.microsoft.com/office/drawing/2014/main" id="{8175304C-6720-458D-A4B4-BC18A65DECB7}"/>
+              </a:ext>
+            </a:extLst>
+          </p:cNvPr>
+          <p:cNvSpPr/>
+          <p:nvPr/>
+        </p:nvSpPr>
+        <p:spPr>
+          <a:xfrm>
+            <a:off x="182537" y="3827854"/>
             <a:ext cx="3200400" cy="347040"/>
           </a:xfrm>
           <a:prstGeom prst="roundRect">
@@ -15605,10 +15607,10 @@
       </p:sp>
       <p:sp>
         <p:nvSpPr>
-          <p:cNvPr id="31" name="CustomShape 11">
+          <p:cNvPr id="37" name="CustomShape 11">
             <a:extLst>
               <a:ext uri="{FF2B5EF4-FFF2-40B4-BE49-F238E27FC236}">
-                <a16:creationId xmlns:a16="http://schemas.microsoft.com/office/drawing/2014/main" xmlns="" id="{99194DF0-5E93-4622-B563-F6AE81E8F2FF}"/>
+                <a16:creationId xmlns:a16="http://schemas.microsoft.com/office/drawing/2014/main" id="{66EDF1E5-D5F8-4B3F-BF43-45520FB3047D}"/>
               </a:ext>
             </a:extLst>
           </p:cNvPr>
@@ -15617,7 +15619,7 @@
         </p:nvSpPr>
         <p:spPr>
           <a:xfrm>
-            <a:off x="6949440" y="4343460"/>
+            <a:off x="182537" y="4222972"/>
             <a:ext cx="3200400" cy="1363445"/>
           </a:xfrm>
           <a:prstGeom prst="rect">

--- a/mosaic-cheatsheet-lattice.pptx
+++ b/mosaic-cheatsheet-lattice.pptx
@@ -2889,7 +2889,7 @@
                 <a:latin typeface="Source Sans Pro Light"/>
                 <a:ea typeface="Source Sans Pro Light"/>
               </a:rPr>
-              <a:t>: 07/18</a:t>
+              <a:t>: July 2018</a:t>
             </a:r>
             <a:endParaRPr lang="en-US" sz="900" b="0" strike="noStrike" spc="-1" dirty="0">
               <a:latin typeface="Arial"/>
@@ -3163,7 +3163,7 @@
               </a:lnSpc>
             </a:pPr>
             <a:r>
-              <a:rPr lang="en-US" sz="2800" b="1" strike="noStrike" spc="-1" dirty="0">
+              <a:rPr lang="en-US" sz="2800" b="1" spc="-1" dirty="0">
                 <a:solidFill>
                   <a:srgbClr val="53585F"/>
                 </a:solidFill>
@@ -3172,9 +3172,7 @@
               </a:rPr>
               <a:t>Intro stats</a:t>
             </a:r>
-            <a:endParaRPr lang="en-US" sz="2800" b="0" strike="noStrike" spc="-1" dirty="0">
-              <a:latin typeface="Arial"/>
-            </a:endParaRPr>
+            <a:endParaRPr lang="en-US" sz="2800" spc="-1" dirty="0"/>
           </a:p>
           <a:p>
             <a:pPr algn="ctr">
@@ -3183,17 +3181,27 @@
               </a:lnSpc>
             </a:pPr>
             <a:r>
-              <a:rPr lang="en-US" sz="2800" b="1" strike="noStrike" spc="-1" dirty="0">
+              <a:rPr lang="en-US" sz="2800" b="1" spc="-1" dirty="0">
                 <a:solidFill>
                   <a:srgbClr val="53585F"/>
                 </a:solidFill>
                 <a:latin typeface="Source Sans Pro"/>
                 <a:ea typeface="Source Sans Pro"/>
               </a:rPr>
-              <a:t>with mosaic</a:t>
-            </a:r>
-            <a:endParaRPr lang="en-US" sz="2800" b="0" strike="noStrike" spc="-1" dirty="0">
-              <a:latin typeface="Arial"/>
+              <a:t>with </a:t>
+            </a:r>
+            <a:r>
+              <a:rPr lang="en-US" sz="2800" b="1" spc="-1" dirty="0">
+                <a:solidFill>
+                  <a:srgbClr val="53585F"/>
+                </a:solidFill>
+                <a:latin typeface="Courier New" panose="02070309020205020404" pitchFamily="49" charset="0"/>
+                <a:ea typeface="Source Sans Pro"/>
+              </a:rPr>
+              <a:t>mosaic</a:t>
+            </a:r>
+            <a:endParaRPr lang="en-US" sz="2800" spc="-1" dirty="0">
+              <a:latin typeface="Courier New" panose="02070309020205020404" pitchFamily="49" charset="0"/>
             </a:endParaRPr>
           </a:p>
           <a:p>
@@ -4798,8 +4806,8 @@
         </p:nvSpPr>
         <p:spPr>
           <a:xfrm>
-            <a:off x="6892211" y="3690409"/>
-            <a:ext cx="3200400" cy="6100675"/>
+            <a:off x="6976800" y="3701184"/>
+            <a:ext cx="3228120" cy="6501971"/>
           </a:xfrm>
           <a:prstGeom prst="rect">
             <a:avLst/>
@@ -4972,6 +4980,22 @@
               </a:rPr>
               <a:t>)</a:t>
             </a:r>
+          </a:p>
+          <a:p>
+            <a:pPr>
+              <a:spcBef>
+                <a:spcPts val="600"/>
+              </a:spcBef>
+            </a:pPr>
+            <a:r>
+              <a:rPr lang="en-US" sz="1200" spc="-1" dirty="0">
+                <a:solidFill>
+                  <a:srgbClr val="000000"/>
+                </a:solidFill>
+                <a:ea typeface="Menlo"/>
+              </a:rPr>
+              <a:t>Bar graph of percentages</a:t>
+            </a:r>
             <a:endParaRPr lang="en-US" sz="1200" b="0" strike="noStrike" spc="-1" dirty="0">
               <a:latin typeface="Arial"/>
             </a:endParaRPr>
@@ -5077,7 +5101,7 @@
         </p:blipFill>
         <p:spPr>
           <a:xfrm>
-            <a:off x="7346509" y="5248185"/>
+            <a:off x="7420860" y="5422680"/>
             <a:ext cx="2284560" cy="1809000"/>
           </a:xfrm>
           <a:prstGeom prst="rect">
@@ -5581,7 +5605,7 @@
         </p:nvSpPr>
         <p:spPr>
           <a:xfrm>
-            <a:off x="6892211" y="3296685"/>
+            <a:off x="6976800" y="3274137"/>
             <a:ext cx="3200400" cy="344520"/>
           </a:xfrm>
           <a:prstGeom prst="roundRect">
@@ -6649,8 +6673,8 @@
         </p:nvSpPr>
         <p:spPr>
           <a:xfrm>
-            <a:off x="10333391" y="666245"/>
-            <a:ext cx="3058696" cy="9173080"/>
+            <a:off x="10319760" y="666245"/>
+            <a:ext cx="3214031" cy="9536910"/>
           </a:xfrm>
           <a:prstGeom prst="rect">
             <a:avLst/>
@@ -7480,18 +7504,597 @@
             </a:endParaRPr>
           </a:p>
           <a:p>
+            <a:r>
+              <a:rPr lang="en-US" sz="1200" spc="-1" dirty="0">
+                <a:solidFill>
+                  <a:srgbClr val="000000"/>
+                </a:solidFill>
+              </a:rPr>
+              <a:t>Normal probability plot</a:t>
+            </a:r>
+            <a:endParaRPr lang="en-US" sz="1200" spc="-1" dirty="0"/>
+          </a:p>
+          <a:p>
+            <a:pPr>
+              <a:lnSpc>
+                <a:spcPct val="100000"/>
+              </a:lnSpc>
+            </a:pPr>
+            <a:r>
+              <a:rPr lang="en-US" sz="1100" b="1" spc="-1" dirty="0">
+                <a:solidFill>
+                  <a:srgbClr val="000000"/>
+                </a:solidFill>
+                <a:latin typeface="Courier New"/>
+              </a:rPr>
+              <a:t>qqmath(~ </a:t>
+            </a:r>
+            <a:r>
+              <a:rPr lang="en-US" sz="1100" b="1" spc="-1" dirty="0" err="1">
+                <a:solidFill>
+                  <a:srgbClr val="000000"/>
+                </a:solidFill>
+                <a:latin typeface="Courier New"/>
+              </a:rPr>
+              <a:t>cesd</a:t>
+            </a:r>
+            <a:r>
+              <a:rPr lang="en-US" sz="1100" b="1" spc="-1" dirty="0">
+                <a:solidFill>
+                  <a:srgbClr val="000000"/>
+                </a:solidFill>
+                <a:latin typeface="Courier New"/>
+              </a:rPr>
+              <a:t>, </a:t>
+            </a:r>
+            <a:r>
+              <a:rPr lang="en-US" sz="1100" b="1" spc="-1" dirty="0" err="1">
+                <a:solidFill>
+                  <a:srgbClr val="000000"/>
+                </a:solidFill>
+                <a:latin typeface="Courier New"/>
+              </a:rPr>
+              <a:t>dist</a:t>
+            </a:r>
+            <a:r>
+              <a:rPr lang="en-US" sz="1100" b="1" spc="-1" dirty="0">
+                <a:solidFill>
+                  <a:srgbClr val="000000"/>
+                </a:solidFill>
+                <a:latin typeface="Courier New"/>
+              </a:rPr>
+              <a:t> = "</a:t>
+            </a:r>
+            <a:r>
+              <a:rPr lang="en-US" sz="1100" b="1" spc="-1" dirty="0" err="1">
+                <a:solidFill>
+                  <a:srgbClr val="000000"/>
+                </a:solidFill>
+                <a:latin typeface="Courier New"/>
+              </a:rPr>
+              <a:t>qnorm</a:t>
+            </a:r>
+            <a:r>
+              <a:rPr lang="en-US" sz="1100" b="1" spc="-1" dirty="0">
+                <a:solidFill>
+                  <a:srgbClr val="000000"/>
+                </a:solidFill>
+                <a:latin typeface="Courier New"/>
+              </a:rPr>
+              <a:t>", </a:t>
+            </a:r>
+          </a:p>
+          <a:p>
+            <a:pPr>
+              <a:lnSpc>
+                <a:spcPct val="100000"/>
+              </a:lnSpc>
+            </a:pPr>
+            <a:r>
+              <a:rPr lang="en-US" sz="1100" b="1" spc="-1" dirty="0">
+                <a:solidFill>
+                  <a:srgbClr val="000000"/>
+                </a:solidFill>
+                <a:latin typeface="Courier New"/>
+              </a:rPr>
+              <a:t>  data = </a:t>
+            </a:r>
+            <a:r>
+              <a:rPr lang="en-US" sz="1100" b="1" spc="-1" dirty="0" err="1">
+                <a:solidFill>
+                  <a:srgbClr val="000000"/>
+                </a:solidFill>
+                <a:latin typeface="Courier New"/>
+              </a:rPr>
+              <a:t>HELPrct</a:t>
+            </a:r>
+            <a:r>
+              <a:rPr lang="en-US" sz="1100" b="1" spc="-1" dirty="0">
+                <a:solidFill>
+                  <a:srgbClr val="000000"/>
+                </a:solidFill>
+                <a:latin typeface="Courier New"/>
+              </a:rPr>
+              <a:t>)</a:t>
+            </a:r>
+            <a:endParaRPr lang="en-US" sz="1100" spc="-1" dirty="0"/>
+          </a:p>
+          <a:p>
             <a:pPr>
               <a:lnSpc>
                 <a:spcPct val="150000"/>
               </a:lnSpc>
             </a:pPr>
             <a:r>
+              <a:rPr lang="en-US" sz="1200" b="0" strike="noStrike" spc="-1" dirty="0">
+                <a:solidFill>
+                  <a:srgbClr val="000000"/>
+                </a:solidFill>
+                <a:latin typeface="Arial"/>
+                <a:ea typeface="DejaVu Sans"/>
+              </a:rPr>
+              <a:t>Density plot</a:t>
+            </a:r>
+            <a:endParaRPr lang="en-US" sz="1200" b="0" strike="noStrike" spc="-1" dirty="0">
+              <a:latin typeface="Arial"/>
+            </a:endParaRPr>
+          </a:p>
+          <a:p>
+            <a:pPr>
+              <a:lnSpc>
+                <a:spcPct val="100000"/>
+              </a:lnSpc>
+            </a:pPr>
+            <a:r>
+              <a:rPr lang="en-US" sz="1200" b="1" strike="noStrike" spc="-1" dirty="0">
+                <a:solidFill>
+                  <a:srgbClr val="000000"/>
+                </a:solidFill>
+                <a:latin typeface="Courier New"/>
+                <a:ea typeface="DejaVu Sans"/>
+              </a:rPr>
+              <a:t>densityplot(~ </a:t>
+            </a:r>
+            <a:r>
+              <a:rPr lang="en-US" sz="1200" b="1" strike="noStrike" spc="-1" dirty="0" err="1">
+                <a:solidFill>
+                  <a:srgbClr val="000000"/>
+                </a:solidFill>
+                <a:latin typeface="Courier New"/>
+                <a:ea typeface="DejaVu Sans"/>
+              </a:rPr>
+              <a:t>cesd</a:t>
+            </a:r>
+            <a:r>
+              <a:rPr lang="en-US" sz="1200" b="1" strike="noStrike" spc="-1" dirty="0">
+                <a:solidFill>
+                  <a:srgbClr val="000000"/>
+                </a:solidFill>
+                <a:latin typeface="Courier New"/>
+                <a:ea typeface="DejaVu Sans"/>
+              </a:rPr>
+              <a:t>, data =</a:t>
+            </a:r>
+          </a:p>
+          <a:p>
+            <a:pPr>
+              <a:lnSpc>
+                <a:spcPct val="100000"/>
+              </a:lnSpc>
+            </a:pPr>
+            <a:r>
+              <a:rPr lang="en-US" sz="1200" b="1" spc="-1" dirty="0">
+                <a:solidFill>
+                  <a:srgbClr val="000000"/>
+                </a:solidFill>
+                <a:latin typeface="Courier New"/>
+                <a:ea typeface="DejaVu Sans"/>
+              </a:rPr>
+              <a:t> </a:t>
+            </a:r>
+            <a:r>
+              <a:rPr lang="en-US" sz="1200" b="1" strike="noStrike" spc="-1" dirty="0">
+                <a:solidFill>
+                  <a:srgbClr val="000000"/>
+                </a:solidFill>
+                <a:latin typeface="Courier New"/>
+                <a:ea typeface="DejaVu Sans"/>
+              </a:rPr>
+              <a:t> </a:t>
+            </a:r>
+            <a:r>
+              <a:rPr lang="en-US" sz="1200" b="1" strike="noStrike" spc="-1" dirty="0" err="1">
+                <a:solidFill>
+                  <a:srgbClr val="000000"/>
+                </a:solidFill>
+                <a:latin typeface="Courier New"/>
+                <a:ea typeface="DejaVu Sans"/>
+              </a:rPr>
+              <a:t>HELPrct</a:t>
+            </a:r>
+            <a:r>
+              <a:rPr lang="en-US" sz="1200" b="1" strike="noStrike" spc="-1" dirty="0">
+                <a:solidFill>
+                  <a:srgbClr val="000000"/>
+                </a:solidFill>
+                <a:latin typeface="Courier New"/>
+                <a:ea typeface="DejaVu Sans"/>
+              </a:rPr>
+              <a:t>)</a:t>
+            </a:r>
+            <a:endParaRPr lang="en-US" sz="1200" b="0" strike="noStrike" spc="-1" dirty="0">
+              <a:latin typeface="Arial"/>
+            </a:endParaRPr>
+          </a:p>
+          <a:p>
+            <a:pPr>
+              <a:lnSpc>
+                <a:spcPct val="150000"/>
+              </a:lnSpc>
+            </a:pPr>
+            <a:r>
+              <a:rPr lang="en-US" sz="1200" b="0" strike="noStrike" spc="-1" dirty="0">
+                <a:solidFill>
+                  <a:srgbClr val="000000"/>
+                </a:solidFill>
+                <a:latin typeface="Arial"/>
+                <a:ea typeface="DejaVu Sans"/>
+              </a:rPr>
+              <a:t>Dot plot</a:t>
+            </a:r>
+            <a:endParaRPr lang="en-US" sz="1200" b="0" strike="noStrike" spc="-1" dirty="0">
+              <a:latin typeface="Arial"/>
+            </a:endParaRPr>
+          </a:p>
+          <a:p>
+            <a:pPr>
+              <a:lnSpc>
+                <a:spcPct val="100000"/>
+              </a:lnSpc>
+            </a:pPr>
+            <a:r>
+              <a:rPr lang="en-US" sz="1200" b="1" strike="noStrike" spc="-1" dirty="0" err="1">
+                <a:solidFill>
+                  <a:srgbClr val="000000"/>
+                </a:solidFill>
+                <a:latin typeface="Courier New"/>
+                <a:ea typeface="DejaVu Sans"/>
+              </a:rPr>
+              <a:t>dotPlot</a:t>
+            </a:r>
+            <a:r>
+              <a:rPr lang="en-US" sz="1200" b="1" strike="noStrike" spc="-1" dirty="0">
+                <a:solidFill>
+                  <a:srgbClr val="000000"/>
+                </a:solidFill>
+                <a:latin typeface="Courier New"/>
+                <a:ea typeface="DejaVu Sans"/>
+              </a:rPr>
+              <a:t>(~ </a:t>
+            </a:r>
+            <a:r>
+              <a:rPr lang="en-US" sz="1200" b="1" strike="noStrike" spc="-1" dirty="0" err="1">
+                <a:solidFill>
+                  <a:srgbClr val="000000"/>
+                </a:solidFill>
+                <a:latin typeface="Courier New"/>
+                <a:ea typeface="DejaVu Sans"/>
+              </a:rPr>
+              <a:t>cesd</a:t>
+            </a:r>
+            <a:r>
+              <a:rPr lang="en-US" sz="1200" b="1" strike="noStrike" spc="-1" dirty="0">
+                <a:solidFill>
+                  <a:srgbClr val="000000"/>
+                </a:solidFill>
+                <a:latin typeface="Courier New"/>
+                <a:ea typeface="DejaVu Sans"/>
+              </a:rPr>
+              <a:t>, data = </a:t>
+            </a:r>
+            <a:r>
+              <a:rPr lang="en-US" sz="1200" b="1" strike="noStrike" spc="-1" dirty="0" err="1">
+                <a:solidFill>
+                  <a:srgbClr val="000000"/>
+                </a:solidFill>
+                <a:latin typeface="Courier New"/>
+                <a:ea typeface="DejaVu Sans"/>
+              </a:rPr>
+              <a:t>HELPrct</a:t>
+            </a:r>
+            <a:r>
+              <a:rPr lang="en-US" sz="1200" b="1" strike="noStrike" spc="-1" dirty="0">
+                <a:solidFill>
+                  <a:srgbClr val="000000"/>
+                </a:solidFill>
+                <a:latin typeface="Courier New"/>
+                <a:ea typeface="DejaVu Sans"/>
+              </a:rPr>
+              <a:t>)</a:t>
+            </a:r>
+            <a:endParaRPr lang="en-US" sz="1200" b="0" strike="noStrike" spc="-1" dirty="0">
+              <a:latin typeface="Arial"/>
+            </a:endParaRPr>
+          </a:p>
+          <a:p>
+            <a:pPr>
+              <a:lnSpc>
+                <a:spcPct val="150000"/>
+              </a:lnSpc>
+            </a:pPr>
+            <a:r>
+              <a:rPr lang="en-US" sz="1200" b="0" strike="noStrike" spc="-1" dirty="0">
+                <a:solidFill>
+                  <a:srgbClr val="000000"/>
+                </a:solidFill>
+                <a:latin typeface="Arial"/>
+                <a:ea typeface="DejaVu Sans"/>
+              </a:rPr>
+              <a:t>One-sample </a:t>
+            </a:r>
+            <a:r>
+              <a:rPr lang="en-US" sz="1200" b="0" i="1" strike="noStrike" spc="-1" dirty="0">
+                <a:solidFill>
+                  <a:srgbClr val="000000"/>
+                </a:solidFill>
+                <a:latin typeface="Times New Roman" panose="02020603050405020304" pitchFamily="18" charset="0"/>
+                <a:ea typeface="DejaVu Sans"/>
+                <a:cs typeface="Times New Roman" panose="02020603050405020304" pitchFamily="18" charset="0"/>
+              </a:rPr>
+              <a:t>t</a:t>
+            </a:r>
+            <a:r>
+              <a:rPr lang="en-US" sz="1200" b="0" strike="noStrike" spc="-1" dirty="0">
+                <a:solidFill>
+                  <a:srgbClr val="000000"/>
+                </a:solidFill>
+                <a:latin typeface="Arial"/>
+                <a:ea typeface="DejaVu Sans"/>
+              </a:rPr>
+              <a:t>-test</a:t>
+            </a:r>
+            <a:endParaRPr lang="en-US" sz="1200" b="0" strike="noStrike" spc="-1" dirty="0">
+              <a:latin typeface="Arial"/>
+            </a:endParaRPr>
+          </a:p>
+          <a:p>
+            <a:pPr>
+              <a:lnSpc>
+                <a:spcPct val="100000"/>
+              </a:lnSpc>
+            </a:pPr>
+            <a:r>
+              <a:rPr lang="en-US" sz="1200" b="1" strike="noStrike" spc="-1" dirty="0">
+                <a:solidFill>
+                  <a:srgbClr val="000000"/>
+                </a:solidFill>
+                <a:latin typeface="Courier New"/>
+                <a:ea typeface="DejaVu Sans"/>
+              </a:rPr>
+              <a:t>result &lt;- </a:t>
+            </a:r>
+            <a:r>
+              <a:rPr lang="en-US" sz="1200" b="1" strike="noStrike" spc="-1" dirty="0" err="1">
+                <a:solidFill>
+                  <a:srgbClr val="000000"/>
+                </a:solidFill>
+                <a:latin typeface="Courier New"/>
+                <a:ea typeface="DejaVu Sans"/>
+              </a:rPr>
+              <a:t>t.test</a:t>
+            </a:r>
+            <a:r>
+              <a:rPr lang="en-US" sz="1200" b="1" strike="noStrike" spc="-1" dirty="0">
+                <a:solidFill>
+                  <a:srgbClr val="000000"/>
+                </a:solidFill>
+                <a:latin typeface="Courier New"/>
+                <a:ea typeface="DejaVu Sans"/>
+              </a:rPr>
+              <a:t>(~ </a:t>
+            </a:r>
+            <a:r>
+              <a:rPr lang="en-US" sz="1200" b="1" strike="noStrike" spc="-1" dirty="0" err="1">
+                <a:solidFill>
+                  <a:srgbClr val="000000"/>
+                </a:solidFill>
+                <a:latin typeface="Courier New"/>
+                <a:ea typeface="DejaVu Sans"/>
+              </a:rPr>
+              <a:t>cesd</a:t>
+            </a:r>
+            <a:r>
+              <a:rPr lang="en-US" sz="1200" b="1" strike="noStrike" spc="-1" dirty="0">
+                <a:solidFill>
+                  <a:srgbClr val="000000"/>
+                </a:solidFill>
+                <a:latin typeface="Courier New"/>
+                <a:ea typeface="DejaVu Sans"/>
+              </a:rPr>
+              <a:t>, </a:t>
+            </a:r>
+          </a:p>
+          <a:p>
+            <a:pPr>
+              <a:lnSpc>
+                <a:spcPct val="100000"/>
+              </a:lnSpc>
+            </a:pPr>
+            <a:r>
+              <a:rPr lang="en-US" sz="1200" b="1" spc="-1" dirty="0">
+                <a:solidFill>
+                  <a:srgbClr val="000000"/>
+                </a:solidFill>
+                <a:latin typeface="Courier New"/>
+                <a:ea typeface="DejaVu Sans"/>
+              </a:rPr>
+              <a:t>  </a:t>
+            </a:r>
+            <a:r>
+              <a:rPr lang="en-US" sz="1200" b="1" strike="noStrike" spc="-1" dirty="0">
+                <a:solidFill>
+                  <a:srgbClr val="000000"/>
+                </a:solidFill>
+                <a:latin typeface="Courier New"/>
+                <a:ea typeface="DejaVu Sans"/>
+              </a:rPr>
+              <a:t>mu = 34, data = </a:t>
+            </a:r>
+            <a:r>
+              <a:rPr lang="en-US" sz="1200" b="1" strike="noStrike" spc="-1" dirty="0" err="1">
+                <a:solidFill>
+                  <a:srgbClr val="000000"/>
+                </a:solidFill>
+                <a:latin typeface="Courier New"/>
+                <a:ea typeface="DejaVu Sans"/>
+              </a:rPr>
+              <a:t>HELPrct</a:t>
+            </a:r>
+            <a:r>
+              <a:rPr lang="en-US" sz="1200" b="1" strike="noStrike" spc="-1" dirty="0">
+                <a:solidFill>
+                  <a:srgbClr val="000000"/>
+                </a:solidFill>
+                <a:latin typeface="Courier New"/>
+                <a:ea typeface="DejaVu Sans"/>
+              </a:rPr>
+              <a:t>)</a:t>
+            </a:r>
+            <a:endParaRPr lang="en-US" sz="1200" b="0" strike="noStrike" spc="-1" dirty="0">
+              <a:latin typeface="Arial"/>
+            </a:endParaRPr>
+          </a:p>
+          <a:p>
+            <a:pPr>
+              <a:lnSpc>
+                <a:spcPct val="150000"/>
+              </a:lnSpc>
+            </a:pPr>
+            <a:r>
+              <a:rPr lang="en-US" sz="1200" b="0" strike="noStrike" spc="-1" dirty="0">
+                <a:solidFill>
+                  <a:srgbClr val="000000"/>
+                </a:solidFill>
+                <a:latin typeface="Arial"/>
+                <a:ea typeface="Menlo"/>
+              </a:rPr>
+              <a:t>Extract confidence intervals and </a:t>
+            </a:r>
+            <a:r>
+              <a:rPr lang="en-US" sz="1200" i="1" strike="noStrike" spc="-1" dirty="0">
+                <a:solidFill>
+                  <a:srgbClr val="000000"/>
+                </a:solidFill>
+                <a:latin typeface="Times New Roman" panose="02020603050405020304" pitchFamily="18" charset="0"/>
+                <a:ea typeface="Menlo"/>
+              </a:rPr>
+              <a:t>p</a:t>
+            </a:r>
+            <a:r>
+              <a:rPr lang="en-US" sz="1200" b="0" strike="noStrike" spc="-1" dirty="0">
+                <a:solidFill>
+                  <a:srgbClr val="000000"/>
+                </a:solidFill>
+                <a:latin typeface="Arial"/>
+                <a:ea typeface="Menlo"/>
+              </a:rPr>
+              <a:t>-values</a:t>
+            </a:r>
+            <a:endParaRPr lang="en-US" sz="1200" b="0" strike="noStrike" spc="-1" dirty="0">
+              <a:latin typeface="Arial"/>
+            </a:endParaRPr>
+          </a:p>
+          <a:p>
+            <a:pPr>
+              <a:lnSpc>
+                <a:spcPct val="100000"/>
+              </a:lnSpc>
+            </a:pPr>
+            <a:r>
+              <a:rPr lang="en-US" sz="1200" b="1" strike="noStrike" spc="-1" dirty="0" err="1">
+                <a:solidFill>
+                  <a:srgbClr val="000000"/>
+                </a:solidFill>
+                <a:latin typeface="Courier New"/>
+                <a:ea typeface="Menlo"/>
+              </a:rPr>
+              <a:t>confint</a:t>
+            </a:r>
+            <a:r>
+              <a:rPr lang="en-US" sz="1200" b="1" strike="noStrike" spc="-1" dirty="0">
+                <a:solidFill>
+                  <a:srgbClr val="000000"/>
+                </a:solidFill>
+                <a:latin typeface="Courier New"/>
+                <a:ea typeface="Menlo"/>
+              </a:rPr>
+              <a:t>(result)</a:t>
+            </a:r>
+            <a:endParaRPr lang="en-US" sz="1200" b="1" strike="noStrike" spc="-1" dirty="0">
+              <a:latin typeface="Arial"/>
+            </a:endParaRPr>
+          </a:p>
+          <a:p>
+            <a:pPr>
+              <a:lnSpc>
+                <a:spcPct val="100000"/>
+              </a:lnSpc>
+            </a:pPr>
+            <a:r>
+              <a:rPr lang="en-US" sz="1200" b="1" strike="noStrike" spc="-1" dirty="0" err="1">
+                <a:solidFill>
+                  <a:srgbClr val="000000"/>
+                </a:solidFill>
+                <a:latin typeface="Courier New"/>
+                <a:ea typeface="DejaVu Sans"/>
+              </a:rPr>
+              <a:t>pval</a:t>
+            </a:r>
+            <a:r>
+              <a:rPr lang="en-US" sz="1200" b="1" strike="noStrike" spc="-1" dirty="0">
+                <a:solidFill>
+                  <a:srgbClr val="000000"/>
+                </a:solidFill>
+                <a:latin typeface="Courier New"/>
+                <a:ea typeface="DejaVu Sans"/>
+              </a:rPr>
+              <a:t>(result)</a:t>
+            </a:r>
+            <a:endParaRPr lang="en-US" sz="1200" b="1" strike="noStrike" spc="-1" dirty="0">
+              <a:latin typeface="Arial"/>
+            </a:endParaRPr>
+          </a:p>
+          <a:p>
+            <a:pPr>
+              <a:spcBef>
+                <a:spcPts val="600"/>
+              </a:spcBef>
+            </a:pPr>
+            <a:r>
               <a:rPr lang="en-US" sz="1200" spc="-1" dirty="0">
                 <a:solidFill>
                   <a:srgbClr val="000000"/>
                 </a:solidFill>
               </a:rPr>
-              <a:t>Normal probability plot</a:t>
+              <a:t>Paired </a:t>
+            </a:r>
+            <a:r>
+              <a:rPr lang="en-US" sz="1200" i="1" spc="-1" dirty="0">
+                <a:solidFill>
+                  <a:srgbClr val="000000"/>
+                </a:solidFill>
+                <a:latin typeface="Times New Roman" panose="02020603050405020304" pitchFamily="18" charset="0"/>
+                <a:cs typeface="Times New Roman" panose="02020603050405020304" pitchFamily="18" charset="0"/>
+              </a:rPr>
+              <a:t>t</a:t>
+            </a:r>
+            <a:r>
+              <a:rPr lang="en-US" sz="1200" spc="-1" dirty="0">
+                <a:solidFill>
+                  <a:srgbClr val="000000"/>
+                </a:solidFill>
+              </a:rPr>
+              <a:t>-test</a:t>
             </a:r>
             <a:endParaRPr lang="en-US" sz="1200" spc="-1" dirty="0"/>
           </a:p>
@@ -7502,397 +8105,24 @@
               </a:lnSpc>
             </a:pPr>
             <a:r>
-              <a:rPr lang="en-US" sz="1100" b="1" spc="-1" dirty="0">
-                <a:solidFill>
-                  <a:srgbClr val="000000"/>
-                </a:solidFill>
-                <a:latin typeface="Courier New"/>
-              </a:rPr>
-              <a:t>qqmath(~ </a:t>
-            </a:r>
-            <a:r>
-              <a:rPr lang="en-US" sz="1100" b="1" spc="-1" dirty="0" err="1">
-                <a:solidFill>
-                  <a:srgbClr val="000000"/>
-                </a:solidFill>
-                <a:latin typeface="Courier New"/>
-              </a:rPr>
-              <a:t>cesd</a:t>
-            </a:r>
-            <a:r>
-              <a:rPr lang="en-US" sz="1100" b="1" spc="-1" dirty="0">
-                <a:solidFill>
-                  <a:srgbClr val="000000"/>
-                </a:solidFill>
-                <a:latin typeface="Courier New"/>
-              </a:rPr>
-              <a:t>, </a:t>
-            </a:r>
-            <a:r>
-              <a:rPr lang="en-US" sz="1100" b="1" spc="-1" dirty="0" err="1">
-                <a:solidFill>
-                  <a:srgbClr val="000000"/>
-                </a:solidFill>
-                <a:latin typeface="Courier New"/>
-              </a:rPr>
-              <a:t>dist</a:t>
-            </a:r>
-            <a:r>
-              <a:rPr lang="en-US" sz="1100" b="1" spc="-1" dirty="0">
-                <a:solidFill>
-                  <a:srgbClr val="000000"/>
-                </a:solidFill>
-                <a:latin typeface="Courier New"/>
-              </a:rPr>
-              <a:t> = "</a:t>
-            </a:r>
-            <a:r>
-              <a:rPr lang="en-US" sz="1100" b="1" spc="-1" dirty="0" err="1">
-                <a:solidFill>
-                  <a:srgbClr val="000000"/>
-                </a:solidFill>
-                <a:latin typeface="Courier New"/>
-              </a:rPr>
-              <a:t>qnorm</a:t>
-            </a:r>
-            <a:r>
-              <a:rPr lang="en-US" sz="1100" b="1" spc="-1" dirty="0">
-                <a:solidFill>
-                  <a:srgbClr val="000000"/>
-                </a:solidFill>
-                <a:latin typeface="Courier New"/>
-              </a:rPr>
-              <a:t>", </a:t>
-            </a:r>
-          </a:p>
-          <a:p>
-            <a:pPr>
-              <a:lnSpc>
-                <a:spcPct val="100000"/>
-              </a:lnSpc>
-            </a:pPr>
-            <a:r>
-              <a:rPr lang="en-US" sz="1100" b="1" spc="-1" dirty="0">
-                <a:solidFill>
-                  <a:srgbClr val="000000"/>
-                </a:solidFill>
-                <a:latin typeface="Courier New"/>
-              </a:rPr>
-              <a:t>  data = </a:t>
-            </a:r>
-            <a:r>
-              <a:rPr lang="en-US" sz="1100" b="1" spc="-1" dirty="0" err="1">
-                <a:solidFill>
-                  <a:srgbClr val="000000"/>
-                </a:solidFill>
-                <a:latin typeface="Courier New"/>
-              </a:rPr>
-              <a:t>HELPrct</a:t>
-            </a:r>
-            <a:r>
-              <a:rPr lang="en-US" sz="1100" b="1" spc="-1" dirty="0">
-                <a:solidFill>
-                  <a:srgbClr val="000000"/>
-                </a:solidFill>
-                <a:latin typeface="Courier New"/>
-              </a:rPr>
-              <a:t>)</a:t>
-            </a:r>
-            <a:endParaRPr lang="en-US" sz="1100" spc="-1" dirty="0"/>
-          </a:p>
-          <a:p>
-            <a:pPr>
-              <a:lnSpc>
-                <a:spcPct val="150000"/>
-              </a:lnSpc>
-            </a:pPr>
-            <a:r>
-              <a:rPr lang="en-US" sz="1200" b="0" strike="noStrike" spc="-1" dirty="0">
-                <a:solidFill>
-                  <a:srgbClr val="000000"/>
-                </a:solidFill>
-                <a:latin typeface="Arial"/>
-                <a:ea typeface="DejaVu Sans"/>
-              </a:rPr>
-              <a:t>Density plot</a:t>
-            </a:r>
-            <a:endParaRPr lang="en-US" sz="1200" b="0" strike="noStrike" spc="-1" dirty="0">
-              <a:latin typeface="Arial"/>
-            </a:endParaRPr>
-          </a:p>
-          <a:p>
-            <a:pPr>
-              <a:lnSpc>
-                <a:spcPct val="100000"/>
-              </a:lnSpc>
-            </a:pPr>
-            <a:r>
-              <a:rPr lang="en-US" sz="1200" b="1" strike="noStrike" spc="-1" dirty="0">
-                <a:solidFill>
-                  <a:srgbClr val="000000"/>
-                </a:solidFill>
-                <a:latin typeface="Courier New"/>
-                <a:ea typeface="DejaVu Sans"/>
-              </a:rPr>
-              <a:t>densityplot(~ </a:t>
-            </a:r>
-            <a:r>
-              <a:rPr lang="en-US" sz="1200" b="1" strike="noStrike" spc="-1" dirty="0" err="1">
-                <a:solidFill>
-                  <a:srgbClr val="000000"/>
-                </a:solidFill>
-                <a:latin typeface="Courier New"/>
-                <a:ea typeface="DejaVu Sans"/>
-              </a:rPr>
-              <a:t>cesd</a:t>
-            </a:r>
-            <a:r>
-              <a:rPr lang="en-US" sz="1200" b="1" strike="noStrike" spc="-1" dirty="0">
-                <a:solidFill>
-                  <a:srgbClr val="000000"/>
-                </a:solidFill>
-                <a:latin typeface="Courier New"/>
-                <a:ea typeface="DejaVu Sans"/>
-              </a:rPr>
-              <a:t>, data =</a:t>
-            </a:r>
-          </a:p>
-          <a:p>
-            <a:pPr>
-              <a:lnSpc>
-                <a:spcPct val="100000"/>
-              </a:lnSpc>
-            </a:pPr>
+              <a:rPr lang="en-US" sz="1200" b="1" spc="-1" dirty="0" err="1">
+                <a:solidFill>
+                  <a:srgbClr val="000000"/>
+                </a:solidFill>
+                <a:latin typeface="Courier New"/>
+                <a:ea typeface="Menlo"/>
+              </a:rPr>
+              <a:t>t_test</a:t>
+            </a:r>
             <a:r>
               <a:rPr lang="en-US" sz="1200" b="1" spc="-1" dirty="0">
                 <a:solidFill>
                   <a:srgbClr val="000000"/>
                 </a:solidFill>
                 <a:latin typeface="Courier New"/>
-                <a:ea typeface="DejaVu Sans"/>
-              </a:rPr>
-              <a:t> </a:t>
-            </a:r>
-            <a:r>
-              <a:rPr lang="en-US" sz="1200" b="1" strike="noStrike" spc="-1" dirty="0">
-                <a:solidFill>
-                  <a:srgbClr val="000000"/>
-                </a:solidFill>
-                <a:latin typeface="Courier New"/>
-                <a:ea typeface="DejaVu Sans"/>
-              </a:rPr>
-              <a:t> </a:t>
-            </a:r>
-            <a:r>
-              <a:rPr lang="en-US" sz="1200" b="1" strike="noStrike" spc="-1" dirty="0" err="1">
-                <a:solidFill>
-                  <a:srgbClr val="000000"/>
-                </a:solidFill>
-                <a:latin typeface="Courier New"/>
-                <a:ea typeface="DejaVu Sans"/>
-              </a:rPr>
-              <a:t>HELPrct</a:t>
-            </a:r>
-            <a:r>
-              <a:rPr lang="en-US" sz="1200" b="1" strike="noStrike" spc="-1" dirty="0">
-                <a:solidFill>
-                  <a:srgbClr val="000000"/>
-                </a:solidFill>
-                <a:latin typeface="Courier New"/>
-                <a:ea typeface="DejaVu Sans"/>
-              </a:rPr>
-              <a:t>)</a:t>
-            </a:r>
-            <a:endParaRPr lang="en-US" sz="1200" b="0" strike="noStrike" spc="-1" dirty="0">
-              <a:latin typeface="Arial"/>
-            </a:endParaRPr>
-          </a:p>
-          <a:p>
-            <a:pPr>
-              <a:lnSpc>
-                <a:spcPct val="150000"/>
-              </a:lnSpc>
-            </a:pPr>
-            <a:r>
-              <a:rPr lang="en-US" sz="1200" b="0" strike="noStrike" spc="-1" dirty="0">
-                <a:solidFill>
-                  <a:srgbClr val="000000"/>
-                </a:solidFill>
-                <a:latin typeface="Arial"/>
-                <a:ea typeface="DejaVu Sans"/>
-              </a:rPr>
-              <a:t>Dot plot</a:t>
-            </a:r>
-            <a:endParaRPr lang="en-US" sz="1200" b="0" strike="noStrike" spc="-1" dirty="0">
-              <a:latin typeface="Arial"/>
-            </a:endParaRPr>
-          </a:p>
-          <a:p>
-            <a:pPr>
-              <a:lnSpc>
-                <a:spcPct val="100000"/>
-              </a:lnSpc>
-            </a:pPr>
-            <a:r>
-              <a:rPr lang="en-US" sz="1200" b="1" strike="noStrike" spc="-1" dirty="0" err="1">
-                <a:solidFill>
-                  <a:srgbClr val="000000"/>
-                </a:solidFill>
-                <a:latin typeface="Courier New"/>
-                <a:ea typeface="DejaVu Sans"/>
-              </a:rPr>
-              <a:t>dotPlot</a:t>
-            </a:r>
-            <a:r>
-              <a:rPr lang="en-US" sz="1200" b="1" strike="noStrike" spc="-1" dirty="0">
-                <a:solidFill>
-                  <a:srgbClr val="000000"/>
-                </a:solidFill>
-                <a:latin typeface="Courier New"/>
-                <a:ea typeface="DejaVu Sans"/>
-              </a:rPr>
-              <a:t>(~ </a:t>
-            </a:r>
-            <a:r>
-              <a:rPr lang="en-US" sz="1200" b="1" strike="noStrike" spc="-1" dirty="0" err="1">
-                <a:solidFill>
-                  <a:srgbClr val="000000"/>
-                </a:solidFill>
-                <a:latin typeface="Courier New"/>
-                <a:ea typeface="DejaVu Sans"/>
-              </a:rPr>
-              <a:t>cesd</a:t>
-            </a:r>
-            <a:r>
-              <a:rPr lang="en-US" sz="1200" b="1" strike="noStrike" spc="-1" dirty="0">
-                <a:solidFill>
-                  <a:srgbClr val="000000"/>
-                </a:solidFill>
-                <a:latin typeface="Courier New"/>
-                <a:ea typeface="DejaVu Sans"/>
-              </a:rPr>
-              <a:t>, data = </a:t>
-            </a:r>
-            <a:r>
-              <a:rPr lang="en-US" sz="1200" b="1" strike="noStrike" spc="-1" dirty="0" err="1">
-                <a:solidFill>
-                  <a:srgbClr val="000000"/>
-                </a:solidFill>
-                <a:latin typeface="Courier New"/>
-                <a:ea typeface="DejaVu Sans"/>
-              </a:rPr>
-              <a:t>HELPrct</a:t>
-            </a:r>
-            <a:r>
-              <a:rPr lang="en-US" sz="1200" b="1" strike="noStrike" spc="-1" dirty="0">
-                <a:solidFill>
-                  <a:srgbClr val="000000"/>
-                </a:solidFill>
-                <a:latin typeface="Courier New"/>
-                <a:ea typeface="DejaVu Sans"/>
-              </a:rPr>
-              <a:t>)</a:t>
-            </a:r>
-            <a:endParaRPr lang="en-US" sz="1200" b="0" strike="noStrike" spc="-1" dirty="0">
-              <a:latin typeface="Arial"/>
-            </a:endParaRPr>
-          </a:p>
-          <a:p>
-            <a:pPr>
-              <a:lnSpc>
-                <a:spcPct val="150000"/>
-              </a:lnSpc>
-            </a:pPr>
-            <a:r>
-              <a:rPr lang="en-US" sz="1200" b="0" strike="noStrike" spc="-1" dirty="0">
-                <a:solidFill>
-                  <a:srgbClr val="000000"/>
-                </a:solidFill>
-                <a:latin typeface="Arial"/>
-                <a:ea typeface="DejaVu Sans"/>
-              </a:rPr>
-              <a:t>One-sample </a:t>
-            </a:r>
-            <a:r>
-              <a:rPr lang="en-US" sz="1200" b="0" i="1" strike="noStrike" spc="-1" dirty="0">
-                <a:solidFill>
-                  <a:srgbClr val="000000"/>
-                </a:solidFill>
-                <a:latin typeface="Times New Roman" panose="02020603050405020304" pitchFamily="18" charset="0"/>
-                <a:ea typeface="DejaVu Sans"/>
-                <a:cs typeface="Times New Roman" panose="02020603050405020304" pitchFamily="18" charset="0"/>
-              </a:rPr>
-              <a:t>t</a:t>
-            </a:r>
-            <a:r>
-              <a:rPr lang="en-US" sz="1200" b="0" strike="noStrike" spc="-1" dirty="0">
-                <a:solidFill>
-                  <a:srgbClr val="000000"/>
-                </a:solidFill>
-                <a:latin typeface="Arial"/>
-                <a:ea typeface="DejaVu Sans"/>
-              </a:rPr>
-              <a:t>-test</a:t>
-            </a:r>
-            <a:endParaRPr lang="en-US" sz="1200" b="0" strike="noStrike" spc="-1" dirty="0">
-              <a:latin typeface="Arial"/>
-            </a:endParaRPr>
-          </a:p>
-          <a:p>
-            <a:pPr>
-              <a:lnSpc>
-                <a:spcPct val="100000"/>
-              </a:lnSpc>
-            </a:pPr>
-            <a:r>
-              <a:rPr lang="en-US" sz="1200" b="1" strike="noStrike" spc="-1" dirty="0">
-                <a:solidFill>
-                  <a:srgbClr val="000000"/>
-                </a:solidFill>
-                <a:latin typeface="Courier New"/>
-                <a:ea typeface="DejaVu Sans"/>
-              </a:rPr>
-              <a:t>result &lt;- </a:t>
-            </a:r>
-            <a:r>
-              <a:rPr lang="en-US" sz="1200" b="1" strike="noStrike" spc="-1" dirty="0" err="1">
-                <a:solidFill>
-                  <a:srgbClr val="000000"/>
-                </a:solidFill>
-                <a:latin typeface="Courier New"/>
-                <a:ea typeface="DejaVu Sans"/>
-              </a:rPr>
-              <a:t>t.test</a:t>
-            </a:r>
-            <a:r>
-              <a:rPr lang="en-US" sz="1200" b="1" strike="noStrike" spc="-1" dirty="0">
-                <a:solidFill>
-                  <a:srgbClr val="000000"/>
-                </a:solidFill>
-                <a:latin typeface="Courier New"/>
-                <a:ea typeface="DejaVu Sans"/>
-              </a:rPr>
-              <a:t>(~ </a:t>
-            </a:r>
-            <a:r>
-              <a:rPr lang="en-US" sz="1200" b="1" strike="noStrike" spc="-1" dirty="0" err="1">
-                <a:solidFill>
-                  <a:srgbClr val="000000"/>
-                </a:solidFill>
-                <a:latin typeface="Courier New"/>
-                <a:ea typeface="DejaVu Sans"/>
-              </a:rPr>
-              <a:t>cesd</a:t>
-            </a:r>
-            <a:r>
-              <a:rPr lang="en-US" sz="1200" b="1" strike="noStrike" spc="-1" dirty="0">
-                <a:solidFill>
-                  <a:srgbClr val="000000"/>
-                </a:solidFill>
-                <a:latin typeface="Courier New"/>
-                <a:ea typeface="DejaVu Sans"/>
-              </a:rPr>
-              <a:t>, mu =   </a:t>
+                <a:ea typeface="Menlo"/>
+              </a:rPr>
+              <a:t>(extra ~ group, </a:t>
             </a:r>
           </a:p>
           <a:p>
@@ -7907,143 +8137,11 @@
                   <a:srgbClr val="000000"/>
                 </a:solidFill>
                 <a:latin typeface="Courier New"/>
-                <a:ea typeface="DejaVu Sans"/>
-              </a:rPr>
-              <a:t>          </a:t>
-            </a:r>
-            <a:r>
-              <a:rPr lang="en-US" sz="1200" b="1" strike="noStrike" spc="-1" dirty="0">
-                <a:solidFill>
-                  <a:srgbClr val="000000"/>
-                </a:solidFill>
-                <a:latin typeface="Courier New"/>
-                <a:ea typeface="DejaVu Sans"/>
-              </a:rPr>
-              <a:t>34, data = </a:t>
-            </a:r>
-            <a:r>
-              <a:rPr lang="en-US" sz="1200" b="1" strike="noStrike" spc="-1" dirty="0" err="1">
-                <a:solidFill>
-                  <a:srgbClr val="000000"/>
-                </a:solidFill>
-                <a:latin typeface="Courier New"/>
-                <a:ea typeface="DejaVu Sans"/>
-              </a:rPr>
-              <a:t>HELPrct</a:t>
-            </a:r>
-            <a:r>
-              <a:rPr lang="en-US" sz="1200" b="1" strike="noStrike" spc="-1" dirty="0">
-                <a:solidFill>
-                  <a:srgbClr val="000000"/>
-                </a:solidFill>
-                <a:latin typeface="Courier New"/>
-                <a:ea typeface="DejaVu Sans"/>
-              </a:rPr>
-              <a:t>)</a:t>
-            </a:r>
-            <a:endParaRPr lang="en-US" sz="1200" b="0" strike="noStrike" spc="-1" dirty="0">
-              <a:latin typeface="Arial"/>
-            </a:endParaRPr>
-          </a:p>
-          <a:p>
-            <a:pPr>
-              <a:lnSpc>
-                <a:spcPct val="150000"/>
-              </a:lnSpc>
-            </a:pPr>
-            <a:r>
-              <a:rPr lang="en-US" sz="1200" b="0" strike="noStrike" spc="-1" dirty="0">
-                <a:solidFill>
-                  <a:srgbClr val="000000"/>
-                </a:solidFill>
-                <a:latin typeface="Arial"/>
-                <a:ea typeface="Menlo"/>
-              </a:rPr>
-              <a:t>Extract confidence intervals and </a:t>
-            </a:r>
-            <a:r>
-              <a:rPr lang="en-US" sz="1200" i="1" strike="noStrike" spc="-1" dirty="0">
-                <a:solidFill>
-                  <a:srgbClr val="000000"/>
-                </a:solidFill>
-                <a:latin typeface="Times New Roman" panose="02020603050405020304" pitchFamily="18" charset="0"/>
-                <a:ea typeface="Menlo"/>
-              </a:rPr>
-              <a:t>p</a:t>
-            </a:r>
-            <a:r>
-              <a:rPr lang="en-US" sz="1200" b="0" strike="noStrike" spc="-1" dirty="0">
-                <a:solidFill>
-                  <a:srgbClr val="000000"/>
-                </a:solidFill>
-                <a:latin typeface="Arial"/>
-                <a:ea typeface="Menlo"/>
-              </a:rPr>
-              <a:t>-values</a:t>
-            </a:r>
-            <a:endParaRPr lang="en-US" sz="1200" b="0" strike="noStrike" spc="-1" dirty="0">
-              <a:latin typeface="Arial"/>
-            </a:endParaRPr>
-          </a:p>
-          <a:p>
-            <a:pPr>
-              <a:lnSpc>
-                <a:spcPct val="100000"/>
-              </a:lnSpc>
-            </a:pPr>
-            <a:r>
-              <a:rPr lang="en-US" sz="1200" b="1" strike="noStrike" spc="-1" dirty="0" err="1">
-                <a:solidFill>
-                  <a:srgbClr val="000000"/>
-                </a:solidFill>
-                <a:latin typeface="Courier New"/>
-                <a:ea typeface="Menlo"/>
-              </a:rPr>
-              <a:t>confint</a:t>
-            </a:r>
-            <a:r>
-              <a:rPr lang="en-US" sz="1200" b="1" strike="noStrike" spc="-1" dirty="0">
-                <a:solidFill>
-                  <a:srgbClr val="000000"/>
-                </a:solidFill>
-                <a:latin typeface="Courier New"/>
-                <a:ea typeface="Menlo"/>
-              </a:rPr>
-              <a:t>(result)</a:t>
-            </a:r>
-            <a:endParaRPr lang="en-US" sz="1200" b="1" strike="noStrike" spc="-1" dirty="0">
-              <a:latin typeface="Arial"/>
-            </a:endParaRPr>
-          </a:p>
-          <a:p>
-            <a:pPr>
-              <a:lnSpc>
-                <a:spcPct val="100000"/>
-              </a:lnSpc>
-            </a:pPr>
-            <a:r>
-              <a:rPr lang="en-US" sz="1200" b="1" strike="noStrike" spc="-1" dirty="0" err="1">
-                <a:solidFill>
-                  <a:srgbClr val="000000"/>
-                </a:solidFill>
-                <a:latin typeface="Courier New"/>
-                <a:ea typeface="DejaVu Sans"/>
-              </a:rPr>
-              <a:t>pval</a:t>
-            </a:r>
-            <a:r>
-              <a:rPr lang="en-US" sz="1200" b="1" strike="noStrike" spc="-1" dirty="0">
-                <a:solidFill>
-                  <a:srgbClr val="000000"/>
-                </a:solidFill>
-                <a:latin typeface="Courier New"/>
-                <a:ea typeface="DejaVu Sans"/>
-              </a:rPr>
-              <a:t>(result)</a:t>
-            </a:r>
-            <a:endParaRPr lang="en-US" sz="1200" b="1" strike="noStrike" spc="-1" dirty="0">
-              <a:latin typeface="Arial"/>
-            </a:endParaRPr>
+                <a:ea typeface="Menlo"/>
+              </a:rPr>
+              <a:t>  data = sleep, paired = TRUE)</a:t>
+            </a:r>
+            <a:endParaRPr lang="en-US" sz="1200" b="1" spc="-1" dirty="0"/>
           </a:p>
           <a:p>
             <a:pPr>
@@ -8185,8 +8283,8 @@
         </p:nvSpPr>
         <p:spPr>
           <a:xfrm>
-            <a:off x="7011392" y="7201055"/>
-            <a:ext cx="3108960" cy="2590032"/>
+            <a:off x="7170049" y="7210515"/>
+            <a:ext cx="3007152" cy="2959320"/>
           </a:xfrm>
           <a:prstGeom prst="rect">
             <a:avLst/>
@@ -8209,7 +8307,7 @@
           <a:fontRef idx="minor"/>
         </p:style>
         <p:txBody>
-          <a:bodyPr lIns="90000" tIns="45000" rIns="90000" bIns="45000" anchor="t" anchorCtr="0"/>
+          <a:bodyPr lIns="45720" tIns="45000" rIns="90000" bIns="45000" anchor="t" anchorCtr="0"/>
           <a:lstStyle/>
           <a:p>
             <a:pPr>
@@ -8441,7 +8539,41 @@
                 <a:latin typeface="Courier New"/>
                 <a:ea typeface="Menlo"/>
               </a:rPr>
-              <a:t>  "homeless"), data = </a:t>
+              <a:t>  "homeless"), p = 0.4,</a:t>
+            </a:r>
+          </a:p>
+          <a:p>
+            <a:pPr>
+              <a:lnSpc>
+                <a:spcPct val="100000"/>
+              </a:lnSpc>
+            </a:pPr>
+            <a:r>
+              <a:rPr lang="en-US" sz="1200" b="1" spc="-1" dirty="0">
+                <a:solidFill>
+                  <a:srgbClr val="000000"/>
+                </a:solidFill>
+                <a:latin typeface="Courier New"/>
+                <a:ea typeface="Menlo"/>
+              </a:rPr>
+              <a:t>  alternative = "less", </a:t>
+            </a:r>
+          </a:p>
+          <a:p>
+            <a:pPr>
+              <a:lnSpc>
+                <a:spcPct val="100000"/>
+              </a:lnSpc>
+            </a:pPr>
+            <a:r>
+              <a:rPr lang="en-US" sz="1200" b="1" strike="noStrike" spc="-1" dirty="0">
+                <a:solidFill>
+                  <a:srgbClr val="000000"/>
+                </a:solidFill>
+                <a:latin typeface="Courier New"/>
+                <a:ea typeface="Menlo"/>
+              </a:rPr>
+              <a:t>  data = </a:t>
             </a:r>
             <a:r>
               <a:rPr lang="en-US" sz="1200" b="1" strike="noStrike" spc="-1" dirty="0" err="1">
@@ -8463,15 +8595,12 @@
               </a:rPr>
               <a:t>)</a:t>
             </a:r>
-            <a:endParaRPr lang="en-US" sz="1200" b="0" strike="noStrike" spc="-1" dirty="0">
-              <a:latin typeface="Arial"/>
-            </a:endParaRPr>
-          </a:p>
-          <a:p>
-            <a:pPr>
-              <a:lnSpc>
-                <a:spcPct val="150000"/>
-              </a:lnSpc>
+          </a:p>
+          <a:p>
+            <a:pPr>
+              <a:spcBef>
+                <a:spcPts val="600"/>
+              </a:spcBef>
             </a:pPr>
             <a:r>
               <a:rPr lang="en-US" sz="1200" b="0" strike="noStrike" spc="-1" dirty="0">
@@ -8737,7 +8866,7 @@
         </p:nvSpPr>
         <p:spPr>
           <a:xfrm>
-            <a:off x="6925850" y="238291"/>
+            <a:off x="6976800" y="266308"/>
             <a:ext cx="3200400" cy="316440"/>
           </a:xfrm>
           <a:prstGeom prst="roundRect">
@@ -8803,7 +8932,7 @@
         </p:nvSpPr>
         <p:spPr>
           <a:xfrm>
-            <a:off x="6925850" y="623402"/>
+            <a:off x="6949080" y="651419"/>
             <a:ext cx="3228120" cy="2515768"/>
           </a:xfrm>
           <a:prstGeom prst="rect">
@@ -11422,7 +11551,7 @@
         </p:nvSpPr>
         <p:spPr>
           <a:xfrm>
-            <a:off x="6918917" y="7723885"/>
+            <a:off x="6918917" y="7656066"/>
             <a:ext cx="3200400" cy="694440"/>
           </a:xfrm>
           <a:prstGeom prst="roundRect">
@@ -11503,7 +11632,7 @@
         <p:spPr>
           <a:xfrm>
             <a:off x="10264576" y="1058126"/>
-            <a:ext cx="3200400" cy="9164244"/>
+            <a:ext cx="3200400" cy="9214906"/>
           </a:xfrm>
           <a:prstGeom prst="rect">
             <a:avLst/>
@@ -12867,8 +12996,8 @@
         </p:nvSpPr>
         <p:spPr>
           <a:xfrm>
-            <a:off x="3595570" y="5805382"/>
-            <a:ext cx="3197160" cy="4390490"/>
+            <a:off x="3595570" y="5805381"/>
+            <a:ext cx="3223096" cy="4467651"/>
           </a:xfrm>
           <a:prstGeom prst="rect">
             <a:avLst/>
@@ -13710,427 +13839,6 @@
                 <a:spcPct val="100000"/>
               </a:lnSpc>
             </a:pPr>
-            <a:endParaRPr lang="en-US" sz="1100" b="0" strike="noStrike" spc="-1" dirty="0">
-              <a:latin typeface="Arial"/>
-            </a:endParaRPr>
-          </a:p>
-          <a:p>
-            <a:pPr>
-              <a:lnSpc>
-                <a:spcPct val="100000"/>
-              </a:lnSpc>
-            </a:pPr>
-            <a:endParaRPr lang="en-US" sz="1100" b="0" strike="noStrike" spc="-1" dirty="0">
-              <a:latin typeface="Arial"/>
-            </a:endParaRPr>
-          </a:p>
-          <a:p>
-            <a:pPr>
-              <a:lnSpc>
-                <a:spcPct val="100000"/>
-              </a:lnSpc>
-            </a:pPr>
-            <a:endParaRPr lang="en-US" sz="1100" b="0" strike="noStrike" spc="-1" dirty="0">
-              <a:latin typeface="Arial"/>
-            </a:endParaRPr>
-          </a:p>
-          <a:p>
-            <a:pPr>
-              <a:lnSpc>
-                <a:spcPct val="120000"/>
-              </a:lnSpc>
-            </a:pPr>
-            <a:endParaRPr lang="en-US" sz="1100" b="0" strike="noStrike" spc="-1" dirty="0">
-              <a:latin typeface="Arial"/>
-            </a:endParaRPr>
-          </a:p>
-        </p:txBody>
-      </p:sp>
-      <p:sp>
-        <p:nvSpPr>
-          <p:cNvPr id="95" name="CustomShape 20"/>
-          <p:cNvSpPr/>
-          <p:nvPr/>
-        </p:nvSpPr>
-        <p:spPr>
-          <a:xfrm>
-            <a:off x="6936760" y="8532537"/>
-            <a:ext cx="3206849" cy="1682701"/>
-          </a:xfrm>
-          <a:prstGeom prst="rect">
-            <a:avLst/>
-          </a:prstGeom>
-          <a:solidFill>
-            <a:srgbClr val="FFFFFF"/>
-          </a:solidFill>
-          <a:ln w="12600">
-            <a:solidFill>
-              <a:srgbClr val="A6AAA9"/>
-            </a:solidFill>
-            <a:miter/>
-          </a:ln>
-        </p:spPr>
-        <p:style>
-          <a:lnRef idx="0">
-            <a:scrgbClr r="0" g="0" b="0"/>
-          </a:lnRef>
-          <a:fillRef idx="0">
-            <a:scrgbClr r="0" g="0" b="0"/>
-          </a:fillRef>
-          <a:effectRef idx="0">
-            <a:scrgbClr r="0" g="0" b="0"/>
-          </a:effectRef>
-          <a:fontRef idx="minor"/>
-        </p:style>
-        <p:txBody>
-          <a:bodyPr lIns="0" tIns="91440" rIns="0" bIns="0" anchor="t" anchorCtr="1"/>
-          <a:lstStyle/>
-          <a:p>
-            <a:pPr>
-              <a:lnSpc>
-                <a:spcPct val="120000"/>
-              </a:lnSpc>
-            </a:pPr>
-            <a:r>
-              <a:rPr lang="en-US" sz="1200" b="0" strike="noStrike" spc="-1" dirty="0">
-                <a:solidFill>
-                  <a:srgbClr val="000000"/>
-                </a:solidFill>
-                <a:latin typeface="Arial"/>
-                <a:ea typeface="DejaVu Sans"/>
-              </a:rPr>
-              <a:t>Logistic regression</a:t>
-            </a:r>
-            <a:endParaRPr lang="en-US" sz="1200" b="0" strike="noStrike" spc="-1" dirty="0">
-              <a:latin typeface="Arial"/>
-            </a:endParaRPr>
-          </a:p>
-          <a:p>
-            <a:pPr>
-              <a:lnSpc>
-                <a:spcPct val="100000"/>
-              </a:lnSpc>
-            </a:pPr>
-            <a:r>
-              <a:rPr lang="en-US" sz="1100" b="1" spc="-1" dirty="0" err="1">
-                <a:solidFill>
-                  <a:srgbClr val="000000"/>
-                </a:solidFill>
-                <a:latin typeface="Courier New"/>
-                <a:ea typeface="Menlo"/>
-              </a:rPr>
-              <a:t>l</a:t>
-            </a:r>
-            <a:r>
-              <a:rPr lang="en-US" sz="1100" b="1" strike="noStrike" spc="-1" dirty="0" err="1">
-                <a:solidFill>
-                  <a:srgbClr val="000000"/>
-                </a:solidFill>
-                <a:latin typeface="Courier New"/>
-                <a:ea typeface="Menlo"/>
-              </a:rPr>
-              <a:t>ogit_mod</a:t>
-            </a:r>
-            <a:r>
-              <a:rPr lang="en-US" sz="1100" b="1" strike="noStrike" spc="-1" dirty="0">
-                <a:solidFill>
-                  <a:srgbClr val="000000"/>
-                </a:solidFill>
-                <a:latin typeface="Courier New"/>
-                <a:ea typeface="Menlo"/>
-              </a:rPr>
-              <a:t> &lt;- </a:t>
-            </a:r>
-            <a:endParaRPr lang="en-US" sz="1100" b="0" strike="noStrike" spc="-1" dirty="0">
-              <a:latin typeface="Arial"/>
-            </a:endParaRPr>
-          </a:p>
-          <a:p>
-            <a:pPr>
-              <a:lnSpc>
-                <a:spcPct val="100000"/>
-              </a:lnSpc>
-            </a:pPr>
-            <a:r>
-              <a:rPr lang="en-US" sz="1100" b="1" strike="noStrike" spc="-1" dirty="0">
-                <a:solidFill>
-                  <a:srgbClr val="000000"/>
-                </a:solidFill>
-                <a:latin typeface="Courier New"/>
-                <a:ea typeface="Menlo"/>
-              </a:rPr>
-              <a:t>  </a:t>
-            </a:r>
-            <a:r>
-              <a:rPr lang="en-US" sz="1100" b="1" strike="noStrike" spc="-1" dirty="0" err="1">
-                <a:solidFill>
-                  <a:srgbClr val="000000"/>
-                </a:solidFill>
-                <a:latin typeface="Courier New"/>
-                <a:ea typeface="Menlo"/>
-              </a:rPr>
-              <a:t>glm</a:t>
-            </a:r>
-            <a:r>
-              <a:rPr lang="en-US" sz="1100" b="1" strike="noStrike" spc="-1" dirty="0">
-                <a:solidFill>
-                  <a:srgbClr val="000000"/>
-                </a:solidFill>
-                <a:latin typeface="Courier New"/>
-                <a:ea typeface="Menlo"/>
-              </a:rPr>
-              <a:t>(homeless ~ age + female, </a:t>
-            </a:r>
-            <a:endParaRPr lang="en-US" sz="1100" b="0" strike="noStrike" spc="-1" dirty="0">
-              <a:latin typeface="Arial"/>
-            </a:endParaRPr>
-          </a:p>
-          <a:p>
-            <a:pPr>
-              <a:lnSpc>
-                <a:spcPct val="100000"/>
-              </a:lnSpc>
-            </a:pPr>
-            <a:r>
-              <a:rPr lang="en-US" sz="1100" b="1" strike="noStrike" spc="-1" dirty="0">
-                <a:solidFill>
-                  <a:srgbClr val="000000"/>
-                </a:solidFill>
-                <a:latin typeface="Courier New"/>
-                <a:ea typeface="Menlo"/>
-              </a:rPr>
-              <a:t>  family = binomial, data = </a:t>
-            </a:r>
-            <a:r>
-              <a:rPr lang="en-US" sz="1100" b="1" strike="noStrike" spc="-1" dirty="0" err="1">
-                <a:solidFill>
-                  <a:srgbClr val="000000"/>
-                </a:solidFill>
-                <a:latin typeface="Courier New"/>
-                <a:ea typeface="Menlo"/>
-              </a:rPr>
-              <a:t>HELPrct</a:t>
-            </a:r>
-            <a:r>
-              <a:rPr lang="en-US" sz="1100" b="1" strike="noStrike" spc="-1" dirty="0">
-                <a:solidFill>
-                  <a:srgbClr val="000000"/>
-                </a:solidFill>
-                <a:latin typeface="Courier New"/>
-                <a:ea typeface="Menlo"/>
-              </a:rPr>
-              <a:t>)</a:t>
-            </a:r>
-            <a:endParaRPr lang="en-US" sz="1100" b="0" strike="noStrike" spc="-1" dirty="0">
-              <a:latin typeface="Arial"/>
-            </a:endParaRPr>
-          </a:p>
-          <a:p>
-            <a:pPr>
-              <a:lnSpc>
-                <a:spcPct val="100000"/>
-              </a:lnSpc>
-            </a:pPr>
-            <a:r>
-              <a:rPr lang="en-US" sz="1100" b="1" strike="noStrike" spc="-1" dirty="0" err="1">
-                <a:solidFill>
-                  <a:srgbClr val="000000"/>
-                </a:solidFill>
-                <a:latin typeface="Courier New"/>
-                <a:ea typeface="Menlo"/>
-              </a:rPr>
-              <a:t>msummary</a:t>
-            </a:r>
-            <a:r>
-              <a:rPr lang="en-US" sz="1100" b="1" strike="noStrike" spc="-1" dirty="0">
-                <a:solidFill>
-                  <a:srgbClr val="000000"/>
-                </a:solidFill>
-                <a:latin typeface="Courier New"/>
-                <a:ea typeface="Menlo"/>
-              </a:rPr>
-              <a:t>(</a:t>
-            </a:r>
-            <a:r>
-              <a:rPr lang="en-US" sz="1100" b="1" strike="noStrike" spc="-1" dirty="0" err="1">
-                <a:solidFill>
-                  <a:srgbClr val="000000"/>
-                </a:solidFill>
-                <a:latin typeface="Courier New"/>
-                <a:ea typeface="Menlo"/>
-              </a:rPr>
-              <a:t>logitmod</a:t>
-            </a:r>
-            <a:r>
-              <a:rPr lang="en-US" sz="1100" b="1" strike="noStrike" spc="-1" dirty="0">
-                <a:solidFill>
-                  <a:srgbClr val="000000"/>
-                </a:solidFill>
-                <a:latin typeface="Courier New"/>
-                <a:ea typeface="Menlo"/>
-              </a:rPr>
-              <a:t>)</a:t>
-            </a:r>
-            <a:endParaRPr lang="en-US" sz="1100" b="0" strike="noStrike" spc="-1" dirty="0">
-              <a:latin typeface="Arial"/>
-            </a:endParaRPr>
-          </a:p>
-          <a:p>
-            <a:pPr>
-              <a:lnSpc>
-                <a:spcPct val="150000"/>
-              </a:lnSpc>
-            </a:pPr>
-            <a:r>
-              <a:rPr lang="en-US" sz="1200" b="0" strike="noStrike" spc="-1" dirty="0">
-                <a:solidFill>
-                  <a:srgbClr val="000000"/>
-                </a:solidFill>
-                <a:latin typeface="Arial"/>
-                <a:ea typeface="DejaVu Sans"/>
-              </a:rPr>
-              <a:t>Odds ratios and confidence intervals</a:t>
-            </a:r>
-            <a:endParaRPr lang="en-US" sz="1200" b="0" strike="noStrike" spc="-1" dirty="0">
-              <a:latin typeface="Arial"/>
-            </a:endParaRPr>
-          </a:p>
-          <a:p>
-            <a:pPr>
-              <a:lnSpc>
-                <a:spcPct val="100000"/>
-              </a:lnSpc>
-            </a:pPr>
-            <a:r>
-              <a:rPr lang="en-US" sz="1100" b="1" strike="noStrike" spc="-1" dirty="0" err="1">
-                <a:solidFill>
-                  <a:srgbClr val="000000"/>
-                </a:solidFill>
-                <a:latin typeface="Courier New"/>
-                <a:ea typeface="Menlo"/>
-              </a:rPr>
-              <a:t>exp</a:t>
-            </a:r>
-            <a:r>
-              <a:rPr lang="en-US" sz="1100" b="1" strike="noStrike" spc="-1" dirty="0">
-                <a:solidFill>
-                  <a:srgbClr val="000000"/>
-                </a:solidFill>
-                <a:latin typeface="Courier New"/>
-                <a:ea typeface="Menlo"/>
-              </a:rPr>
-              <a:t>(</a:t>
-            </a:r>
-            <a:r>
-              <a:rPr lang="en-US" sz="1100" b="1" strike="noStrike" spc="-1" dirty="0" err="1">
-                <a:solidFill>
-                  <a:srgbClr val="000000"/>
-                </a:solidFill>
-                <a:latin typeface="Courier New"/>
-                <a:ea typeface="Menlo"/>
-              </a:rPr>
-              <a:t>coef</a:t>
-            </a:r>
-            <a:r>
-              <a:rPr lang="en-US" sz="1100" b="1" strike="noStrike" spc="-1" dirty="0">
-                <a:solidFill>
-                  <a:srgbClr val="000000"/>
-                </a:solidFill>
-                <a:latin typeface="Courier New"/>
-                <a:ea typeface="Menlo"/>
-              </a:rPr>
-              <a:t>(</a:t>
-            </a:r>
-            <a:r>
-              <a:rPr lang="en-US" sz="1100" b="1" strike="noStrike" spc="-1" dirty="0" err="1">
-                <a:solidFill>
-                  <a:srgbClr val="000000"/>
-                </a:solidFill>
-                <a:latin typeface="Courier New"/>
-                <a:ea typeface="Menlo"/>
-              </a:rPr>
-              <a:t>logit_mod</a:t>
-            </a:r>
-            <a:r>
-              <a:rPr lang="en-US" sz="1100" b="1" strike="noStrike" spc="-1" dirty="0">
-                <a:solidFill>
-                  <a:srgbClr val="000000"/>
-                </a:solidFill>
-                <a:latin typeface="Courier New"/>
-                <a:ea typeface="Menlo"/>
-              </a:rPr>
-              <a:t>))</a:t>
-            </a:r>
-            <a:endParaRPr lang="en-US" sz="1100" b="0" strike="noStrike" spc="-1" dirty="0">
-              <a:latin typeface="Arial"/>
-            </a:endParaRPr>
-          </a:p>
-          <a:p>
-            <a:pPr>
-              <a:lnSpc>
-                <a:spcPct val="100000"/>
-              </a:lnSpc>
-            </a:pPr>
-            <a:r>
-              <a:rPr lang="en-US" sz="1100" b="1" strike="noStrike" spc="-1" dirty="0" err="1">
-                <a:solidFill>
-                  <a:srgbClr val="000000"/>
-                </a:solidFill>
-                <a:latin typeface="Courier New"/>
-                <a:ea typeface="Menlo"/>
-              </a:rPr>
-              <a:t>exp</a:t>
-            </a:r>
-            <a:r>
-              <a:rPr lang="en-US" sz="1100" b="1" strike="noStrike" spc="-1" dirty="0">
-                <a:solidFill>
-                  <a:srgbClr val="000000"/>
-                </a:solidFill>
-                <a:latin typeface="Courier New"/>
-                <a:ea typeface="Menlo"/>
-              </a:rPr>
-              <a:t>(</a:t>
-            </a:r>
-            <a:r>
-              <a:rPr lang="en-US" sz="1100" b="1" strike="noStrike" spc="-1" dirty="0" err="1">
-                <a:solidFill>
-                  <a:srgbClr val="000000"/>
-                </a:solidFill>
-                <a:latin typeface="Courier New"/>
-                <a:ea typeface="Menlo"/>
-              </a:rPr>
-              <a:t>confint</a:t>
-            </a:r>
-            <a:r>
-              <a:rPr lang="en-US" sz="1100" b="1" strike="noStrike" spc="-1" dirty="0">
-                <a:solidFill>
-                  <a:srgbClr val="000000"/>
-                </a:solidFill>
-                <a:latin typeface="Courier New"/>
-                <a:ea typeface="Menlo"/>
-              </a:rPr>
-              <a:t>(</a:t>
-            </a:r>
-            <a:r>
-              <a:rPr lang="en-US" sz="1100" b="1" strike="noStrike" spc="-1" dirty="0" err="1">
-                <a:solidFill>
-                  <a:srgbClr val="000000"/>
-                </a:solidFill>
-                <a:latin typeface="Courier New"/>
-                <a:ea typeface="Menlo"/>
-              </a:rPr>
-              <a:t>logit_mod</a:t>
-            </a:r>
-            <a:r>
-              <a:rPr lang="en-US" sz="1100" b="1" strike="noStrike" spc="-1" dirty="0">
-                <a:solidFill>
-                  <a:srgbClr val="000000"/>
-                </a:solidFill>
-                <a:latin typeface="Courier New"/>
-                <a:ea typeface="Menlo"/>
-              </a:rPr>
-              <a:t>))</a:t>
-            </a:r>
             <a:endParaRPr lang="en-US" sz="1100" b="0" strike="noStrike" spc="-1" dirty="0">
               <a:latin typeface="Arial"/>
             </a:endParaRPr>
@@ -14513,7 +14221,7 @@
                 <a:latin typeface="Source Sans Pro Light"/>
                 <a:ea typeface="Source Sans Pro Light"/>
               </a:rPr>
-              <a:t> &amp; DT Kaplan •  Updated: 07/18</a:t>
+              <a:t> &amp; DT Kaplan •  Updated: July 2018</a:t>
             </a:r>
             <a:endParaRPr lang="en-US" sz="900" b="0" strike="noStrike" spc="-1" dirty="0">
               <a:latin typeface="Arial"/>
@@ -14915,14 +14623,14 @@
               </a:lnSpc>
             </a:pPr>
             <a:r>
-              <a:rPr lang="en-US" sz="2000" b="0" strike="noStrike" spc="-1" dirty="0">
+              <a:rPr lang="en-US" sz="2000" b="0" strike="noStrike" spc="-1">
                 <a:solidFill>
                   <a:srgbClr val="FFFFFF"/>
                 </a:solidFill>
                 <a:latin typeface="Source Sans Pro"/>
                 <a:ea typeface="Source Sans Pro"/>
               </a:rPr>
-              <a:t>Data manipulation</a:t>
+              <a:t>Data wrangling</a:t>
             </a:r>
             <a:endParaRPr lang="en-US" sz="2000" b="0" strike="noStrike" spc="-1" dirty="0">
               <a:latin typeface="Arial"/>
@@ -14945,7 +14653,7 @@
         <p:spPr>
           <a:xfrm>
             <a:off x="182537" y="6409245"/>
-            <a:ext cx="3200400" cy="3744419"/>
+            <a:ext cx="3194796" cy="3863787"/>
           </a:xfrm>
           <a:prstGeom prst="rect">
             <a:avLst/>
@@ -15775,6 +15483,432 @@
             </a:r>
             <a:endParaRPr lang="en-US" sz="1100" b="1" strike="noStrike" spc="-1" dirty="0">
               <a:latin typeface="Courier New" panose="02070309020205020404" pitchFamily="49" charset="0"/>
+            </a:endParaRPr>
+          </a:p>
+        </p:txBody>
+      </p:sp>
+      <p:sp>
+        <p:nvSpPr>
+          <p:cNvPr id="31" name="CustomShape 20">
+            <a:extLst>
+              <a:ext uri="{FF2B5EF4-FFF2-40B4-BE49-F238E27FC236}">
+                <a16:creationId xmlns:a16="http://schemas.microsoft.com/office/drawing/2014/main" id="{8C51053E-1BD8-4D69-807B-85FFAA91D01F}"/>
+              </a:ext>
+            </a:extLst>
+          </p:cNvPr>
+          <p:cNvSpPr/>
+          <p:nvPr/>
+        </p:nvSpPr>
+        <p:spPr>
+          <a:xfrm>
+            <a:off x="6895964" y="8395615"/>
+            <a:ext cx="3200400" cy="1877418"/>
+          </a:xfrm>
+          <a:prstGeom prst="rect">
+            <a:avLst/>
+          </a:prstGeom>
+          <a:solidFill>
+            <a:srgbClr val="FFFFFF"/>
+          </a:solidFill>
+          <a:ln w="12600">
+            <a:solidFill>
+              <a:srgbClr val="A6AAA9"/>
+            </a:solidFill>
+            <a:miter/>
+          </a:ln>
+        </p:spPr>
+        <p:style>
+          <a:lnRef idx="0">
+            <a:scrgbClr r="0" g="0" b="0"/>
+          </a:lnRef>
+          <a:fillRef idx="0">
+            <a:scrgbClr r="0" g="0" b="0"/>
+          </a:fillRef>
+          <a:effectRef idx="0">
+            <a:scrgbClr r="0" g="0" b="0"/>
+          </a:effectRef>
+          <a:fontRef idx="minor"/>
+        </p:style>
+        <p:txBody>
+          <a:bodyPr lIns="45720" tIns="91440" rIns="0" bIns="0" anchor="t" anchorCtr="0"/>
+          <a:lstStyle/>
+          <a:p>
+            <a:r>
+              <a:rPr lang="en-US" sz="1200" b="0" strike="noStrike" spc="-1" dirty="0">
+                <a:solidFill>
+                  <a:srgbClr val="000000"/>
+                </a:solidFill>
+                <a:latin typeface="Arial"/>
+                <a:ea typeface="DejaVu Sans"/>
+              </a:rPr>
+              <a:t>Logistic regression</a:t>
+            </a:r>
+            <a:endParaRPr lang="en-US" sz="1200" b="0" strike="noStrike" spc="-1" dirty="0">
+              <a:latin typeface="Arial"/>
+            </a:endParaRPr>
+          </a:p>
+          <a:p>
+            <a:pPr>
+              <a:lnSpc>
+                <a:spcPct val="100000"/>
+              </a:lnSpc>
+            </a:pPr>
+            <a:r>
+              <a:rPr lang="en-US" sz="1200" b="1" spc="-1" dirty="0" err="1">
+                <a:solidFill>
+                  <a:srgbClr val="000000"/>
+                </a:solidFill>
+                <a:latin typeface="Courier New"/>
+                <a:ea typeface="Menlo"/>
+              </a:rPr>
+              <a:t>l</a:t>
+            </a:r>
+            <a:r>
+              <a:rPr lang="en-US" sz="1200" b="1" strike="noStrike" spc="-1" dirty="0" err="1">
+                <a:solidFill>
+                  <a:srgbClr val="000000"/>
+                </a:solidFill>
+                <a:latin typeface="Courier New"/>
+                <a:ea typeface="Menlo"/>
+              </a:rPr>
+              <a:t>ogit_mod</a:t>
+            </a:r>
+            <a:r>
+              <a:rPr lang="en-US" sz="1200" b="1" strike="noStrike" spc="-1" dirty="0">
+                <a:solidFill>
+                  <a:srgbClr val="000000"/>
+                </a:solidFill>
+                <a:latin typeface="Courier New"/>
+                <a:ea typeface="Menlo"/>
+              </a:rPr>
+              <a:t> </a:t>
+            </a:r>
+            <a:r>
+              <a:rPr lang="en-US" sz="1200" b="1" strike="noStrike" spc="-1">
+                <a:solidFill>
+                  <a:srgbClr val="000000"/>
+                </a:solidFill>
+                <a:latin typeface="Courier New"/>
+                <a:ea typeface="Menlo"/>
+              </a:rPr>
+              <a:t>&lt;- glm</a:t>
+            </a:r>
+            <a:r>
+              <a:rPr lang="en-US" sz="1200" b="1" strike="noStrike" spc="-1" dirty="0">
+                <a:solidFill>
+                  <a:srgbClr val="000000"/>
+                </a:solidFill>
+                <a:latin typeface="Courier New"/>
+                <a:ea typeface="Menlo"/>
+              </a:rPr>
+              <a:t>(homeless ~ age, </a:t>
+            </a:r>
+            <a:endParaRPr lang="en-US" sz="1200" b="0" strike="noStrike" spc="-1" dirty="0">
+              <a:latin typeface="Arial"/>
+            </a:endParaRPr>
+          </a:p>
+          <a:p>
+            <a:pPr>
+              <a:lnSpc>
+                <a:spcPct val="100000"/>
+              </a:lnSpc>
+            </a:pPr>
+            <a:r>
+              <a:rPr lang="en-US" sz="1200" b="1" strike="noStrike" spc="-1" dirty="0">
+                <a:solidFill>
+                  <a:srgbClr val="000000"/>
+                </a:solidFill>
+                <a:latin typeface="Courier New"/>
+                <a:ea typeface="Menlo"/>
+              </a:rPr>
+              <a:t>  family = binomial, </a:t>
+            </a:r>
+          </a:p>
+          <a:p>
+            <a:pPr>
+              <a:lnSpc>
+                <a:spcPct val="100000"/>
+              </a:lnSpc>
+            </a:pPr>
+            <a:r>
+              <a:rPr lang="en-US" sz="1200" b="1" spc="-1" dirty="0">
+                <a:solidFill>
+                  <a:srgbClr val="000000"/>
+                </a:solidFill>
+                <a:latin typeface="Courier New"/>
+                <a:ea typeface="Menlo"/>
+              </a:rPr>
+              <a:t>  </a:t>
+            </a:r>
+            <a:r>
+              <a:rPr lang="en-US" sz="1200" b="1" strike="noStrike" spc="-1" dirty="0">
+                <a:solidFill>
+                  <a:srgbClr val="000000"/>
+                </a:solidFill>
+                <a:latin typeface="Courier New"/>
+                <a:ea typeface="Menlo"/>
+              </a:rPr>
+              <a:t>data = </a:t>
+            </a:r>
+            <a:r>
+              <a:rPr lang="en-US" sz="1200" b="1" strike="noStrike" spc="-1" dirty="0" err="1">
+                <a:solidFill>
+                  <a:srgbClr val="000000"/>
+                </a:solidFill>
+                <a:latin typeface="Courier New"/>
+                <a:ea typeface="Menlo"/>
+              </a:rPr>
+              <a:t>HELPrct</a:t>
+            </a:r>
+            <a:r>
+              <a:rPr lang="en-US" sz="1200" b="1" strike="noStrike" spc="-1" dirty="0">
+                <a:solidFill>
+                  <a:srgbClr val="000000"/>
+                </a:solidFill>
+                <a:latin typeface="Courier New"/>
+                <a:ea typeface="Menlo"/>
+              </a:rPr>
+              <a:t>)</a:t>
+            </a:r>
+            <a:endParaRPr lang="en-US" sz="1200" b="0" strike="noStrike" spc="-1" dirty="0">
+              <a:latin typeface="Arial"/>
+            </a:endParaRPr>
+          </a:p>
+          <a:p>
+            <a:pPr>
+              <a:lnSpc>
+                <a:spcPct val="100000"/>
+              </a:lnSpc>
+            </a:pPr>
+            <a:r>
+              <a:rPr lang="en-US" sz="1200" b="1" strike="noStrike" spc="-1" dirty="0" err="1">
+                <a:solidFill>
+                  <a:srgbClr val="000000"/>
+                </a:solidFill>
+                <a:latin typeface="Courier New"/>
+                <a:ea typeface="Menlo"/>
+              </a:rPr>
+              <a:t>msummary</a:t>
+            </a:r>
+            <a:r>
+              <a:rPr lang="en-US" sz="1200" b="1" strike="noStrike" spc="-1" dirty="0">
+                <a:solidFill>
+                  <a:srgbClr val="000000"/>
+                </a:solidFill>
+                <a:latin typeface="Courier New"/>
+                <a:ea typeface="Menlo"/>
+              </a:rPr>
+              <a:t>(</a:t>
+            </a:r>
+            <a:r>
+              <a:rPr lang="en-US" sz="1200" b="1" strike="noStrike" spc="-1" dirty="0" err="1">
+                <a:solidFill>
+                  <a:srgbClr val="000000"/>
+                </a:solidFill>
+                <a:latin typeface="Courier New"/>
+                <a:ea typeface="Menlo"/>
+              </a:rPr>
+              <a:t>logit_mod</a:t>
+            </a:r>
+            <a:r>
+              <a:rPr lang="en-US" sz="1200" b="1" strike="noStrike" spc="-1" dirty="0">
+                <a:solidFill>
+                  <a:srgbClr val="000000"/>
+                </a:solidFill>
+                <a:latin typeface="Courier New"/>
+                <a:ea typeface="Menlo"/>
+              </a:rPr>
+              <a:t>)</a:t>
+            </a:r>
+          </a:p>
+          <a:p>
+            <a:pPr>
+              <a:lnSpc>
+                <a:spcPct val="150000"/>
+              </a:lnSpc>
+            </a:pPr>
+            <a:r>
+              <a:rPr lang="en-US" sz="1200" b="0" strike="noStrike" spc="-1" dirty="0">
+                <a:solidFill>
+                  <a:srgbClr val="000000"/>
+                </a:solidFill>
+                <a:latin typeface="Arial"/>
+                <a:ea typeface="DejaVu Sans"/>
+              </a:rPr>
+              <a:t>Odds ratios and confidence intervals</a:t>
+            </a:r>
+            <a:endParaRPr lang="en-US" sz="1200" b="0" strike="noStrike" spc="-1" dirty="0">
+              <a:latin typeface="Arial"/>
+            </a:endParaRPr>
+          </a:p>
+          <a:p>
+            <a:pPr>
+              <a:lnSpc>
+                <a:spcPct val="100000"/>
+              </a:lnSpc>
+            </a:pPr>
+            <a:r>
+              <a:rPr lang="en-US" sz="1200" b="1" strike="noStrike" spc="-1" dirty="0" err="1">
+                <a:solidFill>
+                  <a:srgbClr val="000000"/>
+                </a:solidFill>
+                <a:latin typeface="Courier New"/>
+                <a:ea typeface="Menlo"/>
+              </a:rPr>
+              <a:t>exp</a:t>
+            </a:r>
+            <a:r>
+              <a:rPr lang="en-US" sz="1200" b="1" strike="noStrike" spc="-1" dirty="0">
+                <a:solidFill>
+                  <a:srgbClr val="000000"/>
+                </a:solidFill>
+                <a:latin typeface="Courier New"/>
+                <a:ea typeface="Menlo"/>
+              </a:rPr>
+              <a:t>(</a:t>
+            </a:r>
+            <a:r>
+              <a:rPr lang="en-US" sz="1200" b="1" strike="noStrike" spc="-1" dirty="0" err="1">
+                <a:solidFill>
+                  <a:srgbClr val="000000"/>
+                </a:solidFill>
+                <a:latin typeface="Courier New"/>
+                <a:ea typeface="Menlo"/>
+              </a:rPr>
+              <a:t>coef</a:t>
+            </a:r>
+            <a:r>
+              <a:rPr lang="en-US" sz="1200" b="1" strike="noStrike" spc="-1" dirty="0">
+                <a:solidFill>
+                  <a:srgbClr val="000000"/>
+                </a:solidFill>
+                <a:latin typeface="Courier New"/>
+                <a:ea typeface="Menlo"/>
+              </a:rPr>
+              <a:t>(</a:t>
+            </a:r>
+            <a:r>
+              <a:rPr lang="en-US" sz="1200" b="1" strike="noStrike" spc="-1" dirty="0" err="1">
+                <a:solidFill>
+                  <a:srgbClr val="000000"/>
+                </a:solidFill>
+                <a:latin typeface="Courier New"/>
+                <a:ea typeface="Menlo"/>
+              </a:rPr>
+              <a:t>logit_mod</a:t>
+            </a:r>
+            <a:r>
+              <a:rPr lang="en-US" sz="1200" b="1" strike="noStrike" spc="-1" dirty="0">
+                <a:solidFill>
+                  <a:srgbClr val="000000"/>
+                </a:solidFill>
+                <a:latin typeface="Courier New"/>
+                <a:ea typeface="Menlo"/>
+              </a:rPr>
+              <a:t>))</a:t>
+            </a:r>
+            <a:endParaRPr lang="en-US" sz="1200" b="0" strike="noStrike" spc="-1" dirty="0">
+              <a:latin typeface="Arial"/>
+            </a:endParaRPr>
+          </a:p>
+          <a:p>
+            <a:pPr>
+              <a:lnSpc>
+                <a:spcPct val="100000"/>
+              </a:lnSpc>
+            </a:pPr>
+            <a:r>
+              <a:rPr lang="en-US" sz="1200" b="1" strike="noStrike" spc="-1" dirty="0" err="1">
+                <a:solidFill>
+                  <a:srgbClr val="000000"/>
+                </a:solidFill>
+                <a:latin typeface="Courier New"/>
+                <a:ea typeface="Menlo"/>
+              </a:rPr>
+              <a:t>exp</a:t>
+            </a:r>
+            <a:r>
+              <a:rPr lang="en-US" sz="1200" b="1" strike="noStrike" spc="-1" dirty="0">
+                <a:solidFill>
+                  <a:srgbClr val="000000"/>
+                </a:solidFill>
+                <a:latin typeface="Courier New"/>
+                <a:ea typeface="Menlo"/>
+              </a:rPr>
+              <a:t>(</a:t>
+            </a:r>
+            <a:r>
+              <a:rPr lang="en-US" sz="1200" b="1" strike="noStrike" spc="-1" dirty="0" err="1">
+                <a:solidFill>
+                  <a:srgbClr val="000000"/>
+                </a:solidFill>
+                <a:latin typeface="Courier New"/>
+                <a:ea typeface="Menlo"/>
+              </a:rPr>
+              <a:t>confint</a:t>
+            </a:r>
+            <a:r>
+              <a:rPr lang="en-US" sz="1200" b="1" strike="noStrike" spc="-1" dirty="0">
+                <a:solidFill>
+                  <a:srgbClr val="000000"/>
+                </a:solidFill>
+                <a:latin typeface="Courier New"/>
+                <a:ea typeface="Menlo"/>
+              </a:rPr>
+              <a:t>(</a:t>
+            </a:r>
+            <a:r>
+              <a:rPr lang="en-US" sz="1200" b="1" strike="noStrike" spc="-1" dirty="0" err="1">
+                <a:solidFill>
+                  <a:srgbClr val="000000"/>
+                </a:solidFill>
+                <a:latin typeface="Courier New"/>
+                <a:ea typeface="Menlo"/>
+              </a:rPr>
+              <a:t>logit_mod</a:t>
+            </a:r>
+            <a:r>
+              <a:rPr lang="en-US" sz="1200" b="1" strike="noStrike" spc="-1" dirty="0">
+                <a:solidFill>
+                  <a:srgbClr val="000000"/>
+                </a:solidFill>
+                <a:latin typeface="Courier New"/>
+                <a:ea typeface="Menlo"/>
+              </a:rPr>
+              <a:t>))</a:t>
+            </a:r>
+            <a:endParaRPr lang="en-US" sz="1200" b="0" strike="noStrike" spc="-1" dirty="0">
+              <a:latin typeface="Arial"/>
+            </a:endParaRPr>
+          </a:p>
+          <a:p>
+            <a:pPr>
+              <a:lnSpc>
+                <a:spcPct val="100000"/>
+              </a:lnSpc>
+            </a:pPr>
+            <a:endParaRPr lang="en-US" sz="1100" b="0" strike="noStrike" spc="-1" dirty="0">
+              <a:latin typeface="Arial"/>
+            </a:endParaRPr>
+          </a:p>
+          <a:p>
+            <a:pPr>
+              <a:lnSpc>
+                <a:spcPct val="100000"/>
+              </a:lnSpc>
+            </a:pPr>
+            <a:endParaRPr lang="en-US" sz="1100" b="0" strike="noStrike" spc="-1" dirty="0">
+              <a:latin typeface="Arial"/>
+            </a:endParaRPr>
+          </a:p>
+          <a:p>
+            <a:pPr>
+              <a:lnSpc>
+                <a:spcPct val="120000"/>
+              </a:lnSpc>
+            </a:pPr>
+            <a:endParaRPr lang="en-US" sz="1100" b="0" strike="noStrike" spc="-1" dirty="0">
+              <a:latin typeface="Arial"/>
             </a:endParaRPr>
           </a:p>
         </p:txBody>

--- a/mosaic-cheatsheet-lattice.pptx
+++ b/mosaic-cheatsheet-lattice.pptx
@@ -2905,7 +2905,7 @@
         </p:nvSpPr>
         <p:spPr>
           <a:xfrm>
-            <a:off x="10333391" y="272519"/>
+            <a:off x="10333391" y="266308"/>
             <a:ext cx="3200400" cy="352945"/>
           </a:xfrm>
           <a:prstGeom prst="roundRect">
@@ -3762,66 +3762,6 @@
       </mc:AlternateContent>
       <p:sp>
         <p:nvSpPr>
-          <p:cNvPr id="58" name="CustomShape 16"/>
-          <p:cNvSpPr/>
-          <p:nvPr/>
-        </p:nvSpPr>
-        <p:spPr>
-          <a:xfrm>
-            <a:off x="209082" y="3925791"/>
-            <a:ext cx="3200400" cy="316440"/>
-          </a:xfrm>
-          <a:prstGeom prst="roundRect">
-            <a:avLst>
-              <a:gd name="adj" fmla="val 20098"/>
-            </a:avLst>
-          </a:prstGeom>
-          <a:solidFill>
-            <a:srgbClr val="A6AAA9"/>
-          </a:solidFill>
-          <a:ln w="12600">
-            <a:noFill/>
-          </a:ln>
-        </p:spPr>
-        <p:style>
-          <a:lnRef idx="0">
-            <a:scrgbClr r="0" g="0" b="0"/>
-          </a:lnRef>
-          <a:fillRef idx="0">
-            <a:scrgbClr r="0" g="0" b="0"/>
-          </a:fillRef>
-          <a:effectRef idx="0">
-            <a:scrgbClr r="0" g="0" b="0"/>
-          </a:effectRef>
-          <a:fontRef idx="minor"/>
-        </p:style>
-        <p:txBody>
-          <a:bodyPr lIns="0" tIns="0" rIns="0" bIns="0" anchor="ctr"/>
-          <a:lstStyle/>
-          <a:p>
-            <a:pPr algn="ctr">
-              <a:lnSpc>
-                <a:spcPct val="100000"/>
-              </a:lnSpc>
-            </a:pPr>
-            <a:r>
-              <a:rPr lang="en-US" sz="2000" b="0" strike="noStrike" spc="-1" dirty="0">
-                <a:solidFill>
-                  <a:srgbClr val="FFFFFF"/>
-                </a:solidFill>
-                <a:latin typeface="Source Sans Pro"/>
-                <a:ea typeface="Source Sans Pro"/>
-              </a:rPr>
-              <a:t>Loading packages</a:t>
-            </a:r>
-            <a:endParaRPr lang="en-US" sz="2000" b="0" strike="noStrike" spc="-1" dirty="0">
-              <a:latin typeface="Arial"/>
-            </a:endParaRPr>
-          </a:p>
-        </p:txBody>
-      </p:sp>
-      <p:sp>
-        <p:nvSpPr>
           <p:cNvPr id="59" name="CustomShape 17"/>
           <p:cNvSpPr/>
           <p:nvPr/>
@@ -4732,67 +4672,6 @@
               <a:t>Arithmetic operations</a:t>
             </a:r>
             <a:endParaRPr lang="en-US" sz="2000" b="0" strike="noStrike" spc="-1" dirty="0">
-              <a:latin typeface="Arial"/>
-            </a:endParaRPr>
-          </a:p>
-        </p:txBody>
-      </p:sp>
-      <p:sp>
-        <p:nvSpPr>
-          <p:cNvPr id="62" name="CustomShape 20"/>
-          <p:cNvSpPr/>
-          <p:nvPr/>
-        </p:nvSpPr>
-        <p:spPr>
-          <a:xfrm>
-            <a:off x="209082" y="4287829"/>
-            <a:ext cx="3200400" cy="255020"/>
-          </a:xfrm>
-          <a:prstGeom prst="rect">
-            <a:avLst/>
-          </a:prstGeom>
-          <a:solidFill>
-            <a:srgbClr val="FFFFFF"/>
-          </a:solidFill>
-          <a:ln w="12600">
-            <a:solidFill>
-              <a:srgbClr val="A6AAA9"/>
-            </a:solidFill>
-            <a:miter/>
-          </a:ln>
-        </p:spPr>
-        <p:style>
-          <a:lnRef idx="0">
-            <a:scrgbClr r="0" g="0" b="0"/>
-          </a:lnRef>
-          <a:fillRef idx="0">
-            <a:scrgbClr r="0" g="0" b="0"/>
-          </a:fillRef>
-          <a:effectRef idx="0">
-            <a:scrgbClr r="0" g="0" b="0"/>
-          </a:effectRef>
-          <a:fontRef idx="minor"/>
-        </p:style>
-        <p:txBody>
-          <a:bodyPr lIns="0" tIns="0" rIns="0" bIns="0" anchor="ctr"/>
-          <a:lstStyle/>
-          <a:p>
-            <a:pPr>
-              <a:lnSpc>
-                <a:spcPct val="120000"/>
-              </a:lnSpc>
-            </a:pPr>
-            <a:r>
-              <a:rPr lang="en-US" sz="1200" b="1" strike="noStrike" spc="-1" dirty="0">
-                <a:solidFill>
-                  <a:srgbClr val="000000"/>
-                </a:solidFill>
-                <a:latin typeface="Courier New"/>
-                <a:ea typeface="DejaVu Sans"/>
-              </a:rPr>
-              <a:t>library(mosaic)</a:t>
-            </a:r>
-            <a:endParaRPr lang="en-US" sz="1200" b="0" strike="noStrike" spc="-1" dirty="0">
               <a:latin typeface="Arial"/>
             </a:endParaRPr>
           </a:p>
@@ -4931,15 +4810,8 @@
                 <a:latin typeface="Courier New"/>
                 <a:ea typeface="Menlo"/>
               </a:rPr>
-              <a:t>tally(~ sex, format = </a:t>
-            </a:r>
-          </a:p>
-          <a:p>
-            <a:pPr>
-              <a:lnSpc>
-                <a:spcPct val="100000"/>
-              </a:lnSpc>
-            </a:pPr>
+              <a:t>tally(~ sex, </a:t>
+            </a:r>
             <a:r>
               <a:rPr lang="en-US" sz="1200" b="1" spc="-1" dirty="0">
                 <a:solidFill>
@@ -4948,20 +4820,10 @@
                 <a:latin typeface="Courier New"/>
                 <a:ea typeface="Menlo"/>
               </a:rPr>
-              <a:t>  </a:t>
-            </a:r>
-            <a:r>
-              <a:rPr lang="en-US" sz="1200" b="1" strike="noStrike" spc="-1" dirty="0">
-                <a:solidFill>
-                  <a:srgbClr val="000000"/>
-                </a:solidFill>
-                <a:latin typeface="Courier New"/>
-                <a:ea typeface="Menlo"/>
-              </a:rPr>
-              <a:t>"percent",  data = </a:t>
-            </a:r>
-            <a:r>
-              <a:rPr lang="en-US" sz="1200" b="1" strike="noStrike" spc="-1" dirty="0" err="1">
+              <a:t>data = </a:t>
+            </a:r>
+            <a:r>
+              <a:rPr lang="en-US" sz="1200" b="1" spc="-1" dirty="0" err="1">
                 <a:solidFill>
                   <a:srgbClr val="000000"/>
                 </a:solidFill>
@@ -4971,14 +4833,31 @@
               <a:t>HELPrct</a:t>
             </a:r>
             <a:r>
-              <a:rPr lang="en-US" sz="1200" b="1" strike="noStrike" spc="-1" dirty="0">
-                <a:solidFill>
-                  <a:srgbClr val="000000"/>
-                </a:solidFill>
-                <a:latin typeface="Courier New"/>
-                <a:ea typeface="Menlo"/>
-              </a:rPr>
-              <a:t>)</a:t>
+              <a:rPr lang="en-US" sz="1200" b="1" spc="-1" dirty="0">
+                <a:solidFill>
+                  <a:srgbClr val="000000"/>
+                </a:solidFill>
+                <a:latin typeface="Courier New"/>
+                <a:ea typeface="Menlo"/>
+              </a:rPr>
+              <a:t>,</a:t>
+            </a:r>
+          </a:p>
+          <a:p>
+            <a:pPr>
+              <a:lnSpc>
+                <a:spcPct val="100000"/>
+              </a:lnSpc>
+            </a:pPr>
+            <a:r>
+              <a:rPr lang="en-US" sz="1200" b="1" strike="noStrike" spc="-1" dirty="0">
+                <a:solidFill>
+                  <a:srgbClr val="000000"/>
+                </a:solidFill>
+                <a:latin typeface="Courier New"/>
+                <a:ea typeface="Menlo"/>
+              </a:rPr>
+              <a:t>  format = "percent")</a:t>
             </a:r>
           </a:p>
           <a:p>
@@ -5014,15 +4893,8 @@
                 <a:latin typeface="Courier New"/>
                 <a:ea typeface="Menlo"/>
               </a:rPr>
-              <a:t>bargraph(~ sex, type =  </a:t>
-            </a:r>
-          </a:p>
-          <a:p>
-            <a:pPr>
-              <a:lnSpc>
-                <a:spcPct val="100000"/>
-              </a:lnSpc>
-            </a:pPr>
+              <a:t>bargraph(~ sex, </a:t>
+            </a:r>
             <a:r>
               <a:rPr lang="en-US" sz="1200" b="1" spc="-1" dirty="0">
                 <a:solidFill>
@@ -5031,20 +4903,10 @@
                 <a:latin typeface="Courier New"/>
                 <a:ea typeface="Menlo"/>
               </a:rPr>
-              <a:t>   "percent</a:t>
-            </a:r>
-            <a:r>
-              <a:rPr lang="en-US" sz="1200" b="1" strike="noStrike" spc="-1" dirty="0">
-                <a:solidFill>
-                  <a:srgbClr val="000000"/>
-                </a:solidFill>
-                <a:latin typeface="Courier New"/>
-                <a:ea typeface="Menlo"/>
-              </a:rPr>
-              <a:t>", data = </a:t>
-            </a:r>
-            <a:r>
-              <a:rPr lang="en-US" sz="1200" b="1" strike="noStrike" spc="-1" dirty="0" err="1">
+              <a:t>data = </a:t>
+            </a:r>
+            <a:r>
+              <a:rPr lang="en-US" sz="1200" b="1" spc="-1" dirty="0" err="1">
                 <a:solidFill>
                   <a:srgbClr val="000000"/>
                 </a:solidFill>
@@ -5054,14 +4916,61 @@
               <a:t>HELPrct</a:t>
             </a:r>
             <a:r>
-              <a:rPr lang="en-US" sz="1200" b="1" strike="noStrike" spc="-1" dirty="0">
-                <a:solidFill>
-                  <a:srgbClr val="000000"/>
-                </a:solidFill>
-                <a:latin typeface="Courier New"/>
-                <a:ea typeface="Menlo"/>
-              </a:rPr>
-              <a:t>)</a:t>
+              <a:rPr lang="en-US" sz="1200" b="1" spc="-1" dirty="0">
+                <a:solidFill>
+                  <a:srgbClr val="000000"/>
+                </a:solidFill>
+                <a:latin typeface="Courier New"/>
+                <a:ea typeface="Menlo"/>
+              </a:rPr>
+              <a:t>,</a:t>
+            </a:r>
+          </a:p>
+          <a:p>
+            <a:pPr>
+              <a:lnSpc>
+                <a:spcPct val="100000"/>
+              </a:lnSpc>
+            </a:pPr>
+            <a:r>
+              <a:rPr lang="en-US" sz="1200" b="1" spc="-1" dirty="0">
+                <a:solidFill>
+                  <a:srgbClr val="000000"/>
+                </a:solidFill>
+                <a:latin typeface="Courier New"/>
+                <a:ea typeface="Menlo"/>
+              </a:rPr>
+              <a:t>  type </a:t>
+            </a:r>
+            <a:r>
+              <a:rPr lang="en-US" sz="1200" b="1" strike="noStrike" spc="-1" dirty="0">
+                <a:solidFill>
+                  <a:srgbClr val="000000"/>
+                </a:solidFill>
+                <a:latin typeface="Courier New"/>
+                <a:ea typeface="Menlo"/>
+              </a:rPr>
+              <a:t>= </a:t>
+            </a:r>
+            <a:r>
+              <a:rPr lang="en-US" sz="1200" b="1" spc="-1" dirty="0">
+                <a:solidFill>
+                  <a:srgbClr val="000000"/>
+                </a:solidFill>
+                <a:latin typeface="Courier New"/>
+                <a:ea typeface="Menlo"/>
+              </a:rPr>
+              <a:t>"percent</a:t>
+            </a:r>
+            <a:r>
+              <a:rPr lang="en-US" sz="1200" b="1" strike="noStrike" spc="-1" dirty="0">
+                <a:solidFill>
+                  <a:srgbClr val="000000"/>
+                </a:solidFill>
+                <a:latin typeface="Courier New"/>
+                <a:ea typeface="Menlo"/>
+              </a:rPr>
+              <a:t>")</a:t>
             </a:r>
             <a:endParaRPr lang="en-US" sz="1200" b="0" strike="noStrike" spc="-1" dirty="0">
               <a:latin typeface="Arial"/>
@@ -5152,7 +5061,7 @@
         </p:nvSpPr>
         <p:spPr>
           <a:xfrm>
-            <a:off x="209082" y="1324058"/>
+            <a:off x="209082" y="1940162"/>
             <a:ext cx="3200400" cy="337790"/>
           </a:xfrm>
           <a:prstGeom prst="roundRect">
@@ -5212,7 +5121,7 @@
         </p:nvSpPr>
         <p:spPr>
           <a:xfrm>
-            <a:off x="209082" y="1664224"/>
+            <a:off x="209082" y="2280328"/>
             <a:ext cx="3200400" cy="2176796"/>
           </a:xfrm>
           <a:prstGeom prst="rect">
@@ -5479,7 +5388,7 @@
         </p:nvSpPr>
         <p:spPr>
           <a:xfrm>
-            <a:off x="3599080" y="272519"/>
+            <a:off x="3599080" y="266308"/>
             <a:ext cx="3200400" cy="316440"/>
           </a:xfrm>
           <a:prstGeom prst="roundRect">
@@ -5665,7 +5574,7 @@
         </p:nvSpPr>
         <p:spPr>
           <a:xfrm>
-            <a:off x="3599080" y="666243"/>
+            <a:off x="3599080" y="651419"/>
             <a:ext cx="3200400" cy="9565685"/>
           </a:xfrm>
           <a:prstGeom prst="rect">
@@ -6037,47 +5946,51 @@
                 <a:latin typeface="Courier New"/>
                 <a:ea typeface="DejaVu Sans"/>
               </a:rPr>
-              <a:t>goal(y ~ x | z, groups = w,</a:t>
-            </a:r>
-            <a:endParaRPr lang="en-US" sz="1200" b="0" strike="noStrike" spc="-1" dirty="0">
-              <a:latin typeface="Arial"/>
-            </a:endParaRPr>
-          </a:p>
-          <a:p>
-            <a:pPr>
-              <a:lnSpc>
-                <a:spcPct val="100000"/>
-              </a:lnSpc>
-            </a:pPr>
-            <a:r>
-              <a:rPr lang="en-US" sz="1200" b="1" strike="noStrike" spc="-1" dirty="0">
-                <a:solidFill>
-                  <a:srgbClr val="000000"/>
-                </a:solidFill>
-                <a:latin typeface="Courier New"/>
-                <a:ea typeface="DejaVu Sans"/>
-              </a:rPr>
-              <a:t>  data = </a:t>
-            </a:r>
-            <a:r>
-              <a:rPr lang="en-US" sz="1200" b="1" strike="noStrike" spc="-1" dirty="0" err="1">
-                <a:solidFill>
-                  <a:srgbClr val="000000"/>
-                </a:solidFill>
-                <a:latin typeface="Courier New"/>
-                <a:ea typeface="DejaVu Sans"/>
+              <a:t>goal(y ~ x | z</a:t>
+            </a:r>
+            <a:r>
+              <a:rPr lang="en-US" sz="1200" b="1" spc="-1" dirty="0">
+                <a:solidFill>
+                  <a:srgbClr val="000000"/>
+                </a:solidFill>
+                <a:latin typeface="Courier New"/>
+              </a:rPr>
+              <a:t>, data = </a:t>
+            </a:r>
+            <a:r>
+              <a:rPr lang="en-US" sz="1200" b="1" spc="-1" dirty="0" err="1">
+                <a:solidFill>
+                  <a:srgbClr val="000000"/>
+                </a:solidFill>
+                <a:latin typeface="Courier New"/>
               </a:rPr>
               <a:t>mydata</a:t>
             </a:r>
             <a:r>
-              <a:rPr lang="en-US" sz="1200" b="1" strike="noStrike" spc="-1" dirty="0">
-                <a:solidFill>
-                  <a:srgbClr val="000000"/>
-                </a:solidFill>
-                <a:latin typeface="Courier New"/>
-                <a:ea typeface="DejaVu Sans"/>
-              </a:rPr>
-              <a:t>)</a:t>
+              <a:rPr lang="en-US" sz="1200" b="1" spc="-1" dirty="0">
+                <a:solidFill>
+                  <a:srgbClr val="000000"/>
+                </a:solidFill>
+                <a:latin typeface="Courier New"/>
+              </a:rPr>
+              <a:t>,</a:t>
+            </a:r>
+          </a:p>
+          <a:p>
+            <a:pPr>
+              <a:lnSpc>
+                <a:spcPct val="100000"/>
+              </a:lnSpc>
+            </a:pPr>
+            <a:r>
+              <a:rPr lang="en-US" sz="1200" b="1" strike="noStrike" spc="-1" dirty="0">
+                <a:solidFill>
+                  <a:srgbClr val="000000"/>
+                </a:solidFill>
+                <a:latin typeface="Courier New"/>
+                <a:ea typeface="DejaVu Sans"/>
+              </a:rPr>
+              <a:t>  groups = w)</a:t>
             </a:r>
             <a:endParaRPr lang="en-US" sz="1200" b="0" strike="noStrike" spc="-1" dirty="0">
               <a:latin typeface="Arial"/>
@@ -6623,7 +6536,7 @@
                 </a:solidFill>
                 <a:latin typeface="Courier New"/>
               </a:rPr>
-              <a:t>  groups = sex, data = CPS85,      </a:t>
+              <a:t>  data = CPS85, groups = sex, </a:t>
             </a:r>
           </a:p>
           <a:p>
@@ -6673,7 +6586,7 @@
         </p:nvSpPr>
         <p:spPr>
           <a:xfrm>
-            <a:off x="10319760" y="666245"/>
+            <a:off x="10319760" y="651419"/>
             <a:ext cx="3214031" cy="9536910"/>
           </a:xfrm>
           <a:prstGeom prst="rect">
@@ -7308,47 +7221,60 @@
                 <a:latin typeface="Courier New"/>
                 <a:ea typeface="DejaVu Sans"/>
               </a:rPr>
-              <a:t>, width = 5, </a:t>
-            </a:r>
-            <a:endParaRPr lang="en-US" sz="1200" b="0" strike="noStrike" spc="-1" dirty="0">
-              <a:latin typeface="Arial"/>
-            </a:endParaRPr>
-          </a:p>
-          <a:p>
-            <a:pPr>
-              <a:lnSpc>
-                <a:spcPct val="100000"/>
-              </a:lnSpc>
-            </a:pPr>
-            <a:r>
-              <a:rPr lang="en-US" sz="1200" b="1" strike="noStrike" spc="-1" dirty="0">
-                <a:solidFill>
-                  <a:srgbClr val="000000"/>
-                </a:solidFill>
-                <a:latin typeface="Courier New"/>
-                <a:ea typeface="DejaVu Sans"/>
-              </a:rPr>
-              <a:t>  center = 2.5, data = </a:t>
-            </a:r>
-            <a:r>
-              <a:rPr lang="en-US" sz="1200" b="1" strike="noStrike" spc="-1" dirty="0" err="1">
-                <a:solidFill>
-                  <a:srgbClr val="000000"/>
-                </a:solidFill>
-                <a:latin typeface="Courier New"/>
-                <a:ea typeface="DejaVu Sans"/>
+              <a:t>, </a:t>
+            </a:r>
+            <a:r>
+              <a:rPr lang="en-US" sz="1200" b="1" spc="-1" dirty="0">
+                <a:solidFill>
+                  <a:srgbClr val="000000"/>
+                </a:solidFill>
+                <a:latin typeface="Courier New"/>
+              </a:rPr>
+              <a:t>data = </a:t>
+            </a:r>
+            <a:r>
+              <a:rPr lang="en-US" sz="1200" b="1" spc="-1" dirty="0" err="1">
+                <a:solidFill>
+                  <a:srgbClr val="000000"/>
+                </a:solidFill>
+                <a:latin typeface="Courier New"/>
               </a:rPr>
               <a:t>HELPrct</a:t>
             </a:r>
             <a:r>
-              <a:rPr lang="en-US" sz="1200" b="1" strike="noStrike" spc="-1" dirty="0">
-                <a:solidFill>
-                  <a:srgbClr val="000000"/>
-                </a:solidFill>
-                <a:latin typeface="Courier New"/>
-                <a:ea typeface="DejaVu Sans"/>
-              </a:rPr>
-              <a:t>)</a:t>
+              <a:rPr lang="en-US" sz="1200" b="1" spc="-1" dirty="0">
+                <a:solidFill>
+                  <a:srgbClr val="000000"/>
+                </a:solidFill>
+                <a:latin typeface="Courier New"/>
+              </a:rPr>
+              <a:t>,    </a:t>
+            </a:r>
+          </a:p>
+          <a:p>
+            <a:pPr>
+              <a:lnSpc>
+                <a:spcPct val="100000"/>
+              </a:lnSpc>
+            </a:pPr>
+            <a:r>
+              <a:rPr lang="en-US" sz="1200" b="1" spc="-1" dirty="0">
+                <a:solidFill>
+                  <a:srgbClr val="000000"/>
+                </a:solidFill>
+                <a:latin typeface="Courier New"/>
+              </a:rPr>
+              <a:t>  width </a:t>
+            </a:r>
+            <a:r>
+              <a:rPr lang="en-US" sz="1200" b="1" strike="noStrike" spc="-1" dirty="0">
+                <a:solidFill>
+                  <a:srgbClr val="000000"/>
+                </a:solidFill>
+                <a:latin typeface="Courier New"/>
+                <a:ea typeface="DejaVu Sans"/>
+              </a:rPr>
+              <a:t>= 5, center = 2.5)</a:t>
             </a:r>
           </a:p>
           <a:p>
@@ -7545,62 +7471,402 @@
                 </a:solidFill>
                 <a:latin typeface="Courier New"/>
               </a:rPr>
+              <a:t>, data = </a:t>
+            </a:r>
+            <a:r>
+              <a:rPr lang="en-US" sz="1100" b="1" spc="-1" dirty="0" err="1">
+                <a:solidFill>
+                  <a:srgbClr val="000000"/>
+                </a:solidFill>
+                <a:latin typeface="Courier New"/>
+              </a:rPr>
+              <a:t>HELPrct</a:t>
+            </a:r>
+            <a:r>
+              <a:rPr lang="en-US" sz="1100" b="1" spc="-1" dirty="0">
+                <a:solidFill>
+                  <a:srgbClr val="000000"/>
+                </a:solidFill>
+                <a:latin typeface="Courier New"/>
+              </a:rPr>
+              <a:t>,</a:t>
+            </a:r>
+          </a:p>
+          <a:p>
+            <a:pPr>
+              <a:lnSpc>
+                <a:spcPct val="100000"/>
+              </a:lnSpc>
+            </a:pPr>
+            <a:r>
+              <a:rPr lang="en-US" sz="1100" b="1" spc="-1" dirty="0">
+                <a:solidFill>
+                  <a:srgbClr val="000000"/>
+                </a:solidFill>
+                <a:latin typeface="Courier New"/>
+              </a:rPr>
+              <a:t>  </a:t>
+            </a:r>
+            <a:r>
+              <a:rPr lang="en-US" sz="1100" b="1" spc="-1" dirty="0" err="1">
+                <a:solidFill>
+                  <a:srgbClr val="000000"/>
+                </a:solidFill>
+                <a:latin typeface="Courier New"/>
+              </a:rPr>
+              <a:t>dist</a:t>
+            </a:r>
+            <a:r>
+              <a:rPr lang="en-US" sz="1100" b="1" spc="-1" dirty="0">
+                <a:solidFill>
+                  <a:srgbClr val="000000"/>
+                </a:solidFill>
+                <a:latin typeface="Courier New"/>
+              </a:rPr>
+              <a:t> = "</a:t>
+            </a:r>
+            <a:r>
+              <a:rPr lang="en-US" sz="1100" b="1" spc="-1" dirty="0" err="1">
+                <a:solidFill>
+                  <a:srgbClr val="000000"/>
+                </a:solidFill>
+                <a:latin typeface="Courier New"/>
+              </a:rPr>
+              <a:t>qnorm</a:t>
+            </a:r>
+            <a:r>
+              <a:rPr lang="en-US" sz="1100" b="1" spc="-1" dirty="0">
+                <a:solidFill>
+                  <a:srgbClr val="000000"/>
+                </a:solidFill>
+                <a:latin typeface="Courier New"/>
+              </a:rPr>
+              <a:t>")</a:t>
+            </a:r>
+            <a:endParaRPr lang="en-US" sz="1100" spc="-1" dirty="0"/>
+          </a:p>
+          <a:p>
+            <a:pPr>
+              <a:lnSpc>
+                <a:spcPct val="150000"/>
+              </a:lnSpc>
+            </a:pPr>
+            <a:r>
+              <a:rPr lang="en-US" sz="1200" b="0" strike="noStrike" spc="-1" dirty="0">
+                <a:solidFill>
+                  <a:srgbClr val="000000"/>
+                </a:solidFill>
+                <a:latin typeface="Arial"/>
+                <a:ea typeface="DejaVu Sans"/>
+              </a:rPr>
+              <a:t>Density plot</a:t>
+            </a:r>
+            <a:endParaRPr lang="en-US" sz="1200" b="0" strike="noStrike" spc="-1" dirty="0">
+              <a:latin typeface="Arial"/>
+            </a:endParaRPr>
+          </a:p>
+          <a:p>
+            <a:pPr>
+              <a:lnSpc>
+                <a:spcPct val="100000"/>
+              </a:lnSpc>
+            </a:pPr>
+            <a:r>
+              <a:rPr lang="en-US" sz="1200" b="1" strike="noStrike" spc="-1" dirty="0">
+                <a:solidFill>
+                  <a:srgbClr val="000000"/>
+                </a:solidFill>
+                <a:latin typeface="Courier New"/>
+                <a:ea typeface="DejaVu Sans"/>
+              </a:rPr>
+              <a:t>densityplot(~ </a:t>
+            </a:r>
+            <a:r>
+              <a:rPr lang="en-US" sz="1200" b="1" strike="noStrike" spc="-1" dirty="0" err="1">
+                <a:solidFill>
+                  <a:srgbClr val="000000"/>
+                </a:solidFill>
+                <a:latin typeface="Courier New"/>
+                <a:ea typeface="DejaVu Sans"/>
+              </a:rPr>
+              <a:t>cesd</a:t>
+            </a:r>
+            <a:r>
+              <a:rPr lang="en-US" sz="1200" b="1" strike="noStrike" spc="-1" dirty="0">
+                <a:solidFill>
+                  <a:srgbClr val="000000"/>
+                </a:solidFill>
+                <a:latin typeface="Courier New"/>
+                <a:ea typeface="DejaVu Sans"/>
+              </a:rPr>
+              <a:t>, data =</a:t>
+            </a:r>
+          </a:p>
+          <a:p>
+            <a:pPr>
+              <a:lnSpc>
+                <a:spcPct val="100000"/>
+              </a:lnSpc>
+            </a:pPr>
+            <a:r>
+              <a:rPr lang="en-US" sz="1200" b="1" spc="-1" dirty="0">
+                <a:solidFill>
+                  <a:srgbClr val="000000"/>
+                </a:solidFill>
+                <a:latin typeface="Courier New"/>
+                <a:ea typeface="DejaVu Sans"/>
+              </a:rPr>
+              <a:t> </a:t>
+            </a:r>
+            <a:r>
+              <a:rPr lang="en-US" sz="1200" b="1" strike="noStrike" spc="-1" dirty="0">
+                <a:solidFill>
+                  <a:srgbClr val="000000"/>
+                </a:solidFill>
+                <a:latin typeface="Courier New"/>
+                <a:ea typeface="DejaVu Sans"/>
+              </a:rPr>
+              <a:t> </a:t>
+            </a:r>
+            <a:r>
+              <a:rPr lang="en-US" sz="1200" b="1" strike="noStrike" spc="-1" dirty="0" err="1">
+                <a:solidFill>
+                  <a:srgbClr val="000000"/>
+                </a:solidFill>
+                <a:latin typeface="Courier New"/>
+                <a:ea typeface="DejaVu Sans"/>
+              </a:rPr>
+              <a:t>HELPrct</a:t>
+            </a:r>
+            <a:r>
+              <a:rPr lang="en-US" sz="1200" b="1" strike="noStrike" spc="-1" dirty="0">
+                <a:solidFill>
+                  <a:srgbClr val="000000"/>
+                </a:solidFill>
+                <a:latin typeface="Courier New"/>
+                <a:ea typeface="DejaVu Sans"/>
+              </a:rPr>
+              <a:t>)</a:t>
+            </a:r>
+            <a:endParaRPr lang="en-US" sz="1200" b="0" strike="noStrike" spc="-1" dirty="0">
+              <a:latin typeface="Arial"/>
+            </a:endParaRPr>
+          </a:p>
+          <a:p>
+            <a:pPr>
+              <a:lnSpc>
+                <a:spcPct val="150000"/>
+              </a:lnSpc>
+            </a:pPr>
+            <a:r>
+              <a:rPr lang="en-US" sz="1200" b="0" strike="noStrike" spc="-1" dirty="0">
+                <a:solidFill>
+                  <a:srgbClr val="000000"/>
+                </a:solidFill>
+                <a:latin typeface="Arial"/>
+                <a:ea typeface="DejaVu Sans"/>
+              </a:rPr>
+              <a:t>Dot plot</a:t>
+            </a:r>
+            <a:endParaRPr lang="en-US" sz="1200" b="0" strike="noStrike" spc="-1" dirty="0">
+              <a:latin typeface="Arial"/>
+            </a:endParaRPr>
+          </a:p>
+          <a:p>
+            <a:pPr>
+              <a:lnSpc>
+                <a:spcPct val="100000"/>
+              </a:lnSpc>
+            </a:pPr>
+            <a:r>
+              <a:rPr lang="en-US" sz="1200" b="1" strike="noStrike" spc="-1" dirty="0" err="1">
+                <a:solidFill>
+                  <a:srgbClr val="000000"/>
+                </a:solidFill>
+                <a:latin typeface="Courier New"/>
+                <a:ea typeface="DejaVu Sans"/>
+              </a:rPr>
+              <a:t>dotPlot</a:t>
+            </a:r>
+            <a:r>
+              <a:rPr lang="en-US" sz="1200" b="1" strike="noStrike" spc="-1" dirty="0">
+                <a:solidFill>
+                  <a:srgbClr val="000000"/>
+                </a:solidFill>
+                <a:latin typeface="Courier New"/>
+                <a:ea typeface="DejaVu Sans"/>
+              </a:rPr>
+              <a:t>(~ </a:t>
+            </a:r>
+            <a:r>
+              <a:rPr lang="en-US" sz="1200" b="1" strike="noStrike" spc="-1" dirty="0" err="1">
+                <a:solidFill>
+                  <a:srgbClr val="000000"/>
+                </a:solidFill>
+                <a:latin typeface="Courier New"/>
+                <a:ea typeface="DejaVu Sans"/>
+              </a:rPr>
+              <a:t>cesd</a:t>
+            </a:r>
+            <a:r>
+              <a:rPr lang="en-US" sz="1200" b="1" strike="noStrike" spc="-1" dirty="0">
+                <a:solidFill>
+                  <a:srgbClr val="000000"/>
+                </a:solidFill>
+                <a:latin typeface="Courier New"/>
+                <a:ea typeface="DejaVu Sans"/>
+              </a:rPr>
+              <a:t>, data = </a:t>
+            </a:r>
+            <a:r>
+              <a:rPr lang="en-US" sz="1200" b="1" strike="noStrike" spc="-1" dirty="0" err="1">
+                <a:solidFill>
+                  <a:srgbClr val="000000"/>
+                </a:solidFill>
+                <a:latin typeface="Courier New"/>
+                <a:ea typeface="DejaVu Sans"/>
+              </a:rPr>
+              <a:t>HELPrct</a:t>
+            </a:r>
+            <a:r>
+              <a:rPr lang="en-US" sz="1200" b="1" strike="noStrike" spc="-1" dirty="0">
+                <a:solidFill>
+                  <a:srgbClr val="000000"/>
+                </a:solidFill>
+                <a:latin typeface="Courier New"/>
+                <a:ea typeface="DejaVu Sans"/>
+              </a:rPr>
+              <a:t>)</a:t>
+            </a:r>
+            <a:endParaRPr lang="en-US" sz="1200" b="0" strike="noStrike" spc="-1" dirty="0">
+              <a:latin typeface="Arial"/>
+            </a:endParaRPr>
+          </a:p>
+          <a:p>
+            <a:pPr>
+              <a:lnSpc>
+                <a:spcPct val="150000"/>
+              </a:lnSpc>
+            </a:pPr>
+            <a:r>
+              <a:rPr lang="en-US" sz="1200" b="0" strike="noStrike" spc="-1" dirty="0">
+                <a:solidFill>
+                  <a:srgbClr val="000000"/>
+                </a:solidFill>
+                <a:latin typeface="Arial"/>
+                <a:ea typeface="DejaVu Sans"/>
+              </a:rPr>
+              <a:t>One-sample </a:t>
+            </a:r>
+            <a:r>
+              <a:rPr lang="en-US" sz="1200" b="0" i="1" strike="noStrike" spc="-1" dirty="0">
+                <a:solidFill>
+                  <a:srgbClr val="000000"/>
+                </a:solidFill>
+                <a:latin typeface="Times New Roman" panose="02020603050405020304" pitchFamily="18" charset="0"/>
+                <a:ea typeface="DejaVu Sans"/>
+                <a:cs typeface="Times New Roman" panose="02020603050405020304" pitchFamily="18" charset="0"/>
+              </a:rPr>
+              <a:t>t</a:t>
+            </a:r>
+            <a:r>
+              <a:rPr lang="en-US" sz="1200" b="0" strike="noStrike" spc="-1" dirty="0">
+                <a:solidFill>
+                  <a:srgbClr val="000000"/>
+                </a:solidFill>
+                <a:latin typeface="Arial"/>
+                <a:ea typeface="DejaVu Sans"/>
+              </a:rPr>
+              <a:t>-test</a:t>
+            </a:r>
+            <a:endParaRPr lang="en-US" sz="1200" b="0" strike="noStrike" spc="-1" dirty="0">
+              <a:latin typeface="Arial"/>
+            </a:endParaRPr>
+          </a:p>
+          <a:p>
+            <a:pPr>
+              <a:lnSpc>
+                <a:spcPct val="100000"/>
+              </a:lnSpc>
+            </a:pPr>
+            <a:r>
+              <a:rPr lang="en-US" sz="1200" b="1" strike="noStrike" spc="-1" dirty="0">
+                <a:solidFill>
+                  <a:srgbClr val="000000"/>
+                </a:solidFill>
+                <a:latin typeface="Courier New"/>
+                <a:ea typeface="DejaVu Sans"/>
+              </a:rPr>
+              <a:t>result &lt;- </a:t>
+            </a:r>
+            <a:r>
+              <a:rPr lang="en-US" sz="1200" b="1" strike="noStrike" spc="-1" dirty="0" err="1">
+                <a:solidFill>
+                  <a:srgbClr val="000000"/>
+                </a:solidFill>
+                <a:latin typeface="Courier New"/>
+                <a:ea typeface="DejaVu Sans"/>
+              </a:rPr>
+              <a:t>t.test</a:t>
+            </a:r>
+            <a:r>
+              <a:rPr lang="en-US" sz="1200" b="1" strike="noStrike" spc="-1" dirty="0">
+                <a:solidFill>
+                  <a:srgbClr val="000000"/>
+                </a:solidFill>
+                <a:latin typeface="Courier New"/>
+                <a:ea typeface="DejaVu Sans"/>
+              </a:rPr>
+              <a:t>(~ </a:t>
+            </a:r>
+            <a:r>
+              <a:rPr lang="en-US" sz="1200" b="1" strike="noStrike" spc="-1" dirty="0" err="1">
+                <a:solidFill>
+                  <a:srgbClr val="000000"/>
+                </a:solidFill>
+                <a:latin typeface="Courier New"/>
+                <a:ea typeface="DejaVu Sans"/>
+              </a:rPr>
+              <a:t>cesd</a:t>
+            </a:r>
+            <a:r>
+              <a:rPr lang="en-US" sz="1200" b="1" strike="noStrike" spc="-1" dirty="0">
+                <a:solidFill>
+                  <a:srgbClr val="000000"/>
+                </a:solidFill>
+                <a:latin typeface="Courier New"/>
+                <a:ea typeface="DejaVu Sans"/>
+              </a:rPr>
               <a:t>, </a:t>
             </a:r>
-            <a:r>
-              <a:rPr lang="en-US" sz="1100" b="1" spc="-1" dirty="0" err="1">
-                <a:solidFill>
-                  <a:srgbClr val="000000"/>
-                </a:solidFill>
-                <a:latin typeface="Courier New"/>
-              </a:rPr>
-              <a:t>dist</a:t>
-            </a:r>
-            <a:r>
-              <a:rPr lang="en-US" sz="1100" b="1" spc="-1" dirty="0">
-                <a:solidFill>
-                  <a:srgbClr val="000000"/>
-                </a:solidFill>
-                <a:latin typeface="Courier New"/>
-              </a:rPr>
-              <a:t> = "</a:t>
-            </a:r>
-            <a:r>
-              <a:rPr lang="en-US" sz="1100" b="1" spc="-1" dirty="0" err="1">
-                <a:solidFill>
-                  <a:srgbClr val="000000"/>
-                </a:solidFill>
-                <a:latin typeface="Courier New"/>
-              </a:rPr>
-              <a:t>qnorm</a:t>
-            </a:r>
-            <a:r>
-              <a:rPr lang="en-US" sz="1100" b="1" spc="-1" dirty="0">
-                <a:solidFill>
-                  <a:srgbClr val="000000"/>
-                </a:solidFill>
-                <a:latin typeface="Courier New"/>
-              </a:rPr>
-              <a:t>", </a:t>
-            </a:r>
-          </a:p>
-          <a:p>
-            <a:pPr>
-              <a:lnSpc>
-                <a:spcPct val="100000"/>
-              </a:lnSpc>
-            </a:pPr>
-            <a:r>
-              <a:rPr lang="en-US" sz="1100" b="1" spc="-1" dirty="0">
-                <a:solidFill>
-                  <a:srgbClr val="000000"/>
-                </a:solidFill>
-                <a:latin typeface="Courier New"/>
-              </a:rPr>
-              <a:t>  data = </a:t>
-            </a:r>
-            <a:r>
-              <a:rPr lang="en-US" sz="1100" b="1" spc="-1" dirty="0" err="1">
+          </a:p>
+          <a:p>
+            <a:pPr>
+              <a:lnSpc>
+                <a:spcPct val="100000"/>
+              </a:lnSpc>
+            </a:pPr>
+            <a:r>
+              <a:rPr lang="en-US" sz="1200" b="1" spc="-1" dirty="0">
+                <a:solidFill>
+                  <a:srgbClr val="000000"/>
+                </a:solidFill>
+                <a:latin typeface="Courier New"/>
+                <a:ea typeface="DejaVu Sans"/>
+              </a:rPr>
+              <a:t> </a:t>
+            </a:r>
+            <a:r>
+              <a:rPr lang="en-US" sz="1200" b="1" spc="-1" dirty="0">
+                <a:solidFill>
+                  <a:srgbClr val="000000"/>
+                </a:solidFill>
+                <a:latin typeface="Courier New"/>
+              </a:rPr>
+              <a:t>data = </a:t>
+            </a:r>
+            <a:r>
+              <a:rPr lang="en-US" sz="1200" b="1" spc="-1" dirty="0" err="1">
                 <a:solidFill>
                   <a:srgbClr val="000000"/>
                 </a:solidFill>
@@ -7609,356 +7875,23 @@
               <a:t>HELPrct</a:t>
             </a:r>
             <a:r>
-              <a:rPr lang="en-US" sz="1100" b="1" spc="-1" dirty="0">
-                <a:solidFill>
-                  <a:srgbClr val="000000"/>
-                </a:solidFill>
-                <a:latin typeface="Courier New"/>
-              </a:rPr>
-              <a:t>)</a:t>
-            </a:r>
-            <a:endParaRPr lang="en-US" sz="1100" spc="-1" dirty="0"/>
-          </a:p>
-          <a:p>
-            <a:pPr>
-              <a:lnSpc>
-                <a:spcPct val="150000"/>
-              </a:lnSpc>
-            </a:pPr>
-            <a:r>
-              <a:rPr lang="en-US" sz="1200" b="0" strike="noStrike" spc="-1" dirty="0">
-                <a:solidFill>
-                  <a:srgbClr val="000000"/>
-                </a:solidFill>
-                <a:latin typeface="Arial"/>
-                <a:ea typeface="DejaVu Sans"/>
-              </a:rPr>
-              <a:t>Density plot</a:t>
-            </a:r>
-            <a:endParaRPr lang="en-US" sz="1200" b="0" strike="noStrike" spc="-1" dirty="0">
-              <a:latin typeface="Arial"/>
-            </a:endParaRPr>
-          </a:p>
-          <a:p>
-            <a:pPr>
-              <a:lnSpc>
-                <a:spcPct val="100000"/>
-              </a:lnSpc>
-            </a:pPr>
-            <a:r>
-              <a:rPr lang="en-US" sz="1200" b="1" strike="noStrike" spc="-1" dirty="0">
-                <a:solidFill>
-                  <a:srgbClr val="000000"/>
-                </a:solidFill>
-                <a:latin typeface="Courier New"/>
-                <a:ea typeface="DejaVu Sans"/>
-              </a:rPr>
-              <a:t>densityplot(~ </a:t>
-            </a:r>
-            <a:r>
-              <a:rPr lang="en-US" sz="1200" b="1" strike="noStrike" spc="-1" dirty="0" err="1">
-                <a:solidFill>
-                  <a:srgbClr val="000000"/>
-                </a:solidFill>
-                <a:latin typeface="Courier New"/>
-                <a:ea typeface="DejaVu Sans"/>
-              </a:rPr>
-              <a:t>cesd</a:t>
-            </a:r>
-            <a:r>
-              <a:rPr lang="en-US" sz="1200" b="1" strike="noStrike" spc="-1" dirty="0">
-                <a:solidFill>
-                  <a:srgbClr val="000000"/>
-                </a:solidFill>
-                <a:latin typeface="Courier New"/>
-                <a:ea typeface="DejaVu Sans"/>
-              </a:rPr>
-              <a:t>, data =</a:t>
-            </a:r>
-          </a:p>
-          <a:p>
-            <a:pPr>
-              <a:lnSpc>
-                <a:spcPct val="100000"/>
-              </a:lnSpc>
-            </a:pPr>
-            <a:r>
               <a:rPr lang="en-US" sz="1200" b="1" spc="-1" dirty="0">
                 <a:solidFill>
                   <a:srgbClr val="000000"/>
                 </a:solidFill>
                 <a:latin typeface="Courier New"/>
-                <a:ea typeface="DejaVu Sans"/>
-              </a:rPr>
-              <a:t> </a:t>
-            </a:r>
-            <a:r>
-              <a:rPr lang="en-US" sz="1200" b="1" strike="noStrike" spc="-1" dirty="0">
-                <a:solidFill>
-                  <a:srgbClr val="000000"/>
-                </a:solidFill>
-                <a:latin typeface="Courier New"/>
-                <a:ea typeface="DejaVu Sans"/>
-              </a:rPr>
-              <a:t> </a:t>
-            </a:r>
-            <a:r>
-              <a:rPr lang="en-US" sz="1200" b="1" strike="noStrike" spc="-1" dirty="0" err="1">
-                <a:solidFill>
-                  <a:srgbClr val="000000"/>
-                </a:solidFill>
-                <a:latin typeface="Courier New"/>
-                <a:ea typeface="DejaVu Sans"/>
-              </a:rPr>
-              <a:t>HELPrct</a:t>
-            </a:r>
-            <a:r>
-              <a:rPr lang="en-US" sz="1200" b="1" strike="noStrike" spc="-1" dirty="0">
-                <a:solidFill>
-                  <a:srgbClr val="000000"/>
-                </a:solidFill>
-                <a:latin typeface="Courier New"/>
-                <a:ea typeface="DejaVu Sans"/>
-              </a:rPr>
-              <a:t>)</a:t>
-            </a:r>
-            <a:endParaRPr lang="en-US" sz="1200" b="0" strike="noStrike" spc="-1" dirty="0">
-              <a:latin typeface="Arial"/>
-            </a:endParaRPr>
-          </a:p>
-          <a:p>
-            <a:pPr>
-              <a:lnSpc>
-                <a:spcPct val="150000"/>
-              </a:lnSpc>
-            </a:pPr>
-            <a:r>
-              <a:rPr lang="en-US" sz="1200" b="0" strike="noStrike" spc="-1" dirty="0">
-                <a:solidFill>
-                  <a:srgbClr val="000000"/>
-                </a:solidFill>
-                <a:latin typeface="Arial"/>
-                <a:ea typeface="DejaVu Sans"/>
-              </a:rPr>
-              <a:t>Dot plot</a:t>
-            </a:r>
-            <a:endParaRPr lang="en-US" sz="1200" b="0" strike="noStrike" spc="-1" dirty="0">
-              <a:latin typeface="Arial"/>
-            </a:endParaRPr>
-          </a:p>
-          <a:p>
-            <a:pPr>
-              <a:lnSpc>
-                <a:spcPct val="100000"/>
-              </a:lnSpc>
-            </a:pPr>
-            <a:r>
-              <a:rPr lang="en-US" sz="1200" b="1" strike="noStrike" spc="-1" dirty="0" err="1">
-                <a:solidFill>
-                  <a:srgbClr val="000000"/>
-                </a:solidFill>
-                <a:latin typeface="Courier New"/>
-                <a:ea typeface="DejaVu Sans"/>
-              </a:rPr>
-              <a:t>dotPlot</a:t>
-            </a:r>
-            <a:r>
-              <a:rPr lang="en-US" sz="1200" b="1" strike="noStrike" spc="-1" dirty="0">
-                <a:solidFill>
-                  <a:srgbClr val="000000"/>
-                </a:solidFill>
-                <a:latin typeface="Courier New"/>
-                <a:ea typeface="DejaVu Sans"/>
-              </a:rPr>
-              <a:t>(~ </a:t>
-            </a:r>
-            <a:r>
-              <a:rPr lang="en-US" sz="1200" b="1" strike="noStrike" spc="-1" dirty="0" err="1">
-                <a:solidFill>
-                  <a:srgbClr val="000000"/>
-                </a:solidFill>
-                <a:latin typeface="Courier New"/>
-                <a:ea typeface="DejaVu Sans"/>
-              </a:rPr>
-              <a:t>cesd</a:t>
-            </a:r>
-            <a:r>
-              <a:rPr lang="en-US" sz="1200" b="1" strike="noStrike" spc="-1" dirty="0">
-                <a:solidFill>
-                  <a:srgbClr val="000000"/>
-                </a:solidFill>
-                <a:latin typeface="Courier New"/>
-                <a:ea typeface="DejaVu Sans"/>
-              </a:rPr>
-              <a:t>, data = </a:t>
-            </a:r>
-            <a:r>
-              <a:rPr lang="en-US" sz="1200" b="1" strike="noStrike" spc="-1" dirty="0" err="1">
-                <a:solidFill>
-                  <a:srgbClr val="000000"/>
-                </a:solidFill>
-                <a:latin typeface="Courier New"/>
-                <a:ea typeface="DejaVu Sans"/>
-              </a:rPr>
-              <a:t>HELPrct</a:t>
-            </a:r>
-            <a:r>
-              <a:rPr lang="en-US" sz="1200" b="1" strike="noStrike" spc="-1" dirty="0">
-                <a:solidFill>
-                  <a:srgbClr val="000000"/>
-                </a:solidFill>
-                <a:latin typeface="Courier New"/>
-                <a:ea typeface="DejaVu Sans"/>
-              </a:rPr>
-              <a:t>)</a:t>
-            </a:r>
-            <a:endParaRPr lang="en-US" sz="1200" b="0" strike="noStrike" spc="-1" dirty="0">
-              <a:latin typeface="Arial"/>
-            </a:endParaRPr>
-          </a:p>
-          <a:p>
-            <a:pPr>
-              <a:lnSpc>
-                <a:spcPct val="150000"/>
-              </a:lnSpc>
-            </a:pPr>
-            <a:r>
-              <a:rPr lang="en-US" sz="1200" b="0" strike="noStrike" spc="-1" dirty="0">
-                <a:solidFill>
-                  <a:srgbClr val="000000"/>
-                </a:solidFill>
-                <a:latin typeface="Arial"/>
-                <a:ea typeface="DejaVu Sans"/>
-              </a:rPr>
-              <a:t>One-sample </a:t>
-            </a:r>
-            <a:r>
-              <a:rPr lang="en-US" sz="1200" b="0" i="1" strike="noStrike" spc="-1" dirty="0">
-                <a:solidFill>
-                  <a:srgbClr val="000000"/>
-                </a:solidFill>
-                <a:latin typeface="Times New Roman" panose="02020603050405020304" pitchFamily="18" charset="0"/>
-                <a:ea typeface="DejaVu Sans"/>
-                <a:cs typeface="Times New Roman" panose="02020603050405020304" pitchFamily="18" charset="0"/>
-              </a:rPr>
-              <a:t>t</a:t>
-            </a:r>
-            <a:r>
-              <a:rPr lang="en-US" sz="1200" b="0" strike="noStrike" spc="-1" dirty="0">
-                <a:solidFill>
-                  <a:srgbClr val="000000"/>
-                </a:solidFill>
-                <a:latin typeface="Arial"/>
-                <a:ea typeface="DejaVu Sans"/>
-              </a:rPr>
-              <a:t>-test</a:t>
-            </a:r>
-            <a:endParaRPr lang="en-US" sz="1200" b="0" strike="noStrike" spc="-1" dirty="0">
-              <a:latin typeface="Arial"/>
-            </a:endParaRPr>
-          </a:p>
-          <a:p>
-            <a:pPr>
-              <a:lnSpc>
-                <a:spcPct val="100000"/>
-              </a:lnSpc>
-            </a:pPr>
-            <a:r>
-              <a:rPr lang="en-US" sz="1200" b="1" strike="noStrike" spc="-1" dirty="0">
-                <a:solidFill>
-                  <a:srgbClr val="000000"/>
-                </a:solidFill>
-                <a:latin typeface="Courier New"/>
-                <a:ea typeface="DejaVu Sans"/>
-              </a:rPr>
-              <a:t>result &lt;- </a:t>
-            </a:r>
-            <a:r>
-              <a:rPr lang="en-US" sz="1200" b="1" strike="noStrike" spc="-1" dirty="0" err="1">
-                <a:solidFill>
-                  <a:srgbClr val="000000"/>
-                </a:solidFill>
-                <a:latin typeface="Courier New"/>
-                <a:ea typeface="DejaVu Sans"/>
-              </a:rPr>
-              <a:t>t.test</a:t>
-            </a:r>
-            <a:r>
-              <a:rPr lang="en-US" sz="1200" b="1" strike="noStrike" spc="-1" dirty="0">
-                <a:solidFill>
-                  <a:srgbClr val="000000"/>
-                </a:solidFill>
-                <a:latin typeface="Courier New"/>
-                <a:ea typeface="DejaVu Sans"/>
-              </a:rPr>
-              <a:t>(~ </a:t>
-            </a:r>
-            <a:r>
-              <a:rPr lang="en-US" sz="1200" b="1" strike="noStrike" spc="-1" dirty="0" err="1">
-                <a:solidFill>
-                  <a:srgbClr val="000000"/>
-                </a:solidFill>
-                <a:latin typeface="Courier New"/>
-                <a:ea typeface="DejaVu Sans"/>
-              </a:rPr>
-              <a:t>cesd</a:t>
-            </a:r>
-            <a:r>
-              <a:rPr lang="en-US" sz="1200" b="1" strike="noStrike" spc="-1" dirty="0">
-                <a:solidFill>
-                  <a:srgbClr val="000000"/>
-                </a:solidFill>
-                <a:latin typeface="Courier New"/>
-                <a:ea typeface="DejaVu Sans"/>
-              </a:rPr>
-              <a:t>, </a:t>
-            </a:r>
-          </a:p>
-          <a:p>
-            <a:pPr>
-              <a:lnSpc>
-                <a:spcPct val="100000"/>
-              </a:lnSpc>
-            </a:pPr>
-            <a:r>
-              <a:rPr lang="en-US" sz="1200" b="1" spc="-1" dirty="0">
-                <a:solidFill>
-                  <a:srgbClr val="000000"/>
-                </a:solidFill>
-                <a:latin typeface="Courier New"/>
-                <a:ea typeface="DejaVu Sans"/>
-              </a:rPr>
-              <a:t>  </a:t>
-            </a:r>
-            <a:r>
-              <a:rPr lang="en-US" sz="1200" b="1" strike="noStrike" spc="-1" dirty="0">
-                <a:solidFill>
-                  <a:srgbClr val="000000"/>
-                </a:solidFill>
-                <a:latin typeface="Courier New"/>
-                <a:ea typeface="DejaVu Sans"/>
-              </a:rPr>
-              <a:t>mu = 34, data = </a:t>
-            </a:r>
-            <a:r>
-              <a:rPr lang="en-US" sz="1200" b="1" strike="noStrike" spc="-1" dirty="0" err="1">
-                <a:solidFill>
-                  <a:srgbClr val="000000"/>
-                </a:solidFill>
-                <a:latin typeface="Courier New"/>
-                <a:ea typeface="DejaVu Sans"/>
-              </a:rPr>
-              <a:t>HELPrct</a:t>
-            </a:r>
-            <a:r>
-              <a:rPr lang="en-US" sz="1200" b="1" strike="noStrike" spc="-1" dirty="0">
-                <a:solidFill>
-                  <a:srgbClr val="000000"/>
-                </a:solidFill>
-                <a:latin typeface="Courier New"/>
-                <a:ea typeface="DejaVu Sans"/>
-              </a:rPr>
-              <a:t>)</a:t>
+              </a:rPr>
+              <a:t>, mu </a:t>
+            </a:r>
+            <a:r>
+              <a:rPr lang="en-US" sz="1200" b="1" strike="noStrike" spc="-1" dirty="0">
+                <a:solidFill>
+                  <a:srgbClr val="000000"/>
+                </a:solidFill>
+                <a:latin typeface="Courier New"/>
+                <a:ea typeface="DejaVu Sans"/>
+              </a:rPr>
+              <a:t>= 34)</a:t>
             </a:r>
             <a:endParaRPr lang="en-US" sz="1200" b="0" strike="noStrike" spc="-1" dirty="0">
               <a:latin typeface="Arial"/>
@@ -8539,15 +8472,8 @@
                 <a:latin typeface="Courier New"/>
                 <a:ea typeface="Menlo"/>
               </a:rPr>
-              <a:t>  "homeless"), p = 0.4,</a:t>
-            </a:r>
-          </a:p>
-          <a:p>
-            <a:pPr>
-              <a:lnSpc>
-                <a:spcPct val="100000"/>
-              </a:lnSpc>
-            </a:pPr>
+              <a:t>  "homeless"), </a:t>
+            </a:r>
             <a:r>
               <a:rPr lang="en-US" sz="1200" b="1" spc="-1" dirty="0">
                 <a:solidFill>
@@ -8556,27 +8482,10 @@
                 <a:latin typeface="Courier New"/>
                 <a:ea typeface="Menlo"/>
               </a:rPr>
-              <a:t>  alternative = "less", </a:t>
-            </a:r>
-          </a:p>
-          <a:p>
-            <a:pPr>
-              <a:lnSpc>
-                <a:spcPct val="100000"/>
-              </a:lnSpc>
-            </a:pPr>
-            <a:r>
-              <a:rPr lang="en-US" sz="1200" b="1" strike="noStrike" spc="-1" dirty="0">
-                <a:solidFill>
-                  <a:srgbClr val="000000"/>
-                </a:solidFill>
-                <a:latin typeface="Courier New"/>
-                <a:ea typeface="Menlo"/>
-              </a:rPr>
-              <a:t>  data = </a:t>
-            </a:r>
-            <a:r>
-              <a:rPr lang="en-US" sz="1200" b="1" strike="noStrike" spc="-1" dirty="0" err="1">
+              <a:t>data = </a:t>
+            </a:r>
+            <a:r>
+              <a:rPr lang="en-US" sz="1200" b="1" spc="-1" dirty="0" err="1">
                 <a:solidFill>
                   <a:srgbClr val="000000"/>
                 </a:solidFill>
@@ -8584,6 +8493,50 @@
                 <a:ea typeface="Menlo"/>
               </a:rPr>
               <a:t>HELPrct</a:t>
+            </a:r>
+            <a:r>
+              <a:rPr lang="en-US" sz="1200" b="1" spc="-1" dirty="0">
+                <a:solidFill>
+                  <a:srgbClr val="000000"/>
+                </a:solidFill>
+                <a:latin typeface="Courier New"/>
+                <a:ea typeface="Menlo"/>
+              </a:rPr>
+              <a:t>,</a:t>
+            </a:r>
+          </a:p>
+          <a:p>
+            <a:pPr>
+              <a:lnSpc>
+                <a:spcPct val="100000"/>
+              </a:lnSpc>
+            </a:pPr>
+            <a:r>
+              <a:rPr lang="en-US" sz="1200" b="1" strike="noStrike" spc="-1" dirty="0">
+                <a:solidFill>
+                  <a:srgbClr val="000000"/>
+                </a:solidFill>
+                <a:latin typeface="Courier New"/>
+                <a:ea typeface="Menlo"/>
+              </a:rPr>
+              <a:t>  p = 0.4,</a:t>
+            </a:r>
+          </a:p>
+          <a:p>
+            <a:pPr>
+              <a:lnSpc>
+                <a:spcPct val="100000"/>
+              </a:lnSpc>
+            </a:pPr>
+            <a:r>
+              <a:rPr lang="en-US" sz="1200" b="1" spc="-1" dirty="0">
+                <a:solidFill>
+                  <a:srgbClr val="000000"/>
+                </a:solidFill>
+                <a:latin typeface="Courier New"/>
+                <a:ea typeface="Menlo"/>
+              </a:rPr>
+              <a:t>  alternative = "less"</a:t>
             </a:r>
             <a:r>
               <a:rPr lang="en-US" sz="1200" b="1" strike="noStrike" spc="-1" dirty="0">
@@ -9303,6 +9256,139 @@
                 <a:latin typeface="Courier New"/>
               </a:rPr>
               <a:t>)</a:t>
+            </a:r>
+            <a:endParaRPr lang="en-US" sz="1200" b="0" strike="noStrike" spc="-1" dirty="0">
+              <a:latin typeface="Arial"/>
+            </a:endParaRPr>
+          </a:p>
+        </p:txBody>
+      </p:sp>
+      <p:sp>
+        <p:nvSpPr>
+          <p:cNvPr id="38" name="CustomShape 16">
+            <a:extLst>
+              <a:ext uri="{FF2B5EF4-FFF2-40B4-BE49-F238E27FC236}">
+                <a16:creationId xmlns:a16="http://schemas.microsoft.com/office/drawing/2014/main" id="{FE686C5A-A207-4B9B-B93E-3F46E9E11573}"/>
+              </a:ext>
+            </a:extLst>
+          </p:cNvPr>
+          <p:cNvSpPr/>
+          <p:nvPr/>
+        </p:nvSpPr>
+        <p:spPr>
+          <a:xfrm>
+            <a:off x="232560" y="1260362"/>
+            <a:ext cx="3200400" cy="316440"/>
+          </a:xfrm>
+          <a:prstGeom prst="roundRect">
+            <a:avLst>
+              <a:gd name="adj" fmla="val 20098"/>
+            </a:avLst>
+          </a:prstGeom>
+          <a:solidFill>
+            <a:srgbClr val="A6AAA9"/>
+          </a:solidFill>
+          <a:ln w="12600">
+            <a:noFill/>
+          </a:ln>
+        </p:spPr>
+        <p:style>
+          <a:lnRef idx="0">
+            <a:scrgbClr r="0" g="0" b="0"/>
+          </a:lnRef>
+          <a:fillRef idx="0">
+            <a:scrgbClr r="0" g="0" b="0"/>
+          </a:fillRef>
+          <a:effectRef idx="0">
+            <a:scrgbClr r="0" g="0" b="0"/>
+          </a:effectRef>
+          <a:fontRef idx="minor"/>
+        </p:style>
+        <p:txBody>
+          <a:bodyPr lIns="0" tIns="0" rIns="0" bIns="0" anchor="ctr"/>
+          <a:lstStyle/>
+          <a:p>
+            <a:pPr algn="ctr">
+              <a:lnSpc>
+                <a:spcPct val="100000"/>
+              </a:lnSpc>
+            </a:pPr>
+            <a:r>
+              <a:rPr lang="en-US" sz="2000" b="0" strike="noStrike" spc="-1" dirty="0">
+                <a:solidFill>
+                  <a:srgbClr val="FFFFFF"/>
+                </a:solidFill>
+                <a:latin typeface="Source Sans Pro"/>
+                <a:ea typeface="Source Sans Pro"/>
+              </a:rPr>
+              <a:t>Loading packages</a:t>
+            </a:r>
+            <a:endParaRPr lang="en-US" sz="2000" b="0" strike="noStrike" spc="-1" dirty="0">
+              <a:latin typeface="Arial"/>
+            </a:endParaRPr>
+          </a:p>
+        </p:txBody>
+      </p:sp>
+      <p:sp>
+        <p:nvSpPr>
+          <p:cNvPr id="39" name="CustomShape 20">
+            <a:extLst>
+              <a:ext uri="{FF2B5EF4-FFF2-40B4-BE49-F238E27FC236}">
+                <a16:creationId xmlns:a16="http://schemas.microsoft.com/office/drawing/2014/main" id="{BBEC1559-FF7E-40CC-918C-D3026D98F6E8}"/>
+              </a:ext>
+            </a:extLst>
+          </p:cNvPr>
+          <p:cNvSpPr/>
+          <p:nvPr/>
+        </p:nvSpPr>
+        <p:spPr>
+          <a:xfrm>
+            <a:off x="232560" y="1622400"/>
+            <a:ext cx="3200400" cy="255020"/>
+          </a:xfrm>
+          <a:prstGeom prst="rect">
+            <a:avLst/>
+          </a:prstGeom>
+          <a:solidFill>
+            <a:srgbClr val="FFFFFF"/>
+          </a:solidFill>
+          <a:ln w="12600">
+            <a:solidFill>
+              <a:srgbClr val="A6AAA9"/>
+            </a:solidFill>
+            <a:miter/>
+          </a:ln>
+        </p:spPr>
+        <p:style>
+          <a:lnRef idx="0">
+            <a:scrgbClr r="0" g="0" b="0"/>
+          </a:lnRef>
+          <a:fillRef idx="0">
+            <a:scrgbClr r="0" g="0" b="0"/>
+          </a:fillRef>
+          <a:effectRef idx="0">
+            <a:scrgbClr r="0" g="0" b="0"/>
+          </a:effectRef>
+          <a:fontRef idx="minor"/>
+        </p:style>
+        <p:txBody>
+          <a:bodyPr lIns="0" tIns="0" rIns="0" bIns="0" anchor="ctr"/>
+          <a:lstStyle/>
+          <a:p>
+            <a:pPr>
+              <a:lnSpc>
+                <a:spcPct val="120000"/>
+              </a:lnSpc>
+            </a:pPr>
+            <a:r>
+              <a:rPr lang="en-US" sz="1200" b="1" strike="noStrike" spc="-1" dirty="0">
+                <a:solidFill>
+                  <a:srgbClr val="000000"/>
+                </a:solidFill>
+                <a:latin typeface="Courier New"/>
+                <a:ea typeface="DejaVu Sans"/>
+              </a:rPr>
+              <a:t>library(mosaic)</a:t>
             </a:r>
             <a:endParaRPr lang="en-US" sz="1200" b="0" strike="noStrike" spc="-1" dirty="0">
               <a:latin typeface="Arial"/>
@@ -9623,601 +9709,6 @@
       </p:sp>
       <p:sp>
         <p:nvSpPr>
-          <p:cNvPr id="82" name="CustomShape 7"/>
-          <p:cNvSpPr/>
-          <p:nvPr/>
-        </p:nvSpPr>
-        <p:spPr>
-          <a:xfrm>
-            <a:off x="3595570" y="644571"/>
-            <a:ext cx="3200400" cy="4519860"/>
-          </a:xfrm>
-          <a:prstGeom prst="rect">
-            <a:avLst/>
-          </a:prstGeom>
-          <a:solidFill>
-            <a:srgbClr val="FFFFFF"/>
-          </a:solidFill>
-          <a:ln w="12600">
-            <a:solidFill>
-              <a:srgbClr val="A6AAA9"/>
-            </a:solidFill>
-            <a:miter/>
-          </a:ln>
-        </p:spPr>
-        <p:style>
-          <a:lnRef idx="0">
-            <a:scrgbClr r="0" g="0" b="0"/>
-          </a:lnRef>
-          <a:fillRef idx="0">
-            <a:scrgbClr r="0" g="0" b="0"/>
-          </a:fillRef>
-          <a:effectRef idx="0">
-            <a:scrgbClr r="0" g="0" b="0"/>
-          </a:effectRef>
-          <a:fontRef idx="minor"/>
-        </p:style>
-        <p:txBody>
-          <a:bodyPr lIns="91440" tIns="0" rIns="0" bIns="0" anchor="t" anchorCtr="1"/>
-          <a:lstStyle/>
-          <a:p>
-            <a:pPr>
-              <a:lnSpc>
-                <a:spcPct val="150000"/>
-              </a:lnSpc>
-            </a:pPr>
-            <a:r>
-              <a:rPr lang="en-US" sz="1200" b="0" strike="noStrike" spc="-1" dirty="0">
-                <a:solidFill>
-                  <a:srgbClr val="000000"/>
-                </a:solidFill>
-                <a:latin typeface="Arial"/>
-                <a:ea typeface="DejaVu Sans"/>
-              </a:rPr>
-              <a:t>Contingency table with margins</a:t>
-            </a:r>
-            <a:endParaRPr lang="en-US" sz="1200" b="0" strike="noStrike" spc="-1" dirty="0">
-              <a:latin typeface="Arial"/>
-            </a:endParaRPr>
-          </a:p>
-          <a:p>
-            <a:pPr>
-              <a:lnSpc>
-                <a:spcPct val="100000"/>
-              </a:lnSpc>
-            </a:pPr>
-            <a:r>
-              <a:rPr lang="en-US" sz="1200" b="1" strike="noStrike" spc="-1" dirty="0">
-                <a:solidFill>
-                  <a:srgbClr val="000000"/>
-                </a:solidFill>
-                <a:latin typeface="Courier New"/>
-                <a:ea typeface="Menlo"/>
-              </a:rPr>
-              <a:t>tally(~ </a:t>
-            </a:r>
-            <a:r>
-              <a:rPr lang="en-US" sz="1200" b="1" spc="-1" dirty="0">
-                <a:solidFill>
-                  <a:srgbClr val="000000"/>
-                </a:solidFill>
-                <a:latin typeface="Courier New"/>
-                <a:ea typeface="Menlo"/>
-              </a:rPr>
-              <a:t>substance</a:t>
-            </a:r>
-            <a:r>
-              <a:rPr lang="en-US" sz="1200" b="1" strike="noStrike" spc="-1" dirty="0">
-                <a:solidFill>
-                  <a:srgbClr val="000000"/>
-                </a:solidFill>
-                <a:latin typeface="Courier New"/>
-                <a:ea typeface="Menlo"/>
-              </a:rPr>
-              <a:t> + sex, </a:t>
-            </a:r>
-            <a:endParaRPr lang="en-US" sz="1200" b="0" strike="noStrike" spc="-1" dirty="0">
-              <a:latin typeface="Arial"/>
-            </a:endParaRPr>
-          </a:p>
-          <a:p>
-            <a:pPr>
-              <a:lnSpc>
-                <a:spcPct val="100000"/>
-              </a:lnSpc>
-            </a:pPr>
-            <a:r>
-              <a:rPr lang="en-US" sz="1200" b="1" strike="noStrike" spc="-1" dirty="0">
-                <a:solidFill>
-                  <a:srgbClr val="000000"/>
-                </a:solidFill>
-                <a:latin typeface="Courier New"/>
-                <a:ea typeface="Menlo"/>
-              </a:rPr>
-              <a:t>  margins = TRUE, </a:t>
-            </a:r>
-          </a:p>
-          <a:p>
-            <a:pPr>
-              <a:lnSpc>
-                <a:spcPct val="100000"/>
-              </a:lnSpc>
-            </a:pPr>
-            <a:r>
-              <a:rPr lang="en-US" sz="1200" b="1" spc="-1" dirty="0">
-                <a:solidFill>
-                  <a:srgbClr val="000000"/>
-                </a:solidFill>
-                <a:latin typeface="Courier New"/>
-                <a:ea typeface="Menlo"/>
-              </a:rPr>
-              <a:t>  </a:t>
-            </a:r>
-            <a:r>
-              <a:rPr lang="en-US" sz="1200" b="1" strike="noStrike" spc="-1" dirty="0">
-                <a:solidFill>
-                  <a:srgbClr val="000000"/>
-                </a:solidFill>
-                <a:latin typeface="Courier New"/>
-                <a:ea typeface="Menlo"/>
-              </a:rPr>
-              <a:t>data = </a:t>
-            </a:r>
-            <a:r>
-              <a:rPr lang="en-US" sz="1200" b="1" strike="noStrike" spc="-1" dirty="0" err="1">
-                <a:solidFill>
-                  <a:srgbClr val="000000"/>
-                </a:solidFill>
-                <a:latin typeface="Courier New"/>
-                <a:ea typeface="Menlo"/>
-              </a:rPr>
-              <a:t>HELPrct</a:t>
-            </a:r>
-            <a:r>
-              <a:rPr lang="en-US" sz="1200" b="1" strike="noStrike" spc="-1" dirty="0">
-                <a:solidFill>
-                  <a:srgbClr val="000000"/>
-                </a:solidFill>
-                <a:latin typeface="Courier New"/>
-                <a:ea typeface="Menlo"/>
-              </a:rPr>
-              <a:t>)</a:t>
-            </a:r>
-            <a:endParaRPr lang="en-US" sz="1200" b="0" strike="noStrike" spc="-1" dirty="0">
-              <a:latin typeface="Arial"/>
-            </a:endParaRPr>
-          </a:p>
-          <a:p>
-            <a:pPr>
-              <a:lnSpc>
-                <a:spcPct val="150000"/>
-              </a:lnSpc>
-            </a:pPr>
-            <a:r>
-              <a:rPr lang="en-US" sz="1200" b="0" strike="noStrike" spc="-1" dirty="0">
-                <a:solidFill>
-                  <a:srgbClr val="000000"/>
-                </a:solidFill>
-                <a:latin typeface="Arial"/>
-                <a:ea typeface="Menlo"/>
-              </a:rPr>
-              <a:t>Percentages by column</a:t>
-            </a:r>
-            <a:endParaRPr lang="en-US" sz="1200" b="0" strike="noStrike" spc="-1" dirty="0">
-              <a:latin typeface="Arial"/>
-            </a:endParaRPr>
-          </a:p>
-          <a:p>
-            <a:pPr>
-              <a:lnSpc>
-                <a:spcPct val="100000"/>
-              </a:lnSpc>
-            </a:pPr>
-            <a:r>
-              <a:rPr lang="en-US" sz="1200" b="1" strike="noStrike" spc="-1" dirty="0">
-                <a:solidFill>
-                  <a:srgbClr val="000000"/>
-                </a:solidFill>
-                <a:latin typeface="Courier New"/>
-                <a:ea typeface="Menlo"/>
-              </a:rPr>
-              <a:t>tally(~ sex | substance, </a:t>
-            </a:r>
-            <a:endParaRPr lang="en-US" sz="1200" b="0" strike="noStrike" spc="-1" dirty="0">
-              <a:latin typeface="Arial"/>
-            </a:endParaRPr>
-          </a:p>
-          <a:p>
-            <a:pPr>
-              <a:lnSpc>
-                <a:spcPct val="100000"/>
-              </a:lnSpc>
-            </a:pPr>
-            <a:r>
-              <a:rPr lang="en-US" sz="1200" b="1" strike="noStrike" spc="-1" dirty="0">
-                <a:solidFill>
-                  <a:srgbClr val="000000"/>
-                </a:solidFill>
-                <a:latin typeface="Courier New"/>
-                <a:ea typeface="Menlo"/>
-              </a:rPr>
-              <a:t>  format = "percent", </a:t>
-            </a:r>
-          </a:p>
-          <a:p>
-            <a:pPr>
-              <a:lnSpc>
-                <a:spcPct val="100000"/>
-              </a:lnSpc>
-            </a:pPr>
-            <a:r>
-              <a:rPr lang="en-US" sz="1200" b="1" strike="noStrike" spc="-1" dirty="0">
-                <a:solidFill>
-                  <a:srgbClr val="000000"/>
-                </a:solidFill>
-                <a:latin typeface="Courier New"/>
-                <a:ea typeface="Menlo"/>
-              </a:rPr>
-              <a:t>  data = </a:t>
-            </a:r>
-            <a:r>
-              <a:rPr lang="en-US" sz="1200" b="1" strike="noStrike" spc="-1" dirty="0" err="1">
-                <a:solidFill>
-                  <a:srgbClr val="000000"/>
-                </a:solidFill>
-                <a:latin typeface="Courier New"/>
-                <a:ea typeface="Menlo"/>
-              </a:rPr>
-              <a:t>HELPrct</a:t>
-            </a:r>
-            <a:r>
-              <a:rPr lang="en-US" sz="1200" b="1" strike="noStrike" spc="-1" dirty="0">
-                <a:solidFill>
-                  <a:srgbClr val="000000"/>
-                </a:solidFill>
-                <a:latin typeface="Courier New"/>
-                <a:ea typeface="Menlo"/>
-              </a:rPr>
-              <a:t>)</a:t>
-            </a:r>
-            <a:endParaRPr lang="en-US" sz="1200" b="0" strike="noStrike" spc="-1" dirty="0">
-              <a:latin typeface="Arial"/>
-            </a:endParaRPr>
-          </a:p>
-          <a:p>
-            <a:pPr>
-              <a:lnSpc>
-                <a:spcPct val="150000"/>
-              </a:lnSpc>
-            </a:pPr>
-            <a:r>
-              <a:rPr lang="en-US" sz="1200" b="0" strike="noStrike" spc="-1" dirty="0">
-                <a:solidFill>
-                  <a:srgbClr val="000000"/>
-                </a:solidFill>
-                <a:latin typeface="Arial"/>
-                <a:ea typeface="Menlo"/>
-              </a:rPr>
-              <a:t>Mosaic plot</a:t>
-            </a:r>
-            <a:endParaRPr lang="en-US" sz="1200" b="0" strike="noStrike" spc="-1" dirty="0">
-              <a:latin typeface="Arial"/>
-            </a:endParaRPr>
-          </a:p>
-          <a:p>
-            <a:pPr>
-              <a:lnSpc>
-                <a:spcPct val="100000"/>
-              </a:lnSpc>
-            </a:pPr>
-            <a:r>
-              <a:rPr lang="en-US" sz="1200" b="1" strike="noStrike" spc="-1" dirty="0">
-                <a:solidFill>
-                  <a:srgbClr val="1A1A1A"/>
-                </a:solidFill>
-                <a:latin typeface="Courier New"/>
-                <a:ea typeface="DejaVu Sans"/>
-              </a:rPr>
-              <a:t>mosaicplot(~ substance + sex,</a:t>
-            </a:r>
-            <a:endParaRPr lang="en-US" sz="1200" b="0" strike="noStrike" spc="-1" dirty="0">
-              <a:latin typeface="Arial"/>
-            </a:endParaRPr>
-          </a:p>
-          <a:p>
-            <a:pPr>
-              <a:lnSpc>
-                <a:spcPct val="100000"/>
-              </a:lnSpc>
-            </a:pPr>
-            <a:r>
-              <a:rPr lang="en-US" sz="1200" b="1" strike="noStrike" spc="-1" dirty="0">
-                <a:solidFill>
-                  <a:srgbClr val="1A1A1A"/>
-                </a:solidFill>
-                <a:latin typeface="Courier New"/>
-                <a:ea typeface="Menlo"/>
-              </a:rPr>
-              <a:t>  color = TRUE, </a:t>
-            </a:r>
-            <a:r>
-              <a:rPr lang="en-US" sz="1200" b="1" strike="noStrike" spc="-1" dirty="0">
-                <a:solidFill>
-                  <a:srgbClr val="000000"/>
-                </a:solidFill>
-                <a:latin typeface="Courier New"/>
-                <a:ea typeface="Menlo"/>
-              </a:rPr>
-              <a:t>data = </a:t>
-            </a:r>
-            <a:r>
-              <a:rPr lang="en-US" sz="1200" b="1" strike="noStrike" spc="-1" dirty="0" err="1">
-                <a:solidFill>
-                  <a:srgbClr val="000000"/>
-                </a:solidFill>
-                <a:latin typeface="Courier New"/>
-                <a:ea typeface="Menlo"/>
-              </a:rPr>
-              <a:t>HELPrct</a:t>
-            </a:r>
-            <a:r>
-              <a:rPr lang="en-US" sz="1200" b="1" strike="noStrike" spc="-1" dirty="0">
-                <a:solidFill>
-                  <a:srgbClr val="000000"/>
-                </a:solidFill>
-                <a:latin typeface="Courier New"/>
-                <a:ea typeface="Menlo"/>
-              </a:rPr>
-              <a:t>)</a:t>
-            </a:r>
-          </a:p>
-          <a:p>
-            <a:pPr>
-              <a:lnSpc>
-                <a:spcPct val="100000"/>
-              </a:lnSpc>
-            </a:pPr>
-            <a:endParaRPr lang="en-US" sz="1100" b="1" spc="-1" dirty="0">
-              <a:solidFill>
-                <a:srgbClr val="000000"/>
-              </a:solidFill>
-              <a:latin typeface="Courier New"/>
-            </a:endParaRPr>
-          </a:p>
-          <a:p>
-            <a:pPr>
-              <a:lnSpc>
-                <a:spcPct val="100000"/>
-              </a:lnSpc>
-            </a:pPr>
-            <a:endParaRPr lang="en-US" sz="1100" b="1" strike="noStrike" spc="-1" dirty="0">
-              <a:solidFill>
-                <a:srgbClr val="000000"/>
-              </a:solidFill>
-              <a:latin typeface="Courier New"/>
-            </a:endParaRPr>
-          </a:p>
-          <a:p>
-            <a:pPr>
-              <a:lnSpc>
-                <a:spcPct val="100000"/>
-              </a:lnSpc>
-            </a:pPr>
-            <a:endParaRPr lang="en-US" sz="1100" b="0" strike="noStrike" spc="-1" dirty="0">
-              <a:latin typeface="Arial"/>
-            </a:endParaRPr>
-          </a:p>
-          <a:p>
-            <a:pPr>
-              <a:lnSpc>
-                <a:spcPct val="100000"/>
-              </a:lnSpc>
-            </a:pPr>
-            <a:endParaRPr lang="en-US" sz="1100" spc="-1" dirty="0">
-              <a:latin typeface="Arial"/>
-            </a:endParaRPr>
-          </a:p>
-          <a:p>
-            <a:pPr>
-              <a:lnSpc>
-                <a:spcPct val="100000"/>
-              </a:lnSpc>
-            </a:pPr>
-            <a:endParaRPr lang="en-US" sz="1100" b="0" strike="noStrike" spc="-1" dirty="0">
-              <a:latin typeface="Arial"/>
-            </a:endParaRPr>
-          </a:p>
-          <a:p>
-            <a:pPr>
-              <a:lnSpc>
-                <a:spcPct val="100000"/>
-              </a:lnSpc>
-            </a:pPr>
-            <a:endParaRPr lang="en-US" sz="1100" spc="-1" dirty="0">
-              <a:latin typeface="Arial"/>
-            </a:endParaRPr>
-          </a:p>
-          <a:p>
-            <a:pPr>
-              <a:lnSpc>
-                <a:spcPct val="100000"/>
-              </a:lnSpc>
-            </a:pPr>
-            <a:endParaRPr lang="en-US" sz="1100" b="0" strike="noStrike" spc="-1" dirty="0">
-              <a:latin typeface="Arial"/>
-            </a:endParaRPr>
-          </a:p>
-          <a:p>
-            <a:pPr>
-              <a:lnSpc>
-                <a:spcPct val="100000"/>
-              </a:lnSpc>
-            </a:pPr>
-            <a:endParaRPr lang="en-US" sz="1100" b="0" strike="noStrike" spc="-1" dirty="0">
-              <a:latin typeface="Arial"/>
-            </a:endParaRPr>
-          </a:p>
-          <a:p>
-            <a:pPr>
-              <a:lnSpc>
-                <a:spcPct val="150000"/>
-              </a:lnSpc>
-            </a:pPr>
-            <a:r>
-              <a:rPr lang="en-US" sz="1200" b="0" strike="noStrike" spc="-1" dirty="0">
-                <a:solidFill>
-                  <a:srgbClr val="000000"/>
-                </a:solidFill>
-                <a:latin typeface="Arial"/>
-                <a:ea typeface="Menlo"/>
-              </a:rPr>
-              <a:t>Chi-square test</a:t>
-            </a:r>
-            <a:endParaRPr lang="en-US" sz="1200" b="0" strike="noStrike" spc="-1" dirty="0">
-              <a:latin typeface="Arial"/>
-            </a:endParaRPr>
-          </a:p>
-          <a:p>
-            <a:pPr>
-              <a:lnSpc>
-                <a:spcPct val="100000"/>
-              </a:lnSpc>
-            </a:pPr>
-            <a:r>
-              <a:rPr lang="en-US" sz="1200" b="1" strike="noStrike" spc="-1" dirty="0">
-                <a:solidFill>
-                  <a:srgbClr val="000000"/>
-                </a:solidFill>
-                <a:latin typeface="Courier New"/>
-                <a:ea typeface="DejaVu Sans"/>
-              </a:rPr>
-              <a:t>xchisq.test(~ </a:t>
-            </a:r>
-            <a:r>
-              <a:rPr lang="en-US" sz="1200" b="1" spc="-1" dirty="0">
-                <a:solidFill>
-                  <a:srgbClr val="000000"/>
-                </a:solidFill>
-                <a:latin typeface="Courier New"/>
-                <a:ea typeface="DejaVu Sans"/>
-              </a:rPr>
-              <a:t>substance</a:t>
-            </a:r>
-            <a:r>
-              <a:rPr lang="en-US" sz="1200" b="1" strike="noStrike" spc="-1" dirty="0">
-                <a:solidFill>
-                  <a:srgbClr val="000000"/>
-                </a:solidFill>
-                <a:latin typeface="Courier New"/>
-                <a:ea typeface="DejaVu Sans"/>
-              </a:rPr>
-              <a:t> + sex,</a:t>
-            </a:r>
-            <a:endParaRPr lang="en-US" sz="1200" b="0" strike="noStrike" spc="-1" dirty="0">
-              <a:latin typeface="Arial"/>
-            </a:endParaRPr>
-          </a:p>
-          <a:p>
-            <a:pPr>
-              <a:lnSpc>
-                <a:spcPct val="100000"/>
-              </a:lnSpc>
-            </a:pPr>
-            <a:r>
-              <a:rPr lang="en-US" sz="1200" b="1" strike="noStrike" spc="-1" dirty="0">
-                <a:solidFill>
-                  <a:srgbClr val="000000"/>
-                </a:solidFill>
-                <a:latin typeface="Courier New"/>
-                <a:ea typeface="DejaVu Sans"/>
-              </a:rPr>
-              <a:t>  data = </a:t>
-            </a:r>
-            <a:r>
-              <a:rPr lang="en-US" sz="1200" b="1" strike="noStrike" spc="-1" dirty="0" err="1">
-                <a:solidFill>
-                  <a:srgbClr val="000000"/>
-                </a:solidFill>
-                <a:latin typeface="Courier New"/>
-                <a:ea typeface="DejaVu Sans"/>
-              </a:rPr>
-              <a:t>HELPrct</a:t>
-            </a:r>
-            <a:r>
-              <a:rPr lang="en-US" sz="1200" b="1" strike="noStrike" spc="-1" dirty="0">
-                <a:solidFill>
-                  <a:srgbClr val="000000"/>
-                </a:solidFill>
-                <a:latin typeface="Courier New"/>
-                <a:ea typeface="DejaVu Sans"/>
-              </a:rPr>
-              <a:t>, </a:t>
-            </a:r>
-          </a:p>
-          <a:p>
-            <a:pPr>
-              <a:lnSpc>
-                <a:spcPct val="100000"/>
-              </a:lnSpc>
-            </a:pPr>
-            <a:r>
-              <a:rPr lang="en-US" sz="1200" b="1" spc="-1" dirty="0">
-                <a:solidFill>
-                  <a:srgbClr val="000000"/>
-                </a:solidFill>
-                <a:latin typeface="Courier New"/>
-                <a:ea typeface="DejaVu Sans"/>
-              </a:rPr>
-              <a:t>  </a:t>
-            </a:r>
-            <a:r>
-              <a:rPr lang="en-US" sz="1200" b="1" strike="noStrike" spc="-1" dirty="0">
-                <a:solidFill>
-                  <a:srgbClr val="000000"/>
-                </a:solidFill>
-                <a:latin typeface="Courier New"/>
-                <a:ea typeface="DejaVu Sans"/>
-              </a:rPr>
-              <a:t>correct = FALSE</a:t>
-            </a:r>
-            <a:r>
-              <a:rPr lang="en-US" sz="1200" b="0" strike="noStrike" spc="-1" dirty="0">
-                <a:solidFill>
-                  <a:srgbClr val="000000"/>
-                </a:solidFill>
-                <a:latin typeface="Courier New"/>
-                <a:ea typeface="DejaVu Sans"/>
-              </a:rPr>
-              <a:t>)</a:t>
-            </a:r>
-            <a:endParaRPr lang="en-US" sz="1200" b="0" strike="noStrike" spc="-1" dirty="0">
-              <a:latin typeface="Arial"/>
-            </a:endParaRPr>
-          </a:p>
-          <a:p>
-            <a:pPr>
-              <a:lnSpc>
-                <a:spcPct val="100000"/>
-              </a:lnSpc>
-            </a:pPr>
-            <a:endParaRPr lang="en-US" sz="1100" b="0" strike="noStrike" spc="-1" dirty="0">
-              <a:latin typeface="Arial"/>
-            </a:endParaRPr>
-          </a:p>
-          <a:p>
-            <a:pPr>
-              <a:lnSpc>
-                <a:spcPct val="120000"/>
-              </a:lnSpc>
-            </a:pPr>
-            <a:endParaRPr lang="en-US" sz="1100" b="0" strike="noStrike" spc="-1" dirty="0">
-              <a:latin typeface="Arial"/>
-            </a:endParaRPr>
-          </a:p>
-        </p:txBody>
-      </p:sp>
-      <p:sp>
-        <p:nvSpPr>
           <p:cNvPr id="83" name="CustomShape 8"/>
           <p:cNvSpPr/>
           <p:nvPr/>
@@ -10553,6 +10044,40 @@
               </a:rPr>
               <a:t>, </a:t>
             </a:r>
+          </a:p>
+          <a:p>
+            <a:pPr>
+              <a:lnSpc>
+                <a:spcPct val="100000"/>
+              </a:lnSpc>
+            </a:pPr>
+            <a:r>
+              <a:rPr lang="en-US" sz="1200" b="1" spc="-1" dirty="0">
+                <a:solidFill>
+                  <a:srgbClr val="000000"/>
+                </a:solidFill>
+                <a:latin typeface="Courier New"/>
+              </a:rPr>
+              <a:t>  data = </a:t>
+            </a:r>
+            <a:r>
+              <a:rPr lang="en-US" sz="1200" b="1" spc="-1" dirty="0" err="1">
+                <a:solidFill>
+                  <a:srgbClr val="000000"/>
+                </a:solidFill>
+                <a:latin typeface="Courier New"/>
+              </a:rPr>
+              <a:t>HELPrct</a:t>
+            </a:r>
+            <a:r>
+              <a:rPr lang="en-US" sz="1200" b="1" spc="-1" dirty="0">
+                <a:solidFill>
+                  <a:srgbClr val="000000"/>
+                </a:solidFill>
+                <a:latin typeface="Courier New"/>
+              </a:rPr>
+              <a:t>,</a:t>
+            </a:r>
             <a:endParaRPr lang="en-US" sz="1200" b="0" strike="noStrike" spc="-1" dirty="0">
               <a:latin typeface="Arial"/>
             </a:endParaRPr>
@@ -10571,47 +10096,7 @@
                 <a:latin typeface="Courier New"/>
                 <a:ea typeface="DejaVu Sans"/>
               </a:rPr>
-              <a:t>  type = c("p", "r", "smooth"),</a:t>
-            </a:r>
-            <a:endParaRPr lang="en-US" sz="1200" b="0" strike="noStrike" spc="-1" dirty="0">
-              <a:latin typeface="Arial"/>
-            </a:endParaRPr>
-          </a:p>
-          <a:p>
-            <a:pPr>
-              <a:lnSpc>
-                <a:spcPct val="100000"/>
-              </a:lnSpc>
-            </a:pPr>
-            <a:r>
-              <a:rPr lang="en-US" sz="1200" b="1" strike="noStrike" spc="-1" dirty="0">
-                <a:solidFill>
-                  <a:srgbClr val="000000"/>
-                </a:solidFill>
-                <a:latin typeface="Courier New"/>
-                <a:ea typeface="DejaVu Sans"/>
-              </a:rPr>
-              <a:t>  data = </a:t>
-            </a:r>
-            <a:r>
-              <a:rPr lang="en-US" sz="1200" b="1" strike="noStrike" spc="-1" dirty="0" err="1">
-                <a:solidFill>
-                  <a:srgbClr val="000000"/>
-                </a:solidFill>
-                <a:latin typeface="Courier New"/>
-                <a:ea typeface="DejaVu Sans"/>
-              </a:rPr>
-              <a:t>HELPrct</a:t>
-            </a:r>
-            <a:r>
-              <a:rPr lang="en-US" sz="1200" b="1" strike="noStrike" spc="-1" dirty="0">
-                <a:solidFill>
-                  <a:srgbClr val="000000"/>
-                </a:solidFill>
-                <a:latin typeface="Courier New"/>
-                <a:ea typeface="DejaVu Sans"/>
-              </a:rPr>
-              <a:t>)</a:t>
+              <a:t>  type = c("p", "r", "smooth"))</a:t>
             </a:r>
             <a:endParaRPr lang="en-US" sz="1200" b="0" strike="noStrike" spc="-1" dirty="0">
               <a:latin typeface="Arial"/>
@@ -11631,7 +11116,7 @@
         </p:nvSpPr>
         <p:spPr>
           <a:xfrm>
-            <a:off x="10264576" y="1058126"/>
+            <a:off x="10264576" y="1092291"/>
             <a:ext cx="3200400" cy="9214906"/>
           </a:xfrm>
           <a:prstGeom prst="rect">
@@ -12057,30 +11542,229 @@
                 <a:spcPct val="150000"/>
               </a:lnSpc>
             </a:pPr>
+            <a:r>
+              <a:rPr lang="en-US" sz="1200" b="0" strike="noStrike" spc="-1" dirty="0">
+                <a:solidFill>
+                  <a:srgbClr val="000000"/>
+                </a:solidFill>
+                <a:latin typeface="Arial"/>
+                <a:ea typeface="Menlo"/>
+              </a:rPr>
+              <a:t>Two-sample </a:t>
+            </a:r>
+            <a:r>
+              <a:rPr lang="en-US" sz="1200" i="1" spc="-1" dirty="0">
+                <a:solidFill>
+                  <a:srgbClr val="000000"/>
+                </a:solidFill>
+                <a:latin typeface="Times New Roman" panose="02020603050405020304" pitchFamily="18" charset="0"/>
+                <a:ea typeface="Menlo"/>
+                <a:cs typeface="Times New Roman" panose="02020603050405020304" pitchFamily="18" charset="0"/>
+              </a:rPr>
+              <a:t>t</a:t>
+            </a:r>
+            <a:r>
+              <a:rPr lang="en-US" sz="1200" spc="-1" dirty="0">
+                <a:solidFill>
+                  <a:srgbClr val="000000"/>
+                </a:solidFill>
+                <a:latin typeface="Arial"/>
+                <a:ea typeface="Menlo"/>
+              </a:rPr>
+              <a:t>-te</a:t>
+            </a:r>
+            <a:r>
+              <a:rPr lang="en-US" sz="1200" b="0" strike="noStrike" spc="-1" dirty="0">
+                <a:solidFill>
+                  <a:srgbClr val="000000"/>
+                </a:solidFill>
+                <a:latin typeface="Arial"/>
+                <a:ea typeface="Menlo"/>
+              </a:rPr>
+              <a:t>st and confidence interval</a:t>
+            </a:r>
             <a:endParaRPr lang="en-US" sz="1200" b="0" strike="noStrike" spc="-1" dirty="0">
-              <a:solidFill>
-                <a:srgbClr val="000000"/>
-              </a:solidFill>
-              <a:latin typeface="Arial"/>
-              <a:ea typeface="DejaVu Sans"/>
-            </a:endParaRPr>
-          </a:p>
-          <a:p>
-            <a:pPr>
-              <a:lnSpc>
-                <a:spcPts val="120"/>
-              </a:lnSpc>
-            </a:pPr>
-            <a:r>
-              <a:rPr lang="en-US" sz="1200" b="0" strike="noStrike" spc="-1" dirty="0" err="1">
+              <a:latin typeface="Arial"/>
+            </a:endParaRPr>
+          </a:p>
+          <a:p>
+            <a:pPr>
+              <a:lnSpc>
+                <a:spcPct val="100000"/>
+              </a:lnSpc>
+            </a:pPr>
+            <a:r>
+              <a:rPr lang="en-US" sz="1100" b="1" strike="noStrike" spc="-1" dirty="0">
+                <a:solidFill>
+                  <a:srgbClr val="000000"/>
+                </a:solidFill>
+                <a:latin typeface="Courier New"/>
+                <a:ea typeface="Menlo"/>
+              </a:rPr>
+              <a:t>result &lt;- </a:t>
+            </a:r>
+            <a:r>
+              <a:rPr lang="en-US" sz="1100" b="1" strike="noStrike" spc="-1" dirty="0" err="1">
+                <a:solidFill>
+                  <a:srgbClr val="000000"/>
+                </a:solidFill>
+                <a:latin typeface="Courier New"/>
+                <a:ea typeface="Menlo"/>
+              </a:rPr>
+              <a:t>t_test</a:t>
+            </a:r>
+            <a:r>
+              <a:rPr lang="en-US" sz="1100" b="1" strike="noStrike" spc="-1" dirty="0">
+                <a:solidFill>
+                  <a:srgbClr val="000000"/>
+                </a:solidFill>
+                <a:latin typeface="Courier New"/>
+                <a:ea typeface="Menlo"/>
+              </a:rPr>
+              <a:t>(</a:t>
+            </a:r>
+            <a:r>
+              <a:rPr lang="en-US" sz="1100" b="1" strike="noStrike" spc="-1" dirty="0" err="1">
+                <a:solidFill>
+                  <a:srgbClr val="000000"/>
+                </a:solidFill>
+                <a:latin typeface="Courier New"/>
+                <a:ea typeface="Menlo"/>
+              </a:rPr>
+              <a:t>cesd</a:t>
+            </a:r>
+            <a:r>
+              <a:rPr lang="en-US" sz="1100" b="1" strike="noStrike" spc="-1" dirty="0">
+                <a:solidFill>
+                  <a:srgbClr val="000000"/>
+                </a:solidFill>
+                <a:latin typeface="Courier New"/>
+                <a:ea typeface="Menlo"/>
+              </a:rPr>
+              <a:t> ~ sex, </a:t>
+            </a:r>
+            <a:endParaRPr lang="en-US" sz="1100" b="0" strike="noStrike" spc="-1" dirty="0">
+              <a:latin typeface="Arial"/>
+            </a:endParaRPr>
+          </a:p>
+          <a:p>
+            <a:pPr>
+              <a:lnSpc>
+                <a:spcPct val="100000"/>
+              </a:lnSpc>
+            </a:pPr>
+            <a:r>
+              <a:rPr lang="en-US" sz="1100" b="1" strike="noStrike" spc="-1" dirty="0">
+                <a:solidFill>
+                  <a:srgbClr val="000000"/>
+                </a:solidFill>
+                <a:latin typeface="Courier New"/>
+                <a:ea typeface="Menlo"/>
+              </a:rPr>
+              <a:t>  data = </a:t>
+            </a:r>
+            <a:r>
+              <a:rPr lang="en-US" sz="1100" b="1" strike="noStrike" spc="-1" dirty="0" err="1">
+                <a:solidFill>
+                  <a:srgbClr val="000000"/>
+                </a:solidFill>
+                <a:latin typeface="Courier New"/>
+                <a:ea typeface="Menlo"/>
+              </a:rPr>
+              <a:t>HELPrct</a:t>
+            </a:r>
+            <a:r>
+              <a:rPr lang="en-US" sz="1100" b="1" strike="noStrike" spc="-1" dirty="0">
+                <a:solidFill>
+                  <a:srgbClr val="000000"/>
+                </a:solidFill>
+                <a:latin typeface="Courier New"/>
+                <a:ea typeface="Menlo"/>
+              </a:rPr>
+              <a:t>) </a:t>
+            </a:r>
+          </a:p>
+          <a:p>
+            <a:pPr>
+              <a:lnSpc>
+                <a:spcPct val="100000"/>
+              </a:lnSpc>
+            </a:pPr>
+            <a:r>
+              <a:rPr lang="en-US" sz="1100" b="1" strike="noStrike" spc="-1" dirty="0" err="1">
+                <a:solidFill>
+                  <a:srgbClr val="000000"/>
+                </a:solidFill>
+                <a:latin typeface="Courier New"/>
+                <a:ea typeface="Menlo"/>
+              </a:rPr>
+              <a:t>confint</a:t>
+            </a:r>
+            <a:r>
+              <a:rPr lang="en-US" sz="1100" b="1" strike="noStrike" spc="-1" dirty="0">
+                <a:solidFill>
+                  <a:srgbClr val="000000"/>
+                </a:solidFill>
+                <a:latin typeface="Courier New"/>
+                <a:ea typeface="Menlo"/>
+              </a:rPr>
+              <a:t>(result)</a:t>
+            </a:r>
+          </a:p>
+          <a:p>
+            <a:pPr>
+              <a:lnSpc>
+                <a:spcPct val="100000"/>
+              </a:lnSpc>
+            </a:pPr>
+            <a:r>
+              <a:rPr lang="en-US" sz="1100" b="1" spc="-1" dirty="0" err="1">
+                <a:solidFill>
+                  <a:srgbClr val="000000"/>
+                </a:solidFill>
+                <a:latin typeface="Courier New"/>
+              </a:rPr>
+              <a:t>pval</a:t>
+            </a:r>
+            <a:r>
+              <a:rPr lang="en-US" sz="1100" b="1" spc="-1" dirty="0">
+                <a:solidFill>
+                  <a:srgbClr val="000000"/>
+                </a:solidFill>
+                <a:latin typeface="Courier New"/>
+              </a:rPr>
+              <a:t>(result)</a:t>
+            </a:r>
+            <a:endParaRPr lang="en-US" sz="1100" b="0" strike="noStrike" spc="-1" dirty="0">
+              <a:latin typeface="Arial"/>
+            </a:endParaRPr>
+          </a:p>
+          <a:p>
+            <a:pPr>
+              <a:lnSpc>
+                <a:spcPct val="150000"/>
+              </a:lnSpc>
+            </a:pPr>
+            <a:r>
+              <a:rPr lang="en-US" sz="1200" b="0" strike="noStrike" spc="-1" dirty="0">
                 <a:solidFill>
                   <a:srgbClr val="000000"/>
                 </a:solidFill>
                 <a:latin typeface="Arial"/>
                 <a:ea typeface="DejaVu Sans"/>
               </a:rPr>
-              <a:t>Dotplot</a:t>
-            </a:r>
+              <a:t>More than two levels: Analysis of variance</a:t>
+            </a:r>
+            <a:endParaRPr lang="en-US" sz="1200" b="0" strike="noStrike" spc="-1" dirty="0">
+              <a:latin typeface="Arial"/>
+            </a:endParaRPr>
+          </a:p>
+          <a:p>
+            <a:pPr>
+              <a:lnSpc>
+                <a:spcPct val="100000"/>
+              </a:lnSpc>
+            </a:pPr>
             <a:r>
               <a:rPr lang="en-US" sz="1200" b="0" strike="noStrike" spc="-1" dirty="0">
                 <a:solidFill>
@@ -12089,7 +11773,7 @@
                 <a:latin typeface="Arial"/>
                 <a:ea typeface="DejaVu Sans"/>
               </a:rPr>
-              <a:t> for smaller samples</a:t>
+              <a:t>Numeric summaries</a:t>
             </a:r>
             <a:endParaRPr lang="en-US" sz="1200" b="0" strike="noStrike" spc="-1" dirty="0">
               <a:latin typeface="Arial"/>
@@ -12098,10 +11782,110 @@
           <a:p>
             <a:pPr>
               <a:lnSpc>
+                <a:spcPct val="100000"/>
+              </a:lnSpc>
+            </a:pPr>
+            <a:r>
+              <a:rPr lang="en-US" sz="1100" b="1" strike="noStrike" spc="-1" dirty="0">
+                <a:solidFill>
+                  <a:srgbClr val="000000"/>
+                </a:solidFill>
+                <a:latin typeface="Courier New"/>
+                <a:ea typeface="Menlo"/>
+              </a:rPr>
+              <a:t>favstats(</a:t>
+            </a:r>
+            <a:r>
+              <a:rPr lang="en-US" sz="1100" b="1" strike="noStrike" spc="-1" dirty="0" err="1">
+                <a:solidFill>
+                  <a:srgbClr val="000000"/>
+                </a:solidFill>
+                <a:latin typeface="Courier New"/>
+                <a:ea typeface="Menlo"/>
+              </a:rPr>
+              <a:t>cesd</a:t>
+            </a:r>
+            <a:r>
+              <a:rPr lang="en-US" sz="1100" b="1" strike="noStrike" spc="-1" dirty="0">
+                <a:solidFill>
+                  <a:srgbClr val="000000"/>
+                </a:solidFill>
+                <a:latin typeface="Courier New"/>
+                <a:ea typeface="Menlo"/>
+              </a:rPr>
+              <a:t> ~ substance, </a:t>
+            </a:r>
+            <a:endParaRPr lang="en-US" sz="1100" b="0" strike="noStrike" spc="-1" dirty="0">
+              <a:latin typeface="Arial"/>
+            </a:endParaRPr>
+          </a:p>
+          <a:p>
+            <a:pPr>
+              <a:lnSpc>
+                <a:spcPct val="100000"/>
+              </a:lnSpc>
+            </a:pPr>
+            <a:r>
+              <a:rPr lang="en-US" sz="1100" b="1" strike="noStrike" spc="-1" dirty="0">
+                <a:solidFill>
+                  <a:srgbClr val="000000"/>
+                </a:solidFill>
+                <a:latin typeface="Courier New"/>
+                <a:ea typeface="Menlo"/>
+              </a:rPr>
+              <a:t>  data = </a:t>
+            </a:r>
+            <a:r>
+              <a:rPr lang="en-US" sz="1100" b="1" strike="noStrike" spc="-1" dirty="0" err="1">
+                <a:solidFill>
+                  <a:srgbClr val="000000"/>
+                </a:solidFill>
+                <a:latin typeface="Courier New"/>
+                <a:ea typeface="Menlo"/>
+              </a:rPr>
+              <a:t>HELPrct</a:t>
+            </a:r>
+            <a:r>
+              <a:rPr lang="en-US" sz="1100" b="1" strike="noStrike" spc="-1" dirty="0">
+                <a:solidFill>
+                  <a:srgbClr val="000000"/>
+                </a:solidFill>
+                <a:latin typeface="Courier New"/>
+                <a:ea typeface="Menlo"/>
+              </a:rPr>
+              <a:t>)</a:t>
+            </a:r>
+            <a:endParaRPr lang="en-US" sz="1100" b="0" strike="noStrike" spc="-1" dirty="0">
+              <a:latin typeface="Arial"/>
+            </a:endParaRPr>
+          </a:p>
+          <a:p>
+            <a:pPr>
+              <a:lnSpc>
                 <a:spcPct val="150000"/>
               </a:lnSpc>
             </a:pPr>
             <a:r>
+              <a:rPr lang="en-US" sz="1200" b="0" strike="noStrike" spc="-1" dirty="0">
+                <a:solidFill>
+                  <a:srgbClr val="000000"/>
+                </a:solidFill>
+                <a:latin typeface="Arial"/>
+                <a:ea typeface="DejaVu Sans"/>
+              </a:rPr>
+              <a:t>Graphic summaries</a:t>
+            </a:r>
+            <a:endParaRPr lang="en-US" sz="1200" b="0" strike="noStrike" spc="-1" dirty="0">
+              <a:latin typeface="Arial"/>
+            </a:endParaRPr>
+          </a:p>
+          <a:p>
+            <a:pPr>
+              <a:lnSpc>
+                <a:spcPct val="100000"/>
+              </a:lnSpc>
+            </a:pPr>
+            <a:r>
               <a:rPr lang="en-US" sz="1100" b="1" strike="noStrike" spc="-1" dirty="0">
                 <a:solidFill>
                   <a:srgbClr val="000000"/>
@@ -12109,7 +11893,27 @@
                 <a:latin typeface="Courier New"/>
                 <a:ea typeface="Menlo"/>
               </a:rPr>
-              <a:t>xyplot(sex ~ length, alpha = 0.6, </a:t>
+              <a:t>bwplot(</a:t>
+            </a:r>
+            <a:r>
+              <a:rPr lang="en-US" sz="1100" b="1" strike="noStrike" spc="-1" dirty="0" err="1">
+                <a:solidFill>
+                  <a:srgbClr val="000000"/>
+                </a:solidFill>
+                <a:latin typeface="Courier New"/>
+                <a:ea typeface="Menlo"/>
+              </a:rPr>
+              <a:t>cesd</a:t>
+            </a:r>
+            <a:r>
+              <a:rPr lang="en-US" sz="1100" b="1" strike="noStrike" spc="-1" dirty="0">
+                <a:solidFill>
+                  <a:srgbClr val="000000"/>
+                </a:solidFill>
+                <a:latin typeface="Courier New"/>
+                <a:ea typeface="Menlo"/>
+              </a:rPr>
+              <a:t> ~ substance, </a:t>
             </a:r>
             <a:endParaRPr lang="en-US" sz="1100" b="0" strike="noStrike" spc="-1" dirty="0">
               <a:latin typeface="Arial"/>
@@ -12129,7 +11933,7 @@
                 <a:latin typeface="Courier New"/>
                 <a:ea typeface="Menlo"/>
               </a:rPr>
-              <a:t>  </a:t>
+              <a:t>  data = </a:t>
             </a:r>
             <a:r>
               <a:rPr lang="en-US" sz="1100" b="1" strike="noStrike" spc="-1" dirty="0" err="1">
@@ -12139,7 +11943,7 @@
                 <a:latin typeface="Courier New"/>
                 <a:ea typeface="Menlo"/>
               </a:rPr>
-              <a:t>cex</a:t>
+              <a:t>HELPrct</a:t>
             </a:r>
             <a:r>
               <a:rPr lang="en-US" sz="1100" b="1" strike="noStrike" spc="-1" dirty="0">
@@ -12149,401 +11953,20 @@
                 <a:latin typeface="Courier New"/>
                 <a:ea typeface="Menlo"/>
               </a:rPr>
-              <a:t> = 1.4, data = </a:t>
-            </a:r>
-            <a:r>
-              <a:rPr lang="en-US" sz="1100" b="1" strike="noStrike" spc="-1" dirty="0" err="1">
-                <a:solidFill>
-                  <a:srgbClr val="000000"/>
-                </a:solidFill>
-                <a:latin typeface="Courier New"/>
-                <a:ea typeface="Menlo"/>
-              </a:rPr>
-              <a:t>KidsFeet</a:t>
-            </a:r>
-            <a:r>
-              <a:rPr lang="en-US" sz="1100" b="1" strike="noStrike" spc="-1" dirty="0">
-                <a:solidFill>
-                  <a:srgbClr val="000000"/>
-                </a:solidFill>
-                <a:latin typeface="Courier New"/>
-                <a:ea typeface="Menlo"/>
-              </a:rPr>
-              <a:t>)</a:t>
-            </a:r>
-            <a:endParaRPr lang="en-US" sz="1100" b="0" strike="noStrike" spc="-1" dirty="0">
-              <a:latin typeface="Arial"/>
-            </a:endParaRPr>
-          </a:p>
-          <a:p>
-            <a:pPr>
-              <a:lnSpc>
-                <a:spcPct val="150000"/>
-              </a:lnSpc>
-            </a:pPr>
-            <a:r>
-              <a:rPr lang="en-US" sz="1200" b="0" strike="noStrike" spc="-1" dirty="0">
-                <a:solidFill>
-                  <a:srgbClr val="000000"/>
-                </a:solidFill>
-                <a:latin typeface="Arial"/>
-                <a:ea typeface="Menlo"/>
-              </a:rPr>
-              <a:t>Two-sample </a:t>
-            </a:r>
-            <a:r>
-              <a:rPr lang="en-US" sz="1200" i="1" spc="-1" dirty="0">
-                <a:solidFill>
-                  <a:srgbClr val="000000"/>
-                </a:solidFill>
-                <a:latin typeface="Times New Roman" panose="02020603050405020304" pitchFamily="18" charset="0"/>
-                <a:ea typeface="Menlo"/>
-                <a:cs typeface="Times New Roman" panose="02020603050405020304" pitchFamily="18" charset="0"/>
-              </a:rPr>
-              <a:t>t</a:t>
-            </a:r>
-            <a:r>
-              <a:rPr lang="en-US" sz="1200" spc="-1" dirty="0">
-                <a:solidFill>
-                  <a:srgbClr val="000000"/>
-                </a:solidFill>
-                <a:latin typeface="Arial"/>
-                <a:ea typeface="Menlo"/>
-              </a:rPr>
-              <a:t>-te</a:t>
-            </a:r>
-            <a:r>
-              <a:rPr lang="en-US" sz="1200" b="0" strike="noStrike" spc="-1" dirty="0">
-                <a:solidFill>
-                  <a:srgbClr val="000000"/>
-                </a:solidFill>
-                <a:latin typeface="Arial"/>
-                <a:ea typeface="Menlo"/>
-              </a:rPr>
-              <a:t>st and confidence interval</a:t>
-            </a:r>
-            <a:endParaRPr lang="en-US" sz="1200" b="0" strike="noStrike" spc="-1" dirty="0">
-              <a:latin typeface="Arial"/>
-            </a:endParaRPr>
-          </a:p>
-          <a:p>
-            <a:pPr>
-              <a:lnSpc>
-                <a:spcPct val="100000"/>
-              </a:lnSpc>
-            </a:pPr>
-            <a:r>
-              <a:rPr lang="en-US" sz="1100" b="1" strike="noStrike" spc="-1" dirty="0">
-                <a:solidFill>
-                  <a:srgbClr val="000000"/>
-                </a:solidFill>
-                <a:latin typeface="Courier New"/>
-                <a:ea typeface="Menlo"/>
-              </a:rPr>
-              <a:t>result &lt;- </a:t>
-            </a:r>
-            <a:r>
-              <a:rPr lang="en-US" sz="1100" b="1" strike="noStrike" spc="-1" dirty="0" err="1">
-                <a:solidFill>
-                  <a:srgbClr val="000000"/>
-                </a:solidFill>
-                <a:latin typeface="Courier New"/>
-                <a:ea typeface="Menlo"/>
-              </a:rPr>
-              <a:t>t.test</a:t>
-            </a:r>
-            <a:r>
-              <a:rPr lang="en-US" sz="1100" b="1" strike="noStrike" spc="-1" dirty="0">
-                <a:solidFill>
-                  <a:srgbClr val="000000"/>
-                </a:solidFill>
-                <a:latin typeface="Courier New"/>
-                <a:ea typeface="Menlo"/>
-              </a:rPr>
-              <a:t>(</a:t>
-            </a:r>
-            <a:r>
-              <a:rPr lang="en-US" sz="1100" b="1" strike="noStrike" spc="-1" dirty="0" err="1">
-                <a:solidFill>
-                  <a:srgbClr val="000000"/>
-                </a:solidFill>
-                <a:latin typeface="Courier New"/>
-                <a:ea typeface="Menlo"/>
-              </a:rPr>
-              <a:t>cesd</a:t>
-            </a:r>
-            <a:r>
-              <a:rPr lang="en-US" sz="1100" b="1" strike="noStrike" spc="-1" dirty="0">
-                <a:solidFill>
-                  <a:srgbClr val="000000"/>
-                </a:solidFill>
-                <a:latin typeface="Courier New"/>
-                <a:ea typeface="Menlo"/>
-              </a:rPr>
-              <a:t> ~ sex, </a:t>
-            </a:r>
-            <a:endParaRPr lang="en-US" sz="1100" b="0" strike="noStrike" spc="-1" dirty="0">
-              <a:latin typeface="Arial"/>
-            </a:endParaRPr>
-          </a:p>
-          <a:p>
-            <a:pPr>
-              <a:lnSpc>
-                <a:spcPct val="100000"/>
-              </a:lnSpc>
-            </a:pPr>
-            <a:r>
-              <a:rPr lang="en-US" sz="1100" b="1" strike="noStrike" spc="-1" dirty="0">
-                <a:solidFill>
-                  <a:srgbClr val="000000"/>
-                </a:solidFill>
-                <a:latin typeface="Courier New"/>
-                <a:ea typeface="Menlo"/>
-              </a:rPr>
-              <a:t>  </a:t>
-            </a:r>
-            <a:r>
-              <a:rPr lang="en-US" sz="1100" b="1" strike="noStrike" spc="-1" dirty="0" err="1">
-                <a:solidFill>
-                  <a:srgbClr val="000000"/>
-                </a:solidFill>
-                <a:latin typeface="Courier New"/>
-                <a:ea typeface="Menlo"/>
-              </a:rPr>
-              <a:t>var.equal</a:t>
-            </a:r>
-            <a:r>
-              <a:rPr lang="en-US" sz="1100" b="1" strike="noStrike" spc="-1" dirty="0">
-                <a:solidFill>
-                  <a:srgbClr val="000000"/>
-                </a:solidFill>
-                <a:latin typeface="Courier New"/>
-                <a:ea typeface="Menlo"/>
-              </a:rPr>
-              <a:t> = FALSE, data = </a:t>
-            </a:r>
-            <a:r>
-              <a:rPr lang="en-US" sz="1100" b="1" strike="noStrike" spc="-1" dirty="0" err="1">
-                <a:solidFill>
-                  <a:srgbClr val="000000"/>
-                </a:solidFill>
-                <a:latin typeface="Courier New"/>
-                <a:ea typeface="Menlo"/>
-              </a:rPr>
-              <a:t>HELPrct</a:t>
-            </a:r>
-            <a:r>
-              <a:rPr lang="en-US" sz="1100" b="1" strike="noStrike" spc="-1" dirty="0">
-                <a:solidFill>
-                  <a:srgbClr val="000000"/>
-                </a:solidFill>
-                <a:latin typeface="Courier New"/>
-                <a:ea typeface="Menlo"/>
-              </a:rPr>
-              <a:t>) </a:t>
-            </a:r>
-            <a:r>
-              <a:rPr lang="en-US" sz="1100" b="1" strike="noStrike" spc="-1" dirty="0" err="1">
-                <a:solidFill>
-                  <a:srgbClr val="000000"/>
-                </a:solidFill>
-                <a:latin typeface="Courier New"/>
-                <a:ea typeface="Menlo"/>
-              </a:rPr>
-              <a:t>confint</a:t>
-            </a:r>
-            <a:r>
-              <a:rPr lang="en-US" sz="1100" b="1" strike="noStrike" spc="-1" dirty="0">
-                <a:solidFill>
-                  <a:srgbClr val="000000"/>
-                </a:solidFill>
-                <a:latin typeface="Courier New"/>
-                <a:ea typeface="Menlo"/>
-              </a:rPr>
-              <a:t>(result)</a:t>
-            </a:r>
-            <a:endParaRPr lang="en-US" sz="1100" b="0" strike="noStrike" spc="-1" dirty="0">
-              <a:latin typeface="Arial"/>
-            </a:endParaRPr>
-          </a:p>
-          <a:p>
-            <a:pPr>
-              <a:lnSpc>
-                <a:spcPct val="150000"/>
-              </a:lnSpc>
-            </a:pPr>
-            <a:r>
-              <a:rPr lang="en-US" sz="1200" b="0" strike="noStrike" spc="-1" dirty="0">
-                <a:solidFill>
-                  <a:srgbClr val="000000"/>
-                </a:solidFill>
-                <a:latin typeface="Arial"/>
-                <a:ea typeface="DejaVu Sans"/>
-              </a:rPr>
-              <a:t>More than two levels: Analysis of variance</a:t>
-            </a:r>
-            <a:endParaRPr lang="en-US" sz="1200" b="0" strike="noStrike" spc="-1" dirty="0">
-              <a:latin typeface="Arial"/>
-            </a:endParaRPr>
-          </a:p>
-          <a:p>
-            <a:pPr>
-              <a:lnSpc>
-                <a:spcPct val="100000"/>
-              </a:lnSpc>
-            </a:pPr>
-            <a:r>
-              <a:rPr lang="en-US" sz="1200" b="0" strike="noStrike" spc="-1" dirty="0">
-                <a:solidFill>
-                  <a:srgbClr val="000000"/>
-                </a:solidFill>
-                <a:latin typeface="Arial"/>
-                <a:ea typeface="DejaVu Sans"/>
-              </a:rPr>
-              <a:t>Numeric summaries</a:t>
-            </a:r>
-            <a:endParaRPr lang="en-US" sz="1200" b="0" strike="noStrike" spc="-1" dirty="0">
-              <a:latin typeface="Arial"/>
-            </a:endParaRPr>
-          </a:p>
-          <a:p>
-            <a:pPr>
-              <a:lnSpc>
-                <a:spcPct val="100000"/>
-              </a:lnSpc>
-            </a:pPr>
-            <a:r>
-              <a:rPr lang="en-US" sz="1100" b="1" strike="noStrike" spc="-1" dirty="0">
-                <a:solidFill>
-                  <a:srgbClr val="000000"/>
-                </a:solidFill>
-                <a:latin typeface="Courier New"/>
-                <a:ea typeface="Menlo"/>
-              </a:rPr>
-              <a:t>favstats(</a:t>
-            </a:r>
-            <a:r>
-              <a:rPr lang="en-US" sz="1100" b="1" strike="noStrike" spc="-1" dirty="0" err="1">
-                <a:solidFill>
-                  <a:srgbClr val="000000"/>
-                </a:solidFill>
-                <a:latin typeface="Courier New"/>
-                <a:ea typeface="Menlo"/>
-              </a:rPr>
-              <a:t>cesd</a:t>
-            </a:r>
-            <a:r>
-              <a:rPr lang="en-US" sz="1100" b="1" strike="noStrike" spc="-1" dirty="0">
-                <a:solidFill>
-                  <a:srgbClr val="000000"/>
-                </a:solidFill>
-                <a:latin typeface="Courier New"/>
-                <a:ea typeface="Menlo"/>
-              </a:rPr>
-              <a:t> ~ substance, </a:t>
-            </a:r>
-            <a:endParaRPr lang="en-US" sz="1100" b="0" strike="noStrike" spc="-1" dirty="0">
-              <a:latin typeface="Arial"/>
-            </a:endParaRPr>
-          </a:p>
-          <a:p>
-            <a:pPr>
-              <a:lnSpc>
-                <a:spcPct val="100000"/>
-              </a:lnSpc>
-            </a:pPr>
-            <a:r>
-              <a:rPr lang="en-US" sz="1100" b="1" strike="noStrike" spc="-1" dirty="0">
-                <a:solidFill>
-                  <a:srgbClr val="000000"/>
-                </a:solidFill>
-                <a:latin typeface="Courier New"/>
-                <a:ea typeface="Menlo"/>
-              </a:rPr>
-              <a:t>  data = </a:t>
-            </a:r>
-            <a:r>
-              <a:rPr lang="en-US" sz="1100" b="1" strike="noStrike" spc="-1" dirty="0" err="1">
-                <a:solidFill>
-                  <a:srgbClr val="000000"/>
-                </a:solidFill>
-                <a:latin typeface="Courier New"/>
-                <a:ea typeface="Menlo"/>
-              </a:rPr>
-              <a:t>HELPrct</a:t>
-            </a:r>
-            <a:r>
-              <a:rPr lang="en-US" sz="1100" b="1" strike="noStrike" spc="-1" dirty="0">
-                <a:solidFill>
-                  <a:srgbClr val="000000"/>
-                </a:solidFill>
-                <a:latin typeface="Courier New"/>
-                <a:ea typeface="Menlo"/>
-              </a:rPr>
-              <a:t>)</a:t>
-            </a:r>
-            <a:endParaRPr lang="en-US" sz="1100" b="0" strike="noStrike" spc="-1" dirty="0">
-              <a:latin typeface="Arial"/>
-            </a:endParaRPr>
-          </a:p>
-          <a:p>
-            <a:pPr>
-              <a:lnSpc>
-                <a:spcPct val="150000"/>
-              </a:lnSpc>
-            </a:pPr>
-            <a:r>
-              <a:rPr lang="en-US" sz="1200" b="0" strike="noStrike" spc="-1" dirty="0">
-                <a:solidFill>
-                  <a:srgbClr val="000000"/>
-                </a:solidFill>
-                <a:latin typeface="Arial"/>
-                <a:ea typeface="DejaVu Sans"/>
-              </a:rPr>
-              <a:t>Graphic summaries</a:t>
-            </a:r>
-            <a:endParaRPr lang="en-US" sz="1200" b="0" strike="noStrike" spc="-1" dirty="0">
-              <a:latin typeface="Arial"/>
-            </a:endParaRPr>
-          </a:p>
-          <a:p>
-            <a:pPr>
-              <a:lnSpc>
-                <a:spcPct val="100000"/>
-              </a:lnSpc>
-            </a:pPr>
-            <a:r>
-              <a:rPr lang="en-US" sz="1100" b="1" strike="noStrike" spc="-1" dirty="0">
-                <a:solidFill>
-                  <a:srgbClr val="000000"/>
-                </a:solidFill>
-                <a:latin typeface="Courier New"/>
-                <a:ea typeface="Menlo"/>
-              </a:rPr>
-              <a:t>bwplot(</a:t>
-            </a:r>
-            <a:r>
-              <a:rPr lang="en-US" sz="1100" b="1" strike="noStrike" spc="-1" dirty="0" err="1">
-                <a:solidFill>
-                  <a:srgbClr val="000000"/>
-                </a:solidFill>
-                <a:latin typeface="Courier New"/>
-                <a:ea typeface="Menlo"/>
-              </a:rPr>
-              <a:t>cesd</a:t>
-            </a:r>
-            <a:r>
-              <a:rPr lang="en-US" sz="1100" b="1" strike="noStrike" spc="-1" dirty="0">
-                <a:solidFill>
-                  <a:srgbClr val="000000"/>
-                </a:solidFill>
-                <a:latin typeface="Courier New"/>
-                <a:ea typeface="Menlo"/>
-              </a:rPr>
-              <a:t> ~ substance, </a:t>
-            </a:r>
-            <a:r>
-              <a:rPr lang="en-US" sz="1100" b="1" strike="noStrike" spc="-1" dirty="0" err="1">
+              <a:t>,</a:t>
+            </a:r>
+            <a:r>
+              <a:rPr lang="en-US" sz="1100" b="1" spc="-1" dirty="0">
+                <a:solidFill>
+                  <a:srgbClr val="000000"/>
+                </a:solidFill>
+                <a:latin typeface="Courier New"/>
+                <a:ea typeface="Menlo"/>
+              </a:rPr>
+              <a:t> </a:t>
+            </a:r>
+            <a:r>
+              <a:rPr lang="en-US" sz="1100" b="1" spc="-1" dirty="0" err="1">
                 <a:solidFill>
                   <a:srgbClr val="000000"/>
                 </a:solidFill>
@@ -12553,54 +11976,14 @@
               <a:t>pch</a:t>
             </a:r>
             <a:r>
-              <a:rPr lang="en-US" sz="1100" b="1" strike="noStrike" spc="-1" dirty="0">
-                <a:solidFill>
-                  <a:srgbClr val="000000"/>
-                </a:solidFill>
-                <a:latin typeface="Courier New"/>
-                <a:ea typeface="Menlo"/>
-              </a:rPr>
-              <a:t> = "|",</a:t>
-            </a:r>
-            <a:endParaRPr lang="en-US" sz="1100" b="0" strike="noStrike" spc="-1" dirty="0">
-              <a:latin typeface="Arial"/>
-            </a:endParaRPr>
-          </a:p>
-          <a:p>
-            <a:pPr>
-              <a:lnSpc>
-                <a:spcPct val="100000"/>
-              </a:lnSpc>
-            </a:pPr>
-            <a:r>
-              <a:rPr lang="en-US" sz="1100" b="1" strike="noStrike" spc="-1" dirty="0">
-                <a:solidFill>
-                  <a:srgbClr val="000000"/>
-                </a:solidFill>
-                <a:latin typeface="Courier New"/>
-                <a:ea typeface="Menlo"/>
-              </a:rPr>
-              <a:t>  data = </a:t>
-            </a:r>
-            <a:r>
-              <a:rPr lang="en-US" sz="1100" b="1" strike="noStrike" spc="-1" dirty="0" err="1">
-                <a:solidFill>
-                  <a:srgbClr val="000000"/>
-                </a:solidFill>
-                <a:latin typeface="Courier New"/>
-                <a:ea typeface="Menlo"/>
-              </a:rPr>
-              <a:t>HELPrct</a:t>
-            </a:r>
-            <a:r>
-              <a:rPr lang="en-US" sz="1100" b="1" strike="noStrike" spc="-1" dirty="0">
-                <a:solidFill>
-                  <a:srgbClr val="000000"/>
-                </a:solidFill>
-                <a:latin typeface="Courier New"/>
-                <a:ea typeface="Menlo"/>
-              </a:rPr>
-              <a:t>)</a:t>
+              <a:rPr lang="en-US" sz="1100" b="1" spc="-1" dirty="0">
+                <a:solidFill>
+                  <a:srgbClr val="000000"/>
+                </a:solidFill>
+                <a:latin typeface="Courier New"/>
+                <a:ea typeface="Menlo"/>
+              </a:rPr>
+              <a:t> = "|")</a:t>
             </a:r>
             <a:endParaRPr lang="en-US" sz="1100" b="0" strike="noStrike" spc="-1" dirty="0">
               <a:latin typeface="Arial"/>
@@ -13877,35 +13260,6 @@
       </p:sp>
       <p:pic>
         <p:nvPicPr>
-          <p:cNvPr id="22" name="Picture 7">
-            <a:extLst>
-              <a:ext uri="{FF2B5EF4-FFF2-40B4-BE49-F238E27FC236}">
-                <a16:creationId xmlns:a16="http://schemas.microsoft.com/office/drawing/2014/main" id="{ABEA9727-35A0-42F8-B33C-2A392664FA00}"/>
-              </a:ext>
-            </a:extLst>
-          </p:cNvPr>
-          <p:cNvPicPr/>
-          <p:nvPr/>
-        </p:nvPicPr>
-        <p:blipFill>
-          <a:blip r:embed="rId2"/>
-          <a:stretch/>
-        </p:blipFill>
-        <p:spPr>
-          <a:xfrm>
-            <a:off x="3805920" y="2946101"/>
-            <a:ext cx="2856960" cy="1371240"/>
-          </a:xfrm>
-          <a:prstGeom prst="rect">
-            <a:avLst/>
-          </a:prstGeom>
-          <a:ln>
-            <a:noFill/>
-          </a:ln>
-        </p:spPr>
-      </p:pic>
-      <p:pic>
-        <p:nvPicPr>
           <p:cNvPr id="3" name="Picture 2">
             <a:extLst>
               <a:ext uri="{FF2B5EF4-FFF2-40B4-BE49-F238E27FC236}">
@@ -13919,7 +13273,7 @@
           <p:nvPr/>
         </p:nvPicPr>
         <p:blipFill>
-          <a:blip r:embed="rId3"/>
+          <a:blip r:embed="rId2"/>
           <a:stretch>
             <a:fillRect/>
           </a:stretch>
@@ -13949,7 +13303,7 @@
           <p:nvPr/>
         </p:nvPicPr>
         <p:blipFill>
-          <a:blip r:embed="rId4"/>
+          <a:blip r:embed="rId3"/>
           <a:stretch>
             <a:fillRect/>
           </a:stretch>
@@ -13979,14 +13333,14 @@
           <p:nvPr/>
         </p:nvPicPr>
         <p:blipFill>
-          <a:blip r:embed="rId5"/>
+          <a:blip r:embed="rId4"/>
           <a:stretch>
             <a:fillRect/>
           </a:stretch>
         </p:blipFill>
         <p:spPr>
           <a:xfrm>
-            <a:off x="10723976" y="8641623"/>
+            <a:off x="10597635" y="8436639"/>
             <a:ext cx="2306952" cy="1573616"/>
           </a:xfrm>
           <a:prstGeom prst="rect">
@@ -14092,7 +13446,7 @@
                 </a:uFill>
                 <a:latin typeface="Source Sans Pro Light"/>
                 <a:ea typeface="Source Sans Pro Light"/>
-                <a:hlinkClick r:id="rId6"/>
+                <a:hlinkClick r:id="rId5"/>
               </a:rPr>
               <a:t>CC BY </a:t>
             </a:r>
@@ -14224,349 +13578,6 @@
               <a:t> &amp; DT Kaplan •  Updated: July 2018</a:t>
             </a:r>
             <a:endParaRPr lang="en-US" sz="900" b="0" strike="noStrike" spc="-1" dirty="0">
-              <a:latin typeface="Arial"/>
-            </a:endParaRPr>
-          </a:p>
-        </p:txBody>
-      </p:sp>
-      <p:sp>
-        <p:nvSpPr>
-          <p:cNvPr id="32" name="CustomShape 11">
-            <a:extLst>
-              <a:ext uri="{FF2B5EF4-FFF2-40B4-BE49-F238E27FC236}">
-                <a16:creationId xmlns:a16="http://schemas.microsoft.com/office/drawing/2014/main" id="{1489001F-FCBA-4048-942C-4F036D3C7535}"/>
-              </a:ext>
-            </a:extLst>
-          </p:cNvPr>
-          <p:cNvSpPr/>
-          <p:nvPr/>
-        </p:nvSpPr>
-        <p:spPr>
-          <a:xfrm>
-            <a:off x="182537" y="644571"/>
-            <a:ext cx="3200400" cy="3111241"/>
-          </a:xfrm>
-          <a:prstGeom prst="rect">
-            <a:avLst/>
-          </a:prstGeom>
-          <a:solidFill>
-            <a:srgbClr val="FFFFFF"/>
-          </a:solidFill>
-          <a:ln w="12600">
-            <a:solidFill>
-              <a:srgbClr val="A6AAA9"/>
-            </a:solidFill>
-            <a:miter/>
-          </a:ln>
-        </p:spPr>
-        <p:style>
-          <a:lnRef idx="0">
-            <a:scrgbClr r="0" g="0" b="0"/>
-          </a:lnRef>
-          <a:fillRef idx="0">
-            <a:scrgbClr r="0" g="0" b="0"/>
-          </a:fillRef>
-          <a:effectRef idx="0">
-            <a:scrgbClr r="0" g="0" b="0"/>
-          </a:effectRef>
-          <a:fontRef idx="minor"/>
-        </p:style>
-        <p:txBody>
-          <a:bodyPr lIns="91440" tIns="0" rIns="0" bIns="0" anchor="t" anchorCtr="0"/>
-          <a:lstStyle/>
-          <a:p>
-            <a:pPr>
-              <a:lnSpc>
-                <a:spcPct val="150000"/>
-              </a:lnSpc>
-            </a:pPr>
-            <a:r>
-              <a:rPr lang="en-US" sz="1200" b="0" strike="noStrike" spc="-1" dirty="0">
-                <a:solidFill>
-                  <a:srgbClr val="000000"/>
-                </a:solidFill>
-                <a:latin typeface="Arial"/>
-                <a:ea typeface="DejaVu Sans"/>
-              </a:rPr>
-              <a:t>From </a:t>
-            </a:r>
-            <a:r>
-              <a:rPr lang="en-US" sz="1200" b="0" strike="noStrike" spc="-1" dirty="0" err="1">
-                <a:solidFill>
-                  <a:srgbClr val="000000"/>
-                </a:solidFill>
-                <a:latin typeface="Courier New" panose="02070309020205020404" pitchFamily="49" charset="0"/>
-                <a:ea typeface="DejaVu Sans"/>
-                <a:cs typeface="Courier New" panose="02070309020205020404" pitchFamily="49" charset="0"/>
-              </a:rPr>
-              <a:t>dplyr</a:t>
-            </a:r>
-            <a:r>
-              <a:rPr lang="en-US" sz="1200" spc="-1" dirty="0">
-                <a:solidFill>
-                  <a:srgbClr val="000000"/>
-                </a:solidFill>
-                <a:ea typeface="DejaVu Sans"/>
-                <a:cs typeface="Courier New" panose="02070309020205020404" pitchFamily="49" charset="0"/>
-              </a:rPr>
-              <a:t> package</a:t>
-            </a:r>
-            <a:endParaRPr lang="en-US" dirty="0">
-              <a:solidFill>
-                <a:prstClr val="black"/>
-              </a:solidFill>
-              <a:latin typeface="Lucida Sans" panose="020B0602030504020204" pitchFamily="34" charset="0"/>
-            </a:endParaRPr>
-          </a:p>
-          <a:p>
-            <a:r>
-              <a:rPr lang="en-US" sz="1200" dirty="0">
-                <a:solidFill>
-                  <a:srgbClr val="000000"/>
-                </a:solidFill>
-                <a:latin typeface="Arial" panose="020B0604020202020204" pitchFamily="34" charset="0"/>
-              </a:rPr>
-              <a:t>For details, see </a:t>
-            </a:r>
-            <a:r>
-              <a:rPr lang="en-US" sz="1200" dirty="0" err="1">
-                <a:solidFill>
-                  <a:srgbClr val="000000"/>
-                </a:solidFill>
-                <a:latin typeface="Arial" panose="020B0604020202020204" pitchFamily="34" charset="0"/>
-                <a:hlinkClick r:id="rId7"/>
-              </a:rPr>
-              <a:t>Tidyverse</a:t>
-            </a:r>
-            <a:r>
-              <a:rPr lang="en-US" sz="1200" dirty="0">
-                <a:solidFill>
-                  <a:srgbClr val="000000"/>
-                </a:solidFill>
-                <a:latin typeface="Arial" panose="020B0604020202020204" pitchFamily="34" charset="0"/>
-                <a:hlinkClick r:id="rId7"/>
-              </a:rPr>
-              <a:t> </a:t>
-            </a:r>
-            <a:r>
-              <a:rPr lang="en-US" sz="1200" dirty="0" err="1">
-                <a:solidFill>
-                  <a:srgbClr val="000000"/>
-                </a:solidFill>
-                <a:latin typeface="Arial" panose="020B0604020202020204" pitchFamily="34" charset="0"/>
-                <a:hlinkClick r:id="rId7"/>
-              </a:rPr>
-              <a:t>cheatsheet</a:t>
-            </a:r>
-            <a:endParaRPr lang="en-US" sz="1200" dirty="0">
-              <a:solidFill>
-                <a:srgbClr val="000000"/>
-              </a:solidFill>
-              <a:latin typeface="Arial" panose="020B0604020202020204" pitchFamily="34" charset="0"/>
-            </a:endParaRPr>
-          </a:p>
-          <a:p>
-            <a:endParaRPr lang="en-US" sz="1200" b="0" strike="noStrike" spc="-1" dirty="0">
-              <a:solidFill>
-                <a:srgbClr val="000000"/>
-              </a:solidFill>
-              <a:latin typeface="Arial"/>
-              <a:ea typeface="DejaVu Sans"/>
-            </a:endParaRPr>
-          </a:p>
-          <a:p>
-            <a:r>
-              <a:rPr lang="en-US" sz="1200" b="0" strike="noStrike" spc="-1" dirty="0">
-                <a:solidFill>
-                  <a:srgbClr val="000000"/>
-                </a:solidFill>
-                <a:latin typeface="Arial"/>
-                <a:ea typeface="DejaVu Sans"/>
-              </a:rPr>
-              <a:t>Drop, rename, or reorder variables</a:t>
-            </a:r>
-            <a:endParaRPr lang="en-US" sz="1200" b="0" strike="noStrike" spc="-1" dirty="0">
-              <a:latin typeface="Arial"/>
-            </a:endParaRPr>
-          </a:p>
-          <a:p>
-            <a:r>
-              <a:rPr lang="en-US" sz="1200" b="1" spc="-1" dirty="0">
-                <a:latin typeface="Courier New"/>
-              </a:rPr>
-              <a:t>select()</a:t>
-            </a:r>
-            <a:endParaRPr lang="en-US" sz="1200" strike="noStrike" spc="-1" dirty="0">
-              <a:latin typeface="Arial"/>
-            </a:endParaRPr>
-          </a:p>
-          <a:p>
-            <a:pPr>
-              <a:lnSpc>
-                <a:spcPct val="150000"/>
-              </a:lnSpc>
-            </a:pPr>
-            <a:r>
-              <a:rPr lang="en-US" sz="1200" b="0" strike="noStrike" spc="-1" dirty="0">
-                <a:solidFill>
-                  <a:srgbClr val="000000"/>
-                </a:solidFill>
-                <a:latin typeface="Arial"/>
-                <a:ea typeface="DejaVu Sans"/>
-              </a:rPr>
-              <a:t>Create new variables from existing ones</a:t>
-            </a:r>
-            <a:endParaRPr lang="en-US" sz="1200" b="0" strike="noStrike" spc="-1" dirty="0">
-              <a:latin typeface="Arial"/>
-            </a:endParaRPr>
-          </a:p>
-          <a:p>
-            <a:pPr>
-              <a:lnSpc>
-                <a:spcPts val="1000"/>
-              </a:lnSpc>
-            </a:pPr>
-            <a:r>
-              <a:rPr lang="en-US" sz="1200" b="1" strike="noStrike" spc="-1" dirty="0">
-                <a:latin typeface="Courier New"/>
-                <a:ea typeface="DejaVu Sans"/>
-              </a:rPr>
-              <a:t>mutate()</a:t>
-            </a:r>
-            <a:endParaRPr lang="en-US" sz="1200" b="1" strike="noStrike" spc="-1" dirty="0">
-              <a:latin typeface="Arial"/>
-            </a:endParaRPr>
-          </a:p>
-          <a:p>
-            <a:pPr>
-              <a:lnSpc>
-                <a:spcPct val="150000"/>
-              </a:lnSpc>
-            </a:pPr>
-            <a:r>
-              <a:rPr lang="en-US" sz="1200" spc="-1" dirty="0">
-                <a:latin typeface="Arial"/>
-                <a:ea typeface="DejaVu Sans"/>
-              </a:rPr>
-              <a:t>Retain</a:t>
-            </a:r>
-            <a:r>
-              <a:rPr lang="en-US" sz="1200" b="0" strike="noStrike" spc="-1" dirty="0">
-                <a:latin typeface="Arial"/>
-                <a:ea typeface="DejaVu Sans"/>
-              </a:rPr>
-              <a:t> specific rows from data </a:t>
-            </a:r>
-            <a:endParaRPr lang="en-US" sz="1200" b="0" strike="noStrike" spc="-1" dirty="0">
-              <a:latin typeface="Arial"/>
-            </a:endParaRPr>
-          </a:p>
-          <a:p>
-            <a:pPr>
-              <a:lnSpc>
-                <a:spcPts val="1000"/>
-              </a:lnSpc>
-            </a:pPr>
-            <a:r>
-              <a:rPr lang="en-US" sz="1200" b="1" strike="noStrike" spc="-1" dirty="0">
-                <a:latin typeface="Courier New"/>
-                <a:ea typeface="DejaVu Sans"/>
-              </a:rPr>
-              <a:t>filter() </a:t>
-            </a:r>
-            <a:endParaRPr lang="en-US" sz="1200" b="1" strike="noStrike" spc="-1" dirty="0">
-              <a:latin typeface="Arial"/>
-            </a:endParaRPr>
-          </a:p>
-          <a:p>
-            <a:pPr>
-              <a:lnSpc>
-                <a:spcPct val="150000"/>
-              </a:lnSpc>
-            </a:pPr>
-            <a:r>
-              <a:rPr lang="en-US" sz="1200" b="0" strike="noStrike" spc="-1" dirty="0">
-                <a:latin typeface="Arial"/>
-                <a:ea typeface="DejaVu Sans"/>
-              </a:rPr>
-              <a:t>Sort data rows</a:t>
-            </a:r>
-            <a:endParaRPr lang="en-US" sz="1200" b="0" strike="noStrike" spc="-1" dirty="0">
-              <a:latin typeface="Arial"/>
-            </a:endParaRPr>
-          </a:p>
-          <a:p>
-            <a:pPr>
-              <a:lnSpc>
-                <a:spcPts val="1000"/>
-              </a:lnSpc>
-            </a:pPr>
-            <a:r>
-              <a:rPr lang="en-US" sz="1200" b="1" strike="noStrike" spc="-1" dirty="0">
-                <a:latin typeface="Courier New"/>
-                <a:ea typeface="DejaVu Sans"/>
-              </a:rPr>
-              <a:t>arrange() </a:t>
-            </a:r>
-            <a:endParaRPr lang="en-US" sz="1200" b="1" strike="noStrike" spc="-1" dirty="0">
-              <a:latin typeface="Arial"/>
-            </a:endParaRPr>
-          </a:p>
-          <a:p>
-            <a:pPr>
-              <a:lnSpc>
-                <a:spcPct val="150000"/>
-              </a:lnSpc>
-            </a:pPr>
-            <a:r>
-              <a:rPr lang="en-US" sz="1200" b="0" strike="noStrike" spc="-1" dirty="0">
-                <a:latin typeface="Arial"/>
-                <a:ea typeface="DejaVu Sans"/>
-              </a:rPr>
-              <a:t>Compute summary statistics by group</a:t>
-            </a:r>
-            <a:endParaRPr lang="en-US" sz="1200" b="0" strike="noStrike" spc="-1" dirty="0">
-              <a:latin typeface="Arial"/>
-            </a:endParaRPr>
-          </a:p>
-          <a:p>
-            <a:pPr>
-              <a:lnSpc>
-                <a:spcPts val="1000"/>
-              </a:lnSpc>
-            </a:pPr>
-            <a:r>
-              <a:rPr lang="en-US" sz="1200" b="1" strike="noStrike" spc="-1" dirty="0" err="1">
-                <a:latin typeface="Courier New"/>
-                <a:ea typeface="DejaVu Sans"/>
-              </a:rPr>
-              <a:t>group_by</a:t>
-            </a:r>
-            <a:r>
-              <a:rPr lang="en-US" sz="1200" b="1" strike="noStrike" spc="-1" dirty="0">
-                <a:latin typeface="Courier New"/>
-                <a:ea typeface="DejaVu Sans"/>
-              </a:rPr>
-              <a:t>() </a:t>
-            </a:r>
-            <a:endParaRPr lang="en-US" sz="1200" b="1" strike="noStrike" spc="-1" dirty="0">
-              <a:latin typeface="Arial"/>
-            </a:endParaRPr>
-          </a:p>
-          <a:p>
-            <a:pPr>
-              <a:lnSpc>
-                <a:spcPct val="100000"/>
-              </a:lnSpc>
-            </a:pPr>
-            <a:r>
-              <a:rPr lang="en-US" sz="1200" b="1" strike="noStrike" spc="-1" dirty="0">
-                <a:latin typeface="Courier New"/>
-                <a:ea typeface="DejaVu Sans"/>
-              </a:rPr>
-              <a:t>summarize() </a:t>
-            </a:r>
-            <a:endParaRPr lang="en-US" sz="1200" b="1" strike="noStrike" spc="-1" dirty="0">
               <a:latin typeface="Arial"/>
             </a:endParaRPr>
           </a:p>
@@ -15581,94 +14592,84 @@
                 <a:latin typeface="Courier New"/>
                 <a:ea typeface="Menlo"/>
               </a:rPr>
+              <a:t> &lt;- </a:t>
+            </a:r>
+            <a:r>
+              <a:rPr lang="en-US" sz="1200" b="1" strike="noStrike" spc="-1" dirty="0" err="1">
+                <a:solidFill>
+                  <a:srgbClr val="000000"/>
+                </a:solidFill>
+                <a:latin typeface="Courier New"/>
+                <a:ea typeface="Menlo"/>
+              </a:rPr>
+              <a:t>glm</a:t>
+            </a:r>
+            <a:r>
+              <a:rPr lang="en-US" sz="1200" b="1" strike="noStrike" spc="-1" dirty="0">
+                <a:solidFill>
+                  <a:srgbClr val="000000"/>
+                </a:solidFill>
+                <a:latin typeface="Courier New"/>
+                <a:ea typeface="Menlo"/>
+              </a:rPr>
+              <a:t>(homeless ~ age, </a:t>
+            </a:r>
+            <a:endParaRPr lang="en-US" sz="1200" b="0" strike="noStrike" spc="-1" dirty="0">
+              <a:latin typeface="Arial"/>
+            </a:endParaRPr>
+          </a:p>
+          <a:p>
+            <a:pPr>
+              <a:lnSpc>
+                <a:spcPct val="100000"/>
+              </a:lnSpc>
+            </a:pPr>
+            <a:r>
+              <a:rPr lang="en-US" sz="1200" b="1" spc="-1" dirty="0">
+                <a:solidFill>
+                  <a:srgbClr val="000000"/>
+                </a:solidFill>
+                <a:latin typeface="Courier New"/>
+                <a:ea typeface="Menlo"/>
+              </a:rPr>
+              <a:t>  data = </a:t>
+            </a:r>
+            <a:r>
+              <a:rPr lang="en-US" sz="1200" b="1" spc="-1" dirty="0" err="1">
+                <a:solidFill>
+                  <a:srgbClr val="000000"/>
+                </a:solidFill>
+                <a:latin typeface="Courier New"/>
+                <a:ea typeface="Menlo"/>
+              </a:rPr>
+              <a:t>HELPrct</a:t>
+            </a:r>
+            <a:r>
+              <a:rPr lang="en-US" sz="1200" b="1" spc="-1" dirty="0">
+                <a:solidFill>
+                  <a:srgbClr val="000000"/>
+                </a:solidFill>
+                <a:latin typeface="Courier New"/>
+                <a:ea typeface="Menlo"/>
+              </a:rPr>
               <a:t> </a:t>
             </a:r>
-            <a:r>
-              <a:rPr lang="en-US" sz="1200" b="1" strike="noStrike" spc="-1">
-                <a:solidFill>
-                  <a:srgbClr val="000000"/>
-                </a:solidFill>
-                <a:latin typeface="Courier New"/>
-                <a:ea typeface="Menlo"/>
-              </a:rPr>
-              <a:t>&lt;- glm</a:t>
-            </a:r>
-            <a:r>
-              <a:rPr lang="en-US" sz="1200" b="1" strike="noStrike" spc="-1" dirty="0">
-                <a:solidFill>
-                  <a:srgbClr val="000000"/>
-                </a:solidFill>
-                <a:latin typeface="Courier New"/>
-                <a:ea typeface="Menlo"/>
-              </a:rPr>
-              <a:t>(homeless ~ age, </a:t>
-            </a:r>
-            <a:endParaRPr lang="en-US" sz="1200" b="0" strike="noStrike" spc="-1" dirty="0">
-              <a:latin typeface="Arial"/>
-            </a:endParaRPr>
-          </a:p>
-          <a:p>
-            <a:pPr>
-              <a:lnSpc>
-                <a:spcPct val="100000"/>
-              </a:lnSpc>
-            </a:pPr>
-            <a:r>
-              <a:rPr lang="en-US" sz="1200" b="1" strike="noStrike" spc="-1" dirty="0">
-                <a:solidFill>
-                  <a:srgbClr val="000000"/>
-                </a:solidFill>
-                <a:latin typeface="Courier New"/>
-                <a:ea typeface="Menlo"/>
-              </a:rPr>
-              <a:t>  family = binomial, </a:t>
-            </a:r>
-          </a:p>
-          <a:p>
-            <a:pPr>
-              <a:lnSpc>
-                <a:spcPct val="100000"/>
-              </a:lnSpc>
-            </a:pPr>
-            <a:r>
-              <a:rPr lang="en-US" sz="1200" b="1" spc="-1" dirty="0">
-                <a:solidFill>
-                  <a:srgbClr val="000000"/>
-                </a:solidFill>
-                <a:latin typeface="Courier New"/>
-                <a:ea typeface="Menlo"/>
-              </a:rPr>
-              <a:t>  </a:t>
-            </a:r>
-            <a:r>
-              <a:rPr lang="en-US" sz="1200" b="1" strike="noStrike" spc="-1" dirty="0">
-                <a:solidFill>
-                  <a:srgbClr val="000000"/>
-                </a:solidFill>
-                <a:latin typeface="Courier New"/>
-                <a:ea typeface="Menlo"/>
-              </a:rPr>
-              <a:t>data = </a:t>
-            </a:r>
-            <a:r>
-              <a:rPr lang="en-US" sz="1200" b="1" strike="noStrike" spc="-1" dirty="0" err="1">
-                <a:solidFill>
-                  <a:srgbClr val="000000"/>
-                </a:solidFill>
-                <a:latin typeface="Courier New"/>
-                <a:ea typeface="Menlo"/>
-              </a:rPr>
-              <a:t>HELPrct</a:t>
-            </a:r>
-            <a:r>
-              <a:rPr lang="en-US" sz="1200" b="1" strike="noStrike" spc="-1" dirty="0">
-                <a:solidFill>
-                  <a:srgbClr val="000000"/>
-                </a:solidFill>
-                <a:latin typeface="Courier New"/>
-                <a:ea typeface="Menlo"/>
-              </a:rPr>
-              <a:t>)</a:t>
+          </a:p>
+          <a:p>
+            <a:pPr>
+              <a:lnSpc>
+                <a:spcPct val="100000"/>
+              </a:lnSpc>
+            </a:pPr>
+            <a:r>
+              <a:rPr lang="en-US" sz="1200" b="1" strike="noStrike" spc="-1" dirty="0">
+                <a:solidFill>
+                  <a:srgbClr val="000000"/>
+                </a:solidFill>
+                <a:latin typeface="Courier New"/>
+                <a:ea typeface="Menlo"/>
+              </a:rPr>
+              <a:t>  family = binomial)</a:t>
             </a:r>
             <a:endParaRPr lang="en-US" sz="1200" b="0" strike="noStrike" spc="-1" dirty="0">
               <a:latin typeface="Arial"/>
@@ -15913,6 +14914,1137 @@
           </a:p>
         </p:txBody>
       </p:sp>
+      <p:sp>
+        <p:nvSpPr>
+          <p:cNvPr id="38" name="CustomShape 11">
+            <a:extLst>
+              <a:ext uri="{FF2B5EF4-FFF2-40B4-BE49-F238E27FC236}">
+                <a16:creationId xmlns:a16="http://schemas.microsoft.com/office/drawing/2014/main" id="{80FB9226-5CF8-4E43-A14B-2177829A4633}"/>
+              </a:ext>
+            </a:extLst>
+          </p:cNvPr>
+          <p:cNvSpPr/>
+          <p:nvPr/>
+        </p:nvSpPr>
+        <p:spPr>
+          <a:xfrm>
+            <a:off x="215281" y="644571"/>
+            <a:ext cx="3200400" cy="3111241"/>
+          </a:xfrm>
+          <a:prstGeom prst="rect">
+            <a:avLst/>
+          </a:prstGeom>
+          <a:solidFill>
+            <a:srgbClr val="FFFFFF"/>
+          </a:solidFill>
+          <a:ln w="12600">
+            <a:solidFill>
+              <a:srgbClr val="A6AAA9"/>
+            </a:solidFill>
+            <a:miter/>
+          </a:ln>
+        </p:spPr>
+        <p:style>
+          <a:lnRef idx="0">
+            <a:scrgbClr r="0" g="0" b="0"/>
+          </a:lnRef>
+          <a:fillRef idx="0">
+            <a:scrgbClr r="0" g="0" b="0"/>
+          </a:fillRef>
+          <a:effectRef idx="0">
+            <a:scrgbClr r="0" g="0" b="0"/>
+          </a:effectRef>
+          <a:fontRef idx="minor"/>
+        </p:style>
+        <p:txBody>
+          <a:bodyPr lIns="91440" tIns="0" rIns="0" bIns="0" anchor="t" anchorCtr="0"/>
+          <a:lstStyle/>
+          <a:p>
+            <a:r>
+              <a:rPr lang="en-US" sz="1200" b="0" strike="noStrike" spc="-1" dirty="0">
+                <a:solidFill>
+                  <a:srgbClr val="000000"/>
+                </a:solidFill>
+                <a:latin typeface="Arial"/>
+                <a:ea typeface="DejaVu Sans"/>
+              </a:rPr>
+              <a:t>Drop, rename, or reorder variables</a:t>
+            </a:r>
+          </a:p>
+          <a:p>
+            <a:r>
+              <a:rPr lang="en-US" sz="1200" b="1" spc="-1" dirty="0">
+                <a:latin typeface="Courier New"/>
+              </a:rPr>
+              <a:t>df &lt;- select(</a:t>
+            </a:r>
+            <a:r>
+              <a:rPr lang="en-US" sz="1200" b="1" spc="-1" dirty="0" err="1">
+                <a:latin typeface="Courier New"/>
+              </a:rPr>
+              <a:t>HELPrct</a:t>
+            </a:r>
+            <a:r>
+              <a:rPr lang="en-US" sz="1200" b="1" spc="-1" dirty="0">
+                <a:latin typeface="Courier New"/>
+              </a:rPr>
+              <a:t>, </a:t>
+            </a:r>
+          </a:p>
+          <a:p>
+            <a:r>
+              <a:rPr lang="en-US" sz="1200" b="1" spc="-1" dirty="0">
+                <a:latin typeface="Courier New"/>
+              </a:rPr>
+              <a:t>  c(id, age, sex))</a:t>
+            </a:r>
+            <a:endParaRPr lang="en-US" sz="1200" strike="noStrike" spc="-1" dirty="0">
+              <a:latin typeface="Arial"/>
+            </a:endParaRPr>
+          </a:p>
+          <a:p>
+            <a:pPr>
+              <a:lnSpc>
+                <a:spcPct val="150000"/>
+              </a:lnSpc>
+            </a:pPr>
+            <a:r>
+              <a:rPr lang="en-US" sz="1200" b="0" strike="noStrike" spc="-1" dirty="0">
+                <a:solidFill>
+                  <a:srgbClr val="000000"/>
+                </a:solidFill>
+                <a:latin typeface="Arial"/>
+                <a:ea typeface="DejaVu Sans"/>
+              </a:rPr>
+              <a:t>Create new variables from existing ones</a:t>
+            </a:r>
+            <a:endParaRPr lang="en-US" sz="1200" b="0" strike="noStrike" spc="-1" dirty="0">
+              <a:latin typeface="Arial"/>
+            </a:endParaRPr>
+          </a:p>
+          <a:p>
+            <a:pPr>
+              <a:lnSpc>
+                <a:spcPts val="1000"/>
+              </a:lnSpc>
+            </a:pPr>
+            <a:r>
+              <a:rPr lang="en-US" sz="1200" b="1" strike="noStrike" spc="-1" dirty="0" err="1">
+                <a:latin typeface="Courier New"/>
+                <a:ea typeface="DejaVu Sans"/>
+              </a:rPr>
+              <a:t>KidsFeet</a:t>
+            </a:r>
+            <a:r>
+              <a:rPr lang="en-US" sz="1200" b="1" strike="noStrike" spc="-1" dirty="0">
+                <a:latin typeface="Courier New"/>
+                <a:ea typeface="DejaVu Sans"/>
+              </a:rPr>
+              <a:t> &lt;- mutate(</a:t>
+            </a:r>
+            <a:r>
+              <a:rPr lang="en-US" sz="1200" b="1" strike="noStrike" spc="-1" dirty="0" err="1">
+                <a:latin typeface="Courier New"/>
+                <a:ea typeface="DejaVu Sans"/>
+              </a:rPr>
+              <a:t>KidsFeet</a:t>
+            </a:r>
+            <a:r>
+              <a:rPr lang="en-US" sz="1200" b="1" strike="noStrike" spc="-1" dirty="0">
+                <a:latin typeface="Courier New"/>
+                <a:ea typeface="DejaVu Sans"/>
+              </a:rPr>
+              <a:t>,</a:t>
+            </a:r>
+          </a:p>
+          <a:p>
+            <a:r>
+              <a:rPr lang="en-US" sz="1200" b="1" spc="-1" dirty="0">
+                <a:latin typeface="Courier New"/>
+                <a:ea typeface="DejaVu Sans"/>
+              </a:rPr>
+              <a:t>  </a:t>
+            </a:r>
+            <a:r>
+              <a:rPr lang="en-US" sz="1200" b="1" spc="-1" dirty="0" err="1">
+                <a:latin typeface="Courier New"/>
+                <a:ea typeface="DejaVu Sans"/>
+              </a:rPr>
+              <a:t>width_in</a:t>
+            </a:r>
+            <a:r>
+              <a:rPr lang="en-US" sz="1200" b="1" spc="-1" dirty="0">
+                <a:latin typeface="Courier New"/>
+                <a:ea typeface="DejaVu Sans"/>
+              </a:rPr>
+              <a:t> = 0.394 * width</a:t>
+            </a:r>
+            <a:r>
+              <a:rPr lang="en-US" sz="1200" b="1" strike="noStrike" spc="-1" dirty="0">
+                <a:latin typeface="Courier New"/>
+                <a:ea typeface="DejaVu Sans"/>
+              </a:rPr>
+              <a:t>)</a:t>
+            </a:r>
+            <a:endParaRPr lang="en-US" sz="1200" b="1" strike="noStrike" spc="-1" dirty="0">
+              <a:latin typeface="Arial"/>
+            </a:endParaRPr>
+          </a:p>
+          <a:p>
+            <a:pPr>
+              <a:lnSpc>
+                <a:spcPct val="150000"/>
+              </a:lnSpc>
+            </a:pPr>
+            <a:r>
+              <a:rPr lang="en-US" sz="1200" spc="-1" dirty="0">
+                <a:latin typeface="Arial"/>
+                <a:ea typeface="DejaVu Sans"/>
+              </a:rPr>
+              <a:t>Retain</a:t>
+            </a:r>
+            <a:r>
+              <a:rPr lang="en-US" sz="1200" b="0" strike="noStrike" spc="-1" dirty="0">
+                <a:latin typeface="Arial"/>
+                <a:ea typeface="DejaVu Sans"/>
+              </a:rPr>
+              <a:t> specific rows from data </a:t>
+            </a:r>
+            <a:endParaRPr lang="en-US" sz="1200" b="0" strike="noStrike" spc="-1" dirty="0">
+              <a:latin typeface="Arial"/>
+            </a:endParaRPr>
+          </a:p>
+          <a:p>
+            <a:pPr>
+              <a:lnSpc>
+                <a:spcPts val="1000"/>
+              </a:lnSpc>
+            </a:pPr>
+            <a:r>
+              <a:rPr lang="en-US" sz="1200" b="1" strike="noStrike" spc="-1" dirty="0" err="1">
+                <a:latin typeface="Courier New"/>
+                <a:ea typeface="DejaVu Sans"/>
+              </a:rPr>
+              <a:t>girls_feet</a:t>
+            </a:r>
+            <a:r>
+              <a:rPr lang="en-US" sz="1200" b="1" strike="noStrike" spc="-1" dirty="0">
+                <a:latin typeface="Courier New"/>
+                <a:ea typeface="DejaVu Sans"/>
+              </a:rPr>
+              <a:t> &lt;- filter(</a:t>
+            </a:r>
+            <a:r>
+              <a:rPr lang="en-US" sz="1200" b="1" strike="noStrike" spc="-1" dirty="0" err="1">
+                <a:latin typeface="Courier New"/>
+                <a:ea typeface="DejaVu Sans"/>
+              </a:rPr>
+              <a:t>KidsFeet</a:t>
+            </a:r>
+            <a:r>
+              <a:rPr lang="en-US" sz="1200" b="1" strike="noStrike" spc="-1" dirty="0">
+                <a:latin typeface="Courier New"/>
+                <a:ea typeface="DejaVu Sans"/>
+              </a:rPr>
+              <a:t>,</a:t>
+            </a:r>
+          </a:p>
+          <a:p>
+            <a:r>
+              <a:rPr lang="en-US" sz="1200" b="1" spc="-1" dirty="0">
+                <a:latin typeface="Courier New"/>
+                <a:ea typeface="DejaVu Sans"/>
+              </a:rPr>
+              <a:t>  sex == "G"</a:t>
+            </a:r>
+            <a:r>
+              <a:rPr lang="en-US" sz="1200" b="1" strike="noStrike" spc="-1" dirty="0">
+                <a:latin typeface="Courier New"/>
+                <a:ea typeface="DejaVu Sans"/>
+              </a:rPr>
+              <a:t>) </a:t>
+            </a:r>
+            <a:endParaRPr lang="en-US" sz="1200" b="1" strike="noStrike" spc="-1" dirty="0">
+              <a:latin typeface="Arial"/>
+            </a:endParaRPr>
+          </a:p>
+          <a:p>
+            <a:pPr>
+              <a:lnSpc>
+                <a:spcPct val="150000"/>
+              </a:lnSpc>
+            </a:pPr>
+            <a:r>
+              <a:rPr lang="en-US" sz="1200" b="0" strike="noStrike" spc="-1" dirty="0">
+                <a:latin typeface="Arial"/>
+                <a:ea typeface="DejaVu Sans"/>
+              </a:rPr>
+              <a:t>Sort data rows by value in column</a:t>
+            </a:r>
+            <a:endParaRPr lang="en-US" sz="1200" b="0" strike="noStrike" spc="-1" dirty="0">
+              <a:latin typeface="Arial"/>
+            </a:endParaRPr>
+          </a:p>
+          <a:p>
+            <a:pPr>
+              <a:lnSpc>
+                <a:spcPts val="1000"/>
+              </a:lnSpc>
+            </a:pPr>
+            <a:r>
+              <a:rPr lang="en-US" sz="1200" b="1" strike="noStrike" spc="-1" dirty="0">
+                <a:latin typeface="Courier New"/>
+                <a:ea typeface="DejaVu Sans"/>
+              </a:rPr>
+              <a:t>df &lt;- arrange(</a:t>
+            </a:r>
+            <a:r>
+              <a:rPr lang="en-US" sz="1200" b="1" strike="noStrike" spc="-1" dirty="0" err="1">
+                <a:latin typeface="Courier New"/>
+                <a:ea typeface="DejaVu Sans"/>
+              </a:rPr>
+              <a:t>KidsFeet</a:t>
+            </a:r>
+            <a:r>
+              <a:rPr lang="en-US" sz="1200" b="1" strike="noStrike" spc="-1" dirty="0">
+                <a:latin typeface="Courier New"/>
+                <a:ea typeface="DejaVu Sans"/>
+              </a:rPr>
+              <a:t>, length) </a:t>
+            </a:r>
+            <a:endParaRPr lang="en-US" sz="1200" b="1" strike="noStrike" spc="-1" dirty="0">
+              <a:latin typeface="Arial"/>
+            </a:endParaRPr>
+          </a:p>
+          <a:p>
+            <a:pPr>
+              <a:lnSpc>
+                <a:spcPct val="150000"/>
+              </a:lnSpc>
+            </a:pPr>
+            <a:r>
+              <a:rPr lang="en-US" sz="1200" b="0" strike="noStrike" spc="-1" dirty="0">
+                <a:latin typeface="Arial"/>
+                <a:ea typeface="DejaVu Sans"/>
+              </a:rPr>
+              <a:t>Compute summary statistics by group</a:t>
+            </a:r>
+            <a:endParaRPr lang="en-US" sz="1200" b="0" strike="noStrike" spc="-1" dirty="0">
+              <a:latin typeface="Arial"/>
+            </a:endParaRPr>
+          </a:p>
+          <a:p>
+            <a:pPr>
+              <a:lnSpc>
+                <a:spcPts val="1000"/>
+              </a:lnSpc>
+            </a:pPr>
+            <a:r>
+              <a:rPr lang="en-US" sz="1200" b="1" strike="noStrike" spc="-1" dirty="0" err="1">
+                <a:latin typeface="Courier New"/>
+                <a:ea typeface="DejaVu Sans"/>
+              </a:rPr>
+              <a:t>group_by</a:t>
+            </a:r>
+            <a:r>
+              <a:rPr lang="en-US" sz="1200" b="1" strike="noStrike" spc="-1" dirty="0">
+                <a:latin typeface="Courier New"/>
+                <a:ea typeface="DejaVu Sans"/>
+              </a:rPr>
+              <a:t>(</a:t>
+            </a:r>
+            <a:r>
+              <a:rPr lang="en-US" sz="1200" b="1" strike="noStrike" spc="-1" dirty="0" err="1">
+                <a:latin typeface="Courier New"/>
+                <a:ea typeface="DejaVu Sans"/>
+              </a:rPr>
+              <a:t>KidsFeet</a:t>
+            </a:r>
+            <a:r>
+              <a:rPr lang="en-US" sz="1200" b="1" strike="noStrike" spc="-1" dirty="0">
+                <a:latin typeface="Courier New"/>
+                <a:ea typeface="DejaVu Sans"/>
+              </a:rPr>
+              <a:t>, sex) %&gt;%</a:t>
+            </a:r>
+          </a:p>
+          <a:p>
+            <a:pPr>
+              <a:lnSpc>
+                <a:spcPct val="100000"/>
+              </a:lnSpc>
+            </a:pPr>
+            <a:r>
+              <a:rPr lang="en-US" sz="1200" b="1" spc="-1" dirty="0">
+                <a:latin typeface="Courier New"/>
+                <a:ea typeface="DejaVu Sans"/>
+              </a:rPr>
+              <a:t>  </a:t>
+            </a:r>
+            <a:r>
+              <a:rPr lang="en-US" sz="1200" b="1" strike="noStrike" spc="-1" dirty="0">
+                <a:latin typeface="Courier New"/>
+                <a:ea typeface="DejaVu Sans"/>
+              </a:rPr>
+              <a:t>summarize(</a:t>
+            </a:r>
+            <a:r>
+              <a:rPr lang="en-US" sz="1200" b="1" strike="noStrike" spc="-1" dirty="0" err="1">
+                <a:latin typeface="Courier New"/>
+                <a:ea typeface="DejaVu Sans"/>
+              </a:rPr>
+              <a:t>mean_width</a:t>
+            </a:r>
+            <a:r>
+              <a:rPr lang="en-US" sz="1200" b="1" strike="noStrike" spc="-1" dirty="0">
+                <a:latin typeface="Courier New"/>
+                <a:ea typeface="DejaVu Sans"/>
+              </a:rPr>
+              <a:t> =  </a:t>
+            </a:r>
+          </a:p>
+          <a:p>
+            <a:pPr>
+              <a:lnSpc>
+                <a:spcPct val="100000"/>
+              </a:lnSpc>
+              <a:spcAft>
+                <a:spcPts val="300"/>
+              </a:spcAft>
+            </a:pPr>
+            <a:r>
+              <a:rPr lang="en-US" sz="1200" b="1" spc="-1" dirty="0">
+                <a:latin typeface="Courier New"/>
+                <a:ea typeface="DejaVu Sans"/>
+              </a:rPr>
+              <a:t>    </a:t>
+            </a:r>
+            <a:r>
+              <a:rPr lang="en-US" sz="1200" b="1" strike="noStrike" spc="-1" dirty="0">
+                <a:latin typeface="Courier New"/>
+                <a:ea typeface="DejaVu Sans"/>
+              </a:rPr>
+              <a:t>mean(width) </a:t>
+            </a:r>
+          </a:p>
+          <a:p>
+            <a:r>
+              <a:rPr lang="en-US" sz="1200" spc="-1" dirty="0">
+                <a:solidFill>
+                  <a:srgbClr val="000000"/>
+                </a:solidFill>
+                <a:cs typeface="Courier New" panose="02070309020205020404" pitchFamily="49" charset="0"/>
+              </a:rPr>
+              <a:t>For more, see </a:t>
+            </a:r>
+            <a:r>
+              <a:rPr lang="en-US" sz="1200" b="1" spc="-1" dirty="0" err="1">
+                <a:latin typeface="Courier New"/>
+                <a:hlinkClick r:id="rId6"/>
+              </a:rPr>
+              <a:t>Tidyverse</a:t>
+            </a:r>
+            <a:r>
+              <a:rPr lang="en-US" sz="1200" b="1" spc="-1" dirty="0">
+                <a:latin typeface="Courier New"/>
+                <a:hlinkClick r:id="rId6"/>
+              </a:rPr>
+              <a:t> </a:t>
+            </a:r>
+            <a:r>
+              <a:rPr lang="en-US" sz="1200" b="1" spc="-1" dirty="0" err="1">
+                <a:latin typeface="Courier New"/>
+                <a:hlinkClick r:id="rId6"/>
+              </a:rPr>
+              <a:t>cheatsheet</a:t>
+            </a:r>
+            <a:endParaRPr lang="en-US" sz="1200" spc="-1" dirty="0">
+              <a:solidFill>
+                <a:srgbClr val="000000"/>
+              </a:solidFill>
+            </a:endParaRPr>
+          </a:p>
+          <a:p>
+            <a:pPr>
+              <a:lnSpc>
+                <a:spcPct val="100000"/>
+              </a:lnSpc>
+            </a:pPr>
+            <a:endParaRPr lang="en-US" sz="1200" b="1" spc="-1" dirty="0">
+              <a:latin typeface="Courier New"/>
+              <a:ea typeface="DejaVu Sans"/>
+            </a:endParaRPr>
+          </a:p>
+          <a:p>
+            <a:pPr>
+              <a:lnSpc>
+                <a:spcPct val="100000"/>
+              </a:lnSpc>
+            </a:pPr>
+            <a:endParaRPr lang="en-US" sz="1200" b="1" strike="noStrike" spc="-1" dirty="0">
+              <a:latin typeface="Courier New"/>
+              <a:ea typeface="DejaVu Sans"/>
+            </a:endParaRPr>
+          </a:p>
+        </p:txBody>
+      </p:sp>
+      <p:sp>
+        <p:nvSpPr>
+          <p:cNvPr id="39" name="CustomShape 7">
+            <a:extLst>
+              <a:ext uri="{FF2B5EF4-FFF2-40B4-BE49-F238E27FC236}">
+                <a16:creationId xmlns:a16="http://schemas.microsoft.com/office/drawing/2014/main" id="{9ED32AB9-3A08-4952-8EE2-D174E0DD0A23}"/>
+              </a:ext>
+            </a:extLst>
+          </p:cNvPr>
+          <p:cNvSpPr/>
+          <p:nvPr/>
+        </p:nvSpPr>
+        <p:spPr>
+          <a:xfrm>
+            <a:off x="3577445" y="644571"/>
+            <a:ext cx="3200400" cy="4594654"/>
+          </a:xfrm>
+          <a:prstGeom prst="rect">
+            <a:avLst/>
+          </a:prstGeom>
+          <a:solidFill>
+            <a:srgbClr val="FFFFFF"/>
+          </a:solidFill>
+          <a:ln w="12600">
+            <a:solidFill>
+              <a:srgbClr val="A6AAA9"/>
+            </a:solidFill>
+            <a:miter/>
+          </a:ln>
+        </p:spPr>
+        <p:style>
+          <a:lnRef idx="0">
+            <a:scrgbClr r="0" g="0" b="0"/>
+          </a:lnRef>
+          <a:fillRef idx="0">
+            <a:scrgbClr r="0" g="0" b="0"/>
+          </a:fillRef>
+          <a:effectRef idx="0">
+            <a:scrgbClr r="0" g="0" b="0"/>
+          </a:effectRef>
+          <a:fontRef idx="minor"/>
+        </p:style>
+        <p:txBody>
+          <a:bodyPr lIns="91440" tIns="0" rIns="0" bIns="0" anchor="t" anchorCtr="0"/>
+          <a:lstStyle/>
+          <a:p>
+            <a:pPr>
+              <a:lnSpc>
+                <a:spcPct val="150000"/>
+              </a:lnSpc>
+              <a:spcBef>
+                <a:spcPts val="600"/>
+              </a:spcBef>
+            </a:pPr>
+            <a:r>
+              <a:rPr lang="en-US" sz="1200" b="0" strike="noStrike" spc="-1" dirty="0">
+                <a:solidFill>
+                  <a:srgbClr val="000000"/>
+                </a:solidFill>
+                <a:latin typeface="Arial"/>
+                <a:ea typeface="DejaVu Sans"/>
+              </a:rPr>
+              <a:t>Contingency table with margins</a:t>
+            </a:r>
+            <a:endParaRPr lang="en-US" sz="1200" b="0" strike="noStrike" spc="-1" dirty="0">
+              <a:latin typeface="Arial"/>
+            </a:endParaRPr>
+          </a:p>
+          <a:p>
+            <a:pPr>
+              <a:lnSpc>
+                <a:spcPct val="100000"/>
+              </a:lnSpc>
+            </a:pPr>
+            <a:r>
+              <a:rPr lang="en-US" sz="1200" b="1" strike="noStrike" spc="-1" dirty="0">
+                <a:solidFill>
+                  <a:srgbClr val="000000"/>
+                </a:solidFill>
+                <a:latin typeface="Courier New"/>
+                <a:ea typeface="Menlo"/>
+              </a:rPr>
+              <a:t>tally(~ </a:t>
+            </a:r>
+            <a:r>
+              <a:rPr lang="en-US" sz="1200" b="1" spc="-1" dirty="0">
+                <a:solidFill>
+                  <a:srgbClr val="000000"/>
+                </a:solidFill>
+                <a:latin typeface="Courier New"/>
+                <a:ea typeface="Menlo"/>
+              </a:rPr>
+              <a:t>substance</a:t>
+            </a:r>
+            <a:r>
+              <a:rPr lang="en-US" sz="1200" b="1" strike="noStrike" spc="-1" dirty="0">
+                <a:solidFill>
+                  <a:srgbClr val="000000"/>
+                </a:solidFill>
+                <a:latin typeface="Courier New"/>
+                <a:ea typeface="Menlo"/>
+              </a:rPr>
+              <a:t> + sex,</a:t>
+            </a:r>
+          </a:p>
+          <a:p>
+            <a:pPr>
+              <a:lnSpc>
+                <a:spcPct val="100000"/>
+              </a:lnSpc>
+            </a:pPr>
+            <a:r>
+              <a:rPr lang="en-US" sz="1200" b="1" spc="-1" dirty="0">
+                <a:solidFill>
+                  <a:srgbClr val="000000"/>
+                </a:solidFill>
+                <a:latin typeface="Courier New"/>
+                <a:ea typeface="Menlo"/>
+              </a:rPr>
+              <a:t>  data = </a:t>
+            </a:r>
+            <a:r>
+              <a:rPr lang="en-US" sz="1200" b="1" spc="-1" dirty="0" err="1">
+                <a:solidFill>
+                  <a:srgbClr val="000000"/>
+                </a:solidFill>
+                <a:latin typeface="Courier New"/>
+                <a:ea typeface="Menlo"/>
+              </a:rPr>
+              <a:t>HELPrct</a:t>
+            </a:r>
+            <a:r>
+              <a:rPr lang="en-US" sz="1200" b="1" spc="-1" dirty="0">
+                <a:solidFill>
+                  <a:srgbClr val="000000"/>
+                </a:solidFill>
+                <a:latin typeface="Courier New"/>
+                <a:ea typeface="Menlo"/>
+              </a:rPr>
+              <a:t>, </a:t>
+            </a:r>
+            <a:r>
+              <a:rPr lang="en-US" sz="1200" b="1" strike="noStrike" spc="-1" dirty="0">
+                <a:solidFill>
+                  <a:srgbClr val="000000"/>
+                </a:solidFill>
+                <a:latin typeface="Courier New"/>
+                <a:ea typeface="Menlo"/>
+              </a:rPr>
+              <a:t>margins = TRUE)</a:t>
+            </a:r>
+            <a:endParaRPr lang="en-US" sz="1200" b="0" strike="noStrike" spc="-1" dirty="0">
+              <a:latin typeface="Arial"/>
+            </a:endParaRPr>
+          </a:p>
+          <a:p>
+            <a:pPr>
+              <a:lnSpc>
+                <a:spcPct val="150000"/>
+              </a:lnSpc>
+            </a:pPr>
+            <a:r>
+              <a:rPr lang="en-US" sz="1200" b="0" strike="noStrike" spc="-1" dirty="0">
+                <a:solidFill>
+                  <a:srgbClr val="000000"/>
+                </a:solidFill>
+                <a:latin typeface="Arial"/>
+                <a:ea typeface="Menlo"/>
+              </a:rPr>
+              <a:t>Percentages by column</a:t>
+            </a:r>
+            <a:endParaRPr lang="en-US" sz="1200" b="0" strike="noStrike" spc="-1" dirty="0">
+              <a:latin typeface="Arial"/>
+            </a:endParaRPr>
+          </a:p>
+          <a:p>
+            <a:pPr>
+              <a:lnSpc>
+                <a:spcPct val="100000"/>
+              </a:lnSpc>
+            </a:pPr>
+            <a:r>
+              <a:rPr lang="en-US" sz="1200" b="1" strike="noStrike" spc="-1" dirty="0">
+                <a:solidFill>
+                  <a:srgbClr val="000000"/>
+                </a:solidFill>
+                <a:latin typeface="Courier New"/>
+                <a:ea typeface="Menlo"/>
+              </a:rPr>
+              <a:t>tally(~ sex | substance,</a:t>
+            </a:r>
+          </a:p>
+          <a:p>
+            <a:pPr>
+              <a:lnSpc>
+                <a:spcPct val="100000"/>
+              </a:lnSpc>
+            </a:pPr>
+            <a:r>
+              <a:rPr lang="en-US" sz="1200" b="1" spc="-1" dirty="0">
+                <a:solidFill>
+                  <a:srgbClr val="000000"/>
+                </a:solidFill>
+                <a:latin typeface="Courier New"/>
+                <a:ea typeface="Menlo"/>
+              </a:rPr>
+              <a:t>  data = </a:t>
+            </a:r>
+            <a:r>
+              <a:rPr lang="en-US" sz="1200" b="1" spc="-1" dirty="0" err="1">
+                <a:solidFill>
+                  <a:srgbClr val="000000"/>
+                </a:solidFill>
+                <a:latin typeface="Courier New"/>
+                <a:ea typeface="Menlo"/>
+              </a:rPr>
+              <a:t>HELPrct</a:t>
+            </a:r>
+            <a:r>
+              <a:rPr lang="en-US" sz="1200" b="1" spc="-1" dirty="0">
+                <a:solidFill>
+                  <a:srgbClr val="000000"/>
+                </a:solidFill>
+                <a:latin typeface="Courier New"/>
+                <a:ea typeface="Menlo"/>
+              </a:rPr>
+              <a:t>,</a:t>
+            </a:r>
+            <a:endParaRPr lang="en-US" sz="1200" b="0" strike="noStrike" spc="-1" dirty="0">
+              <a:latin typeface="Arial"/>
+            </a:endParaRPr>
+          </a:p>
+          <a:p>
+            <a:pPr>
+              <a:lnSpc>
+                <a:spcPct val="100000"/>
+              </a:lnSpc>
+            </a:pPr>
+            <a:r>
+              <a:rPr lang="en-US" sz="1200" b="1" strike="noStrike" spc="-1" dirty="0">
+                <a:solidFill>
+                  <a:srgbClr val="000000"/>
+                </a:solidFill>
+                <a:latin typeface="Courier New"/>
+                <a:ea typeface="Menlo"/>
+              </a:rPr>
+              <a:t>  format = "percent")</a:t>
+            </a:r>
+            <a:endParaRPr lang="en-US" sz="1200" b="0" strike="noStrike" spc="-1" dirty="0">
+              <a:latin typeface="Arial"/>
+            </a:endParaRPr>
+          </a:p>
+          <a:p>
+            <a:pPr>
+              <a:lnSpc>
+                <a:spcPct val="150000"/>
+              </a:lnSpc>
+            </a:pPr>
+            <a:r>
+              <a:rPr lang="en-US" sz="1200" b="0" strike="noStrike" spc="-1" dirty="0">
+                <a:solidFill>
+                  <a:srgbClr val="000000"/>
+                </a:solidFill>
+                <a:latin typeface="Arial"/>
+                <a:ea typeface="Menlo"/>
+              </a:rPr>
+              <a:t>Mosaic plot</a:t>
+            </a:r>
+            <a:endParaRPr lang="en-US" sz="1200" b="0" strike="noStrike" spc="-1" dirty="0">
+              <a:latin typeface="Arial"/>
+            </a:endParaRPr>
+          </a:p>
+          <a:p>
+            <a:pPr>
+              <a:lnSpc>
+                <a:spcPct val="100000"/>
+              </a:lnSpc>
+            </a:pPr>
+            <a:r>
+              <a:rPr lang="en-US" sz="1200" b="1" spc="-1" dirty="0" err="1">
+                <a:solidFill>
+                  <a:srgbClr val="1A1A1A"/>
+                </a:solidFill>
+                <a:latin typeface="Courier New"/>
+              </a:rPr>
+              <a:t>my_tbl</a:t>
+            </a:r>
+            <a:r>
+              <a:rPr lang="en-US" sz="1200" b="1" spc="-1" dirty="0">
+                <a:solidFill>
+                  <a:srgbClr val="1A1A1A"/>
+                </a:solidFill>
+                <a:latin typeface="Courier New"/>
+              </a:rPr>
+              <a:t> &lt;- tally(sex ~ substance,   </a:t>
+            </a:r>
+          </a:p>
+          <a:p>
+            <a:pPr>
+              <a:lnSpc>
+                <a:spcPct val="100000"/>
+              </a:lnSpc>
+            </a:pPr>
+            <a:r>
+              <a:rPr lang="en-US" sz="1200" b="1" spc="-1" dirty="0">
+                <a:solidFill>
+                  <a:srgbClr val="1A1A1A"/>
+                </a:solidFill>
+                <a:latin typeface="Courier New"/>
+              </a:rPr>
+              <a:t>  data = </a:t>
+            </a:r>
+            <a:r>
+              <a:rPr lang="en-US" sz="1200" b="1" spc="-1" dirty="0" err="1">
+                <a:solidFill>
+                  <a:srgbClr val="1A1A1A"/>
+                </a:solidFill>
+                <a:latin typeface="Courier New"/>
+              </a:rPr>
+              <a:t>HELPrct</a:t>
+            </a:r>
+            <a:r>
+              <a:rPr lang="en-US" sz="1200" b="1" spc="-1" dirty="0">
+                <a:solidFill>
+                  <a:srgbClr val="1A1A1A"/>
+                </a:solidFill>
+                <a:latin typeface="Courier New"/>
+              </a:rPr>
+              <a:t>)</a:t>
+            </a:r>
+          </a:p>
+          <a:p>
+            <a:pPr>
+              <a:lnSpc>
+                <a:spcPct val="100000"/>
+              </a:lnSpc>
+            </a:pPr>
+            <a:r>
+              <a:rPr lang="en-US" sz="1200" b="1" spc="-1" dirty="0" err="1">
+                <a:solidFill>
+                  <a:srgbClr val="1A1A1A"/>
+                </a:solidFill>
+                <a:latin typeface="Courier New"/>
+              </a:rPr>
+              <a:t>mosaicplot</a:t>
+            </a:r>
+            <a:r>
+              <a:rPr lang="en-US" sz="1200" b="1" spc="-1" dirty="0">
+                <a:solidFill>
+                  <a:srgbClr val="1A1A1A"/>
+                </a:solidFill>
+                <a:latin typeface="Courier New"/>
+              </a:rPr>
+              <a:t>(</a:t>
+            </a:r>
+            <a:r>
+              <a:rPr lang="en-US" sz="1200" b="1" spc="-1" dirty="0" err="1">
+                <a:solidFill>
+                  <a:srgbClr val="1A1A1A"/>
+                </a:solidFill>
+                <a:latin typeface="Courier New"/>
+              </a:rPr>
+              <a:t>my_tbl</a:t>
+            </a:r>
+            <a:r>
+              <a:rPr lang="en-US" sz="1200" b="1" spc="-1" dirty="0">
+                <a:solidFill>
+                  <a:srgbClr val="1A1A1A"/>
+                </a:solidFill>
+                <a:latin typeface="Courier New"/>
+              </a:rPr>
+              <a:t>, color = TRUE)</a:t>
+            </a:r>
+            <a:endParaRPr lang="en-US" sz="1100" b="1" spc="-1" dirty="0">
+              <a:solidFill>
+                <a:srgbClr val="000000"/>
+              </a:solidFill>
+              <a:latin typeface="Courier New"/>
+            </a:endParaRPr>
+          </a:p>
+          <a:p>
+            <a:pPr>
+              <a:lnSpc>
+                <a:spcPct val="100000"/>
+              </a:lnSpc>
+            </a:pPr>
+            <a:endParaRPr lang="en-US" sz="1100" b="1" strike="noStrike" spc="-1" dirty="0">
+              <a:solidFill>
+                <a:srgbClr val="000000"/>
+              </a:solidFill>
+              <a:latin typeface="Courier New"/>
+            </a:endParaRPr>
+          </a:p>
+          <a:p>
+            <a:pPr>
+              <a:lnSpc>
+                <a:spcPct val="100000"/>
+              </a:lnSpc>
+            </a:pPr>
+            <a:endParaRPr lang="en-US" sz="1100" b="0" strike="noStrike" spc="-1" dirty="0">
+              <a:latin typeface="Arial"/>
+            </a:endParaRPr>
+          </a:p>
+          <a:p>
+            <a:pPr>
+              <a:lnSpc>
+                <a:spcPct val="100000"/>
+              </a:lnSpc>
+            </a:pPr>
+            <a:endParaRPr lang="en-US" sz="1100" spc="-1" dirty="0">
+              <a:latin typeface="Arial"/>
+            </a:endParaRPr>
+          </a:p>
+          <a:p>
+            <a:pPr>
+              <a:lnSpc>
+                <a:spcPct val="100000"/>
+              </a:lnSpc>
+            </a:pPr>
+            <a:endParaRPr lang="en-US" sz="1100" b="0" strike="noStrike" spc="-1" dirty="0">
+              <a:latin typeface="Arial"/>
+            </a:endParaRPr>
+          </a:p>
+          <a:p>
+            <a:pPr>
+              <a:lnSpc>
+                <a:spcPct val="100000"/>
+              </a:lnSpc>
+            </a:pPr>
+            <a:endParaRPr lang="en-US" sz="1100" spc="-1" dirty="0">
+              <a:latin typeface="Arial"/>
+            </a:endParaRPr>
+          </a:p>
+          <a:p>
+            <a:pPr>
+              <a:lnSpc>
+                <a:spcPct val="100000"/>
+              </a:lnSpc>
+            </a:pPr>
+            <a:endParaRPr lang="en-US" sz="1100" b="0" strike="noStrike" spc="-1" dirty="0">
+              <a:latin typeface="Arial"/>
+            </a:endParaRPr>
+          </a:p>
+          <a:p>
+            <a:pPr>
+              <a:lnSpc>
+                <a:spcPct val="100000"/>
+              </a:lnSpc>
+            </a:pPr>
+            <a:endParaRPr lang="en-US" sz="1100" b="0" strike="noStrike" spc="-1" dirty="0">
+              <a:latin typeface="Arial"/>
+            </a:endParaRPr>
+          </a:p>
+          <a:p>
+            <a:pPr>
+              <a:lnSpc>
+                <a:spcPct val="150000"/>
+              </a:lnSpc>
+            </a:pPr>
+            <a:endParaRPr lang="en-US" sz="1200" spc="-1" dirty="0">
+              <a:solidFill>
+                <a:srgbClr val="000000"/>
+              </a:solidFill>
+              <a:latin typeface="Arial"/>
+              <a:ea typeface="Menlo"/>
+            </a:endParaRPr>
+          </a:p>
+          <a:p>
+            <a:pPr>
+              <a:lnSpc>
+                <a:spcPct val="150000"/>
+              </a:lnSpc>
+            </a:pPr>
+            <a:r>
+              <a:rPr lang="en-US" sz="1200" b="0" strike="noStrike" spc="-1" dirty="0">
+                <a:solidFill>
+                  <a:srgbClr val="000000"/>
+                </a:solidFill>
+                <a:latin typeface="Arial"/>
+                <a:ea typeface="Menlo"/>
+              </a:rPr>
+              <a:t>Chi-square test</a:t>
+            </a:r>
+            <a:endParaRPr lang="en-US" sz="1200" b="0" strike="noStrike" spc="-1" dirty="0">
+              <a:latin typeface="Arial"/>
+            </a:endParaRPr>
+          </a:p>
+          <a:p>
+            <a:pPr>
+              <a:lnSpc>
+                <a:spcPct val="100000"/>
+              </a:lnSpc>
+            </a:pPr>
+            <a:r>
+              <a:rPr lang="en-US" sz="1200" b="1" strike="noStrike" spc="-1" dirty="0">
+                <a:solidFill>
+                  <a:srgbClr val="000000"/>
+                </a:solidFill>
+                <a:latin typeface="Courier New"/>
+                <a:ea typeface="DejaVu Sans"/>
+              </a:rPr>
+              <a:t>xchisq.test(~ </a:t>
+            </a:r>
+            <a:r>
+              <a:rPr lang="en-US" sz="1200" b="1" spc="-1" dirty="0">
+                <a:solidFill>
+                  <a:srgbClr val="000000"/>
+                </a:solidFill>
+                <a:latin typeface="Courier New"/>
+                <a:ea typeface="DejaVu Sans"/>
+              </a:rPr>
+              <a:t>substance</a:t>
+            </a:r>
+            <a:r>
+              <a:rPr lang="en-US" sz="1200" b="1" strike="noStrike" spc="-1" dirty="0">
+                <a:solidFill>
+                  <a:srgbClr val="000000"/>
+                </a:solidFill>
+                <a:latin typeface="Courier New"/>
+                <a:ea typeface="DejaVu Sans"/>
+              </a:rPr>
+              <a:t> + sex,</a:t>
+            </a:r>
+            <a:endParaRPr lang="en-US" sz="1200" b="0" strike="noStrike" spc="-1" dirty="0">
+              <a:latin typeface="Arial"/>
+            </a:endParaRPr>
+          </a:p>
+          <a:p>
+            <a:pPr>
+              <a:lnSpc>
+                <a:spcPct val="100000"/>
+              </a:lnSpc>
+            </a:pPr>
+            <a:r>
+              <a:rPr lang="en-US" sz="1200" b="1" strike="noStrike" spc="-1" dirty="0">
+                <a:solidFill>
+                  <a:srgbClr val="000000"/>
+                </a:solidFill>
+                <a:latin typeface="Courier New"/>
+                <a:ea typeface="DejaVu Sans"/>
+              </a:rPr>
+              <a:t>  data = </a:t>
+            </a:r>
+            <a:r>
+              <a:rPr lang="en-US" sz="1200" b="1" strike="noStrike" spc="-1" dirty="0" err="1">
+                <a:solidFill>
+                  <a:srgbClr val="000000"/>
+                </a:solidFill>
+                <a:latin typeface="Courier New"/>
+                <a:ea typeface="DejaVu Sans"/>
+              </a:rPr>
+              <a:t>HELPrct</a:t>
+            </a:r>
+            <a:r>
+              <a:rPr lang="en-US" sz="1200" b="1" strike="noStrike" spc="-1" dirty="0">
+                <a:solidFill>
+                  <a:srgbClr val="000000"/>
+                </a:solidFill>
+                <a:latin typeface="Courier New"/>
+                <a:ea typeface="DejaVu Sans"/>
+              </a:rPr>
+              <a:t>, </a:t>
+            </a:r>
+          </a:p>
+          <a:p>
+            <a:pPr>
+              <a:lnSpc>
+                <a:spcPct val="100000"/>
+              </a:lnSpc>
+            </a:pPr>
+            <a:r>
+              <a:rPr lang="en-US" sz="1200" b="1" spc="-1" dirty="0">
+                <a:solidFill>
+                  <a:srgbClr val="000000"/>
+                </a:solidFill>
+                <a:latin typeface="Courier New"/>
+                <a:ea typeface="DejaVu Sans"/>
+              </a:rPr>
+              <a:t>  </a:t>
+            </a:r>
+            <a:r>
+              <a:rPr lang="en-US" sz="1200" b="1" strike="noStrike" spc="-1" dirty="0">
+                <a:solidFill>
+                  <a:srgbClr val="000000"/>
+                </a:solidFill>
+                <a:latin typeface="Courier New"/>
+                <a:ea typeface="DejaVu Sans"/>
+              </a:rPr>
+              <a:t>correct = FALSE</a:t>
+            </a:r>
+            <a:r>
+              <a:rPr lang="en-US" sz="1200" b="0" strike="noStrike" spc="-1" dirty="0">
+                <a:solidFill>
+                  <a:srgbClr val="000000"/>
+                </a:solidFill>
+                <a:latin typeface="Courier New"/>
+                <a:ea typeface="DejaVu Sans"/>
+              </a:rPr>
+              <a:t>)</a:t>
+            </a:r>
+            <a:endParaRPr lang="en-US" sz="1200" b="0" strike="noStrike" spc="-1" dirty="0">
+              <a:latin typeface="Arial"/>
+            </a:endParaRPr>
+          </a:p>
+          <a:p>
+            <a:pPr>
+              <a:lnSpc>
+                <a:spcPct val="100000"/>
+              </a:lnSpc>
+            </a:pPr>
+            <a:endParaRPr lang="en-US" sz="1100" b="0" strike="noStrike" spc="-1" dirty="0">
+              <a:latin typeface="Arial"/>
+            </a:endParaRPr>
+          </a:p>
+          <a:p>
+            <a:pPr>
+              <a:lnSpc>
+                <a:spcPct val="120000"/>
+              </a:lnSpc>
+            </a:pPr>
+            <a:endParaRPr lang="en-US" sz="1100" b="0" strike="noStrike" spc="-1" dirty="0">
+              <a:latin typeface="Arial"/>
+            </a:endParaRPr>
+          </a:p>
+        </p:txBody>
+      </p:sp>
+      <p:pic>
+        <p:nvPicPr>
+          <p:cNvPr id="40" name="Picture 7">
+            <a:extLst>
+              <a:ext uri="{FF2B5EF4-FFF2-40B4-BE49-F238E27FC236}">
+                <a16:creationId xmlns:a16="http://schemas.microsoft.com/office/drawing/2014/main" id="{40563545-D9EB-49CF-916A-6133BCF6EB44}"/>
+              </a:ext>
+            </a:extLst>
+          </p:cNvPr>
+          <p:cNvPicPr>
+            <a:picLocks noChangeAspect="1"/>
+          </p:cNvPicPr>
+          <p:nvPr/>
+        </p:nvPicPr>
+        <p:blipFill>
+          <a:blip r:embed="rId7"/>
+          <a:stretch/>
+        </p:blipFill>
+        <p:spPr>
+          <a:xfrm>
+            <a:off x="3748486" y="3134690"/>
+            <a:ext cx="2750728" cy="1264286"/>
+          </a:xfrm>
+          <a:prstGeom prst="rect">
+            <a:avLst/>
+          </a:prstGeom>
+          <a:ln>
+            <a:noFill/>
+          </a:ln>
+        </p:spPr>
+      </p:pic>
     </p:spTree>
   </p:cSld>
   <p:clrMapOvr>

--- a/mosaic-cheatsheet-lattice.pptx
+++ b/mosaic-cheatsheet-lattice.pptx
@@ -15324,8 +15324,19 @@
                 <a:latin typeface="Courier New"/>
                 <a:ea typeface="DejaVu Sans"/>
               </a:rPr>
-              <a:t>mean(width) </a:t>
-            </a:r>
+              <a:t>mean(</a:t>
+            </a:r>
+            <a:r>
+              <a:rPr lang="en-US" sz="1200" b="1" strike="noStrike" spc="-1">
+                <a:latin typeface="Courier New"/>
+                <a:ea typeface="DejaVu Sans"/>
+              </a:rPr>
+              <a:t>width))</a:t>
+            </a:r>
+            <a:endParaRPr lang="en-US" sz="1200" b="1" strike="noStrike" spc="-1" dirty="0">
+              <a:latin typeface="Courier New"/>
+              <a:ea typeface="DejaVu Sans"/>
+            </a:endParaRPr>
           </a:p>
           <a:p>
             <a:r>

--- a/mosaic-cheatsheet-lattice.pptx
+++ b/mosaic-cheatsheet-lattice.pptx
@@ -110,7 +110,7 @@
   </p:defaultTextStyle>
   <p:extLst>
     <p:ext uri="{EFAFB233-063F-42B5-8137-9DF3F51BA10A}">
-      <p15:sldGuideLst xmlns:p15="http://schemas.microsoft.com/office/powerpoint/2012/main">
+      <p15:sldGuideLst xmlns:p15="http://schemas.microsoft.com/office/powerpoint/2012/main" xmlns="">
         <p15:guide id="1" orient="horz" pos="3400">
           <p15:clr>
             <a:srgbClr val="A4A3A4"/>
@@ -3654,7 +3654,7 @@
                             <a:solidFill>
                               <a:srgbClr val="000000"/>
                             </a:solidFill>
-                            <a:latin typeface="Cambria Math" panose="02040503050406030204" pitchFamily="18" charset="0"/>
+                            <a:latin typeface="Cambria Math"/>
                             <a:ea typeface="Menlo"/>
                           </a:rPr>
                         </m:ctrlPr>
@@ -8666,7 +8666,7 @@
           <p:cNvPr id="2" name="Picture 1">
             <a:extLst>
               <a:ext uri="{FF2B5EF4-FFF2-40B4-BE49-F238E27FC236}">
-                <a16:creationId xmlns:a16="http://schemas.microsoft.com/office/drawing/2014/main" id="{3413C69E-B40F-4763-B061-53D1773D16F0}"/>
+                <a16:creationId xmlns:a16="http://schemas.microsoft.com/office/drawing/2014/main" xmlns="" id="{3413C69E-B40F-4763-B061-53D1773D16F0}"/>
               </a:ext>
             </a:extLst>
           </p:cNvPr>
@@ -8696,7 +8696,7 @@
           <p:cNvPr id="8" name="Picture 7">
             <a:extLst>
               <a:ext uri="{FF2B5EF4-FFF2-40B4-BE49-F238E27FC236}">
-                <a16:creationId xmlns:a16="http://schemas.microsoft.com/office/drawing/2014/main" id="{963B9C69-89E5-48D8-9B96-1B4B892EBE5E}"/>
+                <a16:creationId xmlns:a16="http://schemas.microsoft.com/office/drawing/2014/main" xmlns="" id="{963B9C69-89E5-48D8-9B96-1B4B892EBE5E}"/>
               </a:ext>
             </a:extLst>
           </p:cNvPr>
@@ -8726,7 +8726,7 @@
           <p:cNvPr id="9" name="Picture 8">
             <a:extLst>
               <a:ext uri="{FF2B5EF4-FFF2-40B4-BE49-F238E27FC236}">
-                <a16:creationId xmlns:a16="http://schemas.microsoft.com/office/drawing/2014/main" id="{BBF7067E-8FBE-4D5D-AB5E-5C90DBB20DC2}"/>
+                <a16:creationId xmlns:a16="http://schemas.microsoft.com/office/drawing/2014/main" xmlns="" id="{BBF7067E-8FBE-4D5D-AB5E-5C90DBB20DC2}"/>
               </a:ext>
             </a:extLst>
           </p:cNvPr>
@@ -8810,7 +8810,7 @@
           <p:cNvPr id="36" name="CustomShape 27">
             <a:extLst>
               <a:ext uri="{FF2B5EF4-FFF2-40B4-BE49-F238E27FC236}">
-                <a16:creationId xmlns:a16="http://schemas.microsoft.com/office/drawing/2014/main" id="{45A3C8FF-D918-492C-A736-CBE7DFCE1A1D}"/>
+                <a16:creationId xmlns:a16="http://schemas.microsoft.com/office/drawing/2014/main" xmlns="" id="{45A3C8FF-D918-492C-A736-CBE7DFCE1A1D}"/>
               </a:ext>
             </a:extLst>
           </p:cNvPr>
@@ -8876,7 +8876,7 @@
           <p:cNvPr id="37" name="CustomShape 28">
             <a:extLst>
               <a:ext uri="{FF2B5EF4-FFF2-40B4-BE49-F238E27FC236}">
-                <a16:creationId xmlns:a16="http://schemas.microsoft.com/office/drawing/2014/main" id="{FE1CB5B8-5F36-4E1B-A410-65B16B981E7E}"/>
+                <a16:creationId xmlns:a16="http://schemas.microsoft.com/office/drawing/2014/main" xmlns="" id="{FE1CB5B8-5F36-4E1B-A410-65B16B981E7E}"/>
               </a:ext>
             </a:extLst>
           </p:cNvPr>
@@ -9268,7 +9268,7 @@
           <p:cNvPr id="38" name="CustomShape 16">
             <a:extLst>
               <a:ext uri="{FF2B5EF4-FFF2-40B4-BE49-F238E27FC236}">
-                <a16:creationId xmlns:a16="http://schemas.microsoft.com/office/drawing/2014/main" id="{FE686C5A-A207-4B9B-B93E-3F46E9E11573}"/>
+                <a16:creationId xmlns:a16="http://schemas.microsoft.com/office/drawing/2014/main" xmlns="" id="{FE686C5A-A207-4B9B-B93E-3F46E9E11573}"/>
               </a:ext>
             </a:extLst>
           </p:cNvPr>
@@ -9334,7 +9334,7 @@
           <p:cNvPr id="39" name="CustomShape 20">
             <a:extLst>
               <a:ext uri="{FF2B5EF4-FFF2-40B4-BE49-F238E27FC236}">
-                <a16:creationId xmlns:a16="http://schemas.microsoft.com/office/drawing/2014/main" id="{BBEC1559-FF7E-40CC-918C-D3026D98F6E8}"/>
+                <a16:creationId xmlns:a16="http://schemas.microsoft.com/office/drawing/2014/main" xmlns="" id="{BBEC1559-FF7E-40CC-918C-D3026D98F6E8}"/>
               </a:ext>
             </a:extLst>
           </p:cNvPr>
@@ -11161,7 +11161,47 @@
                 <a:latin typeface="Arial"/>
                 <a:ea typeface="DejaVu Sans"/>
               </a:rPr>
-              <a:t>Two-level predictor: two-sample</a:t>
+              <a:t>Two-level predictor</a:t>
+            </a:r>
+            <a:r>
+              <a:rPr lang="en-US" sz="1200" b="0" strike="noStrike" spc="-1">
+                <a:solidFill>
+                  <a:srgbClr val="000000"/>
+                </a:solidFill>
+                <a:latin typeface="Arial"/>
+                <a:ea typeface="DejaVu Sans"/>
+              </a:rPr>
+              <a:t>: </a:t>
+            </a:r>
+            <a:r>
+              <a:rPr lang="en-US" sz="1200" spc="-1" smtClean="0">
+                <a:solidFill>
+                  <a:srgbClr val="000000"/>
+                </a:solidFill>
+                <a:latin typeface="Arial"/>
+                <a:ea typeface="DejaVu Sans"/>
+              </a:rPr>
+              <a:t>T</a:t>
+            </a:r>
+            <a:r>
+              <a:rPr lang="en-US" sz="1200" b="0" strike="noStrike" spc="-1" smtClean="0">
+                <a:solidFill>
+                  <a:srgbClr val="000000"/>
+                </a:solidFill>
+                <a:latin typeface="Arial"/>
+                <a:ea typeface="DejaVu Sans"/>
+              </a:rPr>
+              <a:t>wo-sample</a:t>
+            </a:r>
+            <a:r>
+              <a:rPr lang="en-US" sz="1200" b="0" i="1" strike="noStrike" spc="-1" smtClean="0">
+                <a:solidFill>
+                  <a:srgbClr val="000000"/>
+                </a:solidFill>
+                <a:latin typeface="Times New Roman"/>
+                <a:ea typeface="DejaVu Sans"/>
+              </a:rPr>
+              <a:t> </a:t>
             </a:r>
             <a:r>
               <a:rPr lang="en-US" sz="1200" b="0" i="1" strike="noStrike" spc="-1" dirty="0">
@@ -11171,7 +11211,7 @@
                 <a:latin typeface="Times New Roman"/>
                 <a:ea typeface="DejaVu Sans"/>
               </a:rPr>
-              <a:t> t</a:t>
+              <a:t>t</a:t>
             </a:r>
             <a:r>
               <a:rPr lang="en-US" sz="1200" b="0" strike="noStrike" spc="-1" dirty="0">
@@ -13263,7 +13303,7 @@
           <p:cNvPr id="3" name="Picture 2">
             <a:extLst>
               <a:ext uri="{FF2B5EF4-FFF2-40B4-BE49-F238E27FC236}">
-                <a16:creationId xmlns:a16="http://schemas.microsoft.com/office/drawing/2014/main" id="{12A146D7-94BF-400A-A6F0-B63E1B3D053E}"/>
+                <a16:creationId xmlns:a16="http://schemas.microsoft.com/office/drawing/2014/main" xmlns="" id="{12A146D7-94BF-400A-A6F0-B63E1B3D053E}"/>
               </a:ext>
             </a:extLst>
           </p:cNvPr>
@@ -13293,7 +13333,7 @@
           <p:cNvPr id="4" name="Picture 3">
             <a:extLst>
               <a:ext uri="{FF2B5EF4-FFF2-40B4-BE49-F238E27FC236}">
-                <a16:creationId xmlns:a16="http://schemas.microsoft.com/office/drawing/2014/main" id="{F2F6CF5C-A728-4A9C-A63A-90BAE00AC094}"/>
+                <a16:creationId xmlns:a16="http://schemas.microsoft.com/office/drawing/2014/main" xmlns="" id="{F2F6CF5C-A728-4A9C-A63A-90BAE00AC094}"/>
               </a:ext>
             </a:extLst>
           </p:cNvPr>
@@ -13323,7 +13363,7 @@
           <p:cNvPr id="5" name="Picture 4">
             <a:extLst>
               <a:ext uri="{FF2B5EF4-FFF2-40B4-BE49-F238E27FC236}">
-                <a16:creationId xmlns:a16="http://schemas.microsoft.com/office/drawing/2014/main" id="{D2D461C5-EE8C-400C-B03E-648CF0942D52}"/>
+                <a16:creationId xmlns:a16="http://schemas.microsoft.com/office/drawing/2014/main" xmlns="" id="{D2D461C5-EE8C-400C-B03E-648CF0942D52}"/>
               </a:ext>
             </a:extLst>
           </p:cNvPr>
@@ -13353,7 +13393,7 @@
           <p:cNvPr id="29" name="CustomShape 4">
             <a:extLst>
               <a:ext uri="{FF2B5EF4-FFF2-40B4-BE49-F238E27FC236}">
-                <a16:creationId xmlns:a16="http://schemas.microsoft.com/office/drawing/2014/main" id="{FA44E67C-3FF1-4558-AB14-26AE8A22A162}"/>
+                <a16:creationId xmlns:a16="http://schemas.microsoft.com/office/drawing/2014/main" xmlns="" id="{FA44E67C-3FF1-4558-AB14-26AE8A22A162}"/>
               </a:ext>
             </a:extLst>
           </p:cNvPr>
@@ -13486,7 +13526,7 @@
           <p:cNvPr id="30" name="CustomShape 5">
             <a:extLst>
               <a:ext uri="{FF2B5EF4-FFF2-40B4-BE49-F238E27FC236}">
-                <a16:creationId xmlns:a16="http://schemas.microsoft.com/office/drawing/2014/main" id="{C98A7EA2-6B6B-4EBA-BFFD-9DB57EF48BEA}"/>
+                <a16:creationId xmlns:a16="http://schemas.microsoft.com/office/drawing/2014/main" xmlns="" id="{C98A7EA2-6B6B-4EBA-BFFD-9DB57EF48BEA}"/>
               </a:ext>
             </a:extLst>
           </p:cNvPr>
@@ -13588,7 +13628,7 @@
           <p:cNvPr id="33" name="CustomShape 12">
             <a:extLst>
               <a:ext uri="{FF2B5EF4-FFF2-40B4-BE49-F238E27FC236}">
-                <a16:creationId xmlns:a16="http://schemas.microsoft.com/office/drawing/2014/main" id="{9BF7BC54-7CA9-453F-8F94-E1B7DAC01C1D}"/>
+                <a16:creationId xmlns:a16="http://schemas.microsoft.com/office/drawing/2014/main" xmlns="" id="{9BF7BC54-7CA9-453F-8F94-E1B7DAC01C1D}"/>
               </a:ext>
             </a:extLst>
           </p:cNvPr>
@@ -13654,7 +13694,7 @@
           <p:cNvPr id="34" name="CustomShape 13">
             <a:extLst>
               <a:ext uri="{FF2B5EF4-FFF2-40B4-BE49-F238E27FC236}">
-                <a16:creationId xmlns:a16="http://schemas.microsoft.com/office/drawing/2014/main" id="{FDC5BC65-617F-49E1-8C35-871FF07F47D3}"/>
+                <a16:creationId xmlns:a16="http://schemas.microsoft.com/office/drawing/2014/main" xmlns="" id="{FDC5BC65-617F-49E1-8C35-871FF07F47D3}"/>
               </a:ext>
             </a:extLst>
           </p:cNvPr>
@@ -14177,7 +14217,7 @@
           <p:cNvPr id="35" name="CustomShape 14">
             <a:extLst>
               <a:ext uri="{FF2B5EF4-FFF2-40B4-BE49-F238E27FC236}">
-                <a16:creationId xmlns:a16="http://schemas.microsoft.com/office/drawing/2014/main" id="{9F30AC8D-69F9-4E24-8DBD-2817B548CE53}"/>
+                <a16:creationId xmlns:a16="http://schemas.microsoft.com/office/drawing/2014/main" xmlns="" id="{9F30AC8D-69F9-4E24-8DBD-2817B548CE53}"/>
               </a:ext>
             </a:extLst>
           </p:cNvPr>
@@ -14263,7 +14303,7 @@
           <p:cNvPr id="36" name="CustomShape 18">
             <a:extLst>
               <a:ext uri="{FF2B5EF4-FFF2-40B4-BE49-F238E27FC236}">
-                <a16:creationId xmlns:a16="http://schemas.microsoft.com/office/drawing/2014/main" id="{8175304C-6720-458D-A4B4-BC18A65DECB7}"/>
+                <a16:creationId xmlns:a16="http://schemas.microsoft.com/office/drawing/2014/main" xmlns="" id="{8175304C-6720-458D-A4B4-BC18A65DECB7}"/>
               </a:ext>
             </a:extLst>
           </p:cNvPr>
@@ -14329,7 +14369,7 @@
           <p:cNvPr id="37" name="CustomShape 11">
             <a:extLst>
               <a:ext uri="{FF2B5EF4-FFF2-40B4-BE49-F238E27FC236}">
-                <a16:creationId xmlns:a16="http://schemas.microsoft.com/office/drawing/2014/main" id="{66EDF1E5-D5F8-4B3F-BF43-45520FB3047D}"/>
+                <a16:creationId xmlns:a16="http://schemas.microsoft.com/office/drawing/2014/main" xmlns="" id="{66EDF1E5-D5F8-4B3F-BF43-45520FB3047D}"/>
               </a:ext>
             </a:extLst>
           </p:cNvPr>
@@ -14503,7 +14543,7 @@
           <p:cNvPr id="31" name="CustomShape 20">
             <a:extLst>
               <a:ext uri="{FF2B5EF4-FFF2-40B4-BE49-F238E27FC236}">
-                <a16:creationId xmlns:a16="http://schemas.microsoft.com/office/drawing/2014/main" id="{8C51053E-1BD8-4D69-807B-85FFAA91D01F}"/>
+                <a16:creationId xmlns:a16="http://schemas.microsoft.com/office/drawing/2014/main" xmlns="" id="{8C51053E-1BD8-4D69-807B-85FFAA91D01F}"/>
               </a:ext>
             </a:extLst>
           </p:cNvPr>
@@ -14919,7 +14959,7 @@
           <p:cNvPr id="38" name="CustomShape 11">
             <a:extLst>
               <a:ext uri="{FF2B5EF4-FFF2-40B4-BE49-F238E27FC236}">
-                <a16:creationId xmlns:a16="http://schemas.microsoft.com/office/drawing/2014/main" id="{80FB9226-5CF8-4E43-A14B-2177829A4633}"/>
+                <a16:creationId xmlns:a16="http://schemas.microsoft.com/office/drawing/2014/main" xmlns="" id="{80FB9226-5CF8-4E43-A14B-2177829A4633}"/>
               </a:ext>
             </a:extLst>
           </p:cNvPr>
@@ -15404,7 +15444,7 @@
           <p:cNvPr id="39" name="CustomShape 7">
             <a:extLst>
               <a:ext uri="{FF2B5EF4-FFF2-40B4-BE49-F238E27FC236}">
-                <a16:creationId xmlns:a16="http://schemas.microsoft.com/office/drawing/2014/main" id="{9ED32AB9-3A08-4952-8EE2-D174E0DD0A23}"/>
+                <a16:creationId xmlns:a16="http://schemas.microsoft.com/office/drawing/2014/main" xmlns="" id="{9ED32AB9-3A08-4952-8EE2-D174E0DD0A23}"/>
               </a:ext>
             </a:extLst>
           </p:cNvPr>
@@ -15873,144 +15913,78 @@
               </a:lnSpc>
             </a:pPr>
             <a:r>
-              <a:rPr lang="en-US" sz="1200" b="0" strike="noStrike" spc="-1" dirty="0">
-                <a:solidFill>
-                  <a:srgbClr val="000000"/>
-                </a:solidFill>
-                <a:latin typeface="Arial"/>
-                <a:ea typeface="Menlo"/>
-              </a:rPr>
-              <a:t>Chi-square test</a:t>
-            </a:r>
-            <a:endParaRPr lang="en-US" sz="1200" b="0" strike="noStrike" spc="-1" dirty="0">
-              <a:latin typeface="Arial"/>
-            </a:endParaRPr>
-          </a:p>
-          <a:p>
-            <a:pPr>
-              <a:lnSpc>
-                <a:spcPct val="100000"/>
-              </a:lnSpc>
-            </a:pPr>
-            <a:r>
-              <a:rPr lang="en-US" sz="1200" b="1" strike="noStrike" spc="-1" dirty="0">
-                <a:solidFill>
-                  <a:srgbClr val="000000"/>
-                </a:solidFill>
-                <a:latin typeface="Courier New"/>
-                <a:ea typeface="DejaVu Sans"/>
-              </a:rPr>
-              <a:t>xchisq.test(~ </a:t>
-            </a:r>
-            <a:r>
-              <a:rPr lang="en-US" sz="1200" b="1" spc="-1" dirty="0">
-                <a:solidFill>
-                  <a:srgbClr val="000000"/>
-                </a:solidFill>
-                <a:latin typeface="Courier New"/>
-                <a:ea typeface="DejaVu Sans"/>
-              </a:rPr>
-              <a:t>substance</a:t>
-            </a:r>
-            <a:r>
-              <a:rPr lang="en-US" sz="1200" b="1" strike="noStrike" spc="-1" dirty="0">
-                <a:solidFill>
-                  <a:srgbClr val="000000"/>
-                </a:solidFill>
-                <a:latin typeface="Courier New"/>
-                <a:ea typeface="DejaVu Sans"/>
-              </a:rPr>
-              <a:t> + sex,</a:t>
-            </a:r>
-            <a:endParaRPr lang="en-US" sz="1200" b="0" strike="noStrike" spc="-1" dirty="0">
-              <a:latin typeface="Arial"/>
-            </a:endParaRPr>
-          </a:p>
-          <a:p>
-            <a:pPr>
-              <a:lnSpc>
-                <a:spcPct val="100000"/>
-              </a:lnSpc>
-            </a:pPr>
-            <a:r>
-              <a:rPr lang="en-US" sz="1200" b="1" strike="noStrike" spc="-1" dirty="0">
-                <a:solidFill>
-                  <a:srgbClr val="000000"/>
-                </a:solidFill>
-                <a:latin typeface="Courier New"/>
-                <a:ea typeface="DejaVu Sans"/>
-              </a:rPr>
-              <a:t>  data = </a:t>
-            </a:r>
-            <a:r>
-              <a:rPr lang="en-US" sz="1200" b="1" strike="noStrike" spc="-1" dirty="0" err="1">
-                <a:solidFill>
-                  <a:srgbClr val="000000"/>
-                </a:solidFill>
-                <a:latin typeface="Courier New"/>
-                <a:ea typeface="DejaVu Sans"/>
-              </a:rPr>
-              <a:t>HELPrct</a:t>
-            </a:r>
-            <a:r>
-              <a:rPr lang="en-US" sz="1200" b="1" strike="noStrike" spc="-1" dirty="0">
-                <a:solidFill>
-                  <a:srgbClr val="000000"/>
-                </a:solidFill>
-                <a:latin typeface="Courier New"/>
-                <a:ea typeface="DejaVu Sans"/>
-              </a:rPr>
-              <a:t>, </a:t>
-            </a:r>
-          </a:p>
-          <a:p>
-            <a:pPr>
-              <a:lnSpc>
-                <a:spcPct val="100000"/>
-              </a:lnSpc>
-            </a:pPr>
-            <a:r>
-              <a:rPr lang="en-US" sz="1200" b="1" spc="-1" dirty="0">
-                <a:solidFill>
-                  <a:srgbClr val="000000"/>
-                </a:solidFill>
-                <a:latin typeface="Courier New"/>
-                <a:ea typeface="DejaVu Sans"/>
-              </a:rPr>
-              <a:t>  </a:t>
-            </a:r>
-            <a:r>
-              <a:rPr lang="en-US" sz="1200" b="1" strike="noStrike" spc="-1" dirty="0">
-                <a:solidFill>
-                  <a:srgbClr val="000000"/>
-                </a:solidFill>
-                <a:latin typeface="Courier New"/>
-                <a:ea typeface="DejaVu Sans"/>
-              </a:rPr>
-              <a:t>correct = FALSE</a:t>
-            </a:r>
-            <a:r>
-              <a:rPr lang="en-US" sz="1200" b="0" strike="noStrike" spc="-1" dirty="0">
-                <a:solidFill>
-                  <a:srgbClr val="000000"/>
-                </a:solidFill>
-                <a:latin typeface="Courier New"/>
-                <a:ea typeface="DejaVu Sans"/>
-              </a:rPr>
-              <a:t>)</a:t>
-            </a:r>
-            <a:endParaRPr lang="en-US" sz="1200" b="0" strike="noStrike" spc="-1" dirty="0">
-              <a:latin typeface="Arial"/>
-            </a:endParaRPr>
-          </a:p>
-          <a:p>
-            <a:pPr>
-              <a:lnSpc>
-                <a:spcPct val="100000"/>
-              </a:lnSpc>
-            </a:pPr>
-            <a:endParaRPr lang="en-US" sz="1100" b="0" strike="noStrike" spc="-1" dirty="0">
-              <a:latin typeface="Arial"/>
+              <a:rPr lang="en-US" sz="1200" spc="-1">
+                <a:solidFill>
+                  <a:srgbClr val="000000"/>
+                </a:solidFill>
+                <a:ea typeface="Menlo"/>
+              </a:rPr>
+              <a:t>Test for proportions (approximate)</a:t>
+            </a:r>
+          </a:p>
+          <a:p>
+            <a:r>
+              <a:rPr lang="en-US" sz="1200" spc="-1">
+                <a:solidFill>
+                  <a:srgbClr val="000000"/>
+                </a:solidFill>
+                <a:latin typeface="Courier New" panose="02070309020205020404" pitchFamily="49" charset="0"/>
+                <a:ea typeface="Menlo"/>
+                <a:cs typeface="Courier New" panose="02070309020205020404" pitchFamily="49" charset="0"/>
+              </a:rPr>
+              <a:t>prop.test(homeless ~ sex,</a:t>
+            </a:r>
+          </a:p>
+          <a:p>
+            <a:r>
+              <a:rPr lang="en-US" sz="1200" spc="-1" smtClean="0">
+                <a:solidFill>
+                  <a:srgbClr val="000000"/>
+                </a:solidFill>
+                <a:latin typeface="Courier New" panose="02070309020205020404" pitchFamily="49" charset="0"/>
+                <a:ea typeface="Menlo"/>
+                <a:cs typeface="Courier New" panose="02070309020205020404" pitchFamily="49" charset="0"/>
+              </a:rPr>
+              <a:t>  success </a:t>
+            </a:r>
+            <a:r>
+              <a:rPr lang="en-US" sz="1200" spc="-1">
+                <a:solidFill>
+                  <a:srgbClr val="000000"/>
+                </a:solidFill>
+                <a:latin typeface="Courier New" panose="02070309020205020404" pitchFamily="49" charset="0"/>
+                <a:ea typeface="Menlo"/>
+                <a:cs typeface="Courier New" panose="02070309020205020404" pitchFamily="49" charset="0"/>
+              </a:rPr>
+              <a:t>= "homeless",</a:t>
+            </a:r>
+          </a:p>
+          <a:p>
+            <a:r>
+              <a:rPr lang="en-US" sz="1200" spc="-1" smtClean="0">
+                <a:solidFill>
+                  <a:srgbClr val="000000"/>
+                </a:solidFill>
+                <a:latin typeface="Courier New" panose="02070309020205020404" pitchFamily="49" charset="0"/>
+                <a:ea typeface="Menlo"/>
+                <a:cs typeface="Courier New" panose="02070309020205020404" pitchFamily="49" charset="0"/>
+              </a:rPr>
+              <a:t>  data </a:t>
+            </a:r>
+            <a:r>
+              <a:rPr lang="en-US" sz="1200" spc="-1">
+                <a:solidFill>
+                  <a:srgbClr val="000000"/>
+                </a:solidFill>
+                <a:latin typeface="Courier New" panose="02070309020205020404" pitchFamily="49" charset="0"/>
+                <a:ea typeface="Menlo"/>
+                <a:cs typeface="Courier New" panose="02070309020205020404" pitchFamily="49" charset="0"/>
+              </a:rPr>
+              <a:t>= HELPrct)</a:t>
+            </a:r>
+            <a:endParaRPr lang="en-US" sz="1200" b="0" strike="noStrike" spc="-1" smtClean="0">
+              <a:latin typeface="Courier New" panose="02070309020205020404" pitchFamily="49" charset="0"/>
+              <a:cs typeface="Courier New" panose="02070309020205020404" pitchFamily="49" charset="0"/>
             </a:endParaRPr>
           </a:p>
           <a:p>
@@ -16030,7 +16004,7 @@
           <p:cNvPr id="40" name="Picture 7">
             <a:extLst>
               <a:ext uri="{FF2B5EF4-FFF2-40B4-BE49-F238E27FC236}">
-                <a16:creationId xmlns:a16="http://schemas.microsoft.com/office/drawing/2014/main" id="{40563545-D9EB-49CF-916A-6133BCF6EB44}"/>
+                <a16:creationId xmlns:a16="http://schemas.microsoft.com/office/drawing/2014/main" xmlns="" id="{40563545-D9EB-49CF-916A-6133BCF6EB44}"/>
               </a:ext>
             </a:extLst>
           </p:cNvPr>

--- a/mosaic-cheatsheet-lattice.pptx
+++ b/mosaic-cheatsheet-lattice.pptx
@@ -110,7 +110,7 @@
   </p:defaultTextStyle>
   <p:extLst>
     <p:ext uri="{EFAFB233-063F-42B5-8137-9DF3F51BA10A}">
-      <p15:sldGuideLst xmlns:p15="http://schemas.microsoft.com/office/powerpoint/2012/main" xmlns="">
+      <p15:sldGuideLst xmlns:p15="http://schemas.microsoft.com/office/powerpoint/2012/main">
         <p15:guide id="1" orient="horz" pos="3400">
           <p15:clr>
             <a:srgbClr val="A4A3A4"/>
@@ -2742,7 +2742,27 @@
                 <a:latin typeface="Source Sans Pro Light"/>
                 <a:ea typeface="Source Sans Pro Light"/>
               </a:rPr>
-              <a:t>, Inc.  •  </a:t>
+              <a:t>, </a:t>
+            </a:r>
+            <a:r>
+              <a:rPr lang="en-US" sz="900" b="0" strike="noStrike" spc="-1" dirty="0" smtClean="0">
+                <a:solidFill>
+                  <a:srgbClr val="000000"/>
+                </a:solidFill>
+                <a:latin typeface="Source Sans Pro Light"/>
+                <a:ea typeface="Source Sans Pro Light"/>
+              </a:rPr>
+              <a:t>PBC  </a:t>
+            </a:r>
+            <a:r>
+              <a:rPr lang="en-US" sz="900" b="0" strike="noStrike" spc="-1" dirty="0">
+                <a:solidFill>
+                  <a:srgbClr val="000000"/>
+                </a:solidFill>
+                <a:latin typeface="Source Sans Pro Light"/>
+                <a:ea typeface="Source Sans Pro Light"/>
+              </a:rPr>
+              <a:t>•  </a:t>
             </a:r>
             <a:r>
               <a:rPr lang="en-US" sz="900" b="0" u="sng" strike="noStrike" spc="-1" dirty="0">
@@ -3654,7 +3674,7 @@
                             <a:solidFill>
                               <a:srgbClr val="000000"/>
                             </a:solidFill>
-                            <a:latin typeface="Cambria Math"/>
+                            <a:latin typeface="Cambria Math" panose="02040503050406030204" pitchFamily="18" charset="0"/>
                             <a:ea typeface="Menlo"/>
                           </a:rPr>
                         </m:ctrlPr>
@@ -8666,7 +8686,7 @@
           <p:cNvPr id="2" name="Picture 1">
             <a:extLst>
               <a:ext uri="{FF2B5EF4-FFF2-40B4-BE49-F238E27FC236}">
-                <a16:creationId xmlns:a16="http://schemas.microsoft.com/office/drawing/2014/main" xmlns="" id="{3413C69E-B40F-4763-B061-53D1773D16F0}"/>
+                <a16:creationId xmlns:a16="http://schemas.microsoft.com/office/drawing/2014/main" id="{3413C69E-B40F-4763-B061-53D1773D16F0}"/>
               </a:ext>
             </a:extLst>
           </p:cNvPr>
@@ -8696,7 +8716,7 @@
           <p:cNvPr id="8" name="Picture 7">
             <a:extLst>
               <a:ext uri="{FF2B5EF4-FFF2-40B4-BE49-F238E27FC236}">
-                <a16:creationId xmlns:a16="http://schemas.microsoft.com/office/drawing/2014/main" xmlns="" id="{963B9C69-89E5-48D8-9B96-1B4B892EBE5E}"/>
+                <a16:creationId xmlns:a16="http://schemas.microsoft.com/office/drawing/2014/main" id="{963B9C69-89E5-48D8-9B96-1B4B892EBE5E}"/>
               </a:ext>
             </a:extLst>
           </p:cNvPr>
@@ -8726,7 +8746,7 @@
           <p:cNvPr id="9" name="Picture 8">
             <a:extLst>
               <a:ext uri="{FF2B5EF4-FFF2-40B4-BE49-F238E27FC236}">
-                <a16:creationId xmlns:a16="http://schemas.microsoft.com/office/drawing/2014/main" xmlns="" id="{BBF7067E-8FBE-4D5D-AB5E-5C90DBB20DC2}"/>
+                <a16:creationId xmlns:a16="http://schemas.microsoft.com/office/drawing/2014/main" id="{BBF7067E-8FBE-4D5D-AB5E-5C90DBB20DC2}"/>
               </a:ext>
             </a:extLst>
           </p:cNvPr>
@@ -8810,7 +8830,7 @@
           <p:cNvPr id="36" name="CustomShape 27">
             <a:extLst>
               <a:ext uri="{FF2B5EF4-FFF2-40B4-BE49-F238E27FC236}">
-                <a16:creationId xmlns:a16="http://schemas.microsoft.com/office/drawing/2014/main" xmlns="" id="{45A3C8FF-D918-492C-A736-CBE7DFCE1A1D}"/>
+                <a16:creationId xmlns:a16="http://schemas.microsoft.com/office/drawing/2014/main" id="{45A3C8FF-D918-492C-A736-CBE7DFCE1A1D}"/>
               </a:ext>
             </a:extLst>
           </p:cNvPr>
@@ -8876,7 +8896,7 @@
           <p:cNvPr id="37" name="CustomShape 28">
             <a:extLst>
               <a:ext uri="{FF2B5EF4-FFF2-40B4-BE49-F238E27FC236}">
-                <a16:creationId xmlns:a16="http://schemas.microsoft.com/office/drawing/2014/main" xmlns="" id="{FE1CB5B8-5F36-4E1B-A410-65B16B981E7E}"/>
+                <a16:creationId xmlns:a16="http://schemas.microsoft.com/office/drawing/2014/main" id="{FE1CB5B8-5F36-4E1B-A410-65B16B981E7E}"/>
               </a:ext>
             </a:extLst>
           </p:cNvPr>
@@ -9268,7 +9288,7 @@
           <p:cNvPr id="38" name="CustomShape 16">
             <a:extLst>
               <a:ext uri="{FF2B5EF4-FFF2-40B4-BE49-F238E27FC236}">
-                <a16:creationId xmlns:a16="http://schemas.microsoft.com/office/drawing/2014/main" xmlns="" id="{FE686C5A-A207-4B9B-B93E-3F46E9E11573}"/>
+                <a16:creationId xmlns:a16="http://schemas.microsoft.com/office/drawing/2014/main" id="{FE686C5A-A207-4B9B-B93E-3F46E9E11573}"/>
               </a:ext>
             </a:extLst>
           </p:cNvPr>
@@ -9334,7 +9354,7 @@
           <p:cNvPr id="39" name="CustomShape 20">
             <a:extLst>
               <a:ext uri="{FF2B5EF4-FFF2-40B4-BE49-F238E27FC236}">
-                <a16:creationId xmlns:a16="http://schemas.microsoft.com/office/drawing/2014/main" xmlns="" id="{BBEC1559-FF7E-40CC-918C-D3026D98F6E8}"/>
+                <a16:creationId xmlns:a16="http://schemas.microsoft.com/office/drawing/2014/main" id="{BBEC1559-FF7E-40CC-918C-D3026D98F6E8}"/>
               </a:ext>
             </a:extLst>
           </p:cNvPr>
@@ -13303,7 +13323,7 @@
           <p:cNvPr id="3" name="Picture 2">
             <a:extLst>
               <a:ext uri="{FF2B5EF4-FFF2-40B4-BE49-F238E27FC236}">
-                <a16:creationId xmlns:a16="http://schemas.microsoft.com/office/drawing/2014/main" xmlns="" id="{12A146D7-94BF-400A-A6F0-B63E1B3D053E}"/>
+                <a16:creationId xmlns:a16="http://schemas.microsoft.com/office/drawing/2014/main" id="{12A146D7-94BF-400A-A6F0-B63E1B3D053E}"/>
               </a:ext>
             </a:extLst>
           </p:cNvPr>
@@ -13333,7 +13353,7 @@
           <p:cNvPr id="4" name="Picture 3">
             <a:extLst>
               <a:ext uri="{FF2B5EF4-FFF2-40B4-BE49-F238E27FC236}">
-                <a16:creationId xmlns:a16="http://schemas.microsoft.com/office/drawing/2014/main" xmlns="" id="{F2F6CF5C-A728-4A9C-A63A-90BAE00AC094}"/>
+                <a16:creationId xmlns:a16="http://schemas.microsoft.com/office/drawing/2014/main" id="{F2F6CF5C-A728-4A9C-A63A-90BAE00AC094}"/>
               </a:ext>
             </a:extLst>
           </p:cNvPr>
@@ -13363,7 +13383,7 @@
           <p:cNvPr id="5" name="Picture 4">
             <a:extLst>
               <a:ext uri="{FF2B5EF4-FFF2-40B4-BE49-F238E27FC236}">
-                <a16:creationId xmlns:a16="http://schemas.microsoft.com/office/drawing/2014/main" xmlns="" id="{D2D461C5-EE8C-400C-B03E-648CF0942D52}"/>
+                <a16:creationId xmlns:a16="http://schemas.microsoft.com/office/drawing/2014/main" id="{D2D461C5-EE8C-400C-B03E-648CF0942D52}"/>
               </a:ext>
             </a:extLst>
           </p:cNvPr>
@@ -13393,7 +13413,7 @@
           <p:cNvPr id="29" name="CustomShape 4">
             <a:extLst>
               <a:ext uri="{FF2B5EF4-FFF2-40B4-BE49-F238E27FC236}">
-                <a16:creationId xmlns:a16="http://schemas.microsoft.com/office/drawing/2014/main" xmlns="" id="{FA44E67C-3FF1-4558-AB14-26AE8A22A162}"/>
+                <a16:creationId xmlns:a16="http://schemas.microsoft.com/office/drawing/2014/main" id="{FA44E67C-3FF1-4558-AB14-26AE8A22A162}"/>
               </a:ext>
             </a:extLst>
           </p:cNvPr>
@@ -13472,7 +13492,27 @@
                 <a:latin typeface="Source Sans Pro Light"/>
                 <a:ea typeface="Source Sans Pro Light"/>
               </a:rPr>
-              <a:t>, Inc.  •  </a:t>
+              <a:t>, </a:t>
+            </a:r>
+            <a:r>
+              <a:rPr lang="en-US" sz="900" b="0" strike="noStrike" spc="-1" dirty="0" smtClean="0">
+                <a:solidFill>
+                  <a:srgbClr val="000000"/>
+                </a:solidFill>
+                <a:latin typeface="Source Sans Pro Light"/>
+                <a:ea typeface="Source Sans Pro Light"/>
+              </a:rPr>
+              <a:t>PBC  </a:t>
+            </a:r>
+            <a:r>
+              <a:rPr lang="en-US" sz="900" b="0" strike="noStrike" spc="-1" dirty="0">
+                <a:solidFill>
+                  <a:srgbClr val="000000"/>
+                </a:solidFill>
+                <a:latin typeface="Source Sans Pro Light"/>
+                <a:ea typeface="Source Sans Pro Light"/>
+              </a:rPr>
+              <a:t>•  </a:t>
             </a:r>
             <a:r>
               <a:rPr lang="en-US" sz="900" b="0" u="sng" strike="noStrike" spc="-1" dirty="0">
@@ -13526,7 +13566,7 @@
           <p:cNvPr id="30" name="CustomShape 5">
             <a:extLst>
               <a:ext uri="{FF2B5EF4-FFF2-40B4-BE49-F238E27FC236}">
-                <a16:creationId xmlns:a16="http://schemas.microsoft.com/office/drawing/2014/main" xmlns="" id="{C98A7EA2-6B6B-4EBA-BFFD-9DB57EF48BEA}"/>
+                <a16:creationId xmlns:a16="http://schemas.microsoft.com/office/drawing/2014/main" id="{C98A7EA2-6B6B-4EBA-BFFD-9DB57EF48BEA}"/>
               </a:ext>
             </a:extLst>
           </p:cNvPr>
@@ -13628,7 +13668,7 @@
           <p:cNvPr id="33" name="CustomShape 12">
             <a:extLst>
               <a:ext uri="{FF2B5EF4-FFF2-40B4-BE49-F238E27FC236}">
-                <a16:creationId xmlns:a16="http://schemas.microsoft.com/office/drawing/2014/main" xmlns="" id="{9BF7BC54-7CA9-453F-8F94-E1B7DAC01C1D}"/>
+                <a16:creationId xmlns:a16="http://schemas.microsoft.com/office/drawing/2014/main" id="{9BF7BC54-7CA9-453F-8F94-E1B7DAC01C1D}"/>
               </a:ext>
             </a:extLst>
           </p:cNvPr>
@@ -13694,7 +13734,7 @@
           <p:cNvPr id="34" name="CustomShape 13">
             <a:extLst>
               <a:ext uri="{FF2B5EF4-FFF2-40B4-BE49-F238E27FC236}">
-                <a16:creationId xmlns:a16="http://schemas.microsoft.com/office/drawing/2014/main" xmlns="" id="{FDC5BC65-617F-49E1-8C35-871FF07F47D3}"/>
+                <a16:creationId xmlns:a16="http://schemas.microsoft.com/office/drawing/2014/main" id="{FDC5BC65-617F-49E1-8C35-871FF07F47D3}"/>
               </a:ext>
             </a:extLst>
           </p:cNvPr>
@@ -14217,7 +14257,7 @@
           <p:cNvPr id="35" name="CustomShape 14">
             <a:extLst>
               <a:ext uri="{FF2B5EF4-FFF2-40B4-BE49-F238E27FC236}">
-                <a16:creationId xmlns:a16="http://schemas.microsoft.com/office/drawing/2014/main" xmlns="" id="{9F30AC8D-69F9-4E24-8DBD-2817B548CE53}"/>
+                <a16:creationId xmlns:a16="http://schemas.microsoft.com/office/drawing/2014/main" id="{9F30AC8D-69F9-4E24-8DBD-2817B548CE53}"/>
               </a:ext>
             </a:extLst>
           </p:cNvPr>
@@ -14303,7 +14343,7 @@
           <p:cNvPr id="36" name="CustomShape 18">
             <a:extLst>
               <a:ext uri="{FF2B5EF4-FFF2-40B4-BE49-F238E27FC236}">
-                <a16:creationId xmlns:a16="http://schemas.microsoft.com/office/drawing/2014/main" xmlns="" id="{8175304C-6720-458D-A4B4-BC18A65DECB7}"/>
+                <a16:creationId xmlns:a16="http://schemas.microsoft.com/office/drawing/2014/main" id="{8175304C-6720-458D-A4B4-BC18A65DECB7}"/>
               </a:ext>
             </a:extLst>
           </p:cNvPr>
@@ -14369,7 +14409,7 @@
           <p:cNvPr id="37" name="CustomShape 11">
             <a:extLst>
               <a:ext uri="{FF2B5EF4-FFF2-40B4-BE49-F238E27FC236}">
-                <a16:creationId xmlns:a16="http://schemas.microsoft.com/office/drawing/2014/main" xmlns="" id="{66EDF1E5-D5F8-4B3F-BF43-45520FB3047D}"/>
+                <a16:creationId xmlns:a16="http://schemas.microsoft.com/office/drawing/2014/main" id="{66EDF1E5-D5F8-4B3F-BF43-45520FB3047D}"/>
               </a:ext>
             </a:extLst>
           </p:cNvPr>
@@ -14543,7 +14583,7 @@
           <p:cNvPr id="31" name="CustomShape 20">
             <a:extLst>
               <a:ext uri="{FF2B5EF4-FFF2-40B4-BE49-F238E27FC236}">
-                <a16:creationId xmlns:a16="http://schemas.microsoft.com/office/drawing/2014/main" xmlns="" id="{8C51053E-1BD8-4D69-807B-85FFAA91D01F}"/>
+                <a16:creationId xmlns:a16="http://schemas.microsoft.com/office/drawing/2014/main" id="{8C51053E-1BD8-4D69-807B-85FFAA91D01F}"/>
               </a:ext>
             </a:extLst>
           </p:cNvPr>
@@ -14959,7 +14999,7 @@
           <p:cNvPr id="38" name="CustomShape 11">
             <a:extLst>
               <a:ext uri="{FF2B5EF4-FFF2-40B4-BE49-F238E27FC236}">
-                <a16:creationId xmlns:a16="http://schemas.microsoft.com/office/drawing/2014/main" xmlns="" id="{80FB9226-5CF8-4E43-A14B-2177829A4633}"/>
+                <a16:creationId xmlns:a16="http://schemas.microsoft.com/office/drawing/2014/main" id="{80FB9226-5CF8-4E43-A14B-2177829A4633}"/>
               </a:ext>
             </a:extLst>
           </p:cNvPr>
@@ -15444,7 +15484,7 @@
           <p:cNvPr id="39" name="CustomShape 7">
             <a:extLst>
               <a:ext uri="{FF2B5EF4-FFF2-40B4-BE49-F238E27FC236}">
-                <a16:creationId xmlns:a16="http://schemas.microsoft.com/office/drawing/2014/main" xmlns="" id="{9ED32AB9-3A08-4952-8EE2-D174E0DD0A23}"/>
+                <a16:creationId xmlns:a16="http://schemas.microsoft.com/office/drawing/2014/main" id="{9ED32AB9-3A08-4952-8EE2-D174E0DD0A23}"/>
               </a:ext>
             </a:extLst>
           </p:cNvPr>
@@ -16004,7 +16044,7 @@
           <p:cNvPr id="40" name="Picture 7">
             <a:extLst>
               <a:ext uri="{FF2B5EF4-FFF2-40B4-BE49-F238E27FC236}">
-                <a16:creationId xmlns:a16="http://schemas.microsoft.com/office/drawing/2014/main" xmlns="" id="{40563545-D9EB-49CF-916A-6133BCF6EB44}"/>
+                <a16:creationId xmlns:a16="http://schemas.microsoft.com/office/drawing/2014/main" id="{40563545-D9EB-49CF-916A-6133BCF6EB44}"/>
               </a:ext>
             </a:extLst>
           </p:cNvPr>
